--- a/HW5/r10943181_HW5.pptx
+++ b/HW5/r10943181_HW5.pptx
@@ -4544,6 +4544,275 @@
           </a:p>
         </p:txBody>
       </p:sp>
+      <mc:AlternateContent xmlns:mc="http://schemas.openxmlformats.org/markup-compatibility/2006">
+        <mc:Choice xmlns:a14="http://schemas.microsoft.com/office/drawing/2010/main" Requires="a14">
+          <p:sp>
+            <p:nvSpPr>
+              <p:cNvPr id="2" name="文字方塊 1">
+                <a:extLst>
+                  <a:ext uri="{FF2B5EF4-FFF2-40B4-BE49-F238E27FC236}">
+                    <a16:creationId xmlns:a16="http://schemas.microsoft.com/office/drawing/2014/main" id="{D16E2F02-55B4-45F9-27EF-C34A744223A5}"/>
+                  </a:ext>
+                </a:extLst>
+              </p:cNvPr>
+              <p:cNvSpPr txBox="1"/>
+              <p:nvPr/>
+            </p:nvSpPr>
+            <p:spPr>
+              <a:xfrm>
+                <a:off x="372814" y="1268760"/>
+                <a:ext cx="8398372" cy="1323439"/>
+              </a:xfrm>
+              <a:prstGeom prst="rect">
+                <a:avLst/>
+              </a:prstGeom>
+              <a:noFill/>
+            </p:spPr>
+            <p:txBody>
+              <a:bodyPr wrap="square" rtlCol="0">
+                <a:spAutoFit/>
+              </a:bodyPr>
+              <a:lstStyle/>
+              <a:p>
+                <a:pPr marL="457200" indent="-457200">
+                  <a:buFont typeface="+mj-lt"/>
+                  <a:buAutoNum type="arabicPeriod"/>
+                </a:pPr>
+                <a:r>
+                  <a:rPr kumimoji="1" lang="en-US" altLang="zh-TW" dirty="0">
+                    <a:latin typeface="Calibri" panose="020F0502020204030204" pitchFamily="34" charset="0"/>
+                    <a:ea typeface="Microsoft JhengHei" panose="020B0604030504040204" pitchFamily="34" charset="-120"/>
+                    <a:cs typeface="Calibri" panose="020F0502020204030204" pitchFamily="34" charset="0"/>
+                  </a:rPr>
+                  <a:t>sectioned convolution</a:t>
+                </a:r>
+                <a:r>
+                  <a:rPr kumimoji="1" lang="zh-TW" altLang="en-US" dirty="0">
+                    <a:latin typeface="Calibri" panose="020F0502020204030204" pitchFamily="34" charset="0"/>
+                    <a:ea typeface="Microsoft JhengHei" panose="020B0604030504040204" pitchFamily="34" charset="-120"/>
+                    <a:cs typeface="Calibri" panose="020F0502020204030204" pitchFamily="34" charset="0"/>
+                  </a:rPr>
+                  <a:t> 的</a:t>
+                </a:r>
+                <a:r>
+                  <a:rPr lang="zh-TW" altLang="en-US" dirty="0">
+                    <a:latin typeface="Calibri" panose="020F0502020204030204" pitchFamily="34" charset="0"/>
+                    <a:ea typeface="Microsoft JhengHei" panose="020B0604030504040204" pitchFamily="34" charset="-120"/>
+                    <a:cs typeface="Calibri" panose="020F0502020204030204" pitchFamily="34" charset="0"/>
+                  </a:rPr>
+                  <a:t>運算量較 </a:t>
+                </a:r>
+                <a:r>
+                  <a:rPr lang="en-US" altLang="zh-TW" dirty="0">
+                    <a:latin typeface="Calibri" panose="020F0502020204030204" pitchFamily="34" charset="0"/>
+                    <a:ea typeface="Microsoft JhengHei" panose="020B0604030504040204" pitchFamily="34" charset="-120"/>
+                    <a:cs typeface="Calibri" panose="020F0502020204030204" pitchFamily="34" charset="0"/>
+                  </a:rPr>
+                  <a:t>non-sectioned convolution</a:t>
+                </a:r>
+                <a:r>
+                  <a:rPr lang="zh-TW" altLang="en-US" dirty="0">
+                    <a:latin typeface="Calibri" panose="020F0502020204030204" pitchFamily="34" charset="0"/>
+                    <a:ea typeface="Microsoft JhengHei" panose="020B0604030504040204" pitchFamily="34" charset="-120"/>
+                    <a:cs typeface="Calibri" panose="020F0502020204030204" pitchFamily="34" charset="0"/>
+                  </a:rPr>
+                  <a:t> 少，</a:t>
+                </a:r>
+                <a:r>
+                  <a:rPr lang="en-US" altLang="zh-TW" dirty="0">
+                    <a:latin typeface="Calibri" panose="020F0502020204030204" pitchFamily="34" charset="0"/>
+                    <a:ea typeface="Microsoft JhengHei" panose="020B0604030504040204" pitchFamily="34" charset="-120"/>
+                    <a:cs typeface="Calibri" panose="020F0502020204030204" pitchFamily="34" charset="0"/>
+                  </a:rPr>
+                  <a:t> sectioned convolution</a:t>
+                </a:r>
+                <a:r>
+                  <a:rPr lang="zh-TW" altLang="en-US" dirty="0">
+                    <a:latin typeface="Calibri" panose="020F0502020204030204" pitchFamily="34" charset="0"/>
+                    <a:ea typeface="Microsoft JhengHei" panose="020B0604030504040204" pitchFamily="34" charset="-120"/>
+                    <a:cs typeface="Calibri" panose="020F0502020204030204" pitchFamily="34" charset="0"/>
+                  </a:rPr>
+                  <a:t> 的運算量</a:t>
+                </a:r>
+                <a:r>
+                  <a:rPr kumimoji="1" lang="zh-TW" altLang="en-US" dirty="0">
+                    <a:latin typeface="Calibri" panose="020F0502020204030204" pitchFamily="34" charset="0"/>
+                    <a:ea typeface="Microsoft JhengHei" panose="020B0604030504040204" pitchFamily="34" charset="-120"/>
+                    <a:cs typeface="Calibri" panose="020F0502020204030204" pitchFamily="34" charset="0"/>
+                  </a:rPr>
+                  <a:t>大約等於 </a:t>
+                </a:r>
+                <a14:m>
+                  <m:oMath xmlns:m="http://schemas.openxmlformats.org/officeDocument/2006/math">
+                    <m:r>
+                      <a:rPr kumimoji="1" lang="en-US" altLang="zh-TW" b="0" i="1" smtClean="0">
+                        <a:latin typeface="+mj-ea"/>
+                        <a:ea typeface="+mj-ea"/>
+                      </a:rPr>
+                      <m:t>𝑁</m:t>
+                    </m:r>
+                    <m:r>
+                      <a:rPr kumimoji="1" lang="en-US" altLang="zh-TW" b="0" i="1" smtClean="0">
+                        <a:latin typeface="Cambria Math" panose="02040503050406030204" pitchFamily="18" charset="0"/>
+                        <a:ea typeface="Cambria Math" panose="02040503050406030204" pitchFamily="18" charset="0"/>
+                      </a:rPr>
+                      <m:t>∗</m:t>
+                    </m:r>
+                    <m:r>
+                      <a:rPr kumimoji="1" lang="en-US" altLang="zh-TW" b="0" i="1" smtClean="0">
+                        <a:latin typeface="+mj-ea"/>
+                        <a:ea typeface="+mj-ea"/>
+                      </a:rPr>
+                      <m:t>𝑐𝑜𝑛𝑠𝑡𝑎𝑛𝑡</m:t>
+                    </m:r>
+                    <m:r>
+                      <a:rPr kumimoji="1" lang="en-US" altLang="zh-TW" b="0" i="1" smtClean="0">
+                        <a:latin typeface="Cambria Math" panose="02040503050406030204" pitchFamily="18" charset="0"/>
+                        <a:ea typeface="+mj-ea"/>
+                      </a:rPr>
+                      <m:t>⇒</m:t>
+                    </m:r>
+                    <m:r>
+                      <a:rPr lang="en-US" altLang="zh-TW" b="0" i="1" smtClean="0">
+                        <a:latin typeface="Cambria Math" panose="02040503050406030204" pitchFamily="18" charset="0"/>
+                        <a:ea typeface="+mj-ea"/>
+                      </a:rPr>
+                      <m:t>𝑐𝑜𝑚𝑝𝑙𝑒𝑥𝑖𝑡𝑦</m:t>
+                    </m:r>
+                    <m:r>
+                      <a:rPr lang="en-US" altLang="zh-TW" b="0" i="1" smtClean="0">
+                        <a:latin typeface="Cambria Math" panose="02040503050406030204" pitchFamily="18" charset="0"/>
+                        <a:ea typeface="+mj-ea"/>
+                      </a:rPr>
+                      <m:t>:</m:t>
+                    </m:r>
+                    <m:r>
+                      <a:rPr lang="en-US" altLang="zh-TW" b="0" i="1" smtClean="0">
+                        <a:latin typeface="Cambria Math" panose="02040503050406030204" pitchFamily="18" charset="0"/>
+                        <a:ea typeface="+mj-ea"/>
+                      </a:rPr>
+                      <m:t>𝑂</m:t>
+                    </m:r>
+                    <m:r>
+                      <a:rPr lang="en-US" altLang="zh-TW" b="0" i="1" smtClean="0">
+                        <a:latin typeface="Cambria Math" panose="02040503050406030204" pitchFamily="18" charset="0"/>
+                        <a:ea typeface="+mj-ea"/>
+                      </a:rPr>
+                      <m:t>(</m:t>
+                    </m:r>
+                    <m:r>
+                      <a:rPr lang="en-US" altLang="zh-TW" b="0" i="1" smtClean="0">
+                        <a:latin typeface="Cambria Math" panose="02040503050406030204" pitchFamily="18" charset="0"/>
+                        <a:ea typeface="+mj-ea"/>
+                      </a:rPr>
+                      <m:t>𝑁</m:t>
+                    </m:r>
+                    <m:r>
+                      <a:rPr lang="en-US" altLang="zh-TW" b="0" i="1" smtClean="0">
+                        <a:latin typeface="Cambria Math" panose="02040503050406030204" pitchFamily="18" charset="0"/>
+                        <a:ea typeface="+mj-ea"/>
+                      </a:rPr>
+                      <m:t>)</m:t>
+                    </m:r>
+                  </m:oMath>
+                </a14:m>
+                <a:r>
+                  <a:rPr lang="zh-TW" altLang="en-US" dirty="0">
+                    <a:latin typeface="Calibri" panose="020F0502020204030204" pitchFamily="34" charset="0"/>
+                    <a:ea typeface="Microsoft JhengHei" panose="020B0604030504040204" pitchFamily="34" charset="-120"/>
+                    <a:cs typeface="Calibri" panose="020F0502020204030204" pitchFamily="34" charset="0"/>
+                  </a:rPr>
+                  <a:t>。</a:t>
+                </a:r>
+                <a:endParaRPr lang="en-US" altLang="zh-TW" dirty="0">
+                  <a:latin typeface="Calibri" panose="020F0502020204030204" pitchFamily="34" charset="0"/>
+                  <a:ea typeface="Microsoft JhengHei" panose="020B0604030504040204" pitchFamily="34" charset="-120"/>
+                  <a:cs typeface="Calibri" panose="020F0502020204030204" pitchFamily="34" charset="0"/>
+                </a:endParaRPr>
+              </a:p>
+              <a:p>
+                <a:pPr marL="457200" indent="-457200">
+                  <a:buFont typeface="+mj-lt"/>
+                  <a:buAutoNum type="arabicPeriod"/>
+                </a:pPr>
+                <a:r>
+                  <a:rPr lang="zh-TW" altLang="en-US" dirty="0">
+                    <a:latin typeface="Calibri" panose="020F0502020204030204" pitchFamily="34" charset="0"/>
+                    <a:ea typeface="Microsoft JhengHei" panose="020B0604030504040204" pitchFamily="34" charset="-120"/>
+                    <a:cs typeface="Calibri" panose="020F0502020204030204" pitchFamily="34" charset="0"/>
+                  </a:rPr>
+                  <a:t>若每一段長度都是固定的</a:t>
+                </a:r>
+                <a:r>
+                  <a:rPr lang="en-US" altLang="zh-TW" dirty="0">
+                    <a:latin typeface="Calibri" panose="020F0502020204030204" pitchFamily="34" charset="0"/>
+                    <a:ea typeface="Microsoft JhengHei" panose="020B0604030504040204" pitchFamily="34" charset="-120"/>
+                    <a:cs typeface="Calibri" panose="020F0502020204030204" pitchFamily="34" charset="0"/>
+                  </a:rPr>
+                  <a:t>L</a:t>
+                </a:r>
+                <a:r>
+                  <a:rPr lang="zh-TW" altLang="en-US" dirty="0">
+                    <a:latin typeface="Calibri" panose="020F0502020204030204" pitchFamily="34" charset="0"/>
+                    <a:ea typeface="Microsoft JhengHei" panose="020B0604030504040204" pitchFamily="34" charset="-120"/>
+                    <a:cs typeface="Calibri" panose="020F0502020204030204" pitchFamily="34" charset="0"/>
+                  </a:rPr>
+                  <a:t>，硬體的架構與需求量就是會固定的。</a:t>
+                </a:r>
+                <a:endParaRPr lang="en-US" altLang="zh-TW" dirty="0">
+                  <a:latin typeface="Calibri" panose="020F0502020204030204" pitchFamily="34" charset="0"/>
+                  <a:ea typeface="Microsoft JhengHei" panose="020B0604030504040204" pitchFamily="34" charset="-120"/>
+                  <a:cs typeface="Calibri" panose="020F0502020204030204" pitchFamily="34" charset="0"/>
+                </a:endParaRPr>
+              </a:p>
+            </p:txBody>
+          </p:sp>
+        </mc:Choice>
+        <mc:Fallback>
+          <p:sp>
+            <p:nvSpPr>
+              <p:cNvPr id="2" name="文字方塊 1">
+                <a:extLst>
+                  <a:ext uri="{FF2B5EF4-FFF2-40B4-BE49-F238E27FC236}">
+                    <a16:creationId xmlns:a16="http://schemas.microsoft.com/office/drawing/2014/main" id="{D16E2F02-55B4-45F9-27EF-C34A744223A5}"/>
+                  </a:ext>
+                </a:extLst>
+              </p:cNvPr>
+              <p:cNvSpPr txBox="1">
+                <a:spLocks noRot="1" noChangeAspect="1" noMove="1" noResize="1" noEditPoints="1" noAdjustHandles="1" noChangeArrowheads="1" noChangeShapeType="1" noTextEdit="1"/>
+              </p:cNvSpPr>
+              <p:nvPr/>
+            </p:nvSpPr>
+            <p:spPr>
+              <a:xfrm>
+                <a:off x="372814" y="1268760"/>
+                <a:ext cx="8398372" cy="1323439"/>
+              </a:xfrm>
+              <a:prstGeom prst="rect">
+                <a:avLst/>
+              </a:prstGeom>
+              <a:blipFill>
+                <a:blip r:embed="rId2"/>
+                <a:stretch>
+                  <a:fillRect l="-755" t="-1887" b="-6604"/>
+                </a:stretch>
+              </a:blipFill>
+            </p:spPr>
+            <p:txBody>
+              <a:bodyPr/>
+              <a:lstStyle/>
+              <a:p>
+                <a:r>
+                  <a:rPr lang="zh-TW" altLang="en-US">
+                    <a:noFill/>
+                  </a:rPr>
+                  <a:t> </a:t>
+                </a:r>
+              </a:p>
+            </p:txBody>
+          </p:sp>
+        </mc:Fallback>
+      </mc:AlternateContent>
     </p:spTree>
     <p:extLst>
       <p:ext uri="{BB962C8B-B14F-4D97-AF65-F5344CB8AC3E}">
@@ -4640,6 +4909,165 @@
           </a:p>
         </p:txBody>
       </p:sp>
+      <p:sp>
+        <p:nvSpPr>
+          <p:cNvPr id="2" name="文字方塊 1">
+            <a:extLst>
+              <a:ext uri="{FF2B5EF4-FFF2-40B4-BE49-F238E27FC236}">
+                <a16:creationId xmlns:a16="http://schemas.microsoft.com/office/drawing/2014/main" id="{19FD7E38-8955-E248-B2F1-32C31EE42D5A}"/>
+              </a:ext>
+            </a:extLst>
+          </p:cNvPr>
+          <p:cNvSpPr txBox="1"/>
+          <p:nvPr/>
+        </p:nvSpPr>
+        <p:spPr>
+          <a:xfrm>
+            <a:off x="287337" y="1628800"/>
+            <a:ext cx="8569325" cy="2862322"/>
+          </a:xfrm>
+          <a:prstGeom prst="rect">
+            <a:avLst/>
+          </a:prstGeom>
+          <a:noFill/>
+        </p:spPr>
+        <p:txBody>
+          <a:bodyPr wrap="square" rtlCol="0">
+            <a:spAutoFit/>
+          </a:bodyPr>
+          <a:lstStyle/>
+          <a:p>
+            <a:pPr marL="457200" indent="-457200">
+              <a:buAutoNum type="alphaLcParenBoth"/>
+            </a:pPr>
+            <a:r>
+              <a:rPr lang="en-US" altLang="zh-TW" dirty="0"/>
+              <a:t>calculating the linear convolution</a:t>
+            </a:r>
+            <a:r>
+              <a:rPr lang="zh-TW" altLang="en-US" dirty="0"/>
+              <a:t>： </a:t>
+            </a:r>
+            <a:endParaRPr lang="en-US" altLang="zh-TW" dirty="0"/>
+          </a:p>
+          <a:p>
+            <a:pPr lvl="1"/>
+            <a:r>
+              <a:rPr lang="zh-TW" altLang="en-US" dirty="0"/>
+              <a:t>不適合。</a:t>
+            </a:r>
+            <a:r>
+              <a:rPr lang="en-US" altLang="zh-TW" dirty="0"/>
+              <a:t>Walsh transform </a:t>
+            </a:r>
+            <a:r>
+              <a:rPr lang="zh-TW" altLang="en-US" dirty="0"/>
+              <a:t>只有在 </a:t>
+            </a:r>
+            <a:r>
+              <a:rPr lang="en-US" altLang="zh-TW" dirty="0"/>
+              <a:t>logical convolution </a:t>
+            </a:r>
+            <a:r>
+              <a:rPr lang="zh-TW" altLang="en-US" dirty="0"/>
+              <a:t>做 </a:t>
+            </a:r>
+            <a:r>
+              <a:rPr lang="en-US" altLang="zh-TW" dirty="0"/>
+              <a:t>transform</a:t>
+            </a:r>
+            <a:r>
+              <a:rPr lang="zh-TW" altLang="en-US" dirty="0"/>
+              <a:t> 後才會變成乘法，在 </a:t>
+            </a:r>
+            <a:r>
+              <a:rPr lang="en-US" altLang="zh-TW" dirty="0"/>
+              <a:t>linear convolution</a:t>
+            </a:r>
+            <a:r>
+              <a:rPr lang="zh-TW" altLang="en-US" dirty="0"/>
+              <a:t> 則沒有這個性質。</a:t>
+            </a:r>
+            <a:endParaRPr lang="en-US" altLang="zh-TW" dirty="0"/>
+          </a:p>
+          <a:p>
+            <a:pPr marL="457200" indent="-457200">
+              <a:buAutoNum type="alphaLcParenBoth"/>
+            </a:pPr>
+            <a:r>
+              <a:rPr lang="en-US" altLang="zh-TW" dirty="0"/>
+              <a:t>compressing a natural image</a:t>
+            </a:r>
+            <a:r>
+              <a:rPr lang="zh-TW" altLang="en-US" dirty="0"/>
+              <a:t>：</a:t>
+            </a:r>
+            <a:endParaRPr lang="en-US" altLang="zh-TW" dirty="0"/>
+          </a:p>
+          <a:p>
+            <a:pPr lvl="1"/>
+            <a:r>
+              <a:rPr lang="zh-TW" altLang="en-US" dirty="0"/>
+              <a:t>不適合。當運算量不是問題的話，比較少使用 </a:t>
+            </a:r>
+            <a:r>
+              <a:rPr lang="en-US" altLang="zh-TW" dirty="0"/>
+              <a:t>Walsh transform </a:t>
+            </a:r>
+            <a:r>
+              <a:rPr lang="zh-TW" altLang="en-US" dirty="0"/>
+              <a:t>而是會用 </a:t>
+            </a:r>
+            <a:r>
+              <a:rPr lang="en-US" altLang="zh-TW" dirty="0"/>
+              <a:t>DCT</a:t>
+            </a:r>
+            <a:r>
+              <a:rPr lang="zh-TW" altLang="en-US" dirty="0"/>
+              <a:t>。</a:t>
+            </a:r>
+            <a:endParaRPr lang="en-US" altLang="zh-TW" dirty="0"/>
+          </a:p>
+          <a:p>
+            <a:pPr marL="457200" indent="-457200">
+              <a:buAutoNum type="alphaLcParenBoth"/>
+            </a:pPr>
+            <a:r>
+              <a:rPr lang="en-US" altLang="zh-TW" dirty="0"/>
+              <a:t>stair-like signal analysis</a:t>
+            </a:r>
+            <a:r>
+              <a:rPr lang="zh-TW" altLang="en-US" dirty="0"/>
+              <a:t>：</a:t>
+            </a:r>
+            <a:endParaRPr lang="en-US" altLang="zh-TW" dirty="0"/>
+          </a:p>
+          <a:p>
+            <a:pPr lvl="1"/>
+            <a:r>
+              <a:rPr lang="zh-TW" altLang="en-US" dirty="0"/>
+              <a:t>適合。跟 </a:t>
+            </a:r>
+            <a:r>
+              <a:rPr lang="en-US" altLang="zh-TW" dirty="0"/>
+              <a:t>Walsh transform</a:t>
+            </a:r>
+            <a:r>
+              <a:rPr lang="zh-TW" altLang="en-US" dirty="0"/>
+              <a:t> 一樣都是菱菱角角的樣子，用 </a:t>
+            </a:r>
+            <a:r>
+              <a:rPr lang="en-US" altLang="zh-TW" dirty="0"/>
+              <a:t>Walsh transform</a:t>
+            </a:r>
+            <a:r>
+              <a:rPr lang="zh-TW" altLang="en-US" dirty="0"/>
+              <a:t>會有優勢。</a:t>
+            </a:r>
+            <a:endParaRPr lang="en-US" altLang="zh-TW" dirty="0"/>
+          </a:p>
+        </p:txBody>
+      </p:sp>
     </p:spTree>
     <p:extLst>
       <p:ext uri="{BB962C8B-B14F-4D97-AF65-F5344CB8AC3E}">
@@ -4734,6 +5162,394 @@
           </a:p>
         </p:txBody>
       </p:sp>
+      <mc:AlternateContent xmlns:mc="http://schemas.openxmlformats.org/markup-compatibility/2006">
+        <mc:Choice xmlns:a14="http://schemas.microsoft.com/office/drawing/2010/main" Requires="a14">
+          <p:sp>
+            <p:nvSpPr>
+              <p:cNvPr id="2" name="文字方塊 1">
+                <a:extLst>
+                  <a:ext uri="{FF2B5EF4-FFF2-40B4-BE49-F238E27FC236}">
+                    <a16:creationId xmlns:a16="http://schemas.microsoft.com/office/drawing/2014/main" id="{2635989B-0C12-EFB4-B220-3F843231BFFB}"/>
+                  </a:ext>
+                </a:extLst>
+              </p:cNvPr>
+              <p:cNvSpPr txBox="1"/>
+              <p:nvPr/>
+            </p:nvSpPr>
+            <p:spPr>
+              <a:xfrm>
+                <a:off x="287337" y="1268760"/>
+                <a:ext cx="8569325" cy="1015663"/>
+              </a:xfrm>
+              <a:prstGeom prst="rect">
+                <a:avLst/>
+              </a:prstGeom>
+              <a:noFill/>
+            </p:spPr>
+            <p:txBody>
+              <a:bodyPr wrap="square" rtlCol="0">
+                <a:spAutoFit/>
+              </a:bodyPr>
+              <a:lstStyle/>
+              <a:p>
+                <a:pPr marL="457200" indent="-457200">
+                  <a:buAutoNum type="alphaLcParenBoth"/>
+                </a:pPr>
+                <a:r>
+                  <a:rPr lang="en-US" altLang="zh-TW" dirty="0"/>
+                  <a:t>16-point =&gt;</a:t>
+                </a:r>
+                <a:r>
+                  <a:rPr lang="zh-TW" altLang="en-US" dirty="0"/>
+                  <a:t> </a:t>
+                </a:r>
+                <a:r>
+                  <a:rPr kumimoji="1" lang="en-US" altLang="zh-TW" dirty="0"/>
+                  <a:t>4</a:t>
+                </a:r>
+                <a:r>
+                  <a:rPr kumimoji="1" lang="zh-TW" altLang="en-US" dirty="0"/>
+                  <a:t>個 </a:t>
+                </a:r>
+                <a:r>
+                  <a:rPr kumimoji="1" lang="en-US" altLang="zh-TW" dirty="0"/>
+                  <a:t>stage</a:t>
+                </a:r>
+                <a:r>
+                  <a:rPr kumimoji="1" lang="zh-TW" altLang="en-US" dirty="0"/>
+                  <a:t>，</a:t>
+                </a:r>
+                <a:r>
+                  <a:rPr kumimoji="1" lang="en-US" altLang="zh-TW" dirty="0"/>
+                  <a:t>1</a:t>
+                </a:r>
+                <a:r>
+                  <a:rPr kumimoji="1" lang="zh-TW" altLang="en-US" dirty="0"/>
+                  <a:t>個 </a:t>
+                </a:r>
+                <a:r>
+                  <a:rPr kumimoji="1" lang="en-US" altLang="zh-TW" dirty="0"/>
+                  <a:t>stage : 16</a:t>
+                </a:r>
+                <a:r>
+                  <a:rPr kumimoji="1" lang="zh-TW" altLang="en-US" dirty="0"/>
+                  <a:t> 個加法</a:t>
+                </a:r>
+                <a:r>
+                  <a:rPr lang="zh-TW" altLang="en-US" dirty="0"/>
+                  <a:t>，總共會是 </a:t>
+                </a:r>
+                <a:r>
+                  <a:rPr kumimoji="1" lang="en-US" altLang="zh-TW" dirty="0"/>
+                  <a:t>16x4</a:t>
+                </a:r>
+                <a:r>
+                  <a:rPr kumimoji="1" lang="zh-TW" altLang="en-US" dirty="0"/>
+                  <a:t> </a:t>
+                </a:r>
+                <a:r>
+                  <a:rPr kumimoji="1" lang="en-US" altLang="zh-TW" dirty="0"/>
+                  <a:t>=</a:t>
+                </a:r>
+                <a:r>
+                  <a:rPr kumimoji="1" lang="zh-TW" altLang="en-US" dirty="0"/>
+                  <a:t> </a:t>
+                </a:r>
+                <a:r>
+                  <a:rPr kumimoji="1" lang="en-US" altLang="zh-TW" dirty="0"/>
+                  <a:t>64</a:t>
+                </a:r>
+                <a:r>
+                  <a:rPr kumimoji="1" lang="zh-TW" altLang="en-US" dirty="0"/>
+                  <a:t> 個加法。</a:t>
+                </a:r>
+                <a:endParaRPr kumimoji="1" lang="en-US" altLang="zh-TW" dirty="0"/>
+              </a:p>
+              <a:p>
+                <a:pPr marL="457200" indent="-457200">
+                  <a:buAutoNum type="alphaLcParenBoth"/>
+                </a:pPr>
+                <a14:m>
+                  <m:oMath xmlns:m="http://schemas.openxmlformats.org/officeDocument/2006/math">
+                    <m:sSub>
+                      <m:sSubPr>
+                        <m:ctrlPr>
+                          <a:rPr kumimoji="1" lang="en-US" altLang="zh-TW" i="1" smtClean="0">
+                            <a:latin typeface="Cambria Math" panose="02040503050406030204" pitchFamily="18" charset="0"/>
+                          </a:rPr>
+                        </m:ctrlPr>
+                      </m:sSubPr>
+                      <m:e>
+                        <m:r>
+                          <a:rPr kumimoji="1" lang="en-US" altLang="zh-TW" b="0" i="1" smtClean="0">
+                            <a:latin typeface="Cambria Math" panose="02040503050406030204" pitchFamily="18" charset="0"/>
+                          </a:rPr>
+                          <m:t>𝐻</m:t>
+                        </m:r>
+                      </m:e>
+                      <m:sub>
+                        <m:r>
+                          <a:rPr kumimoji="1" lang="en-US" altLang="zh-TW" b="0" i="1" smtClean="0">
+                            <a:latin typeface="Cambria Math" panose="02040503050406030204" pitchFamily="18" charset="0"/>
+                          </a:rPr>
+                          <m:t>2</m:t>
+                        </m:r>
+                      </m:sub>
+                    </m:sSub>
+                    <m:r>
+                      <a:rPr kumimoji="1" lang="en-US" altLang="zh-TW" b="0" i="1" smtClean="0">
+                        <a:latin typeface="Cambria Math" panose="02040503050406030204" pitchFamily="18" charset="0"/>
+                      </a:rPr>
+                      <m:t>=2</m:t>
+                    </m:r>
+                    <m:r>
+                      <a:rPr kumimoji="1" lang="zh-TW" altLang="en-US" b="0" i="1" smtClean="0">
+                        <a:latin typeface="Cambria Math" panose="02040503050406030204" pitchFamily="18" charset="0"/>
+                      </a:rPr>
+                      <m:t> </m:t>
+                    </m:r>
+                    <m:r>
+                      <a:rPr lang="zh-TW" altLang="en-US" i="1">
+                        <a:latin typeface="Cambria Math" panose="02040503050406030204" pitchFamily="18" charset="0"/>
+                      </a:rPr>
+                      <m:t>個加法</m:t>
+                    </m:r>
+                    <m:r>
+                      <a:rPr lang="zh-TW" altLang="en-US" i="1" smtClean="0">
+                        <a:latin typeface="Cambria Math" panose="02040503050406030204" pitchFamily="18" charset="0"/>
+                      </a:rPr>
+                      <m:t>，</m:t>
+                    </m:r>
+                    <m:sSub>
+                      <m:sSubPr>
+                        <m:ctrlPr>
+                          <a:rPr lang="en-US" altLang="zh-TW" i="1">
+                            <a:latin typeface="Cambria Math" panose="02040503050406030204" pitchFamily="18" charset="0"/>
+                          </a:rPr>
+                        </m:ctrlPr>
+                      </m:sSubPr>
+                      <m:e>
+                        <m:r>
+                          <a:rPr lang="en-US" altLang="zh-TW" i="1">
+                            <a:latin typeface="Cambria Math" panose="02040503050406030204" pitchFamily="18" charset="0"/>
+                          </a:rPr>
+                          <m:t>𝐻</m:t>
+                        </m:r>
+                      </m:e>
+                      <m:sub>
+                        <m:r>
+                          <a:rPr lang="en-US" altLang="zh-TW" b="0" i="1" smtClean="0">
+                            <a:latin typeface="Cambria Math" panose="02040503050406030204" pitchFamily="18" charset="0"/>
+                          </a:rPr>
+                          <m:t>4</m:t>
+                        </m:r>
+                      </m:sub>
+                    </m:sSub>
+                    <m:r>
+                      <a:rPr lang="en-US" altLang="zh-TW" i="1">
+                        <a:latin typeface="Cambria Math" panose="02040503050406030204" pitchFamily="18" charset="0"/>
+                      </a:rPr>
+                      <m:t>=2</m:t>
+                    </m:r>
+                    <m:r>
+                      <a:rPr lang="en-US" altLang="zh-TW" b="0" i="1" smtClean="0">
+                        <a:latin typeface="Cambria Math" panose="02040503050406030204" pitchFamily="18" charset="0"/>
+                      </a:rPr>
+                      <m:t>+4=6</m:t>
+                    </m:r>
+                    <m:r>
+                      <a:rPr lang="zh-TW" altLang="en-US" i="1">
+                        <a:latin typeface="Cambria Math" panose="02040503050406030204" pitchFamily="18" charset="0"/>
+                      </a:rPr>
+                      <m:t> </m:t>
+                    </m:r>
+                    <m:r>
+                      <a:rPr lang="zh-TW" altLang="en-US" i="1">
+                        <a:latin typeface="Cambria Math" panose="02040503050406030204" pitchFamily="18" charset="0"/>
+                      </a:rPr>
+                      <m:t>個加法</m:t>
+                    </m:r>
+                    <m:r>
+                      <a:rPr lang="zh-TW" altLang="en-US" i="1">
+                        <a:latin typeface="Cambria Math" panose="02040503050406030204" pitchFamily="18" charset="0"/>
+                      </a:rPr>
+                      <m:t>，</m:t>
+                    </m:r>
+                    <m:sSub>
+                      <m:sSubPr>
+                        <m:ctrlPr>
+                          <a:rPr lang="en-US" altLang="zh-TW" i="1">
+                            <a:latin typeface="Cambria Math" panose="02040503050406030204" pitchFamily="18" charset="0"/>
+                          </a:rPr>
+                        </m:ctrlPr>
+                      </m:sSubPr>
+                      <m:e>
+                        <m:r>
+                          <a:rPr lang="en-US" altLang="zh-TW" i="1">
+                            <a:latin typeface="Cambria Math" panose="02040503050406030204" pitchFamily="18" charset="0"/>
+                          </a:rPr>
+                          <m:t>𝐻</m:t>
+                        </m:r>
+                      </m:e>
+                      <m:sub>
+                        <m:r>
+                          <a:rPr lang="en-US" altLang="zh-TW" b="0" i="1" smtClean="0">
+                            <a:latin typeface="Cambria Math" panose="02040503050406030204" pitchFamily="18" charset="0"/>
+                          </a:rPr>
+                          <m:t>8</m:t>
+                        </m:r>
+                      </m:sub>
+                    </m:sSub>
+                    <m:r>
+                      <a:rPr lang="en-US" altLang="zh-TW" i="1">
+                        <a:latin typeface="Cambria Math" panose="02040503050406030204" pitchFamily="18" charset="0"/>
+                      </a:rPr>
+                      <m:t>=</m:t>
+                    </m:r>
+                    <m:r>
+                      <a:rPr lang="en-US" altLang="zh-TW" b="0" i="1" smtClean="0">
+                        <a:latin typeface="Cambria Math" panose="02040503050406030204" pitchFamily="18" charset="0"/>
+                      </a:rPr>
+                      <m:t>6+8=14</m:t>
+                    </m:r>
+                    <m:r>
+                      <a:rPr lang="zh-TW" altLang="en-US" i="1">
+                        <a:latin typeface="Cambria Math" panose="02040503050406030204" pitchFamily="18" charset="0"/>
+                      </a:rPr>
+                      <m:t> </m:t>
+                    </m:r>
+                    <m:r>
+                      <a:rPr lang="zh-TW" altLang="en-US" i="1">
+                        <a:latin typeface="Cambria Math" panose="02040503050406030204" pitchFamily="18" charset="0"/>
+                      </a:rPr>
+                      <m:t>個加法</m:t>
+                    </m:r>
+                  </m:oMath>
+                </a14:m>
+                <a:endParaRPr lang="en-US" altLang="zh-TW" dirty="0"/>
+              </a:p>
+              <a:p>
+                <a:pPr lvl="1"/>
+                <a14:m>
+                  <m:oMathPara xmlns:m="http://schemas.openxmlformats.org/officeDocument/2006/math">
+                    <m:oMathParaPr>
+                      <m:jc m:val="centerGroup"/>
+                    </m:oMathParaPr>
+                    <m:oMath xmlns:m="http://schemas.openxmlformats.org/officeDocument/2006/math">
+                      <m:r>
+                        <a:rPr kumimoji="1" lang="en-US" altLang="zh-TW" b="0" i="1" smtClean="0">
+                          <a:latin typeface="Cambria Math" panose="02040503050406030204" pitchFamily="18" charset="0"/>
+                        </a:rPr>
+                        <m:t>⇒</m:t>
+                      </m:r>
+                      <m:r>
+                        <a:rPr kumimoji="1" lang="zh-TW" altLang="en-US" b="0" i="1" smtClean="0">
+                          <a:latin typeface="Cambria Math" panose="02040503050406030204" pitchFamily="18" charset="0"/>
+                        </a:rPr>
+                        <m:t> </m:t>
+                      </m:r>
+                      <m:sSub>
+                        <m:sSubPr>
+                          <m:ctrlPr>
+                            <a:rPr kumimoji="1" lang="en-US" altLang="zh-TW" b="0" i="1" smtClean="0">
+                              <a:latin typeface="Cambria Math" panose="02040503050406030204" pitchFamily="18" charset="0"/>
+                            </a:rPr>
+                          </m:ctrlPr>
+                        </m:sSubPr>
+                        <m:e>
+                          <m:r>
+                            <a:rPr kumimoji="1" lang="en-US" altLang="zh-TW" b="0" i="1" smtClean="0">
+                              <a:latin typeface="Cambria Math" panose="02040503050406030204" pitchFamily="18" charset="0"/>
+                            </a:rPr>
+                            <m:t>𝐻</m:t>
+                          </m:r>
+                        </m:e>
+                        <m:sub>
+                          <m:r>
+                            <a:rPr kumimoji="1" lang="en-US" altLang="zh-TW" b="0" i="1" smtClean="0">
+                              <a:latin typeface="Cambria Math" panose="02040503050406030204" pitchFamily="18" charset="0"/>
+                            </a:rPr>
+                            <m:t>16</m:t>
+                          </m:r>
+                        </m:sub>
+                      </m:sSub>
+                      <m:r>
+                        <a:rPr kumimoji="1" lang="en-US" altLang="zh-TW" b="0" i="1" smtClean="0">
+                          <a:latin typeface="Cambria Math" panose="02040503050406030204" pitchFamily="18" charset="0"/>
+                        </a:rPr>
+                        <m:t>=14+16=30</m:t>
+                      </m:r>
+                      <m:r>
+                        <a:rPr kumimoji="1" lang="zh-TW" altLang="en-US" b="0" i="1" smtClean="0">
+                          <a:latin typeface="Cambria Math" panose="02040503050406030204" pitchFamily="18" charset="0"/>
+                        </a:rPr>
+                        <m:t> </m:t>
+                      </m:r>
+                      <m:r>
+                        <a:rPr lang="zh-TW" altLang="en-US" i="1">
+                          <a:latin typeface="Cambria Math" panose="02040503050406030204" pitchFamily="18" charset="0"/>
+                        </a:rPr>
+                        <m:t>個加法</m:t>
+                      </m:r>
+                      <m:r>
+                        <a:rPr lang="zh-TW" altLang="en-US" i="1" smtClean="0">
+                          <a:latin typeface="Cambria Math" panose="02040503050406030204" pitchFamily="18" charset="0"/>
+                        </a:rPr>
+                        <m:t>。</m:t>
+                      </m:r>
+                    </m:oMath>
+                  </m:oMathPara>
+                </a14:m>
+                <a:endParaRPr lang="en-US" altLang="zh-TW" b="0" dirty="0"/>
+              </a:p>
+            </p:txBody>
+          </p:sp>
+        </mc:Choice>
+        <mc:Fallback>
+          <p:sp>
+            <p:nvSpPr>
+              <p:cNvPr id="2" name="文字方塊 1">
+                <a:extLst>
+                  <a:ext uri="{FF2B5EF4-FFF2-40B4-BE49-F238E27FC236}">
+                    <a16:creationId xmlns:a16="http://schemas.microsoft.com/office/drawing/2014/main" id="{2635989B-0C12-EFB4-B220-3F843231BFFB}"/>
+                  </a:ext>
+                </a:extLst>
+              </p:cNvPr>
+              <p:cNvSpPr txBox="1">
+                <a:spLocks noRot="1" noChangeAspect="1" noMove="1" noResize="1" noEditPoints="1" noAdjustHandles="1" noChangeArrowheads="1" noChangeShapeType="1" noTextEdit="1"/>
+              </p:cNvSpPr>
+              <p:nvPr/>
+            </p:nvSpPr>
+            <p:spPr>
+              <a:xfrm>
+                <a:off x="287337" y="1268760"/>
+                <a:ext cx="8569325" cy="1015663"/>
+              </a:xfrm>
+              <a:prstGeom prst="rect">
+                <a:avLst/>
+              </a:prstGeom>
+              <a:blipFill>
+                <a:blip r:embed="rId2"/>
+                <a:stretch>
+                  <a:fillRect l="-592" t="-2469" r="-3550" b="-7407"/>
+                </a:stretch>
+              </a:blipFill>
+            </p:spPr>
+            <p:txBody>
+              <a:bodyPr/>
+              <a:lstStyle/>
+              <a:p>
+                <a:r>
+                  <a:rPr lang="zh-TW" altLang="en-US">
+                    <a:noFill/>
+                  </a:rPr>
+                  <a:t> </a:t>
+                </a:r>
+              </a:p>
+            </p:txBody>
+          </p:sp>
+        </mc:Fallback>
+      </mc:AlternateContent>
     </p:spTree>
     <p:extLst>
       <p:ext uri="{BB962C8B-B14F-4D97-AF65-F5344CB8AC3E}">
@@ -4831,6 +5647,101 @@
               <a:rPr lang="en-US" altLang="zh-TW" dirty="0"/>
               <a:t>      original FDM?                                                                                  (8 scores)</a:t>
             </a:r>
+          </a:p>
+        </p:txBody>
+      </p:sp>
+      <p:sp>
+        <p:nvSpPr>
+          <p:cNvPr id="3" name="文字方塊 2">
+            <a:extLst>
+              <a:ext uri="{FF2B5EF4-FFF2-40B4-BE49-F238E27FC236}">
+                <a16:creationId xmlns:a16="http://schemas.microsoft.com/office/drawing/2014/main" id="{86B273B1-167A-D649-BA34-B7B3BC144EA6}"/>
+              </a:ext>
+            </a:extLst>
+          </p:cNvPr>
+          <p:cNvSpPr txBox="1"/>
+          <p:nvPr/>
+        </p:nvSpPr>
+        <p:spPr>
+          <a:xfrm>
+            <a:off x="359532" y="1268760"/>
+            <a:ext cx="8424863" cy="1323439"/>
+          </a:xfrm>
+          <a:prstGeom prst="rect">
+            <a:avLst/>
+          </a:prstGeom>
+          <a:noFill/>
+        </p:spPr>
+        <p:txBody>
+          <a:bodyPr wrap="square" rtlCol="0">
+            <a:spAutoFit/>
+          </a:bodyPr>
+          <a:lstStyle/>
+          <a:p>
+            <a:pPr marL="457200" indent="-457200">
+              <a:buFont typeface="+mj-lt"/>
+              <a:buAutoNum type="arabicPeriod"/>
+            </a:pPr>
+            <a:r>
+              <a:rPr lang="en-US" altLang="zh-TW" dirty="0"/>
+              <a:t>OFDM</a:t>
+            </a:r>
+            <a:r>
+              <a:rPr kumimoji="1" lang="en-US" altLang="zh-TW" dirty="0"/>
+              <a:t> </a:t>
+            </a:r>
+            <a:r>
+              <a:rPr kumimoji="1" lang="zh-TW" altLang="en-US" dirty="0"/>
+              <a:t>不同 </a:t>
+            </a:r>
+            <a:r>
+              <a:rPr kumimoji="1" lang="en-US" altLang="zh-TW" dirty="0"/>
+              <a:t>channels </a:t>
+            </a:r>
+            <a:r>
+              <a:rPr kumimoji="1" lang="zh-TW" altLang="en-US" dirty="0"/>
+              <a:t>傳送的東西不會互相干擾，</a:t>
+            </a:r>
+            <a:r>
+              <a:rPr lang="zh-TW" altLang="en-US" dirty="0"/>
+              <a:t>要還原訊號時</a:t>
+            </a:r>
+            <a:r>
+              <a:rPr kumimoji="1" lang="zh-TW" altLang="en-US" dirty="0"/>
+              <a:t>比較能夠簡單就還原出來</a:t>
+            </a:r>
+            <a:r>
+              <a:rPr lang="zh-TW" altLang="en-US" dirty="0"/>
+              <a:t>。</a:t>
+            </a:r>
+            <a:endParaRPr lang="en-US" altLang="zh-TW" dirty="0"/>
+          </a:p>
+          <a:p>
+            <a:pPr marL="457200" indent="-457200">
+              <a:buFont typeface="+mj-lt"/>
+              <a:buAutoNum type="arabicPeriod"/>
+            </a:pPr>
+            <a:r>
+              <a:rPr lang="en-US" altLang="zh-TW" dirty="0"/>
+              <a:t>OFDM</a:t>
+            </a:r>
+            <a:r>
+              <a:rPr lang="zh-TW" altLang="en-US" dirty="0"/>
+              <a:t> </a:t>
+            </a:r>
+            <a:r>
+              <a:rPr kumimoji="1" lang="zh-TW" altLang="en-US" dirty="0"/>
+              <a:t>跟 </a:t>
+            </a:r>
+            <a:r>
+              <a:rPr kumimoji="1" lang="en-US" altLang="zh-TW" dirty="0"/>
+              <a:t>inverse</a:t>
+            </a:r>
+            <a:r>
+              <a:rPr kumimoji="1" lang="zh-TW" altLang="en-US" dirty="0"/>
+              <a:t> 離散傅立葉轉換的式子是很像的，就可以利用傅立葉轉換的快速演算法來做調變解調。</a:t>
+            </a:r>
+            <a:endParaRPr kumimoji="1" lang="en-US" altLang="zh-TW" dirty="0"/>
           </a:p>
         </p:txBody>
       </p:sp>

--- a/HW5/r10943181_HW5.pptx
+++ b/HW5/r10943181_HW5.pptx
@@ -5908,7 +5908,7 @@
         </p:nvSpPr>
         <p:spPr>
           <a:xfrm>
-            <a:off x="7596336" y="1772816"/>
+            <a:off x="7524328" y="968534"/>
             <a:ext cx="1378904" cy="400110"/>
           </a:xfrm>
           <a:prstGeom prst="rect">
@@ -5926,6 +5926,1799 @@
               <a:t>(10 scores) </a:t>
             </a:r>
             <a:endParaRPr lang="zh-TW" altLang="en-US" dirty="0"/>
+          </a:p>
+        </p:txBody>
+      </p:sp>
+      <p:sp>
+        <p:nvSpPr>
+          <p:cNvPr id="4" name="文字方塊 3">
+            <a:extLst>
+              <a:ext uri="{FF2B5EF4-FFF2-40B4-BE49-F238E27FC236}">
+                <a16:creationId xmlns:a16="http://schemas.microsoft.com/office/drawing/2014/main" id="{BBEEED4A-7879-82EA-9DC4-A18103E70D93}"/>
+              </a:ext>
+            </a:extLst>
+          </p:cNvPr>
+          <p:cNvSpPr txBox="1"/>
+          <p:nvPr/>
+        </p:nvSpPr>
+        <p:spPr>
+          <a:xfrm>
+            <a:off x="359532" y="2230418"/>
+            <a:ext cx="8424936" cy="3108543"/>
+          </a:xfrm>
+          <a:prstGeom prst="rect">
+            <a:avLst/>
+          </a:prstGeom>
+          <a:noFill/>
+        </p:spPr>
+        <p:txBody>
+          <a:bodyPr wrap="square" rtlCol="0">
+            <a:spAutoFit/>
+          </a:bodyPr>
+          <a:lstStyle/>
+          <a:p>
+            <a:r>
+              <a:rPr lang="en-US" altLang="zh-TW" dirty="0"/>
+              <a:t>1</a:t>
+            </a:r>
+            <a:r>
+              <a:rPr lang="en-US" altLang="zh-TW" baseline="30000" dirty="0"/>
+              <a:t>st</a:t>
+            </a:r>
+            <a:r>
+              <a:rPr lang="en-US" altLang="zh-TW" dirty="0"/>
+              <a:t> =</a:t>
+            </a:r>
+            <a:r>
+              <a:rPr lang="zh-TW" altLang="en-US" dirty="0"/>
+              <a:t> </a:t>
+            </a:r>
+            <a:r>
+              <a:rPr lang="en-US" altLang="zh-TW" dirty="0"/>
+              <a:t>[1</a:t>
+            </a:r>
+            <a:r>
+              <a:rPr lang="zh-TW" altLang="en-US" dirty="0"/>
+              <a:t> </a:t>
+            </a:r>
+            <a:r>
+              <a:rPr lang="en-US" altLang="zh-TW" dirty="0"/>
+              <a:t>1</a:t>
+            </a:r>
+            <a:r>
+              <a:rPr lang="zh-TW" altLang="en-US" dirty="0"/>
+              <a:t> </a:t>
+            </a:r>
+            <a:r>
+              <a:rPr lang="en-US" altLang="zh-TW" dirty="0"/>
+              <a:t>1</a:t>
+            </a:r>
+            <a:r>
+              <a:rPr lang="zh-TW" altLang="en-US" dirty="0"/>
+              <a:t> </a:t>
+            </a:r>
+            <a:r>
+              <a:rPr lang="en-US" altLang="zh-TW" dirty="0"/>
+              <a:t>1</a:t>
+            </a:r>
+            <a:r>
+              <a:rPr lang="zh-TW" altLang="en-US" dirty="0"/>
+              <a:t> </a:t>
+            </a:r>
+            <a:r>
+              <a:rPr lang="en-US" altLang="zh-TW" dirty="0"/>
+              <a:t>1</a:t>
+            </a:r>
+            <a:r>
+              <a:rPr lang="zh-TW" altLang="en-US" dirty="0"/>
+              <a:t> </a:t>
+            </a:r>
+            <a:r>
+              <a:rPr lang="en-US" altLang="zh-TW" dirty="0"/>
+              <a:t>1</a:t>
+            </a:r>
+            <a:r>
+              <a:rPr lang="zh-TW" altLang="en-US" dirty="0"/>
+              <a:t> </a:t>
+            </a:r>
+            <a:r>
+              <a:rPr lang="en-US" altLang="zh-TW" dirty="0"/>
+              <a:t>1</a:t>
+            </a:r>
+            <a:r>
+              <a:rPr lang="zh-TW" altLang="en-US" dirty="0"/>
+              <a:t> </a:t>
+            </a:r>
+            <a:r>
+              <a:rPr lang="en-US" altLang="zh-TW" dirty="0"/>
+              <a:t>1</a:t>
+            </a:r>
+            <a:r>
+              <a:rPr lang="zh-TW" altLang="en-US" dirty="0"/>
+              <a:t> </a:t>
+            </a:r>
+            <a:r>
+              <a:rPr lang="en-US" altLang="zh-TW" dirty="0"/>
+              <a:t>1</a:t>
+            </a:r>
+            <a:r>
+              <a:rPr lang="zh-TW" altLang="en-US" dirty="0"/>
+              <a:t> </a:t>
+            </a:r>
+            <a:r>
+              <a:rPr lang="en-US" altLang="zh-TW" dirty="0"/>
+              <a:t>1</a:t>
+            </a:r>
+            <a:r>
+              <a:rPr lang="zh-TW" altLang="en-US" dirty="0"/>
+              <a:t> </a:t>
+            </a:r>
+            <a:r>
+              <a:rPr lang="en-US" altLang="zh-TW" dirty="0"/>
+              <a:t>1</a:t>
+            </a:r>
+            <a:r>
+              <a:rPr lang="zh-TW" altLang="en-US" dirty="0"/>
+              <a:t> </a:t>
+            </a:r>
+            <a:r>
+              <a:rPr lang="en-US" altLang="zh-TW" dirty="0"/>
+              <a:t>1</a:t>
+            </a:r>
+            <a:r>
+              <a:rPr lang="zh-TW" altLang="en-US" dirty="0"/>
+              <a:t> </a:t>
+            </a:r>
+            <a:r>
+              <a:rPr lang="en-US" altLang="zh-TW" dirty="0"/>
+              <a:t>1</a:t>
+            </a:r>
+            <a:r>
+              <a:rPr lang="zh-TW" altLang="en-US" dirty="0"/>
+              <a:t> </a:t>
+            </a:r>
+            <a:r>
+              <a:rPr lang="en-US" altLang="zh-TW" dirty="0"/>
+              <a:t>1</a:t>
+            </a:r>
+            <a:r>
+              <a:rPr lang="zh-TW" altLang="en-US" dirty="0"/>
+              <a:t> </a:t>
+            </a:r>
+            <a:r>
+              <a:rPr lang="en-US" altLang="zh-TW" dirty="0"/>
+              <a:t>1</a:t>
+            </a:r>
+            <a:r>
+              <a:rPr lang="zh-TW" altLang="en-US" dirty="0"/>
+              <a:t> </a:t>
+            </a:r>
+            <a:r>
+              <a:rPr lang="en-US" altLang="zh-TW" dirty="0"/>
+              <a:t>1],</a:t>
+            </a:r>
+            <a:r>
+              <a:rPr lang="zh-TW" altLang="en-US" dirty="0"/>
+              <a:t> </a:t>
+            </a:r>
+            <a:r>
+              <a:rPr lang="en-US" altLang="zh-TW" dirty="0"/>
+              <a:t>6</a:t>
+            </a:r>
+            <a:r>
+              <a:rPr lang="en-US" altLang="zh-TW" baseline="30000" dirty="0"/>
+              <a:t>th</a:t>
+            </a:r>
+            <a:r>
+              <a:rPr lang="en-US" altLang="zh-TW" dirty="0"/>
+              <a:t> =</a:t>
+            </a:r>
+            <a:r>
+              <a:rPr lang="zh-TW" altLang="en-US" dirty="0"/>
+              <a:t> </a:t>
+            </a:r>
+            <a:r>
+              <a:rPr lang="en-US" altLang="zh-TW" dirty="0"/>
+              <a:t>[1</a:t>
+            </a:r>
+            <a:r>
+              <a:rPr lang="zh-TW" altLang="en-US" dirty="0"/>
+              <a:t> </a:t>
+            </a:r>
+            <a:r>
+              <a:rPr lang="en-US" altLang="zh-TW" dirty="0"/>
+              <a:t>1</a:t>
+            </a:r>
+            <a:r>
+              <a:rPr lang="zh-TW" altLang="en-US" dirty="0"/>
+              <a:t> </a:t>
+            </a:r>
+            <a:r>
+              <a:rPr lang="en-US" altLang="zh-TW" dirty="0"/>
+              <a:t>-1</a:t>
+            </a:r>
+            <a:r>
+              <a:rPr lang="zh-TW" altLang="en-US" dirty="0"/>
+              <a:t> </a:t>
+            </a:r>
+            <a:r>
+              <a:rPr lang="en-US" altLang="zh-TW" dirty="0"/>
+              <a:t>-1</a:t>
+            </a:r>
+            <a:r>
+              <a:rPr lang="zh-TW" altLang="en-US" dirty="0"/>
+              <a:t> </a:t>
+            </a:r>
+            <a:r>
+              <a:rPr lang="en-US" altLang="zh-TW" dirty="0"/>
+              <a:t>-1</a:t>
+            </a:r>
+            <a:r>
+              <a:rPr lang="zh-TW" altLang="en-US" dirty="0"/>
+              <a:t> </a:t>
+            </a:r>
+            <a:r>
+              <a:rPr lang="en-US" altLang="zh-TW" dirty="0"/>
+              <a:t>-1</a:t>
+            </a:r>
+            <a:r>
+              <a:rPr lang="zh-TW" altLang="en-US" dirty="0"/>
+              <a:t> </a:t>
+            </a:r>
+            <a:r>
+              <a:rPr lang="en-US" altLang="zh-TW" dirty="0"/>
+              <a:t>1</a:t>
+            </a:r>
+            <a:r>
+              <a:rPr lang="zh-TW" altLang="en-US" dirty="0"/>
+              <a:t> </a:t>
+            </a:r>
+            <a:r>
+              <a:rPr lang="en-US" altLang="zh-TW" dirty="0"/>
+              <a:t>1</a:t>
+            </a:r>
+            <a:r>
+              <a:rPr lang="zh-TW" altLang="en-US" dirty="0"/>
+              <a:t> </a:t>
+            </a:r>
+            <a:r>
+              <a:rPr lang="en-US" altLang="zh-TW" dirty="0"/>
+              <a:t>-1</a:t>
+            </a:r>
+            <a:r>
+              <a:rPr lang="zh-TW" altLang="en-US" dirty="0"/>
+              <a:t> </a:t>
+            </a:r>
+            <a:r>
+              <a:rPr lang="en-US" altLang="zh-TW" dirty="0"/>
+              <a:t>-1</a:t>
+            </a:r>
+            <a:r>
+              <a:rPr lang="zh-TW" altLang="en-US" dirty="0"/>
+              <a:t> </a:t>
+            </a:r>
+            <a:r>
+              <a:rPr lang="en-US" altLang="zh-TW" dirty="0"/>
+              <a:t>1</a:t>
+            </a:r>
+            <a:r>
+              <a:rPr lang="zh-TW" altLang="en-US" dirty="0"/>
+              <a:t> </a:t>
+            </a:r>
+            <a:r>
+              <a:rPr lang="en-US" altLang="zh-TW" dirty="0"/>
+              <a:t>1</a:t>
+            </a:r>
+            <a:r>
+              <a:rPr lang="zh-TW" altLang="en-US" dirty="0"/>
+              <a:t> </a:t>
+            </a:r>
+            <a:r>
+              <a:rPr lang="en-US" altLang="zh-TW" dirty="0"/>
+              <a:t>1</a:t>
+            </a:r>
+            <a:r>
+              <a:rPr lang="zh-TW" altLang="en-US" dirty="0"/>
+              <a:t> </a:t>
+            </a:r>
+            <a:r>
+              <a:rPr lang="en-US" altLang="zh-TW" dirty="0"/>
+              <a:t>1</a:t>
+            </a:r>
+            <a:r>
+              <a:rPr lang="zh-TW" altLang="en-US" dirty="0"/>
+              <a:t> </a:t>
+            </a:r>
+            <a:r>
+              <a:rPr lang="en-US" altLang="zh-TW" dirty="0"/>
+              <a:t>-1</a:t>
+            </a:r>
+            <a:r>
+              <a:rPr lang="zh-TW" altLang="en-US" dirty="0"/>
+              <a:t> </a:t>
+            </a:r>
+            <a:r>
+              <a:rPr lang="en-US" altLang="zh-TW" dirty="0"/>
+              <a:t>-1],</a:t>
+            </a:r>
+            <a:r>
+              <a:rPr lang="zh-TW" altLang="en-US" dirty="0"/>
+              <a:t> </a:t>
+            </a:r>
+            <a:r>
+              <a:rPr lang="en-US" altLang="zh-TW" dirty="0"/>
+              <a:t>12</a:t>
+            </a:r>
+            <a:r>
+              <a:rPr lang="en-US" altLang="zh-TW" baseline="30000" dirty="0"/>
+              <a:t>th</a:t>
+            </a:r>
+            <a:r>
+              <a:rPr lang="en-US" altLang="zh-TW" dirty="0"/>
+              <a:t> =</a:t>
+            </a:r>
+            <a:r>
+              <a:rPr lang="zh-TW" altLang="en-US" dirty="0"/>
+              <a:t> </a:t>
+            </a:r>
+            <a:r>
+              <a:rPr lang="en-US" altLang="zh-TW" dirty="0"/>
+              <a:t>[1</a:t>
+            </a:r>
+            <a:r>
+              <a:rPr lang="zh-TW" altLang="en-US" dirty="0"/>
+              <a:t> </a:t>
+            </a:r>
+            <a:r>
+              <a:rPr lang="en-US" altLang="zh-TW" dirty="0"/>
+              <a:t>-1</a:t>
+            </a:r>
+            <a:r>
+              <a:rPr lang="zh-TW" altLang="en-US" dirty="0"/>
+              <a:t> </a:t>
+            </a:r>
+            <a:r>
+              <a:rPr lang="en-US" altLang="zh-TW" dirty="0"/>
+              <a:t>-1</a:t>
+            </a:r>
+            <a:r>
+              <a:rPr lang="zh-TW" altLang="en-US" dirty="0"/>
+              <a:t> </a:t>
+            </a:r>
+            <a:r>
+              <a:rPr lang="en-US" altLang="zh-TW" dirty="0"/>
+              <a:t>1</a:t>
+            </a:r>
+            <a:r>
+              <a:rPr lang="zh-TW" altLang="en-US" dirty="0"/>
+              <a:t> </a:t>
+            </a:r>
+            <a:r>
+              <a:rPr lang="en-US" altLang="zh-TW" dirty="0"/>
+              <a:t>-1</a:t>
+            </a:r>
+            <a:r>
+              <a:rPr lang="zh-TW" altLang="en-US" dirty="0"/>
+              <a:t> </a:t>
+            </a:r>
+            <a:r>
+              <a:rPr lang="en-US" altLang="zh-TW" dirty="0"/>
+              <a:t>1</a:t>
+            </a:r>
+            <a:r>
+              <a:rPr lang="zh-TW" altLang="en-US" dirty="0"/>
+              <a:t> </a:t>
+            </a:r>
+            <a:r>
+              <a:rPr lang="en-US" altLang="zh-TW" dirty="0"/>
+              <a:t>1</a:t>
+            </a:r>
+            <a:r>
+              <a:rPr lang="zh-TW" altLang="en-US" dirty="0"/>
+              <a:t> </a:t>
+            </a:r>
+            <a:r>
+              <a:rPr lang="en-US" altLang="zh-TW" dirty="0"/>
+              <a:t>-1</a:t>
+            </a:r>
+            <a:r>
+              <a:rPr lang="zh-TW" altLang="en-US" dirty="0"/>
+              <a:t> </a:t>
+            </a:r>
+            <a:r>
+              <a:rPr lang="en-US" altLang="zh-TW" dirty="0"/>
+              <a:t>1</a:t>
+            </a:r>
+            <a:r>
+              <a:rPr lang="zh-TW" altLang="en-US" dirty="0"/>
+              <a:t> </a:t>
+            </a:r>
+            <a:r>
+              <a:rPr lang="en-US" altLang="zh-TW" dirty="0"/>
+              <a:t>-1</a:t>
+            </a:r>
+            <a:r>
+              <a:rPr lang="zh-TW" altLang="en-US" dirty="0"/>
+              <a:t> </a:t>
+            </a:r>
+            <a:r>
+              <a:rPr lang="en-US" altLang="zh-TW" dirty="0"/>
+              <a:t>-1</a:t>
+            </a:r>
+            <a:r>
+              <a:rPr lang="zh-TW" altLang="en-US" dirty="0"/>
+              <a:t> </a:t>
+            </a:r>
+            <a:r>
+              <a:rPr lang="en-US" altLang="zh-TW" dirty="0"/>
+              <a:t>1</a:t>
+            </a:r>
+            <a:r>
+              <a:rPr lang="zh-TW" altLang="en-US" dirty="0"/>
+              <a:t> </a:t>
+            </a:r>
+            <a:r>
+              <a:rPr lang="en-US" altLang="zh-TW" dirty="0"/>
+              <a:t>-1</a:t>
+            </a:r>
+            <a:r>
+              <a:rPr lang="zh-TW" altLang="en-US" dirty="0"/>
+              <a:t> </a:t>
+            </a:r>
+            <a:r>
+              <a:rPr lang="en-US" altLang="zh-TW" dirty="0"/>
+              <a:t>1</a:t>
+            </a:r>
+            <a:r>
+              <a:rPr lang="zh-TW" altLang="en-US" dirty="0"/>
+              <a:t> </a:t>
+            </a:r>
+            <a:r>
+              <a:rPr lang="en-US" altLang="zh-TW" dirty="0"/>
+              <a:t>1</a:t>
+            </a:r>
+            <a:r>
+              <a:rPr lang="zh-TW" altLang="en-US" dirty="0"/>
+              <a:t> </a:t>
+            </a:r>
+            <a:r>
+              <a:rPr lang="en-US" altLang="zh-TW" dirty="0"/>
+              <a:t>-1]</a:t>
+            </a:r>
+          </a:p>
+          <a:p>
+            <a:pPr marL="457200" indent="-457200">
+              <a:buAutoNum type="alphaLcParenBoth"/>
+            </a:pPr>
+            <a:r>
+              <a:rPr lang="en-US" altLang="zh-TW" dirty="0"/>
+              <a:t>(1)</a:t>
+            </a:r>
+            <a:r>
+              <a:rPr lang="zh-TW" altLang="en-US" dirty="0"/>
+              <a:t> 將 </a:t>
+            </a:r>
+            <a:r>
+              <a:rPr lang="en-US" altLang="zh-TW" dirty="0"/>
+              <a:t>0</a:t>
+            </a:r>
+            <a:r>
+              <a:rPr lang="zh-TW" altLang="en-US" dirty="0"/>
+              <a:t> 變為 −</a:t>
+            </a:r>
+            <a:r>
+              <a:rPr lang="en-US" altLang="zh-TW" dirty="0"/>
+              <a:t>1:</a:t>
+            </a:r>
+            <a:r>
+              <a:rPr lang="zh-TW" altLang="en-US" dirty="0"/>
+              <a:t> </a:t>
+            </a:r>
+            <a:r>
+              <a:rPr lang="en-US" altLang="zh-TW" dirty="0"/>
+              <a:t>[1 1 -1], [-1 1 1], [1 -1 1]</a:t>
+            </a:r>
+            <a:r>
+              <a:rPr lang="zh-TW" altLang="en-US" dirty="0"/>
+              <a:t> </a:t>
+            </a:r>
+            <a:endParaRPr lang="en-US" altLang="zh-TW" dirty="0"/>
+          </a:p>
+          <a:p>
+            <a:r>
+              <a:rPr lang="en-US" altLang="zh-TW" dirty="0"/>
+              <a:t> </a:t>
+            </a:r>
+            <a:r>
+              <a:rPr lang="zh-TW" altLang="en-US" dirty="0"/>
+              <a:t>      </a:t>
+            </a:r>
+            <a:r>
+              <a:rPr lang="en-US" altLang="zh-TW" dirty="0"/>
+              <a:t>(2) [1 1 -1]</a:t>
+            </a:r>
+            <a:r>
+              <a:rPr lang="zh-TW" altLang="en-US" dirty="0"/>
+              <a:t> </a:t>
+            </a:r>
+            <a:r>
+              <a:rPr lang="en-US" altLang="zh-TW" dirty="0">
+                <a:effectLst/>
+                <a:latin typeface="TimesNewRomanPSMT"/>
+              </a:rPr>
+              <a:t>modulated by </a:t>
+            </a:r>
+            <a:r>
+              <a:rPr lang="en-US" altLang="zh-TW" dirty="0"/>
+              <a:t>1</a:t>
+            </a:r>
+            <a:r>
+              <a:rPr lang="en-US" altLang="zh-TW" baseline="30000" dirty="0"/>
+              <a:t>st</a:t>
+            </a:r>
+            <a:r>
+              <a:rPr lang="zh-TW" altLang="en-US" dirty="0"/>
+              <a:t> </a:t>
+            </a:r>
+            <a:endParaRPr lang="en-US" altLang="zh-TW" dirty="0"/>
+          </a:p>
+          <a:p>
+            <a:pPr marL="342900" indent="-342900">
+              <a:buFont typeface="Symbol" pitchFamily="2" charset="2"/>
+              <a:buChar char="Þ"/>
+            </a:pPr>
+            <a:r>
+              <a:rPr lang="en-US" altLang="zh-TW" sz="1400" dirty="0"/>
+              <a:t>[1</a:t>
+            </a:r>
+            <a:r>
+              <a:rPr lang="zh-TW" altLang="en-US" sz="1400" dirty="0"/>
+              <a:t> </a:t>
+            </a:r>
+            <a:r>
+              <a:rPr lang="en-US" altLang="zh-TW" sz="1400" dirty="0"/>
+              <a:t>1</a:t>
+            </a:r>
+            <a:r>
+              <a:rPr lang="zh-TW" altLang="en-US" sz="1400" dirty="0"/>
+              <a:t> </a:t>
+            </a:r>
+            <a:r>
+              <a:rPr lang="en-US" altLang="zh-TW" sz="1400" dirty="0"/>
+              <a:t>1</a:t>
+            </a:r>
+            <a:r>
+              <a:rPr lang="zh-TW" altLang="en-US" sz="1400" dirty="0"/>
+              <a:t> </a:t>
+            </a:r>
+            <a:r>
+              <a:rPr lang="en-US" altLang="zh-TW" sz="1400" dirty="0"/>
+              <a:t>1</a:t>
+            </a:r>
+            <a:r>
+              <a:rPr lang="zh-TW" altLang="en-US" sz="1400" dirty="0"/>
+              <a:t> </a:t>
+            </a:r>
+            <a:r>
+              <a:rPr lang="en-US" altLang="zh-TW" sz="1400" dirty="0"/>
+              <a:t>1</a:t>
+            </a:r>
+            <a:r>
+              <a:rPr lang="zh-TW" altLang="en-US" sz="1400" dirty="0"/>
+              <a:t> </a:t>
+            </a:r>
+            <a:r>
+              <a:rPr lang="en-US" altLang="zh-TW" sz="1400" dirty="0"/>
+              <a:t>1</a:t>
+            </a:r>
+            <a:r>
+              <a:rPr lang="zh-TW" altLang="en-US" sz="1400" dirty="0"/>
+              <a:t> </a:t>
+            </a:r>
+            <a:r>
+              <a:rPr lang="en-US" altLang="zh-TW" sz="1400" dirty="0"/>
+              <a:t>1</a:t>
+            </a:r>
+            <a:r>
+              <a:rPr lang="zh-TW" altLang="en-US" sz="1400" dirty="0"/>
+              <a:t> </a:t>
+            </a:r>
+            <a:r>
+              <a:rPr lang="en-US" altLang="zh-TW" sz="1400" dirty="0"/>
+              <a:t>1</a:t>
+            </a:r>
+            <a:r>
+              <a:rPr lang="zh-TW" altLang="en-US" sz="1400" dirty="0"/>
+              <a:t> </a:t>
+            </a:r>
+            <a:r>
+              <a:rPr lang="en-US" altLang="zh-TW" sz="1400" dirty="0"/>
+              <a:t>1</a:t>
+            </a:r>
+            <a:r>
+              <a:rPr lang="zh-TW" altLang="en-US" sz="1400" dirty="0"/>
+              <a:t> </a:t>
+            </a:r>
+            <a:r>
+              <a:rPr lang="en-US" altLang="zh-TW" sz="1400" dirty="0"/>
+              <a:t>1</a:t>
+            </a:r>
+            <a:r>
+              <a:rPr lang="zh-TW" altLang="en-US" sz="1400" dirty="0"/>
+              <a:t> </a:t>
+            </a:r>
+            <a:r>
+              <a:rPr lang="en-US" altLang="zh-TW" sz="1400" dirty="0"/>
+              <a:t>1</a:t>
+            </a:r>
+            <a:r>
+              <a:rPr lang="zh-TW" altLang="en-US" sz="1400" dirty="0"/>
+              <a:t> </a:t>
+            </a:r>
+            <a:r>
+              <a:rPr lang="en-US" altLang="zh-TW" sz="1400" dirty="0"/>
+              <a:t>1</a:t>
+            </a:r>
+            <a:r>
+              <a:rPr lang="zh-TW" altLang="en-US" sz="1400" dirty="0"/>
+              <a:t> </a:t>
+            </a:r>
+            <a:r>
+              <a:rPr lang="en-US" altLang="zh-TW" sz="1400" dirty="0"/>
+              <a:t>1</a:t>
+            </a:r>
+            <a:r>
+              <a:rPr lang="zh-TW" altLang="en-US" sz="1400" dirty="0"/>
+              <a:t> </a:t>
+            </a:r>
+            <a:r>
+              <a:rPr lang="en-US" altLang="zh-TW" sz="1400" dirty="0"/>
+              <a:t>1</a:t>
+            </a:r>
+            <a:r>
+              <a:rPr lang="zh-TW" altLang="en-US" sz="1400" dirty="0"/>
+              <a:t> </a:t>
+            </a:r>
+            <a:r>
+              <a:rPr lang="en-US" altLang="zh-TW" sz="1400" dirty="0"/>
+              <a:t>1</a:t>
+            </a:r>
+            <a:r>
+              <a:rPr lang="zh-TW" altLang="en-US" sz="1400" dirty="0"/>
+              <a:t> </a:t>
+            </a:r>
+            <a:r>
+              <a:rPr lang="en-US" altLang="zh-TW" sz="1400" dirty="0"/>
+              <a:t>1</a:t>
+            </a:r>
+            <a:r>
+              <a:rPr lang="zh-TW" altLang="en-US" sz="1400" dirty="0"/>
+              <a:t> </a:t>
+            </a:r>
+            <a:r>
+              <a:rPr lang="en-US" altLang="zh-TW" sz="1400" dirty="0"/>
+              <a:t>1</a:t>
+            </a:r>
+            <a:r>
+              <a:rPr lang="zh-TW" altLang="en-US" sz="1400" dirty="0"/>
+              <a:t> </a:t>
+            </a:r>
+            <a:r>
+              <a:rPr lang="en-US" altLang="zh-TW" sz="1400" dirty="0"/>
+              <a:t>1</a:t>
+            </a:r>
+            <a:r>
+              <a:rPr lang="zh-TW" altLang="en-US" sz="1400" dirty="0"/>
+              <a:t> </a:t>
+            </a:r>
+            <a:r>
+              <a:rPr lang="en-US" altLang="zh-TW" sz="1400" dirty="0"/>
+              <a:t>1</a:t>
+            </a:r>
+            <a:r>
+              <a:rPr lang="zh-TW" altLang="en-US" sz="1400" dirty="0"/>
+              <a:t> </a:t>
+            </a:r>
+            <a:r>
+              <a:rPr lang="en-US" altLang="zh-TW" sz="1400" dirty="0"/>
+              <a:t>1</a:t>
+            </a:r>
+            <a:r>
+              <a:rPr lang="zh-TW" altLang="en-US" sz="1400" dirty="0"/>
+              <a:t> </a:t>
+            </a:r>
+            <a:r>
+              <a:rPr lang="en-US" altLang="zh-TW" sz="1400" dirty="0"/>
+              <a:t>1</a:t>
+            </a:r>
+            <a:r>
+              <a:rPr lang="zh-TW" altLang="en-US" sz="1400" dirty="0"/>
+              <a:t> </a:t>
+            </a:r>
+            <a:r>
+              <a:rPr lang="en-US" altLang="zh-TW" sz="1400" dirty="0"/>
+              <a:t>1</a:t>
+            </a:r>
+            <a:r>
+              <a:rPr lang="zh-TW" altLang="en-US" sz="1400" dirty="0"/>
+              <a:t> </a:t>
+            </a:r>
+            <a:r>
+              <a:rPr lang="en-US" altLang="zh-TW" sz="1400" dirty="0"/>
+              <a:t>1</a:t>
+            </a:r>
+            <a:r>
+              <a:rPr lang="zh-TW" altLang="en-US" sz="1400" dirty="0"/>
+              <a:t> </a:t>
+            </a:r>
+            <a:r>
+              <a:rPr lang="en-US" altLang="zh-TW" sz="1400" dirty="0"/>
+              <a:t>1</a:t>
+            </a:r>
+            <a:r>
+              <a:rPr lang="zh-TW" altLang="en-US" sz="1400" dirty="0"/>
+              <a:t> </a:t>
+            </a:r>
+            <a:r>
+              <a:rPr lang="en-US" altLang="zh-TW" sz="1400" dirty="0"/>
+              <a:t>1</a:t>
+            </a:r>
+            <a:r>
+              <a:rPr lang="zh-TW" altLang="en-US" sz="1400" dirty="0"/>
+              <a:t> </a:t>
+            </a:r>
+            <a:r>
+              <a:rPr lang="en-US" altLang="zh-TW" sz="1400" dirty="0"/>
+              <a:t>1</a:t>
+            </a:r>
+            <a:r>
+              <a:rPr lang="zh-TW" altLang="en-US" sz="1400" dirty="0"/>
+              <a:t> </a:t>
+            </a:r>
+            <a:r>
+              <a:rPr lang="en-US" altLang="zh-TW" sz="1400" dirty="0"/>
+              <a:t>1</a:t>
+            </a:r>
+            <a:r>
+              <a:rPr lang="zh-TW" altLang="en-US" sz="1400" dirty="0"/>
+              <a:t> </a:t>
+            </a:r>
+            <a:r>
+              <a:rPr lang="en-US" altLang="zh-TW" sz="1400" dirty="0"/>
+              <a:t>1</a:t>
+            </a:r>
+            <a:r>
+              <a:rPr lang="zh-TW" altLang="en-US" sz="1400" dirty="0"/>
+              <a:t> </a:t>
+            </a:r>
+            <a:r>
+              <a:rPr lang="en-US" altLang="zh-TW" sz="1400" dirty="0"/>
+              <a:t>1</a:t>
+            </a:r>
+            <a:r>
+              <a:rPr lang="zh-TW" altLang="en-US" sz="1400" dirty="0"/>
+              <a:t> </a:t>
+            </a:r>
+            <a:r>
+              <a:rPr lang="en-US" altLang="zh-TW" sz="1400" dirty="0"/>
+              <a:t>1</a:t>
+            </a:r>
+            <a:r>
+              <a:rPr lang="zh-TW" altLang="en-US" sz="1400" dirty="0"/>
+              <a:t> </a:t>
+            </a:r>
+            <a:r>
+              <a:rPr lang="en-US" altLang="zh-TW" sz="1400" dirty="0"/>
+              <a:t>1</a:t>
+            </a:r>
+            <a:r>
+              <a:rPr lang="zh-TW" altLang="en-US" sz="1400" dirty="0"/>
+              <a:t> </a:t>
+            </a:r>
+            <a:r>
+              <a:rPr lang="en-US" altLang="zh-TW" sz="1400" dirty="0"/>
+              <a:t>1</a:t>
+            </a:r>
+            <a:r>
+              <a:rPr lang="zh-TW" altLang="en-US" sz="1400" dirty="0"/>
+              <a:t> </a:t>
+            </a:r>
+            <a:r>
+              <a:rPr lang="en-US" altLang="zh-TW" sz="1400" dirty="0"/>
+              <a:t>-1</a:t>
+            </a:r>
+            <a:r>
+              <a:rPr lang="zh-TW" altLang="en-US" sz="1400" dirty="0"/>
+              <a:t> </a:t>
+            </a:r>
+            <a:r>
+              <a:rPr lang="en-US" altLang="zh-TW" sz="1400" dirty="0"/>
+              <a:t>-1</a:t>
+            </a:r>
+            <a:r>
+              <a:rPr lang="zh-TW" altLang="en-US" sz="1400" dirty="0"/>
+              <a:t> </a:t>
+            </a:r>
+            <a:r>
+              <a:rPr lang="en-US" altLang="zh-TW" sz="1400" dirty="0"/>
+              <a:t>-1</a:t>
+            </a:r>
+            <a:r>
+              <a:rPr lang="zh-TW" altLang="en-US" sz="1400" dirty="0"/>
+              <a:t> </a:t>
+            </a:r>
+            <a:r>
+              <a:rPr lang="en-US" altLang="zh-TW" sz="1400" dirty="0"/>
+              <a:t>-1</a:t>
+            </a:r>
+            <a:r>
+              <a:rPr lang="zh-TW" altLang="en-US" sz="1400" dirty="0"/>
+              <a:t> </a:t>
+            </a:r>
+            <a:r>
+              <a:rPr lang="en-US" altLang="zh-TW" sz="1400" dirty="0"/>
+              <a:t>-1</a:t>
+            </a:r>
+            <a:r>
+              <a:rPr lang="zh-TW" altLang="en-US" sz="1400" dirty="0"/>
+              <a:t> </a:t>
+            </a:r>
+            <a:r>
+              <a:rPr lang="en-US" altLang="zh-TW" sz="1400" dirty="0"/>
+              <a:t>-1</a:t>
+            </a:r>
+            <a:r>
+              <a:rPr lang="zh-TW" altLang="en-US" sz="1400" dirty="0"/>
+              <a:t> </a:t>
+            </a:r>
+            <a:r>
+              <a:rPr lang="en-US" altLang="zh-TW" sz="1400" dirty="0"/>
+              <a:t>-1</a:t>
+            </a:r>
+            <a:r>
+              <a:rPr lang="zh-TW" altLang="en-US" sz="1400" dirty="0"/>
+              <a:t> </a:t>
+            </a:r>
+            <a:r>
+              <a:rPr lang="en-US" altLang="zh-TW" sz="1400" dirty="0"/>
+              <a:t>-1</a:t>
+            </a:r>
+            <a:r>
+              <a:rPr lang="zh-TW" altLang="en-US" sz="1400" dirty="0"/>
+              <a:t> </a:t>
+            </a:r>
+            <a:r>
+              <a:rPr lang="en-US" altLang="zh-TW" sz="1400" dirty="0"/>
+              <a:t>-1</a:t>
+            </a:r>
+            <a:r>
+              <a:rPr lang="zh-TW" altLang="en-US" sz="1400" dirty="0"/>
+              <a:t> </a:t>
+            </a:r>
+            <a:r>
+              <a:rPr lang="en-US" altLang="zh-TW" sz="1400" dirty="0"/>
+              <a:t>-1</a:t>
+            </a:r>
+            <a:r>
+              <a:rPr lang="zh-TW" altLang="en-US" sz="1400" dirty="0"/>
+              <a:t> </a:t>
+            </a:r>
+            <a:r>
+              <a:rPr lang="en-US" altLang="zh-TW" sz="1400" dirty="0"/>
+              <a:t>-1</a:t>
+            </a:r>
+            <a:r>
+              <a:rPr lang="zh-TW" altLang="en-US" sz="1400" dirty="0"/>
+              <a:t> </a:t>
+            </a:r>
+            <a:r>
+              <a:rPr lang="en-US" altLang="zh-TW" sz="1400" dirty="0"/>
+              <a:t>-1</a:t>
+            </a:r>
+            <a:r>
+              <a:rPr lang="zh-TW" altLang="en-US" sz="1400" dirty="0"/>
+              <a:t> </a:t>
+            </a:r>
+            <a:r>
+              <a:rPr lang="en-US" altLang="zh-TW" sz="1400" dirty="0"/>
+              <a:t>-1</a:t>
+            </a:r>
+            <a:r>
+              <a:rPr lang="zh-TW" altLang="en-US" sz="1400" dirty="0"/>
+              <a:t> </a:t>
+            </a:r>
+            <a:r>
+              <a:rPr lang="en-US" altLang="zh-TW" sz="1400" dirty="0"/>
+              <a:t>-1</a:t>
+            </a:r>
+            <a:r>
+              <a:rPr lang="zh-TW" altLang="en-US" sz="1400" dirty="0"/>
+              <a:t> </a:t>
+            </a:r>
+            <a:r>
+              <a:rPr lang="en-US" altLang="zh-TW" sz="1400" dirty="0"/>
+              <a:t>-1</a:t>
+            </a:r>
+            <a:r>
+              <a:rPr lang="zh-TW" altLang="en-US" sz="1400" dirty="0"/>
+              <a:t> </a:t>
+            </a:r>
+            <a:r>
+              <a:rPr lang="en-US" altLang="zh-TW" sz="1400" dirty="0"/>
+              <a:t>-1</a:t>
+            </a:r>
+            <a:r>
+              <a:rPr lang="zh-TW" altLang="en-US" sz="1400" dirty="0"/>
+              <a:t> </a:t>
+            </a:r>
+            <a:r>
+              <a:rPr lang="en-US" altLang="zh-TW" sz="1400" dirty="0"/>
+              <a:t>]</a:t>
+            </a:r>
+          </a:p>
+          <a:p>
+            <a:r>
+              <a:rPr lang="en-US" altLang="zh-TW" dirty="0"/>
+              <a:t>[-1 1 1]</a:t>
+            </a:r>
+            <a:r>
+              <a:rPr lang="zh-TW" altLang="en-US" dirty="0"/>
+              <a:t> </a:t>
+            </a:r>
+            <a:r>
+              <a:rPr lang="en-US" altLang="zh-TW" dirty="0">
+                <a:effectLst/>
+                <a:latin typeface="TimesNewRomanPSMT"/>
+              </a:rPr>
+              <a:t>modulated by 6</a:t>
+            </a:r>
+            <a:r>
+              <a:rPr lang="en-US" altLang="zh-TW" baseline="30000" dirty="0"/>
+              <a:t>st</a:t>
+            </a:r>
+            <a:r>
+              <a:rPr lang="zh-TW" altLang="en-US" baseline="30000" dirty="0"/>
+              <a:t> </a:t>
+            </a:r>
+            <a:endParaRPr lang="en-US" altLang="zh-TW" baseline="30000" dirty="0"/>
+          </a:p>
+          <a:p>
+            <a:pPr marL="285750" indent="-285750">
+              <a:buFont typeface="Symbol" pitchFamily="2" charset="2"/>
+              <a:buChar char="Þ"/>
+            </a:pPr>
+            <a:r>
+              <a:rPr lang="en-US" altLang="zh-TW" sz="1400" dirty="0"/>
+              <a:t>[-1</a:t>
+            </a:r>
+            <a:r>
+              <a:rPr lang="zh-TW" altLang="en-US" sz="1400" dirty="0"/>
+              <a:t> </a:t>
+            </a:r>
+            <a:r>
+              <a:rPr lang="en-US" altLang="zh-TW" sz="1400" dirty="0"/>
+              <a:t>-1</a:t>
+            </a:r>
+            <a:r>
+              <a:rPr lang="zh-TW" altLang="en-US" sz="1400" dirty="0"/>
+              <a:t> </a:t>
+            </a:r>
+            <a:r>
+              <a:rPr lang="en-US" altLang="zh-TW" sz="1400" dirty="0"/>
+              <a:t>1</a:t>
+            </a:r>
+            <a:r>
+              <a:rPr lang="zh-TW" altLang="en-US" sz="1400" dirty="0"/>
+              <a:t> </a:t>
+            </a:r>
+            <a:r>
+              <a:rPr lang="en-US" altLang="zh-TW" sz="1400" dirty="0"/>
+              <a:t>1</a:t>
+            </a:r>
+            <a:r>
+              <a:rPr lang="zh-TW" altLang="en-US" sz="1400" dirty="0"/>
+              <a:t> </a:t>
+            </a:r>
+            <a:r>
+              <a:rPr lang="en-US" altLang="zh-TW" sz="1400" dirty="0"/>
+              <a:t>1</a:t>
+            </a:r>
+            <a:r>
+              <a:rPr lang="zh-TW" altLang="en-US" sz="1400" dirty="0"/>
+              <a:t> </a:t>
+            </a:r>
+            <a:r>
+              <a:rPr lang="en-US" altLang="zh-TW" sz="1400" dirty="0"/>
+              <a:t>1</a:t>
+            </a:r>
+            <a:r>
+              <a:rPr lang="zh-TW" altLang="en-US" sz="1400" dirty="0"/>
+              <a:t> </a:t>
+            </a:r>
+            <a:r>
+              <a:rPr lang="en-US" altLang="zh-TW" sz="1400" dirty="0"/>
+              <a:t>-1</a:t>
+            </a:r>
+            <a:r>
+              <a:rPr lang="zh-TW" altLang="en-US" sz="1400" dirty="0"/>
+              <a:t> </a:t>
+            </a:r>
+            <a:r>
+              <a:rPr lang="en-US" altLang="zh-TW" sz="1400" dirty="0"/>
+              <a:t>-1</a:t>
+            </a:r>
+            <a:r>
+              <a:rPr lang="zh-TW" altLang="en-US" sz="1400" dirty="0"/>
+              <a:t> </a:t>
+            </a:r>
+            <a:r>
+              <a:rPr lang="en-US" altLang="zh-TW" sz="1400" dirty="0"/>
+              <a:t>1</a:t>
+            </a:r>
+            <a:r>
+              <a:rPr lang="zh-TW" altLang="en-US" sz="1400" dirty="0"/>
+              <a:t> </a:t>
+            </a:r>
+            <a:r>
+              <a:rPr lang="en-US" altLang="zh-TW" sz="1400" dirty="0"/>
+              <a:t>1</a:t>
+            </a:r>
+            <a:r>
+              <a:rPr lang="zh-TW" altLang="en-US" sz="1400" dirty="0"/>
+              <a:t> </a:t>
+            </a:r>
+            <a:r>
+              <a:rPr lang="en-US" altLang="zh-TW" sz="1400" dirty="0"/>
+              <a:t>-1</a:t>
+            </a:r>
+            <a:r>
+              <a:rPr lang="zh-TW" altLang="en-US" sz="1400" dirty="0"/>
+              <a:t> </a:t>
+            </a:r>
+            <a:r>
+              <a:rPr lang="en-US" altLang="zh-TW" sz="1400" dirty="0"/>
+              <a:t>-1</a:t>
+            </a:r>
+            <a:r>
+              <a:rPr lang="zh-TW" altLang="en-US" sz="1400" dirty="0"/>
+              <a:t> </a:t>
+            </a:r>
+            <a:r>
+              <a:rPr lang="en-US" altLang="zh-TW" sz="1400" dirty="0"/>
+              <a:t>-1</a:t>
+            </a:r>
+            <a:r>
+              <a:rPr lang="zh-TW" altLang="en-US" sz="1400" dirty="0"/>
+              <a:t> </a:t>
+            </a:r>
+            <a:r>
+              <a:rPr lang="en-US" altLang="zh-TW" sz="1400" dirty="0"/>
+              <a:t>-1</a:t>
+            </a:r>
+            <a:r>
+              <a:rPr lang="zh-TW" altLang="en-US" sz="1400" dirty="0"/>
+              <a:t> </a:t>
+            </a:r>
+            <a:r>
+              <a:rPr lang="en-US" altLang="zh-TW" sz="1400" dirty="0"/>
+              <a:t>1</a:t>
+            </a:r>
+            <a:r>
+              <a:rPr lang="zh-TW" altLang="en-US" sz="1400" dirty="0"/>
+              <a:t> </a:t>
+            </a:r>
+            <a:r>
+              <a:rPr lang="en-US" altLang="zh-TW" sz="1400" dirty="0"/>
+              <a:t>1</a:t>
+            </a:r>
+            <a:r>
+              <a:rPr lang="zh-TW" altLang="en-US" sz="1400" dirty="0"/>
+              <a:t> </a:t>
+            </a:r>
+            <a:r>
+              <a:rPr lang="en-US" altLang="zh-TW" sz="1400" dirty="0"/>
+              <a:t>1</a:t>
+            </a:r>
+            <a:r>
+              <a:rPr lang="zh-TW" altLang="en-US" sz="1400" dirty="0"/>
+              <a:t> </a:t>
+            </a:r>
+            <a:r>
+              <a:rPr lang="en-US" altLang="zh-TW" sz="1400" dirty="0"/>
+              <a:t>1</a:t>
+            </a:r>
+            <a:r>
+              <a:rPr lang="zh-TW" altLang="en-US" sz="1400" dirty="0"/>
+              <a:t> </a:t>
+            </a:r>
+            <a:r>
+              <a:rPr lang="en-US" altLang="zh-TW" sz="1400" dirty="0"/>
+              <a:t>-1</a:t>
+            </a:r>
+            <a:r>
+              <a:rPr lang="zh-TW" altLang="en-US" sz="1400" dirty="0"/>
+              <a:t> </a:t>
+            </a:r>
+            <a:r>
+              <a:rPr lang="en-US" altLang="zh-TW" sz="1400" dirty="0"/>
+              <a:t>-1</a:t>
+            </a:r>
+            <a:r>
+              <a:rPr lang="zh-TW" altLang="en-US" sz="1400" dirty="0"/>
+              <a:t> </a:t>
+            </a:r>
+            <a:r>
+              <a:rPr lang="en-US" altLang="zh-TW" sz="1400" dirty="0"/>
+              <a:t>-1</a:t>
+            </a:r>
+            <a:r>
+              <a:rPr lang="zh-TW" altLang="en-US" sz="1400" dirty="0"/>
+              <a:t> </a:t>
+            </a:r>
+            <a:r>
+              <a:rPr lang="en-US" altLang="zh-TW" sz="1400" dirty="0"/>
+              <a:t>-1</a:t>
+            </a:r>
+            <a:r>
+              <a:rPr lang="zh-TW" altLang="en-US" sz="1400" dirty="0"/>
+              <a:t> </a:t>
+            </a:r>
+            <a:r>
+              <a:rPr lang="en-US" altLang="zh-TW" sz="1400" dirty="0"/>
+              <a:t>1</a:t>
+            </a:r>
+            <a:r>
+              <a:rPr lang="zh-TW" altLang="en-US" sz="1400" dirty="0"/>
+              <a:t> </a:t>
+            </a:r>
+            <a:r>
+              <a:rPr lang="en-US" altLang="zh-TW" sz="1400" dirty="0"/>
+              <a:t>1</a:t>
+            </a:r>
+            <a:r>
+              <a:rPr lang="zh-TW" altLang="en-US" sz="1400" dirty="0"/>
+              <a:t> </a:t>
+            </a:r>
+            <a:r>
+              <a:rPr lang="en-US" altLang="zh-TW" sz="1400" dirty="0"/>
+              <a:t>-1</a:t>
+            </a:r>
+            <a:r>
+              <a:rPr lang="zh-TW" altLang="en-US" sz="1400" dirty="0"/>
+              <a:t> </a:t>
+            </a:r>
+            <a:r>
+              <a:rPr lang="en-US" altLang="zh-TW" sz="1400" dirty="0"/>
+              <a:t>-1</a:t>
+            </a:r>
+            <a:r>
+              <a:rPr lang="zh-TW" altLang="en-US" sz="1400" dirty="0"/>
+              <a:t> </a:t>
+            </a:r>
+            <a:r>
+              <a:rPr lang="en-US" altLang="zh-TW" sz="1400" dirty="0"/>
+              <a:t>1</a:t>
+            </a:r>
+            <a:r>
+              <a:rPr lang="zh-TW" altLang="en-US" sz="1400" dirty="0"/>
+              <a:t> </a:t>
+            </a:r>
+            <a:r>
+              <a:rPr lang="en-US" altLang="zh-TW" sz="1400" dirty="0"/>
+              <a:t>1</a:t>
+            </a:r>
+            <a:r>
+              <a:rPr lang="zh-TW" altLang="en-US" sz="1400" dirty="0"/>
+              <a:t> </a:t>
+            </a:r>
+            <a:r>
+              <a:rPr lang="en-US" altLang="zh-TW" sz="1400" dirty="0"/>
+              <a:t>1</a:t>
+            </a:r>
+            <a:r>
+              <a:rPr lang="zh-TW" altLang="en-US" sz="1400" dirty="0"/>
+              <a:t> </a:t>
+            </a:r>
+            <a:r>
+              <a:rPr lang="en-US" altLang="zh-TW" sz="1400" dirty="0"/>
+              <a:t>1</a:t>
+            </a:r>
+            <a:r>
+              <a:rPr lang="zh-TW" altLang="en-US" sz="1400" dirty="0"/>
+              <a:t> </a:t>
+            </a:r>
+            <a:r>
+              <a:rPr lang="en-US" altLang="zh-TW" sz="1400" dirty="0"/>
+              <a:t>-1</a:t>
+            </a:r>
+            <a:r>
+              <a:rPr lang="zh-TW" altLang="en-US" sz="1400" dirty="0"/>
+              <a:t> </a:t>
+            </a:r>
+            <a:r>
+              <a:rPr lang="en-US" altLang="zh-TW" sz="1400" dirty="0"/>
+              <a:t>-1</a:t>
+            </a:r>
+            <a:r>
+              <a:rPr lang="zh-TW" altLang="en-US" sz="1400" dirty="0"/>
+              <a:t> </a:t>
+            </a:r>
+            <a:r>
+              <a:rPr lang="en-US" altLang="zh-TW" sz="1400" dirty="0"/>
+              <a:t>1</a:t>
+            </a:r>
+            <a:r>
+              <a:rPr lang="zh-TW" altLang="en-US" sz="1400" dirty="0"/>
+              <a:t> </a:t>
+            </a:r>
+            <a:r>
+              <a:rPr lang="en-US" altLang="zh-TW" sz="1400" dirty="0"/>
+              <a:t>1</a:t>
+            </a:r>
+            <a:r>
+              <a:rPr lang="zh-TW" altLang="en-US" sz="1400" dirty="0"/>
+              <a:t> </a:t>
+            </a:r>
+            <a:r>
+              <a:rPr lang="en-US" altLang="zh-TW" sz="1400" dirty="0"/>
+              <a:t>-1</a:t>
+            </a:r>
+            <a:r>
+              <a:rPr lang="zh-TW" altLang="en-US" sz="1400" dirty="0"/>
+              <a:t> </a:t>
+            </a:r>
+            <a:r>
+              <a:rPr lang="en-US" altLang="zh-TW" sz="1400" dirty="0"/>
+              <a:t>-1</a:t>
+            </a:r>
+            <a:r>
+              <a:rPr lang="zh-TW" altLang="en-US" sz="1400" dirty="0"/>
+              <a:t> </a:t>
+            </a:r>
+            <a:r>
+              <a:rPr lang="en-US" altLang="zh-TW" sz="1400" dirty="0"/>
+              <a:t>-1</a:t>
+            </a:r>
+            <a:r>
+              <a:rPr lang="zh-TW" altLang="en-US" sz="1400" dirty="0"/>
+              <a:t> </a:t>
+            </a:r>
+            <a:r>
+              <a:rPr lang="en-US" altLang="zh-TW" sz="1400" dirty="0"/>
+              <a:t>-1</a:t>
+            </a:r>
+            <a:r>
+              <a:rPr lang="zh-TW" altLang="en-US" sz="1400" dirty="0"/>
+              <a:t> </a:t>
+            </a:r>
+            <a:r>
+              <a:rPr lang="en-US" altLang="zh-TW" sz="1400" dirty="0"/>
+              <a:t>1</a:t>
+            </a:r>
+            <a:r>
+              <a:rPr lang="zh-TW" altLang="en-US" sz="1400" dirty="0"/>
+              <a:t> </a:t>
+            </a:r>
+            <a:r>
+              <a:rPr lang="en-US" altLang="zh-TW" sz="1400" dirty="0"/>
+              <a:t>1</a:t>
+            </a:r>
+            <a:r>
+              <a:rPr lang="zh-TW" altLang="en-US" sz="1400" dirty="0"/>
+              <a:t> </a:t>
+            </a:r>
+            <a:r>
+              <a:rPr lang="en-US" altLang="zh-TW" sz="1400" dirty="0"/>
+              <a:t>-1</a:t>
+            </a:r>
+            <a:r>
+              <a:rPr lang="zh-TW" altLang="en-US" sz="1400" dirty="0"/>
+              <a:t> </a:t>
+            </a:r>
+            <a:r>
+              <a:rPr lang="en-US" altLang="zh-TW" sz="1400" dirty="0"/>
+              <a:t>-1</a:t>
+            </a:r>
+            <a:r>
+              <a:rPr lang="zh-TW" altLang="en-US" sz="1400" dirty="0"/>
+              <a:t> </a:t>
+            </a:r>
+            <a:r>
+              <a:rPr lang="en-US" altLang="zh-TW" sz="1400" dirty="0"/>
+              <a:t>1</a:t>
+            </a:r>
+            <a:r>
+              <a:rPr lang="zh-TW" altLang="en-US" sz="1400" dirty="0"/>
+              <a:t> </a:t>
+            </a:r>
+            <a:r>
+              <a:rPr lang="en-US" altLang="zh-TW" sz="1400" dirty="0"/>
+              <a:t>1</a:t>
+            </a:r>
+            <a:r>
+              <a:rPr lang="zh-TW" altLang="en-US" sz="1400" dirty="0"/>
+              <a:t> </a:t>
+            </a:r>
+            <a:r>
+              <a:rPr lang="en-US" altLang="zh-TW" sz="1400" dirty="0"/>
+              <a:t>1</a:t>
+            </a:r>
+            <a:r>
+              <a:rPr lang="zh-TW" altLang="en-US" sz="1400" dirty="0"/>
+              <a:t> </a:t>
+            </a:r>
+            <a:r>
+              <a:rPr lang="en-US" altLang="zh-TW" sz="1400" dirty="0"/>
+              <a:t>1</a:t>
+            </a:r>
+            <a:r>
+              <a:rPr lang="zh-TW" altLang="en-US" sz="1400" dirty="0"/>
+              <a:t> </a:t>
+            </a:r>
+            <a:r>
+              <a:rPr lang="en-US" altLang="zh-TW" sz="1400" dirty="0"/>
+              <a:t>-1</a:t>
+            </a:r>
+            <a:r>
+              <a:rPr lang="zh-TW" altLang="en-US" sz="1400" dirty="0"/>
+              <a:t> </a:t>
+            </a:r>
+            <a:r>
+              <a:rPr lang="en-US" altLang="zh-TW" sz="1400" dirty="0"/>
+              <a:t>-1]</a:t>
+            </a:r>
+          </a:p>
+          <a:p>
+            <a:r>
+              <a:rPr lang="en-US" altLang="zh-TW" dirty="0"/>
+              <a:t>[1 -1 1]</a:t>
+            </a:r>
+            <a:r>
+              <a:rPr lang="zh-TW" altLang="en-US" dirty="0"/>
+              <a:t> </a:t>
+            </a:r>
+            <a:r>
+              <a:rPr lang="en-US" altLang="zh-TW" dirty="0">
+                <a:effectLst/>
+                <a:latin typeface="TimesNewRomanPSMT"/>
+              </a:rPr>
+              <a:t>modulated by 12</a:t>
+            </a:r>
+            <a:r>
+              <a:rPr lang="en-US" altLang="zh-TW" baseline="30000" dirty="0"/>
+              <a:t>st</a:t>
+            </a:r>
+            <a:r>
+              <a:rPr lang="zh-TW" altLang="en-US" baseline="30000" dirty="0"/>
+              <a:t> </a:t>
+            </a:r>
+            <a:endParaRPr lang="en-US" altLang="zh-TW" baseline="30000" dirty="0"/>
+          </a:p>
+          <a:p>
+            <a:pPr marL="285750" indent="-285750">
+              <a:buFont typeface="Symbol" pitchFamily="2" charset="2"/>
+              <a:buChar char="Þ"/>
+            </a:pPr>
+            <a:r>
+              <a:rPr lang="en-US" altLang="zh-TW" sz="1400" dirty="0"/>
+              <a:t>[1</a:t>
+            </a:r>
+            <a:r>
+              <a:rPr lang="zh-TW" altLang="en-US" sz="1400" dirty="0"/>
+              <a:t> </a:t>
+            </a:r>
+            <a:r>
+              <a:rPr lang="en-US" altLang="zh-TW" sz="1400" dirty="0"/>
+              <a:t>-1</a:t>
+            </a:r>
+            <a:r>
+              <a:rPr lang="zh-TW" altLang="en-US" sz="1400" dirty="0"/>
+              <a:t> </a:t>
+            </a:r>
+            <a:r>
+              <a:rPr lang="en-US" altLang="zh-TW" sz="1400" dirty="0"/>
+              <a:t>-1</a:t>
+            </a:r>
+            <a:r>
+              <a:rPr lang="zh-TW" altLang="en-US" sz="1400" dirty="0"/>
+              <a:t> </a:t>
+            </a:r>
+            <a:r>
+              <a:rPr lang="en-US" altLang="zh-TW" sz="1400" dirty="0"/>
+              <a:t>1</a:t>
+            </a:r>
+            <a:r>
+              <a:rPr lang="zh-TW" altLang="en-US" sz="1400" dirty="0"/>
+              <a:t> </a:t>
+            </a:r>
+            <a:r>
+              <a:rPr lang="en-US" altLang="zh-TW" sz="1400" dirty="0"/>
+              <a:t>-1</a:t>
+            </a:r>
+            <a:r>
+              <a:rPr lang="zh-TW" altLang="en-US" sz="1400" dirty="0"/>
+              <a:t> </a:t>
+            </a:r>
+            <a:r>
+              <a:rPr lang="en-US" altLang="zh-TW" sz="1400" dirty="0"/>
+              <a:t>1</a:t>
+            </a:r>
+            <a:r>
+              <a:rPr lang="zh-TW" altLang="en-US" sz="1400" dirty="0"/>
+              <a:t> </a:t>
+            </a:r>
+            <a:r>
+              <a:rPr lang="en-US" altLang="zh-TW" sz="1400" dirty="0"/>
+              <a:t>1</a:t>
+            </a:r>
+            <a:r>
+              <a:rPr lang="zh-TW" altLang="en-US" sz="1400" dirty="0"/>
+              <a:t> </a:t>
+            </a:r>
+            <a:r>
+              <a:rPr lang="en-US" altLang="zh-TW" sz="1400" dirty="0"/>
+              <a:t>-1</a:t>
+            </a:r>
+            <a:r>
+              <a:rPr lang="zh-TW" altLang="en-US" sz="1400" dirty="0"/>
+              <a:t> </a:t>
+            </a:r>
+            <a:r>
+              <a:rPr lang="en-US" altLang="zh-TW" sz="1400" dirty="0"/>
+              <a:t>1</a:t>
+            </a:r>
+            <a:r>
+              <a:rPr lang="zh-TW" altLang="en-US" sz="1400" dirty="0"/>
+              <a:t> </a:t>
+            </a:r>
+            <a:r>
+              <a:rPr lang="en-US" altLang="zh-TW" sz="1400" dirty="0"/>
+              <a:t>-1</a:t>
+            </a:r>
+            <a:r>
+              <a:rPr lang="zh-TW" altLang="en-US" sz="1400" dirty="0"/>
+              <a:t> </a:t>
+            </a:r>
+            <a:r>
+              <a:rPr lang="en-US" altLang="zh-TW" sz="1400" dirty="0"/>
+              <a:t>-1</a:t>
+            </a:r>
+            <a:r>
+              <a:rPr lang="zh-TW" altLang="en-US" sz="1400" dirty="0"/>
+              <a:t> </a:t>
+            </a:r>
+            <a:r>
+              <a:rPr lang="en-US" altLang="zh-TW" sz="1400" dirty="0"/>
+              <a:t>1</a:t>
+            </a:r>
+            <a:r>
+              <a:rPr lang="zh-TW" altLang="en-US" sz="1400" dirty="0"/>
+              <a:t> </a:t>
+            </a:r>
+            <a:r>
+              <a:rPr lang="en-US" altLang="zh-TW" sz="1400" dirty="0"/>
+              <a:t>-1</a:t>
+            </a:r>
+            <a:r>
+              <a:rPr lang="zh-TW" altLang="en-US" sz="1400" dirty="0"/>
+              <a:t> </a:t>
+            </a:r>
+            <a:r>
+              <a:rPr lang="en-US" altLang="zh-TW" sz="1400" dirty="0"/>
+              <a:t>1</a:t>
+            </a:r>
+            <a:r>
+              <a:rPr lang="zh-TW" altLang="en-US" sz="1400" dirty="0"/>
+              <a:t> </a:t>
+            </a:r>
+            <a:r>
+              <a:rPr lang="en-US" altLang="zh-TW" sz="1400" dirty="0"/>
+              <a:t>1</a:t>
+            </a:r>
+            <a:r>
+              <a:rPr lang="zh-TW" altLang="en-US" sz="1400" dirty="0"/>
+              <a:t> </a:t>
+            </a:r>
+            <a:r>
+              <a:rPr lang="en-US" altLang="zh-TW" sz="1400" dirty="0"/>
+              <a:t>-1</a:t>
+            </a:r>
+            <a:r>
+              <a:rPr lang="zh-TW" altLang="en-US" sz="1400" dirty="0"/>
+              <a:t> </a:t>
+            </a:r>
+            <a:r>
+              <a:rPr lang="en-US" altLang="zh-TW" sz="1400" dirty="0"/>
+              <a:t>-1</a:t>
+            </a:r>
+            <a:r>
+              <a:rPr lang="zh-TW" altLang="en-US" sz="1400" dirty="0"/>
+              <a:t> </a:t>
+            </a:r>
+            <a:r>
+              <a:rPr lang="en-US" altLang="zh-TW" sz="1400" dirty="0"/>
+              <a:t>1</a:t>
+            </a:r>
+            <a:r>
+              <a:rPr lang="zh-TW" altLang="en-US" sz="1400" dirty="0"/>
+              <a:t> </a:t>
+            </a:r>
+            <a:r>
+              <a:rPr lang="en-US" altLang="zh-TW" sz="1400" dirty="0"/>
+              <a:t>1</a:t>
+            </a:r>
+            <a:r>
+              <a:rPr lang="zh-TW" altLang="en-US" sz="1400" dirty="0"/>
+              <a:t> </a:t>
+            </a:r>
+            <a:r>
+              <a:rPr lang="en-US" altLang="zh-TW" sz="1400" dirty="0"/>
+              <a:t>-1</a:t>
+            </a:r>
+            <a:r>
+              <a:rPr lang="zh-TW" altLang="en-US" sz="1400" dirty="0"/>
+              <a:t> </a:t>
+            </a:r>
+            <a:r>
+              <a:rPr lang="en-US" altLang="zh-TW" sz="1400" dirty="0"/>
+              <a:t>1</a:t>
+            </a:r>
+            <a:r>
+              <a:rPr lang="zh-TW" altLang="en-US" sz="1400" dirty="0"/>
+              <a:t> </a:t>
+            </a:r>
+            <a:r>
+              <a:rPr lang="en-US" altLang="zh-TW" sz="1400" dirty="0"/>
+              <a:t>-1</a:t>
+            </a:r>
+            <a:r>
+              <a:rPr lang="zh-TW" altLang="en-US" sz="1400" dirty="0"/>
+              <a:t> </a:t>
+            </a:r>
+            <a:r>
+              <a:rPr lang="en-US" altLang="zh-TW" sz="1400" dirty="0"/>
+              <a:t>-1</a:t>
+            </a:r>
+            <a:r>
+              <a:rPr lang="zh-TW" altLang="en-US" sz="1400" dirty="0"/>
+              <a:t> </a:t>
+            </a:r>
+            <a:r>
+              <a:rPr lang="en-US" altLang="zh-TW" sz="1400" dirty="0"/>
+              <a:t>1</a:t>
+            </a:r>
+            <a:r>
+              <a:rPr lang="zh-TW" altLang="en-US" sz="1400" dirty="0"/>
+              <a:t> </a:t>
+            </a:r>
+            <a:r>
+              <a:rPr lang="en-US" altLang="zh-TW" sz="1400" dirty="0"/>
+              <a:t>-1</a:t>
+            </a:r>
+            <a:r>
+              <a:rPr lang="zh-TW" altLang="en-US" sz="1400" dirty="0"/>
+              <a:t> </a:t>
+            </a:r>
+            <a:r>
+              <a:rPr lang="en-US" altLang="zh-TW" sz="1400" dirty="0"/>
+              <a:t>1</a:t>
+            </a:r>
+            <a:r>
+              <a:rPr lang="zh-TW" altLang="en-US" sz="1400" dirty="0"/>
+              <a:t> </a:t>
+            </a:r>
+            <a:r>
+              <a:rPr lang="en-US" altLang="zh-TW" sz="1400" dirty="0"/>
+              <a:t>1</a:t>
+            </a:r>
+            <a:r>
+              <a:rPr lang="zh-TW" altLang="en-US" sz="1400" dirty="0"/>
+              <a:t> </a:t>
+            </a:r>
+            <a:r>
+              <a:rPr lang="en-US" altLang="zh-TW" sz="1400" dirty="0"/>
+              <a:t>-1</a:t>
+            </a:r>
+            <a:r>
+              <a:rPr lang="zh-TW" altLang="en-US" sz="1400" dirty="0"/>
+              <a:t> </a:t>
+            </a:r>
+            <a:r>
+              <a:rPr lang="en-US" altLang="zh-TW" sz="1400" dirty="0"/>
+              <a:t>1</a:t>
+            </a:r>
+            <a:r>
+              <a:rPr lang="zh-TW" altLang="en-US" sz="1400" dirty="0"/>
+              <a:t> </a:t>
+            </a:r>
+            <a:r>
+              <a:rPr lang="en-US" altLang="zh-TW" sz="1400" dirty="0"/>
+              <a:t>-1</a:t>
+            </a:r>
+            <a:r>
+              <a:rPr lang="zh-TW" altLang="en-US" sz="1400" dirty="0"/>
+              <a:t> </a:t>
+            </a:r>
+            <a:r>
+              <a:rPr lang="en-US" altLang="zh-TW" sz="1400" dirty="0"/>
+              <a:t>-1</a:t>
+            </a:r>
+            <a:r>
+              <a:rPr lang="zh-TW" altLang="en-US" sz="1400" dirty="0"/>
+              <a:t> </a:t>
+            </a:r>
+            <a:r>
+              <a:rPr lang="en-US" altLang="zh-TW" sz="1400" dirty="0"/>
+              <a:t>1</a:t>
+            </a:r>
+            <a:r>
+              <a:rPr lang="zh-TW" altLang="en-US" sz="1400" dirty="0"/>
+              <a:t> </a:t>
+            </a:r>
+            <a:r>
+              <a:rPr lang="en-US" altLang="zh-TW" sz="1400" dirty="0"/>
+              <a:t>1</a:t>
+            </a:r>
+            <a:r>
+              <a:rPr lang="zh-TW" altLang="en-US" sz="1400" dirty="0"/>
+              <a:t> </a:t>
+            </a:r>
+            <a:r>
+              <a:rPr lang="en-US" altLang="zh-TW" sz="1400" dirty="0"/>
+              <a:t>-1</a:t>
+            </a:r>
+            <a:r>
+              <a:rPr lang="zh-TW" altLang="en-US" sz="1400" dirty="0"/>
+              <a:t> </a:t>
+            </a:r>
+            <a:r>
+              <a:rPr lang="en-US" altLang="zh-TW" sz="1400" dirty="0"/>
+              <a:t>-1</a:t>
+            </a:r>
+            <a:r>
+              <a:rPr lang="zh-TW" altLang="en-US" sz="1400" dirty="0"/>
+              <a:t> </a:t>
+            </a:r>
+            <a:r>
+              <a:rPr lang="en-US" altLang="zh-TW" sz="1400" dirty="0"/>
+              <a:t>1</a:t>
+            </a:r>
+            <a:r>
+              <a:rPr lang="zh-TW" altLang="en-US" sz="1400" dirty="0"/>
+              <a:t> </a:t>
+            </a:r>
+            <a:r>
+              <a:rPr lang="en-US" altLang="zh-TW" sz="1400" dirty="0"/>
+              <a:t>-1</a:t>
+            </a:r>
+            <a:r>
+              <a:rPr lang="zh-TW" altLang="en-US" sz="1400" dirty="0"/>
+              <a:t> </a:t>
+            </a:r>
+            <a:r>
+              <a:rPr lang="en-US" altLang="zh-TW" sz="1400" dirty="0"/>
+              <a:t>1</a:t>
+            </a:r>
+            <a:r>
+              <a:rPr lang="zh-TW" altLang="en-US" sz="1400" dirty="0"/>
+              <a:t> </a:t>
+            </a:r>
+            <a:r>
+              <a:rPr lang="en-US" altLang="zh-TW" sz="1400" dirty="0"/>
+              <a:t>1</a:t>
+            </a:r>
+            <a:r>
+              <a:rPr lang="zh-TW" altLang="en-US" sz="1400" dirty="0"/>
+              <a:t> </a:t>
+            </a:r>
+            <a:r>
+              <a:rPr lang="en-US" altLang="zh-TW" sz="1400" dirty="0"/>
+              <a:t>-1</a:t>
+            </a:r>
+            <a:r>
+              <a:rPr lang="zh-TW" altLang="en-US" sz="1400" dirty="0"/>
+              <a:t> </a:t>
+            </a:r>
+            <a:r>
+              <a:rPr lang="en-US" altLang="zh-TW" sz="1400" dirty="0"/>
+              <a:t>1</a:t>
+            </a:r>
+            <a:r>
+              <a:rPr lang="zh-TW" altLang="en-US" sz="1400" dirty="0"/>
+              <a:t> </a:t>
+            </a:r>
+            <a:r>
+              <a:rPr lang="en-US" altLang="zh-TW" sz="1400" dirty="0"/>
+              <a:t>-1</a:t>
+            </a:r>
+            <a:r>
+              <a:rPr lang="zh-TW" altLang="en-US" sz="1400" dirty="0"/>
+              <a:t> </a:t>
+            </a:r>
+            <a:r>
+              <a:rPr lang="en-US" altLang="zh-TW" sz="1400" dirty="0"/>
+              <a:t>-1</a:t>
+            </a:r>
+            <a:r>
+              <a:rPr lang="zh-TW" altLang="en-US" sz="1400" dirty="0"/>
+              <a:t> </a:t>
+            </a:r>
+            <a:r>
+              <a:rPr lang="en-US" altLang="zh-TW" sz="1400" dirty="0"/>
+              <a:t>1</a:t>
+            </a:r>
+            <a:r>
+              <a:rPr lang="zh-TW" altLang="en-US" sz="1400" dirty="0"/>
+              <a:t> </a:t>
+            </a:r>
+            <a:r>
+              <a:rPr lang="en-US" altLang="zh-TW" sz="1400" dirty="0"/>
+              <a:t>-1</a:t>
+            </a:r>
+            <a:r>
+              <a:rPr lang="zh-TW" altLang="en-US" sz="1400" dirty="0"/>
+              <a:t> </a:t>
+            </a:r>
+            <a:r>
+              <a:rPr lang="en-US" altLang="zh-TW" sz="1400" dirty="0"/>
+              <a:t>1</a:t>
+            </a:r>
+            <a:r>
+              <a:rPr lang="zh-TW" altLang="en-US" sz="1400" dirty="0"/>
+              <a:t> </a:t>
+            </a:r>
+            <a:r>
+              <a:rPr lang="en-US" altLang="zh-TW" sz="1400" dirty="0"/>
+              <a:t>1</a:t>
+            </a:r>
+            <a:r>
+              <a:rPr lang="zh-TW" altLang="en-US" sz="1400" dirty="0"/>
+              <a:t> </a:t>
+            </a:r>
+            <a:r>
+              <a:rPr lang="en-US" altLang="zh-TW" sz="1400" dirty="0"/>
+              <a:t>-1]</a:t>
+            </a:r>
+          </a:p>
+          <a:p>
+            <a:r>
+              <a:rPr lang="zh-TW" altLang="en-US" dirty="0"/>
+              <a:t>       </a:t>
+            </a:r>
+            <a:r>
+              <a:rPr lang="en-US" altLang="zh-TW" dirty="0"/>
+              <a:t>(3) </a:t>
+            </a:r>
+            <a:r>
+              <a:rPr lang="zh-TW" altLang="en-US" dirty="0"/>
+              <a:t>相合</a:t>
+            </a:r>
+            <a:r>
+              <a:rPr lang="en-US" altLang="zh-TW" sz="1400" dirty="0"/>
+              <a:t>	</a:t>
+            </a:r>
+          </a:p>
+          <a:p>
+            <a:r>
+              <a:rPr lang="en-US" altLang="zh-TW" sz="1400" dirty="0"/>
+              <a:t>=&gt;</a:t>
+            </a:r>
+            <a:r>
+              <a:rPr lang="zh-TW" altLang="en-US" sz="1400" dirty="0"/>
+              <a:t> </a:t>
+            </a:r>
+            <a:r>
+              <a:rPr lang="en-US" altLang="zh-TW" sz="1400" dirty="0"/>
+              <a:t>[1</a:t>
+            </a:r>
+            <a:r>
+              <a:rPr lang="zh-TW" altLang="en-US" sz="1400" dirty="0"/>
+              <a:t> </a:t>
+            </a:r>
+            <a:r>
+              <a:rPr lang="en-US" altLang="zh-TW" sz="1400" dirty="0"/>
+              <a:t>-1]</a:t>
+            </a:r>
           </a:p>
         </p:txBody>
       </p:sp>

--- a/HW5/r10943181_HW5.pptx
+++ b/HW5/r10943181_HW5.pptx
@@ -5,19 +5,17 @@
     <p:sldMasterId id="2147483648" r:id="rId1"/>
   </p:sldMasterIdLst>
   <p:notesMasterIdLst>
-    <p:notesMasterId r:id="rId12"/>
+    <p:notesMasterId r:id="rId10"/>
   </p:notesMasterIdLst>
   <p:sldIdLst>
     <p:sldId id="260" r:id="rId2"/>
     <p:sldId id="263" r:id="rId3"/>
-    <p:sldId id="264" r:id="rId4"/>
-    <p:sldId id="265" r:id="rId5"/>
-    <p:sldId id="261" r:id="rId6"/>
-    <p:sldId id="266" r:id="rId7"/>
-    <p:sldId id="267" r:id="rId8"/>
-    <p:sldId id="268" r:id="rId9"/>
-    <p:sldId id="262" r:id="rId10"/>
-    <p:sldId id="269" r:id="rId11"/>
+    <p:sldId id="265" r:id="rId4"/>
+    <p:sldId id="266" r:id="rId5"/>
+    <p:sldId id="267" r:id="rId6"/>
+    <p:sldId id="268" r:id="rId7"/>
+    <p:sldId id="262" r:id="rId8"/>
+    <p:sldId id="269" r:id="rId9"/>
   </p:sldIdLst>
   <p:sldSz cx="9144000" cy="6858000" type="screen4x3"/>
   <p:notesSz cx="6858000" cy="9144000"/>
@@ -247,7 +245,7 @@
           <a:p>
             <a:fld id="{DD8D1C5C-7317-414D-88DF-CDF60E58CF72}" type="datetimeFigureOut">
               <a:rPr lang="zh-TW" altLang="en-US" smtClean="0"/>
-              <a:t>2023/6/5</a:t>
+              <a:t>2023/6/7</a:t>
             </a:fld>
             <a:endParaRPr lang="zh-TW" altLang="en-US"/>
           </a:p>
@@ -579,7 +577,7 @@
           <a:p>
             <a:fld id="{6581D01B-5AEB-45CA-98AA-FF97CC97CD34}" type="slidenum">
               <a:rPr lang="zh-TW" altLang="en-US" smtClean="0"/>
-              <a:t>5</a:t>
+              <a:t>4</a:t>
             </a:fld>
             <a:endParaRPr lang="zh-TW" altLang="en-US"/>
           </a:p>
@@ -588,7 +586,7 @@
     </p:spTree>
     <p:extLst>
       <p:ext uri="{BB962C8B-B14F-4D97-AF65-F5344CB8AC3E}">
-        <p14:creationId xmlns:p14="http://schemas.microsoft.com/office/powerpoint/2010/main" val="3836688804"/>
+        <p14:creationId xmlns:p14="http://schemas.microsoft.com/office/powerpoint/2010/main" val="4128532553"/>
       </p:ext>
     </p:extLst>
   </p:cSld>
@@ -663,7 +661,7 @@
           <a:p>
             <a:fld id="{6581D01B-5AEB-45CA-98AA-FF97CC97CD34}" type="slidenum">
               <a:rPr lang="zh-TW" altLang="en-US" smtClean="0"/>
-              <a:t>6</a:t>
+              <a:t>5</a:t>
             </a:fld>
             <a:endParaRPr lang="zh-TW" altLang="en-US"/>
           </a:p>
@@ -672,7 +670,7 @@
     </p:spTree>
     <p:extLst>
       <p:ext uri="{BB962C8B-B14F-4D97-AF65-F5344CB8AC3E}">
-        <p14:creationId xmlns:p14="http://schemas.microsoft.com/office/powerpoint/2010/main" val="4128532553"/>
+        <p14:creationId xmlns:p14="http://schemas.microsoft.com/office/powerpoint/2010/main" val="1727401089"/>
       </p:ext>
     </p:extLst>
   </p:cSld>
@@ -747,7 +745,7 @@
           <a:p>
             <a:fld id="{6581D01B-5AEB-45CA-98AA-FF97CC97CD34}" type="slidenum">
               <a:rPr lang="zh-TW" altLang="en-US" smtClean="0"/>
-              <a:t>7</a:t>
+              <a:t>6</a:t>
             </a:fld>
             <a:endParaRPr lang="zh-TW" altLang="en-US"/>
           </a:p>
@@ -756,7 +754,7 @@
     </p:spTree>
     <p:extLst>
       <p:ext uri="{BB962C8B-B14F-4D97-AF65-F5344CB8AC3E}">
-        <p14:creationId xmlns:p14="http://schemas.microsoft.com/office/powerpoint/2010/main" val="1727401089"/>
+        <p14:creationId xmlns:p14="http://schemas.microsoft.com/office/powerpoint/2010/main" val="269752799"/>
       </p:ext>
     </p:extLst>
   </p:cSld>
@@ -831,7 +829,7 @@
           <a:p>
             <a:fld id="{6581D01B-5AEB-45CA-98AA-FF97CC97CD34}" type="slidenum">
               <a:rPr lang="zh-TW" altLang="en-US" smtClean="0"/>
-              <a:t>8</a:t>
+              <a:t>7</a:t>
             </a:fld>
             <a:endParaRPr lang="zh-TW" altLang="en-US"/>
           </a:p>
@@ -840,7 +838,7 @@
     </p:spTree>
     <p:extLst>
       <p:ext uri="{BB962C8B-B14F-4D97-AF65-F5344CB8AC3E}">
-        <p14:creationId xmlns:p14="http://schemas.microsoft.com/office/powerpoint/2010/main" val="269752799"/>
+        <p14:creationId xmlns:p14="http://schemas.microsoft.com/office/powerpoint/2010/main" val="2453404070"/>
       </p:ext>
     </p:extLst>
   </p:cSld>
@@ -915,91 +913,7 @@
           <a:p>
             <a:fld id="{6581D01B-5AEB-45CA-98AA-FF97CC97CD34}" type="slidenum">
               <a:rPr lang="zh-TW" altLang="en-US" smtClean="0"/>
-              <a:t>9</a:t>
-            </a:fld>
-            <a:endParaRPr lang="zh-TW" altLang="en-US"/>
-          </a:p>
-        </p:txBody>
-      </p:sp>
-    </p:spTree>
-    <p:extLst>
-      <p:ext uri="{BB962C8B-B14F-4D97-AF65-F5344CB8AC3E}">
-        <p14:creationId xmlns:p14="http://schemas.microsoft.com/office/powerpoint/2010/main" val="2453404070"/>
-      </p:ext>
-    </p:extLst>
-  </p:cSld>
-  <p:clrMapOvr>
-    <a:masterClrMapping/>
-  </p:clrMapOvr>
-</p:notes>
-</file>
-
-<file path=ppt/notesSlides/notesSlide6.xml><?xml version="1.0" encoding="utf-8"?>
-<p:notes xmlns:a="http://schemas.openxmlformats.org/drawingml/2006/main" xmlns:r="http://schemas.openxmlformats.org/officeDocument/2006/relationships" xmlns:p="http://schemas.openxmlformats.org/presentationml/2006/main">
-  <p:cSld>
-    <p:spTree>
-      <p:nvGrpSpPr>
-        <p:cNvPr id="1" name=""/>
-        <p:cNvGrpSpPr/>
-        <p:nvPr/>
-      </p:nvGrpSpPr>
-      <p:grpSpPr>
-        <a:xfrm>
-          <a:off x="0" y="0"/>
-          <a:ext cx="0" cy="0"/>
-          <a:chOff x="0" y="0"/>
-          <a:chExt cx="0" cy="0"/>
-        </a:xfrm>
-      </p:grpSpPr>
-      <p:sp>
-        <p:nvSpPr>
-          <p:cNvPr id="2" name="投影片影像版面配置區 1"/>
-          <p:cNvSpPr>
-            <a:spLocks noGrp="1" noRot="1" noChangeAspect="1"/>
-          </p:cNvSpPr>
-          <p:nvPr>
-            <p:ph type="sldImg"/>
-          </p:nvPr>
-        </p:nvSpPr>
-        <p:spPr/>
-      </p:sp>
-      <p:sp>
-        <p:nvSpPr>
-          <p:cNvPr id="3" name="備忘稿版面配置區 2"/>
-          <p:cNvSpPr>
-            <a:spLocks noGrp="1"/>
-          </p:cNvSpPr>
-          <p:nvPr>
-            <p:ph type="body" idx="1"/>
-          </p:nvPr>
-        </p:nvSpPr>
-        <p:spPr/>
-        <p:txBody>
-          <a:bodyPr/>
-          <a:lstStyle/>
-          <a:p>
-            <a:endParaRPr lang="zh-TW" altLang="en-US" dirty="0"/>
-          </a:p>
-        </p:txBody>
-      </p:sp>
-      <p:sp>
-        <p:nvSpPr>
-          <p:cNvPr id="4" name="投影片編號版面配置區 3"/>
-          <p:cNvSpPr>
-            <a:spLocks noGrp="1"/>
-          </p:cNvSpPr>
-          <p:nvPr>
-            <p:ph type="sldNum" sz="quarter" idx="5"/>
-          </p:nvPr>
-        </p:nvSpPr>
-        <p:spPr/>
-        <p:txBody>
-          <a:bodyPr/>
-          <a:lstStyle/>
-          <a:p>
-            <a:fld id="{6581D01B-5AEB-45CA-98AA-FF97CC97CD34}" type="slidenum">
-              <a:rPr lang="zh-TW" altLang="en-US" smtClean="0"/>
-              <a:t>10</a:t>
+              <a:t>8</a:t>
             </a:fld>
             <a:endParaRPr lang="zh-TW" altLang="en-US"/>
           </a:p>
@@ -4362,105 +4276,6 @@
 </p:sld>
 </file>
 
-<file path=ppt/slides/slide10.xml><?xml version="1.0" encoding="utf-8"?>
-<p:sld xmlns:a="http://schemas.openxmlformats.org/drawingml/2006/main" xmlns:r="http://schemas.openxmlformats.org/officeDocument/2006/relationships" xmlns:p="http://schemas.openxmlformats.org/presentationml/2006/main">
-  <p:cSld>
-    <p:spTree>
-      <p:nvGrpSpPr>
-        <p:cNvPr id="1" name=""/>
-        <p:cNvGrpSpPr/>
-        <p:nvPr/>
-      </p:nvGrpSpPr>
-      <p:grpSpPr>
-        <a:xfrm>
-          <a:off x="0" y="0"/>
-          <a:ext cx="0" cy="0"/>
-          <a:chOff x="0" y="0"/>
-          <a:chExt cx="0" cy="0"/>
-        </a:xfrm>
-      </p:grpSpPr>
-      <p:sp>
-        <p:nvSpPr>
-          <p:cNvPr id="13" name="Text Box 31">
-            <a:extLst>
-              <a:ext uri="{FF2B5EF4-FFF2-40B4-BE49-F238E27FC236}">
-                <a16:creationId xmlns:a16="http://schemas.microsoft.com/office/drawing/2014/main" id="{7CADF26B-D3C7-44B9-AB9C-40BFF9FF20C9}"/>
-              </a:ext>
-            </a:extLst>
-          </p:cNvPr>
-          <p:cNvSpPr txBox="1">
-            <a:spLocks noChangeArrowheads="1"/>
-          </p:cNvSpPr>
-          <p:nvPr/>
-        </p:nvSpPr>
-        <p:spPr bwMode="auto">
-          <a:xfrm>
-            <a:off x="338502" y="260648"/>
-            <a:ext cx="8466995" cy="798745"/>
-          </a:xfrm>
-          <a:prstGeom prst="rect">
-            <a:avLst/>
-          </a:prstGeom>
-          <a:solidFill>
-            <a:schemeClr val="bg1">
-              <a:lumMod val="75000"/>
-            </a:schemeClr>
-          </a:solidFill>
-          <a:ln w="9525">
-            <a:noFill/>
-            <a:miter lim="800000"/>
-            <a:headEnd/>
-            <a:tailEnd/>
-          </a:ln>
-        </p:spPr>
-        <p:txBody>
-          <a:bodyPr wrap="square">
-            <a:spAutoFit/>
-          </a:bodyPr>
-          <a:lstStyle/>
-          <a:p>
-            <a:pPr algn="just">
-              <a:lnSpc>
-                <a:spcPct val="120000"/>
-              </a:lnSpc>
-              <a:spcBef>
-                <a:spcPts val="0"/>
-              </a:spcBef>
-            </a:pPr>
-            <a:r>
-              <a:rPr lang="en-US" altLang="zh-TW" dirty="0"/>
-              <a:t>(Extra): Answer the questions according to your student ID number.</a:t>
-            </a:r>
-          </a:p>
-          <a:p>
-            <a:pPr algn="just">
-              <a:lnSpc>
-                <a:spcPct val="120000"/>
-              </a:lnSpc>
-              <a:spcBef>
-                <a:spcPts val="0"/>
-              </a:spcBef>
-            </a:pPr>
-            <a:r>
-              <a:rPr lang="en-US" altLang="zh-TW" dirty="0"/>
-              <a:t>            (ended with (1, 6), (2, 7), (3, 8), (4, 9))  </a:t>
-            </a:r>
-          </a:p>
-        </p:txBody>
-      </p:sp>
-    </p:spTree>
-    <p:extLst>
-      <p:ext uri="{BB962C8B-B14F-4D97-AF65-F5344CB8AC3E}">
-        <p14:creationId xmlns:p14="http://schemas.microsoft.com/office/powerpoint/2010/main" val="1488852901"/>
-      </p:ext>
-    </p:extLst>
-  </p:cSld>
-  <p:clrMapOvr>
-    <a:masterClrMapping/>
-  </p:clrMapOvr>
-</p:sld>
-</file>
-
 <file path=ppt/slides/slide2.xml><?xml version="1.0" encoding="utf-8"?>
 <p:sld xmlns:a="http://schemas.openxmlformats.org/drawingml/2006/main" xmlns:r="http://schemas.openxmlformats.org/officeDocument/2006/relationships" xmlns:p="http://schemas.openxmlformats.org/presentationml/2006/main">
   <p:cSld>
@@ -4560,7 +4375,7 @@
             </p:nvSpPr>
             <p:spPr>
               <a:xfrm>
-                <a:off x="372814" y="1268760"/>
+                <a:off x="372813" y="1181803"/>
                 <a:ext cx="8398372" cy="1323439"/>
               </a:xfrm>
               <a:prstGeom prst="rect">
@@ -4646,7 +4461,7 @@
                   <m:oMath xmlns:m="http://schemas.openxmlformats.org/officeDocument/2006/math">
                     <m:r>
                       <a:rPr kumimoji="1" lang="en-US" altLang="zh-TW" b="0" i="1" smtClean="0">
-                        <a:latin typeface="+mj-ea"/>
+                        <a:latin typeface="Cambria Math" panose="02040503050406030204" pitchFamily="18" charset="0"/>
                         <a:ea typeface="+mj-ea"/>
                       </a:rPr>
                       <m:t>𝑁</m:t>
@@ -4660,7 +4475,7 @@
                     </m:r>
                     <m:r>
                       <a:rPr kumimoji="1" lang="en-US" altLang="zh-TW" b="0" i="1" smtClean="0">
-                        <a:latin typeface="+mj-ea"/>
+                        <a:latin typeface="Cambria Math" panose="02040503050406030204" pitchFamily="18" charset="0"/>
                         <a:ea typeface="+mj-ea"/>
                       </a:rPr>
                       <m:t>𝑐𝑜𝑛𝑠𝑡𝑎𝑛𝑡</m:t>
@@ -4785,7 +4600,7 @@
             </p:nvSpPr>
             <p:spPr>
               <a:xfrm>
-                <a:off x="372814" y="1268760"/>
+                <a:off x="372813" y="1181803"/>
                 <a:ext cx="8398372" cy="1323439"/>
               </a:xfrm>
               <a:prstGeom prst="rect">
@@ -4794,7 +4609,7 @@
               <a:blipFill>
                 <a:blip r:embed="rId2"/>
                 <a:stretch>
-                  <a:fillRect l="-755" t="-1887" b="-6604"/>
+                  <a:fillRect l="-755" t="-2857" b="-6667"/>
                 </a:stretch>
               </a:blipFill>
             </p:spPr>
@@ -4813,39 +4628,15 @@
           </p:sp>
         </mc:Fallback>
       </mc:AlternateContent>
-    </p:spTree>
-    <p:extLst>
-      <p:ext uri="{BB962C8B-B14F-4D97-AF65-F5344CB8AC3E}">
-        <p14:creationId xmlns:p14="http://schemas.microsoft.com/office/powerpoint/2010/main" val="2498762745"/>
-      </p:ext>
-    </p:extLst>
-  </p:cSld>
-  <p:clrMapOvr>
-    <a:masterClrMapping/>
-  </p:clrMapOvr>
-</p:sld>
-</file>
-
-<file path=ppt/slides/slide3.xml><?xml version="1.0" encoding="utf-8"?>
-<p:sld xmlns:a="http://schemas.openxmlformats.org/drawingml/2006/main" xmlns:r="http://schemas.openxmlformats.org/officeDocument/2006/relationships" xmlns:p="http://schemas.openxmlformats.org/presentationml/2006/main">
-  <p:cSld>
-    <p:spTree>
-      <p:nvGrpSpPr>
-        <p:cNvPr id="1" name=""/>
-        <p:cNvGrpSpPr/>
-        <p:nvPr/>
-      </p:nvGrpSpPr>
-      <p:grpSpPr>
-        <a:xfrm>
-          <a:off x="0" y="0"/>
-          <a:ext cx="0" cy="0"/>
-          <a:chOff x="0" y="0"/>
-          <a:chExt cx="0" cy="0"/>
-        </a:xfrm>
-      </p:grpSpPr>
       <p:sp>
         <p:nvSpPr>
-          <p:cNvPr id="13" name="Rectangle 5"/>
+          <p:cNvPr id="3" name="Rectangle 5">
+            <a:extLst>
+              <a:ext uri="{FF2B5EF4-FFF2-40B4-BE49-F238E27FC236}">
+                <a16:creationId xmlns:a16="http://schemas.microsoft.com/office/drawing/2014/main" id="{B1B020CF-612C-7E48-30D3-843BEB96492A}"/>
+              </a:ext>
+            </a:extLst>
+          </p:cNvPr>
           <p:cNvSpPr>
             <a:spLocks noChangeArrowheads="1"/>
           </p:cNvSpPr>
@@ -4853,7 +4644,7 @@
         </p:nvSpPr>
         <p:spPr bwMode="auto">
           <a:xfrm>
-            <a:off x="287337" y="332656"/>
+            <a:off x="287337" y="2783419"/>
             <a:ext cx="8569325" cy="1107996"/>
           </a:xfrm>
           <a:prstGeom prst="rect">
@@ -4911,10 +4702,10 @@
       </p:sp>
       <p:sp>
         <p:nvSpPr>
-          <p:cNvPr id="2" name="文字方塊 1">
+          <p:cNvPr id="4" name="文字方塊 3">
             <a:extLst>
               <a:ext uri="{FF2B5EF4-FFF2-40B4-BE49-F238E27FC236}">
-                <a16:creationId xmlns:a16="http://schemas.microsoft.com/office/drawing/2014/main" id="{19FD7E38-8955-E248-B2F1-32C31EE42D5A}"/>
+                <a16:creationId xmlns:a16="http://schemas.microsoft.com/office/drawing/2014/main" id="{272D05C9-6443-F9C6-5F79-A40E1552F416}"/>
               </a:ext>
             </a:extLst>
           </p:cNvPr>
@@ -4923,7 +4714,7 @@
         </p:nvSpPr>
         <p:spPr>
           <a:xfrm>
-            <a:off x="287337" y="1628800"/>
+            <a:off x="287337" y="3995678"/>
             <a:ext cx="8569325" cy="2862322"/>
           </a:xfrm>
           <a:prstGeom prst="rect">
@@ -5071,7 +4862,7 @@
     </p:spTree>
     <p:extLst>
       <p:ext uri="{BB962C8B-B14F-4D97-AF65-F5344CB8AC3E}">
-        <p14:creationId xmlns:p14="http://schemas.microsoft.com/office/powerpoint/2010/main" val="3640036261"/>
+        <p14:creationId xmlns:p14="http://schemas.microsoft.com/office/powerpoint/2010/main" val="2498762745"/>
       </p:ext>
     </p:extLst>
   </p:cSld>
@@ -5081,7 +4872,7 @@
 </p:sld>
 </file>
 
-<file path=ppt/slides/slide4.xml><?xml version="1.0" encoding="utf-8"?>
+<file path=ppt/slides/slide3.xml><?xml version="1.0" encoding="utf-8"?>
 <p:sld xmlns:a="http://schemas.openxmlformats.org/drawingml/2006/main" xmlns:r="http://schemas.openxmlformats.org/officeDocument/2006/relationships" xmlns:p="http://schemas.openxmlformats.org/presentationml/2006/main">
   <p:cSld>
     <p:spTree>
@@ -5162,8 +4953,8 @@
           </a:p>
         </p:txBody>
       </p:sp>
-      <mc:AlternateContent xmlns:mc="http://schemas.openxmlformats.org/markup-compatibility/2006">
-        <mc:Choice xmlns:a14="http://schemas.microsoft.com/office/drawing/2010/main" Requires="a14">
+      <mc:AlternateContent xmlns:mc="http://schemas.openxmlformats.org/markup-compatibility/2006" xmlns:a14="http://schemas.microsoft.com/office/drawing/2010/main">
+        <mc:Choice Requires="a14">
           <p:sp>
             <p:nvSpPr>
               <p:cNvPr id="2" name="文字方塊 1">
@@ -5367,13 +5158,7 @@
                       <a:rPr lang="zh-TW" altLang="en-US" i="1">
                         <a:latin typeface="Cambria Math" panose="02040503050406030204" pitchFamily="18" charset="0"/>
                       </a:rPr>
-                      <m:t>個加法</m:t>
-                    </m:r>
-                    <m:r>
-                      <a:rPr lang="zh-TW" altLang="en-US" i="1">
-                        <a:latin typeface="Cambria Math" panose="02040503050406030204" pitchFamily="18" charset="0"/>
-                      </a:rPr>
-                      <m:t>，</m:t>
+                      <m:t>個加法，</m:t>
                     </m:r>
                     <m:sSub>
                       <m:sSubPr>
@@ -5505,7 +5290,7 @@
             </p:txBody>
           </p:sp>
         </mc:Choice>
-        <mc:Fallback>
+        <mc:Fallback xmlns="">
           <p:sp>
             <p:nvSpPr>
               <p:cNvPr id="2" name="文字方塊 1">
@@ -5550,42 +5335,12 @@
           </p:sp>
         </mc:Fallback>
       </mc:AlternateContent>
-    </p:spTree>
-    <p:extLst>
-      <p:ext uri="{BB962C8B-B14F-4D97-AF65-F5344CB8AC3E}">
-        <p14:creationId xmlns:p14="http://schemas.microsoft.com/office/powerpoint/2010/main" val="1209746383"/>
-      </p:ext>
-    </p:extLst>
-  </p:cSld>
-  <p:clrMapOvr>
-    <a:masterClrMapping/>
-  </p:clrMapOvr>
-</p:sld>
-</file>
-
-<file path=ppt/slides/slide5.xml><?xml version="1.0" encoding="utf-8"?>
-<p:sld xmlns:a="http://schemas.openxmlformats.org/drawingml/2006/main" xmlns:r="http://schemas.openxmlformats.org/officeDocument/2006/relationships" xmlns:p="http://schemas.openxmlformats.org/presentationml/2006/main">
-  <p:cSld>
-    <p:spTree>
-      <p:nvGrpSpPr>
-        <p:cNvPr id="1" name=""/>
-        <p:cNvGrpSpPr/>
-        <p:nvPr/>
-      </p:nvGrpSpPr>
-      <p:grpSpPr>
-        <a:xfrm>
-          <a:off x="0" y="0"/>
-          <a:ext cx="0" cy="0"/>
-          <a:chOff x="0" y="0"/>
-          <a:chExt cx="0" cy="0"/>
-        </a:xfrm>
-      </p:grpSpPr>
       <p:sp>
         <p:nvSpPr>
-          <p:cNvPr id="5" name="矩形 4">
+          <p:cNvPr id="3" name="矩形 2">
             <a:extLst>
               <a:ext uri="{FF2B5EF4-FFF2-40B4-BE49-F238E27FC236}">
-                <a16:creationId xmlns:a16="http://schemas.microsoft.com/office/drawing/2014/main" id="{7865C28B-9BA5-4678-97B5-97C29E713F8F}"/>
+                <a16:creationId xmlns:a16="http://schemas.microsoft.com/office/drawing/2014/main" id="{96BBA6E8-219D-555A-01A2-0E069E8ABC1F}"/>
               </a:ext>
             </a:extLst>
           </p:cNvPr>
@@ -5596,7 +5351,7 @@
         </p:nvSpPr>
         <p:spPr bwMode="auto">
           <a:xfrm>
-            <a:off x="359532" y="320009"/>
+            <a:off x="359568" y="2780928"/>
             <a:ext cx="8424863" cy="769441"/>
           </a:xfrm>
           <a:prstGeom prst="rect">
@@ -5652,10 +5407,10 @@
       </p:sp>
       <p:sp>
         <p:nvSpPr>
-          <p:cNvPr id="3" name="文字方塊 2">
+          <p:cNvPr id="4" name="文字方塊 3">
             <a:extLst>
               <a:ext uri="{FF2B5EF4-FFF2-40B4-BE49-F238E27FC236}">
-                <a16:creationId xmlns:a16="http://schemas.microsoft.com/office/drawing/2014/main" id="{86B273B1-167A-D649-BA34-B7B3BC144EA6}"/>
+                <a16:creationId xmlns:a16="http://schemas.microsoft.com/office/drawing/2014/main" id="{69BF54E5-465F-7A03-3381-ADEED9815845}"/>
               </a:ext>
             </a:extLst>
           </p:cNvPr>
@@ -5664,7 +5419,7 @@
         </p:nvSpPr>
         <p:spPr>
           <a:xfrm>
-            <a:off x="359532" y="1268760"/>
+            <a:off x="359567" y="3717032"/>
             <a:ext cx="8424863" cy="1323439"/>
           </a:xfrm>
           <a:prstGeom prst="rect">
@@ -5746,6 +5501,11 @@
         </p:txBody>
       </p:sp>
     </p:spTree>
+    <p:extLst>
+      <p:ext uri="{BB962C8B-B14F-4D97-AF65-F5344CB8AC3E}">
+        <p14:creationId xmlns:p14="http://schemas.microsoft.com/office/powerpoint/2010/main" val="1209746383"/>
+      </p:ext>
+    </p:extLst>
   </p:cSld>
   <p:clrMapOvr>
     <a:masterClrMapping/>
@@ -5753,7 +5513,7 @@
 </p:sld>
 </file>
 
-<file path=ppt/slides/slide6.xml><?xml version="1.0" encoding="utf-8"?>
+<file path=ppt/slides/slide4.xml><?xml version="1.0" encoding="utf-8"?>
 <p:sld xmlns:a="http://schemas.openxmlformats.org/drawingml/2006/main" xmlns:r="http://schemas.openxmlformats.org/officeDocument/2006/relationships" xmlns:p="http://schemas.openxmlformats.org/presentationml/2006/main">
   <p:cSld>
     <p:spTree>
@@ -7735,7 +7495,7 @@
 </p:sld>
 </file>
 
-<file path=ppt/slides/slide7.xml><?xml version="1.0" encoding="utf-8"?>
+<file path=ppt/slides/slide5.xml><?xml version="1.0" encoding="utf-8"?>
 <p:sld xmlns:a="http://schemas.openxmlformats.org/drawingml/2006/main" xmlns:r="http://schemas.openxmlformats.org/officeDocument/2006/relationships" xmlns:p="http://schemas.openxmlformats.org/presentationml/2006/main">
   <p:cSld>
     <p:spTree>
@@ -7982,6 +7742,1074 @@
           </a:p>
         </p:txBody>
       </p:sp>
+      <mc:AlternateContent xmlns:mc="http://schemas.openxmlformats.org/markup-compatibility/2006">
+        <mc:Choice xmlns:a14="http://schemas.microsoft.com/office/drawing/2010/main" Requires="a14">
+          <p:sp>
+            <p:nvSpPr>
+              <p:cNvPr id="2" name="文字方塊 1">
+                <a:extLst>
+                  <a:ext uri="{FF2B5EF4-FFF2-40B4-BE49-F238E27FC236}">
+                    <a16:creationId xmlns:a16="http://schemas.microsoft.com/office/drawing/2014/main" id="{4164A26C-7980-4A79-210A-CA2E1002F761}"/>
+                  </a:ext>
+                </a:extLst>
+              </p:cNvPr>
+              <p:cNvSpPr txBox="1"/>
+              <p:nvPr/>
+            </p:nvSpPr>
+            <p:spPr>
+              <a:xfrm>
+                <a:off x="359532" y="2443315"/>
+                <a:ext cx="8172908" cy="3918573"/>
+              </a:xfrm>
+              <a:prstGeom prst="rect">
+                <a:avLst/>
+              </a:prstGeom>
+              <a:noFill/>
+            </p:spPr>
+            <p:txBody>
+              <a:bodyPr wrap="square" rtlCol="0">
+                <a:spAutoFit/>
+              </a:bodyPr>
+              <a:lstStyle/>
+              <a:p>
+                <a:pPr marL="457200" indent="-457200">
+                  <a:buAutoNum type="alphaLcParenBoth"/>
+                </a:pPr>
+                <a14:m>
+                  <m:oMath xmlns:m="http://schemas.openxmlformats.org/officeDocument/2006/math">
+                    <m:sSup>
+                      <m:sSupPr>
+                        <m:ctrlPr>
+                          <a:rPr kumimoji="1" lang="en-US" altLang="zh-TW" i="1" smtClean="0">
+                            <a:latin typeface="Cambria Math" panose="02040503050406030204" pitchFamily="18" charset="0"/>
+                          </a:rPr>
+                        </m:ctrlPr>
+                      </m:sSupPr>
+                      <m:e>
+                        <m:r>
+                          <a:rPr kumimoji="1" lang="en-US" altLang="zh-TW" b="0" i="1" smtClean="0">
+                            <a:latin typeface="Cambria Math" panose="02040503050406030204" pitchFamily="18" charset="0"/>
+                          </a:rPr>
+                          <m:t>3</m:t>
+                        </m:r>
+                      </m:e>
+                      <m:sup>
+                        <m:r>
+                          <a:rPr kumimoji="1" lang="en-US" altLang="zh-TW" b="0" i="1" smtClean="0">
+                            <a:latin typeface="Cambria Math" panose="02040503050406030204" pitchFamily="18" charset="0"/>
+                          </a:rPr>
+                          <m:t>1</m:t>
+                        </m:r>
+                      </m:sup>
+                    </m:sSup>
+                    <m:r>
+                      <a:rPr kumimoji="1" lang="zh-TW" altLang="en-US" b="0" i="1" smtClean="0">
+                        <a:latin typeface="Cambria Math" panose="02040503050406030204" pitchFamily="18" charset="0"/>
+                      </a:rPr>
+                      <m:t> </m:t>
+                    </m:r>
+                    <m:r>
+                      <a:rPr kumimoji="1" lang="en-US" altLang="zh-TW" b="0" i="1" smtClean="0">
+                        <a:latin typeface="Cambria Math" panose="02040503050406030204" pitchFamily="18" charset="0"/>
+                      </a:rPr>
+                      <m:t>𝑚𝑜𝑑</m:t>
+                    </m:r>
+                    <m:r>
+                      <a:rPr kumimoji="1" lang="zh-TW" altLang="en-US" b="0" i="1" smtClean="0">
+                        <a:latin typeface="Cambria Math" panose="02040503050406030204" pitchFamily="18" charset="0"/>
+                      </a:rPr>
+                      <m:t> </m:t>
+                    </m:r>
+                    <m:r>
+                      <a:rPr kumimoji="1" lang="en-US" altLang="zh-TW" b="0" i="1" smtClean="0">
+                        <a:latin typeface="Cambria Math" panose="02040503050406030204" pitchFamily="18" charset="0"/>
+                      </a:rPr>
+                      <m:t>11=3,</m:t>
+                    </m:r>
+                    <m:sSup>
+                      <m:sSupPr>
+                        <m:ctrlPr>
+                          <a:rPr lang="en-US" altLang="zh-TW" i="1">
+                            <a:latin typeface="Cambria Math" panose="02040503050406030204" pitchFamily="18" charset="0"/>
+                          </a:rPr>
+                        </m:ctrlPr>
+                      </m:sSupPr>
+                      <m:e>
+                        <m:r>
+                          <a:rPr lang="en-US" altLang="zh-TW" i="1">
+                            <a:latin typeface="Cambria Math" panose="02040503050406030204" pitchFamily="18" charset="0"/>
+                          </a:rPr>
+                          <m:t>3</m:t>
+                        </m:r>
+                      </m:e>
+                      <m:sup>
+                        <m:r>
+                          <a:rPr lang="en-US" altLang="zh-TW" b="0" i="1" smtClean="0">
+                            <a:latin typeface="Cambria Math" panose="02040503050406030204" pitchFamily="18" charset="0"/>
+                          </a:rPr>
+                          <m:t>2</m:t>
+                        </m:r>
+                      </m:sup>
+                    </m:sSup>
+                    <m:r>
+                      <a:rPr lang="zh-TW" altLang="en-US" i="1">
+                        <a:latin typeface="Cambria Math" panose="02040503050406030204" pitchFamily="18" charset="0"/>
+                      </a:rPr>
+                      <m:t> </m:t>
+                    </m:r>
+                    <m:r>
+                      <a:rPr lang="en-US" altLang="zh-TW" i="1">
+                        <a:latin typeface="Cambria Math" panose="02040503050406030204" pitchFamily="18" charset="0"/>
+                      </a:rPr>
+                      <m:t>𝑚𝑜𝑑</m:t>
+                    </m:r>
+                    <m:r>
+                      <a:rPr lang="zh-TW" altLang="en-US" i="1">
+                        <a:latin typeface="Cambria Math" panose="02040503050406030204" pitchFamily="18" charset="0"/>
+                      </a:rPr>
+                      <m:t> </m:t>
+                    </m:r>
+                    <m:r>
+                      <a:rPr lang="en-US" altLang="zh-TW" i="1">
+                        <a:latin typeface="Cambria Math" panose="02040503050406030204" pitchFamily="18" charset="0"/>
+                      </a:rPr>
+                      <m:t>11=</m:t>
+                    </m:r>
+                    <m:r>
+                      <a:rPr lang="en-US" altLang="zh-TW" b="0" i="1" smtClean="0">
+                        <a:latin typeface="Cambria Math" panose="02040503050406030204" pitchFamily="18" charset="0"/>
+                      </a:rPr>
+                      <m:t>9,</m:t>
+                    </m:r>
+                    <m:sSup>
+                      <m:sSupPr>
+                        <m:ctrlPr>
+                          <a:rPr lang="en-US" altLang="zh-TW" i="1">
+                            <a:latin typeface="Cambria Math" panose="02040503050406030204" pitchFamily="18" charset="0"/>
+                          </a:rPr>
+                        </m:ctrlPr>
+                      </m:sSupPr>
+                      <m:e>
+                        <m:r>
+                          <a:rPr lang="en-US" altLang="zh-TW" i="1">
+                            <a:latin typeface="Cambria Math" panose="02040503050406030204" pitchFamily="18" charset="0"/>
+                          </a:rPr>
+                          <m:t>3</m:t>
+                        </m:r>
+                      </m:e>
+                      <m:sup>
+                        <m:r>
+                          <a:rPr lang="en-US" altLang="zh-TW" b="0" i="1" smtClean="0">
+                            <a:latin typeface="Cambria Math" panose="02040503050406030204" pitchFamily="18" charset="0"/>
+                          </a:rPr>
+                          <m:t>3</m:t>
+                        </m:r>
+                      </m:sup>
+                    </m:sSup>
+                    <m:r>
+                      <a:rPr lang="zh-TW" altLang="en-US" i="1">
+                        <a:latin typeface="Cambria Math" panose="02040503050406030204" pitchFamily="18" charset="0"/>
+                      </a:rPr>
+                      <m:t> </m:t>
+                    </m:r>
+                    <m:r>
+                      <a:rPr lang="en-US" altLang="zh-TW" i="1">
+                        <a:latin typeface="Cambria Math" panose="02040503050406030204" pitchFamily="18" charset="0"/>
+                      </a:rPr>
+                      <m:t>𝑚𝑜𝑑</m:t>
+                    </m:r>
+                    <m:r>
+                      <a:rPr lang="zh-TW" altLang="en-US" i="1">
+                        <a:latin typeface="Cambria Math" panose="02040503050406030204" pitchFamily="18" charset="0"/>
+                      </a:rPr>
+                      <m:t> </m:t>
+                    </m:r>
+                    <m:r>
+                      <a:rPr lang="en-US" altLang="zh-TW" i="1">
+                        <a:latin typeface="Cambria Math" panose="02040503050406030204" pitchFamily="18" charset="0"/>
+                      </a:rPr>
+                      <m:t>11=</m:t>
+                    </m:r>
+                    <m:r>
+                      <m:rPr>
+                        <m:nor/>
+                      </m:rPr>
+                      <a:rPr lang="en-US" altLang="zh-TW"/>
+                      <m:t>5</m:t>
+                    </m:r>
+                    <m:r>
+                      <m:rPr>
+                        <m:nor/>
+                      </m:rPr>
+                      <a:rPr lang="en-US" altLang="zh-TW" b="0" i="0" smtClean="0"/>
+                      <m:t>,</m:t>
+                    </m:r>
+                    <m:sSup>
+                      <m:sSupPr>
+                        <m:ctrlPr>
+                          <a:rPr lang="en-US" altLang="zh-TW" i="1">
+                            <a:latin typeface="Cambria Math" panose="02040503050406030204" pitchFamily="18" charset="0"/>
+                          </a:rPr>
+                        </m:ctrlPr>
+                      </m:sSupPr>
+                      <m:e>
+                        <m:r>
+                          <a:rPr lang="zh-TW" altLang="en-US" b="0" i="1" smtClean="0">
+                            <a:latin typeface="Cambria Math" panose="02040503050406030204" pitchFamily="18" charset="0"/>
+                          </a:rPr>
+                          <m:t> </m:t>
+                        </m:r>
+                        <m:r>
+                          <a:rPr lang="en-US" altLang="zh-TW" i="1">
+                            <a:latin typeface="Cambria Math" panose="02040503050406030204" pitchFamily="18" charset="0"/>
+                          </a:rPr>
+                          <m:t>3</m:t>
+                        </m:r>
+                      </m:e>
+                      <m:sup>
+                        <m:r>
+                          <a:rPr lang="en-US" altLang="zh-TW" b="0" i="1" smtClean="0">
+                            <a:latin typeface="Cambria Math" panose="02040503050406030204" pitchFamily="18" charset="0"/>
+                          </a:rPr>
+                          <m:t>4</m:t>
+                        </m:r>
+                      </m:sup>
+                    </m:sSup>
+                    <m:r>
+                      <a:rPr lang="zh-TW" altLang="en-US" i="1">
+                        <a:latin typeface="Cambria Math" panose="02040503050406030204" pitchFamily="18" charset="0"/>
+                      </a:rPr>
+                      <m:t> </m:t>
+                    </m:r>
+                    <m:r>
+                      <a:rPr lang="en-US" altLang="zh-TW" i="1">
+                        <a:latin typeface="Cambria Math" panose="02040503050406030204" pitchFamily="18" charset="0"/>
+                      </a:rPr>
+                      <m:t>𝑚𝑜𝑑</m:t>
+                    </m:r>
+                    <m:r>
+                      <a:rPr lang="zh-TW" altLang="en-US" i="1">
+                        <a:latin typeface="Cambria Math" panose="02040503050406030204" pitchFamily="18" charset="0"/>
+                      </a:rPr>
+                      <m:t> </m:t>
+                    </m:r>
+                    <m:r>
+                      <a:rPr lang="en-US" altLang="zh-TW" i="1">
+                        <a:latin typeface="Cambria Math" panose="02040503050406030204" pitchFamily="18" charset="0"/>
+                      </a:rPr>
+                      <m:t>11=</m:t>
+                    </m:r>
+                    <m:r>
+                      <m:rPr>
+                        <m:nor/>
+                      </m:rPr>
+                      <a:rPr lang="en-US" altLang="zh-TW" b="0" i="0" smtClean="0">
+                        <a:latin typeface="Cambria Math" panose="02040503050406030204" pitchFamily="18" charset="0"/>
+                      </a:rPr>
+                      <m:t>4</m:t>
+                    </m:r>
+                  </m:oMath>
+                </a14:m>
+                <a:endParaRPr lang="en-US" altLang="zh-TW" b="0" dirty="0"/>
+              </a:p>
+              <a:p>
+                <a:pPr lvl="1"/>
+                <a14:m>
+                  <m:oMathPara xmlns:m="http://schemas.openxmlformats.org/officeDocument/2006/math">
+                    <m:oMathParaPr>
+                      <m:jc m:val="left"/>
+                    </m:oMathParaPr>
+                    <m:oMath xmlns:m="http://schemas.openxmlformats.org/officeDocument/2006/math">
+                      <m:sSup>
+                        <m:sSupPr>
+                          <m:ctrlPr>
+                            <a:rPr lang="en-US" altLang="zh-TW" i="1">
+                              <a:latin typeface="Cambria Math" panose="02040503050406030204" pitchFamily="18" charset="0"/>
+                            </a:rPr>
+                          </m:ctrlPr>
+                        </m:sSupPr>
+                        <m:e>
+                          <m:r>
+                            <a:rPr lang="en-US" altLang="zh-TW" i="1">
+                              <a:latin typeface="Cambria Math" panose="02040503050406030204" pitchFamily="18" charset="0"/>
+                            </a:rPr>
+                            <m:t>3</m:t>
+                          </m:r>
+                        </m:e>
+                        <m:sup>
+                          <m:r>
+                            <a:rPr lang="en-US" altLang="zh-TW" i="1">
+                              <a:latin typeface="Cambria Math" panose="02040503050406030204" pitchFamily="18" charset="0"/>
+                            </a:rPr>
+                            <m:t>5</m:t>
+                          </m:r>
+                        </m:sup>
+                      </m:sSup>
+                      <m:r>
+                        <a:rPr lang="zh-TW" altLang="en-US" i="1">
+                          <a:latin typeface="Cambria Math" panose="02040503050406030204" pitchFamily="18" charset="0"/>
+                        </a:rPr>
+                        <m:t> </m:t>
+                      </m:r>
+                      <m:r>
+                        <a:rPr lang="en-US" altLang="zh-TW" i="1">
+                          <a:latin typeface="Cambria Math" panose="02040503050406030204" pitchFamily="18" charset="0"/>
+                        </a:rPr>
+                        <m:t>𝑚𝑜𝑑</m:t>
+                      </m:r>
+                      <m:r>
+                        <a:rPr lang="zh-TW" altLang="en-US" i="1">
+                          <a:latin typeface="Cambria Math" panose="02040503050406030204" pitchFamily="18" charset="0"/>
+                        </a:rPr>
+                        <m:t> </m:t>
+                      </m:r>
+                      <m:r>
+                        <a:rPr lang="en-US" altLang="zh-TW" i="1">
+                          <a:latin typeface="Cambria Math" panose="02040503050406030204" pitchFamily="18" charset="0"/>
+                        </a:rPr>
+                        <m:t>11=</m:t>
+                      </m:r>
+                      <m:r>
+                        <m:rPr>
+                          <m:nor/>
+                        </m:rPr>
+                        <a:rPr lang="en-US" altLang="zh-TW">
+                          <a:latin typeface="Cambria Math" panose="02040503050406030204" pitchFamily="18" charset="0"/>
+                        </a:rPr>
+                        <m:t>1,</m:t>
+                      </m:r>
+                      <m:sSup>
+                        <m:sSupPr>
+                          <m:ctrlPr>
+                            <a:rPr lang="en-US" altLang="zh-TW" i="1">
+                              <a:latin typeface="Cambria Math" panose="02040503050406030204" pitchFamily="18" charset="0"/>
+                            </a:rPr>
+                          </m:ctrlPr>
+                        </m:sSupPr>
+                        <m:e>
+                          <m:r>
+                            <a:rPr lang="zh-TW" altLang="en-US" i="1">
+                              <a:latin typeface="Cambria Math" panose="02040503050406030204" pitchFamily="18" charset="0"/>
+                            </a:rPr>
+                            <m:t> </m:t>
+                          </m:r>
+                          <m:r>
+                            <a:rPr lang="en-US" altLang="zh-TW" i="1">
+                              <a:latin typeface="Cambria Math" panose="02040503050406030204" pitchFamily="18" charset="0"/>
+                            </a:rPr>
+                            <m:t>3</m:t>
+                          </m:r>
+                        </m:e>
+                        <m:sup>
+                          <m:r>
+                            <a:rPr lang="en-US" altLang="zh-TW" i="1">
+                              <a:latin typeface="Cambria Math" panose="02040503050406030204" pitchFamily="18" charset="0"/>
+                            </a:rPr>
+                            <m:t>6</m:t>
+                          </m:r>
+                        </m:sup>
+                      </m:sSup>
+                      <m:r>
+                        <a:rPr lang="zh-TW" altLang="en-US" i="1">
+                          <a:latin typeface="Cambria Math" panose="02040503050406030204" pitchFamily="18" charset="0"/>
+                        </a:rPr>
+                        <m:t> </m:t>
+                      </m:r>
+                      <m:r>
+                        <a:rPr lang="en-US" altLang="zh-TW" i="1">
+                          <a:latin typeface="Cambria Math" panose="02040503050406030204" pitchFamily="18" charset="0"/>
+                        </a:rPr>
+                        <m:t>𝑚𝑜𝑑</m:t>
+                      </m:r>
+                      <m:r>
+                        <a:rPr lang="zh-TW" altLang="en-US" i="1">
+                          <a:latin typeface="Cambria Math" panose="02040503050406030204" pitchFamily="18" charset="0"/>
+                        </a:rPr>
+                        <m:t> </m:t>
+                      </m:r>
+                      <m:r>
+                        <a:rPr lang="en-US" altLang="zh-TW" i="1">
+                          <a:latin typeface="Cambria Math" panose="02040503050406030204" pitchFamily="18" charset="0"/>
+                        </a:rPr>
+                        <m:t>11=</m:t>
+                      </m:r>
+                      <m:r>
+                        <m:rPr>
+                          <m:nor/>
+                        </m:rPr>
+                        <a:rPr lang="en-US" altLang="zh-TW">
+                          <a:latin typeface="Cambria Math" panose="02040503050406030204" pitchFamily="18" charset="0"/>
+                        </a:rPr>
+                        <m:t>3,</m:t>
+                      </m:r>
+                      <m:sSup>
+                        <m:sSupPr>
+                          <m:ctrlPr>
+                            <a:rPr lang="en-US" altLang="zh-TW" i="1">
+                              <a:latin typeface="Cambria Math" panose="02040503050406030204" pitchFamily="18" charset="0"/>
+                            </a:rPr>
+                          </m:ctrlPr>
+                        </m:sSupPr>
+                        <m:e>
+                          <m:r>
+                            <a:rPr lang="zh-TW" altLang="en-US" i="1">
+                              <a:latin typeface="Cambria Math" panose="02040503050406030204" pitchFamily="18" charset="0"/>
+                            </a:rPr>
+                            <m:t> </m:t>
+                          </m:r>
+                          <m:r>
+                            <a:rPr lang="en-US" altLang="zh-TW" i="1">
+                              <a:latin typeface="Cambria Math" panose="02040503050406030204" pitchFamily="18" charset="0"/>
+                            </a:rPr>
+                            <m:t>3</m:t>
+                          </m:r>
+                        </m:e>
+                        <m:sup>
+                          <m:r>
+                            <a:rPr lang="en-US" altLang="zh-TW" i="1">
+                              <a:latin typeface="Cambria Math" panose="02040503050406030204" pitchFamily="18" charset="0"/>
+                            </a:rPr>
+                            <m:t>7</m:t>
+                          </m:r>
+                        </m:sup>
+                      </m:sSup>
+                      <m:r>
+                        <a:rPr lang="zh-TW" altLang="en-US" i="1">
+                          <a:latin typeface="Cambria Math" panose="02040503050406030204" pitchFamily="18" charset="0"/>
+                        </a:rPr>
+                        <m:t> </m:t>
+                      </m:r>
+                      <m:r>
+                        <a:rPr lang="en-US" altLang="zh-TW" i="1">
+                          <a:latin typeface="Cambria Math" panose="02040503050406030204" pitchFamily="18" charset="0"/>
+                        </a:rPr>
+                        <m:t>𝑚𝑜𝑑</m:t>
+                      </m:r>
+                      <m:r>
+                        <a:rPr lang="zh-TW" altLang="en-US" i="1">
+                          <a:latin typeface="Cambria Math" panose="02040503050406030204" pitchFamily="18" charset="0"/>
+                        </a:rPr>
+                        <m:t> </m:t>
+                      </m:r>
+                      <m:r>
+                        <a:rPr lang="en-US" altLang="zh-TW" i="1">
+                          <a:latin typeface="Cambria Math" panose="02040503050406030204" pitchFamily="18" charset="0"/>
+                        </a:rPr>
+                        <m:t>11=</m:t>
+                      </m:r>
+                      <m:r>
+                        <m:rPr>
+                          <m:nor/>
+                        </m:rPr>
+                        <a:rPr lang="en-US" altLang="zh-TW">
+                          <a:latin typeface="Cambria Math" panose="02040503050406030204" pitchFamily="18" charset="0"/>
+                        </a:rPr>
+                        <m:t>9,</m:t>
+                      </m:r>
+                      <m:sSup>
+                        <m:sSupPr>
+                          <m:ctrlPr>
+                            <a:rPr lang="en-US" altLang="zh-TW" i="1">
+                              <a:latin typeface="Cambria Math" panose="02040503050406030204" pitchFamily="18" charset="0"/>
+                            </a:rPr>
+                          </m:ctrlPr>
+                        </m:sSupPr>
+                        <m:e>
+                          <m:r>
+                            <a:rPr lang="zh-TW" altLang="en-US" i="1">
+                              <a:latin typeface="Cambria Math" panose="02040503050406030204" pitchFamily="18" charset="0"/>
+                            </a:rPr>
+                            <m:t> </m:t>
+                          </m:r>
+                          <m:r>
+                            <a:rPr lang="en-US" altLang="zh-TW" i="1">
+                              <a:latin typeface="Cambria Math" panose="02040503050406030204" pitchFamily="18" charset="0"/>
+                            </a:rPr>
+                            <m:t>3</m:t>
+                          </m:r>
+                        </m:e>
+                        <m:sup>
+                          <m:r>
+                            <a:rPr lang="en-US" altLang="zh-TW" i="1">
+                              <a:latin typeface="Cambria Math" panose="02040503050406030204" pitchFamily="18" charset="0"/>
+                            </a:rPr>
+                            <m:t>8</m:t>
+                          </m:r>
+                        </m:sup>
+                      </m:sSup>
+                      <m:r>
+                        <a:rPr lang="zh-TW" altLang="en-US" i="1">
+                          <a:latin typeface="Cambria Math" panose="02040503050406030204" pitchFamily="18" charset="0"/>
+                        </a:rPr>
+                        <m:t> </m:t>
+                      </m:r>
+                      <m:r>
+                        <a:rPr lang="en-US" altLang="zh-TW" i="1">
+                          <a:latin typeface="Cambria Math" panose="02040503050406030204" pitchFamily="18" charset="0"/>
+                        </a:rPr>
+                        <m:t>𝑚𝑜𝑑</m:t>
+                      </m:r>
+                      <m:r>
+                        <a:rPr lang="zh-TW" altLang="en-US" i="1">
+                          <a:latin typeface="Cambria Math" panose="02040503050406030204" pitchFamily="18" charset="0"/>
+                        </a:rPr>
+                        <m:t> </m:t>
+                      </m:r>
+                      <m:r>
+                        <a:rPr lang="en-US" altLang="zh-TW" i="1">
+                          <a:latin typeface="Cambria Math" panose="02040503050406030204" pitchFamily="18" charset="0"/>
+                        </a:rPr>
+                        <m:t>11=</m:t>
+                      </m:r>
+                      <m:r>
+                        <m:rPr>
+                          <m:nor/>
+                        </m:rPr>
+                        <a:rPr lang="en-US" altLang="zh-TW"/>
+                        <m:t>5</m:t>
+                      </m:r>
+                    </m:oMath>
+                  </m:oMathPara>
+                </a14:m>
+                <a:endParaRPr lang="en-US" altLang="zh-TW" dirty="0"/>
+              </a:p>
+              <a:p>
+                <a:pPr lvl="1"/>
+                <a:r>
+                  <a:rPr lang="zh-TW" altLang="en-US" dirty="0"/>
+                  <a:t>每</a:t>
+                </a:r>
+                <a:r>
+                  <a:rPr lang="en-US" altLang="zh-TW" dirty="0"/>
+                  <a:t>5</a:t>
+                </a:r>
+                <a:r>
+                  <a:rPr lang="zh-TW" altLang="en-US" dirty="0"/>
+                  <a:t>次循環，</a:t>
+                </a:r>
+                <a14:m>
+                  <m:oMath xmlns:m="http://schemas.openxmlformats.org/officeDocument/2006/math">
+                    <m:f>
+                      <m:fPr>
+                        <m:ctrlPr>
+                          <a:rPr lang="en-US" altLang="zh-TW" i="1">
+                            <a:latin typeface="Cambria Math" panose="02040503050406030204" pitchFamily="18" charset="0"/>
+                          </a:rPr>
+                        </m:ctrlPr>
+                      </m:fPr>
+                      <m:num>
+                        <m:r>
+                          <a:rPr lang="en-US" altLang="zh-TW" i="1">
+                            <a:latin typeface="Cambria Math" panose="02040503050406030204" pitchFamily="18" charset="0"/>
+                          </a:rPr>
+                          <m:t>2049</m:t>
+                        </m:r>
+                      </m:num>
+                      <m:den>
+                        <m:r>
+                          <a:rPr lang="en-US" altLang="zh-TW" i="1">
+                            <a:latin typeface="Cambria Math" panose="02040503050406030204" pitchFamily="18" charset="0"/>
+                          </a:rPr>
+                          <m:t>5</m:t>
+                        </m:r>
+                      </m:den>
+                    </m:f>
+                    <m:r>
+                      <a:rPr lang="zh-TW" altLang="en-US" i="1">
+                        <a:latin typeface="Cambria Math" panose="02040503050406030204" pitchFamily="18" charset="0"/>
+                      </a:rPr>
+                      <m:t> </m:t>
+                    </m:r>
+                    <m:r>
+                      <a:rPr lang="zh-TW" altLang="en-US" i="1">
+                        <a:latin typeface="Cambria Math" panose="02040503050406030204" pitchFamily="18" charset="0"/>
+                      </a:rPr>
+                      <m:t>餘</m:t>
+                    </m:r>
+                    <m:r>
+                      <m:rPr>
+                        <m:nor/>
+                      </m:rPr>
+                      <a:rPr lang="zh-TW" altLang="en-US">
+                        <a:latin typeface="Cambria Math" panose="02040503050406030204" pitchFamily="18" charset="0"/>
+                      </a:rPr>
+                      <m:t> </m:t>
+                    </m:r>
+                    <m:r>
+                      <m:rPr>
+                        <m:nor/>
+                      </m:rPr>
+                      <a:rPr lang="en-US" altLang="zh-TW"/>
+                      <m:t>4</m:t>
+                    </m:r>
+                    <m:r>
+                      <a:rPr lang="en-US" altLang="zh-TW" i="1">
+                        <a:latin typeface="Cambria Math" panose="02040503050406030204" pitchFamily="18" charset="0"/>
+                      </a:rPr>
+                      <m:t>⇒</m:t>
+                    </m:r>
+                    <m:sSup>
+                      <m:sSupPr>
+                        <m:ctrlPr>
+                          <a:rPr lang="en-US" altLang="zh-TW" i="1">
+                            <a:latin typeface="Cambria Math" panose="02040503050406030204" pitchFamily="18" charset="0"/>
+                          </a:rPr>
+                        </m:ctrlPr>
+                      </m:sSupPr>
+                      <m:e>
+                        <m:r>
+                          <a:rPr lang="en-US" altLang="zh-TW" i="1">
+                            <a:latin typeface="Cambria Math" panose="02040503050406030204" pitchFamily="18" charset="0"/>
+                          </a:rPr>
+                          <m:t>3</m:t>
+                        </m:r>
+                      </m:e>
+                      <m:sup>
+                        <m:r>
+                          <a:rPr lang="en-US" altLang="zh-TW" i="1">
+                            <a:latin typeface="Cambria Math" panose="02040503050406030204" pitchFamily="18" charset="0"/>
+                          </a:rPr>
+                          <m:t>2049</m:t>
+                        </m:r>
+                      </m:sup>
+                    </m:sSup>
+                    <m:r>
+                      <a:rPr lang="zh-TW" altLang="en-US" i="1">
+                        <a:latin typeface="Cambria Math" panose="02040503050406030204" pitchFamily="18" charset="0"/>
+                      </a:rPr>
+                      <m:t> </m:t>
+                    </m:r>
+                    <m:r>
+                      <a:rPr lang="en-US" altLang="zh-TW" i="1">
+                        <a:latin typeface="Cambria Math" panose="02040503050406030204" pitchFamily="18" charset="0"/>
+                      </a:rPr>
+                      <m:t>𝑚𝑜𝑑</m:t>
+                    </m:r>
+                    <m:r>
+                      <a:rPr lang="zh-TW" altLang="en-US" i="1">
+                        <a:latin typeface="Cambria Math" panose="02040503050406030204" pitchFamily="18" charset="0"/>
+                      </a:rPr>
+                      <m:t> </m:t>
+                    </m:r>
+                    <m:r>
+                      <a:rPr lang="en-US" altLang="zh-TW" i="1">
+                        <a:latin typeface="Cambria Math" panose="02040503050406030204" pitchFamily="18" charset="0"/>
+                      </a:rPr>
+                      <m:t>11=</m:t>
+                    </m:r>
+                    <m:r>
+                      <a:rPr lang="en-US" altLang="zh-TW" i="1">
+                        <a:latin typeface="Cambria Math" panose="02040503050406030204" pitchFamily="18" charset="0"/>
+                      </a:rPr>
+                      <m:t>4</m:t>
+                    </m:r>
+                  </m:oMath>
+                </a14:m>
+                <a:endParaRPr lang="en-US" altLang="zh-TW" b="0" dirty="0"/>
+              </a:p>
+              <a:p>
+                <a:pPr marL="457200" indent="-457200">
+                  <a:buAutoNum type="alphaLcParenBoth"/>
+                </a:pPr>
+                <a14:m>
+                  <m:oMath xmlns:m="http://schemas.openxmlformats.org/officeDocument/2006/math">
+                    <m:r>
+                      <a:rPr lang="en-US" altLang="zh-TW" b="0" i="1" smtClean="0">
+                        <a:latin typeface="Cambria Math" panose="02040503050406030204" pitchFamily="18" charset="0"/>
+                      </a:rPr>
+                      <m:t>𝑁</m:t>
+                    </m:r>
+                    <m:r>
+                      <a:rPr lang="en-US" altLang="zh-TW" b="0" i="1" smtClean="0">
+                        <a:latin typeface="Cambria Math" panose="02040503050406030204" pitchFamily="18" charset="0"/>
+                      </a:rPr>
+                      <m:t>=23</m:t>
+                    </m:r>
+                    <m:r>
+                      <a:rPr lang="en-US" altLang="zh-TW" b="0" i="1" smtClean="0">
+                        <a:latin typeface="Cambria Math" panose="02040503050406030204" pitchFamily="18" charset="0"/>
+                      </a:rPr>
+                      <m:t>𝑘</m:t>
+                    </m:r>
+                    <m:r>
+                      <a:rPr lang="en-US" altLang="zh-TW" b="0" i="1" smtClean="0">
+                        <a:latin typeface="Cambria Math" panose="02040503050406030204" pitchFamily="18" charset="0"/>
+                      </a:rPr>
+                      <m:t>+12⇒</m:t>
+                    </m:r>
+                    <m:r>
+                      <a:rPr lang="en-US" altLang="zh-TW" b="0" i="1" smtClean="0">
+                        <a:latin typeface="Cambria Math" panose="02040503050406030204" pitchFamily="18" charset="0"/>
+                      </a:rPr>
+                      <m:t>𝑚𝑜𝑑</m:t>
+                    </m:r>
+                    <m:r>
+                      <a:rPr lang="zh-TW" altLang="en-US" b="0" i="1" smtClean="0">
+                        <a:latin typeface="Cambria Math" panose="02040503050406030204" pitchFamily="18" charset="0"/>
+                      </a:rPr>
+                      <m:t> </m:t>
+                    </m:r>
+                    <m:r>
+                      <a:rPr lang="en-US" altLang="zh-TW" b="0" i="1" smtClean="0">
+                        <a:latin typeface="Cambria Math" panose="02040503050406030204" pitchFamily="18" charset="0"/>
+                      </a:rPr>
+                      <m:t>47:</m:t>
+                    </m:r>
+                  </m:oMath>
+                </a14:m>
+                <a:endParaRPr lang="en-US" altLang="zh-TW" b="0" dirty="0"/>
+              </a:p>
+              <a:p>
+                <a:pPr lvl="1"/>
+                <a14:m>
+                  <m:oMathPara xmlns:m="http://schemas.openxmlformats.org/officeDocument/2006/math">
+                    <m:oMathParaPr>
+                      <m:jc m:val="left"/>
+                    </m:oMathParaPr>
+                    <m:oMath xmlns:m="http://schemas.openxmlformats.org/officeDocument/2006/math">
+                      <m:r>
+                        <a:rPr lang="en-US" altLang="zh-TW" b="0" i="1" smtClean="0">
+                          <a:latin typeface="Cambria Math" panose="02040503050406030204" pitchFamily="18" charset="0"/>
+                        </a:rPr>
+                        <m:t>12,</m:t>
+                      </m:r>
+                      <m:r>
+                        <a:rPr lang="zh-TW" altLang="en-US" b="0" i="1" smtClean="0">
+                          <a:latin typeface="Cambria Math" panose="02040503050406030204" pitchFamily="18" charset="0"/>
+                        </a:rPr>
+                        <m:t> </m:t>
+                      </m:r>
+                      <m:r>
+                        <a:rPr lang="en-US" altLang="zh-TW" b="0" i="1" smtClean="0">
+                          <a:latin typeface="Cambria Math" panose="02040503050406030204" pitchFamily="18" charset="0"/>
+                        </a:rPr>
+                        <m:t>𝑓𝑜𝑟</m:t>
+                      </m:r>
+                      <m:r>
+                        <a:rPr lang="zh-TW" altLang="en-US" b="0" i="1" smtClean="0">
+                          <a:latin typeface="Cambria Math" panose="02040503050406030204" pitchFamily="18" charset="0"/>
+                        </a:rPr>
+                        <m:t> </m:t>
+                      </m:r>
+                      <m:r>
+                        <a:rPr lang="en-US" altLang="zh-TW" b="0" i="1" smtClean="0">
+                          <a:latin typeface="Cambria Math" panose="02040503050406030204" pitchFamily="18" charset="0"/>
+                        </a:rPr>
+                        <m:t>𝑘</m:t>
+                      </m:r>
+                      <m:r>
+                        <a:rPr lang="en-US" altLang="zh-TW" b="0" i="1" smtClean="0">
+                          <a:latin typeface="Cambria Math" panose="02040503050406030204" pitchFamily="18" charset="0"/>
+                        </a:rPr>
+                        <m:t>=0</m:t>
+                      </m:r>
+                    </m:oMath>
+                  </m:oMathPara>
+                </a14:m>
+                <a:endParaRPr lang="en-US" altLang="zh-TW" b="0" dirty="0"/>
+              </a:p>
+              <a:p>
+                <a:pPr lvl="1"/>
+                <a14:m>
+                  <m:oMathPara xmlns:m="http://schemas.openxmlformats.org/officeDocument/2006/math">
+                    <m:oMathParaPr>
+                      <m:jc m:val="left"/>
+                    </m:oMathParaPr>
+                    <m:oMath xmlns:m="http://schemas.openxmlformats.org/officeDocument/2006/math">
+                      <m:r>
+                        <a:rPr lang="en-US" altLang="zh-TW" b="0" i="1" smtClean="0">
+                          <a:latin typeface="Cambria Math" panose="02040503050406030204" pitchFamily="18" charset="0"/>
+                        </a:rPr>
+                        <m:t>11</m:t>
+                      </m:r>
+                      <m:r>
+                        <a:rPr lang="zh-TW" altLang="en-US" b="0" i="1" smtClean="0">
+                          <a:latin typeface="Cambria Math" panose="02040503050406030204" pitchFamily="18" charset="0"/>
+                        </a:rPr>
+                        <m:t> </m:t>
+                      </m:r>
+                      <m:r>
+                        <a:rPr lang="en-US" altLang="zh-TW" b="0" i="1" smtClean="0">
+                          <a:latin typeface="Cambria Math" panose="02040503050406030204" pitchFamily="18" charset="0"/>
+                        </a:rPr>
+                        <m:t>𝑓𝑜𝑟</m:t>
+                      </m:r>
+                      <m:r>
+                        <a:rPr lang="zh-TW" altLang="en-US" b="0" i="1" smtClean="0">
+                          <a:latin typeface="Cambria Math" panose="02040503050406030204" pitchFamily="18" charset="0"/>
+                        </a:rPr>
+                        <m:t> </m:t>
+                      </m:r>
+                      <m:r>
+                        <a:rPr lang="en-US" altLang="zh-TW" b="0" i="1" smtClean="0">
+                          <a:latin typeface="Cambria Math" panose="02040503050406030204" pitchFamily="18" charset="0"/>
+                        </a:rPr>
+                        <m:t>𝑘</m:t>
+                      </m:r>
+                      <m:r>
+                        <a:rPr lang="en-US" altLang="zh-TW" b="0" i="1" smtClean="0">
+                          <a:latin typeface="Cambria Math" panose="02040503050406030204" pitchFamily="18" charset="0"/>
+                        </a:rPr>
+                        <m:t>=2</m:t>
+                      </m:r>
+                    </m:oMath>
+                  </m:oMathPara>
+                </a14:m>
+                <a:endParaRPr lang="en-US" altLang="zh-TW" b="0" dirty="0"/>
+              </a:p>
+              <a:p>
+                <a:pPr lvl="1"/>
+                <a14:m>
+                  <m:oMathPara xmlns:m="http://schemas.openxmlformats.org/officeDocument/2006/math">
+                    <m:oMathParaPr>
+                      <m:jc m:val="left"/>
+                    </m:oMathParaPr>
+                    <m:oMath xmlns:m="http://schemas.openxmlformats.org/officeDocument/2006/math">
+                      <m:r>
+                        <a:rPr lang="en-US" altLang="zh-TW" b="0" i="1" smtClean="0">
+                          <a:latin typeface="Cambria Math" panose="02040503050406030204" pitchFamily="18" charset="0"/>
+                        </a:rPr>
+                        <m:t>10,</m:t>
+                      </m:r>
+                      <m:r>
+                        <a:rPr lang="zh-TW" altLang="en-US" b="0" i="1" smtClean="0">
+                          <a:latin typeface="Cambria Math" panose="02040503050406030204" pitchFamily="18" charset="0"/>
+                        </a:rPr>
+                        <m:t> </m:t>
+                      </m:r>
+                      <m:r>
+                        <a:rPr lang="en-US" altLang="zh-TW" b="0" i="1" smtClean="0">
+                          <a:latin typeface="Cambria Math" panose="02040503050406030204" pitchFamily="18" charset="0"/>
+                        </a:rPr>
+                        <m:t>𝑓𝑜𝑟</m:t>
+                      </m:r>
+                      <m:r>
+                        <a:rPr lang="zh-TW" altLang="en-US" b="0" i="1" smtClean="0">
+                          <a:latin typeface="Cambria Math" panose="02040503050406030204" pitchFamily="18" charset="0"/>
+                        </a:rPr>
+                        <m:t> </m:t>
+                      </m:r>
+                      <m:r>
+                        <a:rPr lang="en-US" altLang="zh-TW" b="0" i="1" smtClean="0">
+                          <a:latin typeface="Cambria Math" panose="02040503050406030204" pitchFamily="18" charset="0"/>
+                        </a:rPr>
+                        <m:t>𝑘</m:t>
+                      </m:r>
+                      <m:r>
+                        <a:rPr lang="en-US" altLang="zh-TW" b="0" i="1" smtClean="0">
+                          <a:latin typeface="Cambria Math" panose="02040503050406030204" pitchFamily="18" charset="0"/>
+                        </a:rPr>
+                        <m:t>=4</m:t>
+                      </m:r>
+                    </m:oMath>
+                  </m:oMathPara>
+                </a14:m>
+                <a:endParaRPr lang="en-US" altLang="zh-TW" b="0" dirty="0"/>
+              </a:p>
+              <a:p>
+                <a:pPr lvl="1"/>
+                <a14:m>
+                  <m:oMathPara xmlns:m="http://schemas.openxmlformats.org/officeDocument/2006/math">
+                    <m:oMathParaPr>
+                      <m:jc m:val="left"/>
+                    </m:oMathParaPr>
+                    <m:oMath xmlns:m="http://schemas.openxmlformats.org/officeDocument/2006/math">
+                      <m:r>
+                        <a:rPr lang="en-US" altLang="zh-TW" i="1">
+                          <a:latin typeface="Cambria Math" panose="02040503050406030204" pitchFamily="18" charset="0"/>
+                        </a:rPr>
+                        <m:t>9</m:t>
+                      </m:r>
+                      <m:r>
+                        <a:rPr lang="en-US" altLang="zh-TW" b="0" i="1" smtClean="0">
+                          <a:latin typeface="Cambria Math" panose="02040503050406030204" pitchFamily="18" charset="0"/>
+                        </a:rPr>
+                        <m:t>,</m:t>
+                      </m:r>
+                      <m:r>
+                        <a:rPr lang="zh-TW" altLang="en-US" b="0" i="1" smtClean="0">
+                          <a:latin typeface="Cambria Math" panose="02040503050406030204" pitchFamily="18" charset="0"/>
+                        </a:rPr>
+                        <m:t> </m:t>
+                      </m:r>
+                      <m:r>
+                        <a:rPr lang="en-US" altLang="zh-TW" b="0" i="1" smtClean="0">
+                          <a:latin typeface="Cambria Math" panose="02040503050406030204" pitchFamily="18" charset="0"/>
+                        </a:rPr>
+                        <m:t>𝑓𝑜𝑟</m:t>
+                      </m:r>
+                      <m:r>
+                        <a:rPr lang="zh-TW" altLang="en-US" b="0" i="1" smtClean="0">
+                          <a:latin typeface="Cambria Math" panose="02040503050406030204" pitchFamily="18" charset="0"/>
+                        </a:rPr>
+                        <m:t> </m:t>
+                      </m:r>
+                      <m:r>
+                        <a:rPr lang="en-US" altLang="zh-TW" b="0" i="1" smtClean="0">
+                          <a:latin typeface="Cambria Math" panose="02040503050406030204" pitchFamily="18" charset="0"/>
+                        </a:rPr>
+                        <m:t>𝑘</m:t>
+                      </m:r>
+                      <m:r>
+                        <a:rPr lang="en-US" altLang="zh-TW" b="0" i="1" smtClean="0">
+                          <a:latin typeface="Cambria Math" panose="02040503050406030204" pitchFamily="18" charset="0"/>
+                        </a:rPr>
+                        <m:t>=6</m:t>
+                      </m:r>
+                    </m:oMath>
+                  </m:oMathPara>
+                </a14:m>
+                <a:endParaRPr lang="en-US" altLang="zh-TW" b="0" dirty="0"/>
+              </a:p>
+              <a:p>
+                <a:pPr lvl="1"/>
+                <a14:m>
+                  <m:oMathPara xmlns:m="http://schemas.openxmlformats.org/officeDocument/2006/math">
+                    <m:oMathParaPr>
+                      <m:jc m:val="left"/>
+                    </m:oMathParaPr>
+                    <m:oMath xmlns:m="http://schemas.openxmlformats.org/officeDocument/2006/math">
+                      <m:r>
+                        <a:rPr lang="en-US" altLang="zh-TW" i="1">
+                          <a:latin typeface="Cambria Math" panose="02040503050406030204" pitchFamily="18" charset="0"/>
+                        </a:rPr>
+                        <m:t>8</m:t>
+                      </m:r>
+                      <m:r>
+                        <a:rPr lang="en-US" altLang="zh-TW" b="0" i="1" smtClean="0">
+                          <a:latin typeface="Cambria Math" panose="02040503050406030204" pitchFamily="18" charset="0"/>
+                        </a:rPr>
+                        <m:t>,</m:t>
+                      </m:r>
+                      <m:r>
+                        <a:rPr lang="zh-TW" altLang="en-US" b="0" i="1" smtClean="0">
+                          <a:latin typeface="Cambria Math" panose="02040503050406030204" pitchFamily="18" charset="0"/>
+                        </a:rPr>
+                        <m:t> </m:t>
+                      </m:r>
+                      <m:r>
+                        <a:rPr lang="en-US" altLang="zh-TW" b="0" i="1" smtClean="0">
+                          <a:latin typeface="Cambria Math" panose="02040503050406030204" pitchFamily="18" charset="0"/>
+                        </a:rPr>
+                        <m:t>𝑓𝑜𝑟</m:t>
+                      </m:r>
+                      <m:r>
+                        <a:rPr lang="zh-TW" altLang="en-US" b="0" i="1" smtClean="0">
+                          <a:latin typeface="Cambria Math" panose="02040503050406030204" pitchFamily="18" charset="0"/>
+                        </a:rPr>
+                        <m:t> </m:t>
+                      </m:r>
+                      <m:r>
+                        <a:rPr lang="en-US" altLang="zh-TW" b="0" i="1" smtClean="0">
+                          <a:latin typeface="Cambria Math" panose="02040503050406030204" pitchFamily="18" charset="0"/>
+                        </a:rPr>
+                        <m:t>𝑘</m:t>
+                      </m:r>
+                      <m:r>
+                        <a:rPr lang="en-US" altLang="zh-TW" b="0" i="1" smtClean="0">
+                          <a:latin typeface="Cambria Math" panose="02040503050406030204" pitchFamily="18" charset="0"/>
+                        </a:rPr>
+                        <m:t>=8</m:t>
+                      </m:r>
+                    </m:oMath>
+                  </m:oMathPara>
+                </a14:m>
+                <a:endParaRPr lang="en-US" altLang="zh-TW" b="0" dirty="0"/>
+              </a:p>
+              <a:p>
+                <a:pPr lvl="1"/>
+                <a14:m>
+                  <m:oMathPara xmlns:m="http://schemas.openxmlformats.org/officeDocument/2006/math">
+                    <m:oMathParaPr>
+                      <m:jc m:val="left"/>
+                    </m:oMathParaPr>
+                    <m:oMath xmlns:m="http://schemas.openxmlformats.org/officeDocument/2006/math">
+                      <m:r>
+                        <a:rPr lang="en-US" altLang="zh-TW" b="0" i="1" smtClean="0">
+                          <a:latin typeface="Cambria Math" panose="02040503050406030204" pitchFamily="18" charset="0"/>
+                        </a:rPr>
+                        <m:t>⇒</m:t>
+                      </m:r>
+                      <m:r>
+                        <a:rPr lang="en-US" altLang="zh-TW" b="0" i="1" smtClean="0">
+                          <a:latin typeface="Cambria Math" panose="02040503050406030204" pitchFamily="18" charset="0"/>
+                        </a:rPr>
+                        <m:t>𝑁</m:t>
+                      </m:r>
+                      <m:r>
+                        <a:rPr lang="en-US" altLang="zh-TW" b="0" i="1" smtClean="0">
+                          <a:latin typeface="Cambria Math" panose="02040503050406030204" pitchFamily="18" charset="0"/>
+                        </a:rPr>
+                        <m:t>=23∗8+12=</m:t>
+                      </m:r>
+                      <m:r>
+                        <a:rPr lang="en-US" altLang="zh-TW" i="1">
+                          <a:latin typeface="Cambria Math" panose="02040503050406030204" pitchFamily="18" charset="0"/>
+                          <a:ea typeface="Cambria Math" panose="02040503050406030204" pitchFamily="18" charset="0"/>
+                        </a:rPr>
+                        <m:t>196</m:t>
+                      </m:r>
+                    </m:oMath>
+                  </m:oMathPara>
+                </a14:m>
+                <a:endParaRPr lang="en-US" altLang="zh-TW" b="0" dirty="0"/>
+              </a:p>
+              <a:p>
+                <a:pPr lvl="1"/>
+                <a:endParaRPr lang="en-US" altLang="zh-TW" b="0" dirty="0"/>
+              </a:p>
+              <a:p>
+                <a:pPr lvl="1"/>
+                <a:endParaRPr lang="en-US" altLang="zh-TW" dirty="0"/>
+              </a:p>
+            </p:txBody>
+          </p:sp>
+        </mc:Choice>
+        <mc:Fallback>
+          <p:sp>
+            <p:nvSpPr>
+              <p:cNvPr id="2" name="文字方塊 1">
+                <a:extLst>
+                  <a:ext uri="{FF2B5EF4-FFF2-40B4-BE49-F238E27FC236}">
+                    <a16:creationId xmlns:a16="http://schemas.microsoft.com/office/drawing/2014/main" id="{4164A26C-7980-4A79-210A-CA2E1002F761}"/>
+                  </a:ext>
+                </a:extLst>
+              </p:cNvPr>
+              <p:cNvSpPr txBox="1">
+                <a:spLocks noRot="1" noChangeAspect="1" noMove="1" noResize="1" noEditPoints="1" noAdjustHandles="1" noChangeArrowheads="1" noChangeShapeType="1" noTextEdit="1"/>
+              </p:cNvSpPr>
+              <p:nvPr/>
+            </p:nvSpPr>
+            <p:spPr>
+              <a:xfrm>
+                <a:off x="359532" y="2443315"/>
+                <a:ext cx="8172908" cy="3918573"/>
+              </a:xfrm>
+              <a:prstGeom prst="rect">
+                <a:avLst/>
+              </a:prstGeom>
+              <a:blipFill>
+                <a:blip r:embed="rId3"/>
+                <a:stretch>
+                  <a:fillRect l="-466"/>
+                </a:stretch>
+              </a:blipFill>
+            </p:spPr>
+            <p:txBody>
+              <a:bodyPr/>
+              <a:lstStyle/>
+              <a:p>
+                <a:r>
+                  <a:rPr lang="zh-TW" altLang="en-US">
+                    <a:noFill/>
+                  </a:rPr>
+                  <a:t> </a:t>
+                </a:r>
+              </a:p>
+            </p:txBody>
+          </p:sp>
+        </mc:Fallback>
+      </mc:AlternateContent>
     </p:spTree>
     <p:extLst>
       <p:ext uri="{BB962C8B-B14F-4D97-AF65-F5344CB8AC3E}">
@@ -7995,7 +8823,7 @@
 </p:sld>
 </file>
 
-<file path=ppt/slides/slide8.xml><?xml version="1.0" encoding="utf-8"?>
+<file path=ppt/slides/slide6.xml><?xml version="1.0" encoding="utf-8"?>
 <p:sld xmlns:a="http://schemas.openxmlformats.org/drawingml/2006/main" xmlns:r="http://schemas.openxmlformats.org/officeDocument/2006/relationships" xmlns:p="http://schemas.openxmlformats.org/presentationml/2006/main">
   <p:cSld>
     <p:spTree>
@@ -8026,7 +8854,7 @@
         </p:nvSpPr>
         <p:spPr>
           <a:xfrm>
-            <a:off x="359532" y="260648"/>
+            <a:off x="359532" y="332656"/>
             <a:ext cx="8424936" cy="406330"/>
           </a:xfrm>
           <a:prstGeom prst="rect">
@@ -8059,6 +8887,198 @@
           </a:p>
         </p:txBody>
       </p:sp>
+      <p:sp>
+        <p:nvSpPr>
+          <p:cNvPr id="2" name="文字方塊 1">
+            <a:extLst>
+              <a:ext uri="{FF2B5EF4-FFF2-40B4-BE49-F238E27FC236}">
+                <a16:creationId xmlns:a16="http://schemas.microsoft.com/office/drawing/2014/main" id="{1207984E-E3CA-57C7-7BD5-F2B49133AB7E}"/>
+              </a:ext>
+            </a:extLst>
+          </p:cNvPr>
+          <p:cNvSpPr txBox="1"/>
+          <p:nvPr/>
+        </p:nvSpPr>
+        <p:spPr>
+          <a:xfrm>
+            <a:off x="305526" y="908720"/>
+            <a:ext cx="8532948" cy="1938992"/>
+          </a:xfrm>
+          <a:prstGeom prst="rect">
+            <a:avLst/>
+          </a:prstGeom>
+          <a:noFill/>
+        </p:spPr>
+        <p:txBody>
+          <a:bodyPr wrap="square" rtlCol="0">
+            <a:spAutoFit/>
+          </a:bodyPr>
+          <a:lstStyle/>
+          <a:p>
+            <a:pPr marL="457200" indent="-457200">
+              <a:buFontTx/>
+              <a:buAutoNum type="arabicPeriod"/>
+            </a:pPr>
+            <a:r>
+              <a:rPr kumimoji="1" lang="en-US" altLang="zh-TW" dirty="0"/>
+              <a:t>Orthogonal</a:t>
+            </a:r>
+            <a:r>
+              <a:rPr kumimoji="1" lang="zh-TW" altLang="en-US" dirty="0"/>
+              <a:t>：</a:t>
+            </a:r>
+            <a:r>
+              <a:rPr kumimoji="1" lang="en-US" altLang="zh-TW" dirty="0"/>
+              <a:t>DFT</a:t>
+            </a:r>
+            <a:r>
+              <a:rPr kumimoji="1" lang="zh-TW" altLang="en-US" dirty="0"/>
+              <a:t> 不同 </a:t>
+            </a:r>
+            <a:r>
+              <a:rPr kumimoji="1" lang="en-US" altLang="zh-TW" dirty="0"/>
+              <a:t>row</a:t>
+            </a:r>
+            <a:r>
+              <a:rPr kumimoji="1" lang="zh-TW" altLang="en-US" dirty="0"/>
+              <a:t> 做內積會＝</a:t>
+            </a:r>
+            <a:r>
+              <a:rPr kumimoji="1" lang="en-US" altLang="zh-TW" dirty="0"/>
+              <a:t>0</a:t>
+            </a:r>
+            <a:r>
+              <a:rPr kumimoji="1" lang="zh-TW" altLang="en-US" dirty="0"/>
+              <a:t>，</a:t>
+            </a:r>
+            <a:r>
+              <a:rPr kumimoji="1" lang="en-US" altLang="zh-TW" dirty="0"/>
+              <a:t>NTT</a:t>
+            </a:r>
+            <a:r>
+              <a:rPr kumimoji="1" lang="zh-TW" altLang="en-US" dirty="0"/>
+              <a:t> 不同 </a:t>
+            </a:r>
+            <a:r>
+              <a:rPr kumimoji="1" lang="en-US" altLang="zh-TW" dirty="0"/>
+              <a:t>row</a:t>
+            </a:r>
+            <a:r>
+              <a:rPr kumimoji="1" lang="zh-TW" altLang="en-US" dirty="0"/>
+              <a:t> 也是</a:t>
+            </a:r>
+            <a:r>
+              <a:rPr kumimoji="1" lang="en-US" altLang="zh-TW" dirty="0"/>
+              <a:t>orthogonality</a:t>
+            </a:r>
+            <a:r>
+              <a:rPr kumimoji="1" lang="zh-TW" altLang="en-US" dirty="0"/>
+              <a:t>。</a:t>
+            </a:r>
+            <a:endParaRPr kumimoji="1" lang="en-US" altLang="zh-TW" dirty="0"/>
+          </a:p>
+          <a:p>
+            <a:pPr marL="457200" indent="-457200">
+              <a:buFontTx/>
+              <a:buAutoNum type="arabicPeriod"/>
+            </a:pPr>
+            <a:r>
+              <a:rPr lang="en-US" altLang="zh-TW" dirty="0"/>
+              <a:t>E</a:t>
+            </a:r>
+            <a:r>
+              <a:rPr kumimoji="1" lang="en-US" altLang="zh-TW" dirty="0"/>
+              <a:t>xact inverse</a:t>
+            </a:r>
+            <a:r>
+              <a:rPr kumimoji="1" lang="zh-TW" altLang="en-US" dirty="0"/>
+              <a:t>：</a:t>
+            </a:r>
+            <a:r>
+              <a:rPr kumimoji="1" lang="en-US" altLang="zh-TW" dirty="0"/>
+              <a:t> DFT and IDFT are exact inverses of each other</a:t>
+            </a:r>
+            <a:r>
+              <a:rPr kumimoji="1" lang="zh-TW" altLang="en-US" dirty="0"/>
+              <a:t>，</a:t>
+            </a:r>
+            <a:r>
+              <a:rPr kumimoji="1" lang="en-US" altLang="zh-TW" dirty="0"/>
+              <a:t> NTT </a:t>
+            </a:r>
+            <a:r>
+              <a:rPr kumimoji="1" lang="zh-TW" altLang="en-US" dirty="0"/>
+              <a:t>和</a:t>
+            </a:r>
+            <a:r>
+              <a:rPr kumimoji="1" lang="en-US" altLang="zh-TW" dirty="0"/>
+              <a:t> INTT </a:t>
+            </a:r>
+            <a:r>
+              <a:rPr kumimoji="1" lang="zh-TW" altLang="en-US" dirty="0"/>
+              <a:t>也是</a:t>
+            </a:r>
+            <a:r>
+              <a:rPr kumimoji="1" lang="en-US" altLang="zh-TW" dirty="0"/>
+              <a:t> exact inverse</a:t>
+            </a:r>
+            <a:r>
+              <a:rPr kumimoji="1" lang="zh-TW" altLang="en-US" dirty="0"/>
+              <a:t>。</a:t>
+            </a:r>
+            <a:r>
+              <a:rPr kumimoji="1" lang="en-US" altLang="zh-TW" dirty="0"/>
+              <a:t> </a:t>
+            </a:r>
+          </a:p>
+          <a:p>
+            <a:pPr marL="457200" indent="-457200">
+              <a:buFontTx/>
+              <a:buAutoNum type="arabicPeriod"/>
+            </a:pPr>
+            <a:r>
+              <a:rPr kumimoji="1" lang="en-US" altLang="zh-TW" dirty="0"/>
+              <a:t>Circular Convolution</a:t>
+            </a:r>
+            <a:r>
+              <a:rPr kumimoji="1" lang="zh-TW" altLang="en-US" dirty="0"/>
+              <a:t>：</a:t>
+            </a:r>
+            <a:r>
+              <a:rPr kumimoji="1" lang="en-US" altLang="zh-TW" dirty="0"/>
+              <a:t>NTT</a:t>
+            </a:r>
+            <a:r>
+              <a:rPr kumimoji="1" lang="zh-TW" altLang="en-US" dirty="0"/>
+              <a:t> 和 </a:t>
+            </a:r>
+            <a:r>
+              <a:rPr kumimoji="1" lang="en-US" altLang="zh-TW" dirty="0"/>
+              <a:t>DFT</a:t>
+            </a:r>
+            <a:r>
+              <a:rPr kumimoji="1" lang="zh-TW" altLang="en-US" dirty="0"/>
+              <a:t> 都遵循 </a:t>
+            </a:r>
+            <a:r>
+              <a:rPr kumimoji="1" lang="en-US" altLang="zh-TW" dirty="0"/>
+              <a:t>circular convolution</a:t>
+            </a:r>
+            <a:r>
+              <a:rPr kumimoji="1" lang="zh-TW" altLang="en-US" dirty="0"/>
+              <a:t> 定理，可以用來執行 </a:t>
+            </a:r>
+            <a:r>
+              <a:rPr kumimoji="1" lang="en-US" altLang="zh-TW" dirty="0"/>
+              <a:t>circular convolution</a:t>
+            </a:r>
+            <a:r>
+              <a:rPr kumimoji="1" lang="zh-TW" altLang="en-US" dirty="0"/>
+              <a:t>。</a:t>
+            </a:r>
+          </a:p>
+        </p:txBody>
+      </p:sp>
     </p:spTree>
     <p:extLst>
       <p:ext uri="{BB962C8B-B14F-4D97-AF65-F5344CB8AC3E}">
@@ -8072,7 +9092,7 @@
 </p:sld>
 </file>
 
-<file path=ppt/slides/slide9.xml><?xml version="1.0" encoding="utf-8"?>
+<file path=ppt/slides/slide7.xml><?xml version="1.0" encoding="utf-8"?>
 <p:sld xmlns:a="http://schemas.openxmlformats.org/drawingml/2006/main" xmlns:r="http://schemas.openxmlformats.org/officeDocument/2006/relationships" xmlns:p="http://schemas.openxmlformats.org/presentationml/2006/main">
   <p:cSld>
     <p:spTree>
@@ -8342,10 +9362,3150 @@
           </a:p>
         </p:txBody>
       </p:sp>
+      <mc:AlternateContent xmlns:mc="http://schemas.openxmlformats.org/markup-compatibility/2006">
+        <mc:Choice xmlns:a14="http://schemas.microsoft.com/office/drawing/2010/main" Requires="a14">
+          <p:sp>
+            <p:nvSpPr>
+              <p:cNvPr id="2" name="文字方塊 1">
+                <a:extLst>
+                  <a:ext uri="{FF2B5EF4-FFF2-40B4-BE49-F238E27FC236}">
+                    <a16:creationId xmlns:a16="http://schemas.microsoft.com/office/drawing/2014/main" id="{B912855F-0592-C20D-25AA-AE5E0F88A456}"/>
+                  </a:ext>
+                </a:extLst>
+              </p:cNvPr>
+              <p:cNvSpPr txBox="1"/>
+              <p:nvPr/>
+            </p:nvSpPr>
+            <p:spPr>
+              <a:xfrm>
+                <a:off x="359532" y="2924944"/>
+                <a:ext cx="8424936" cy="5385192"/>
+              </a:xfrm>
+              <a:prstGeom prst="rect">
+                <a:avLst/>
+              </a:prstGeom>
+              <a:noFill/>
+            </p:spPr>
+            <p:txBody>
+              <a:bodyPr wrap="square" rtlCol="0">
+                <a:spAutoFit/>
+              </a:bodyPr>
+              <a:lstStyle/>
+              <a:p>
+                <a:pPr marL="457200" indent="-457200">
+                  <a:buFontTx/>
+                  <a:buAutoNum type="alphaLcParenBoth"/>
+                </a:pPr>
+                <a14:m>
+                  <m:oMath xmlns:m="http://schemas.openxmlformats.org/officeDocument/2006/math">
+                    <m:sSup>
+                      <m:sSupPr>
+                        <m:ctrlPr>
+                          <a:rPr kumimoji="1" lang="en-US" altLang="zh-TW" i="1" smtClean="0">
+                            <a:latin typeface="Cambria Math" panose="02040503050406030204" pitchFamily="18" charset="0"/>
+                          </a:rPr>
+                        </m:ctrlPr>
+                      </m:sSupPr>
+                      <m:e>
+                        <m:r>
+                          <a:rPr kumimoji="1" lang="en-US" altLang="zh-TW" b="0" i="1" smtClean="0">
+                            <a:latin typeface="Cambria Math" panose="02040503050406030204" pitchFamily="18" charset="0"/>
+                          </a:rPr>
+                          <m:t>2</m:t>
+                        </m:r>
+                      </m:e>
+                      <m:sup>
+                        <m:r>
+                          <a:rPr kumimoji="1" lang="en-US" altLang="zh-TW" b="0" i="1" smtClean="0">
+                            <a:latin typeface="Cambria Math" panose="02040503050406030204" pitchFamily="18" charset="0"/>
+                          </a:rPr>
+                          <m:t>2</m:t>
+                        </m:r>
+                      </m:sup>
+                    </m:sSup>
+                    <m:r>
+                      <a:rPr kumimoji="1" lang="en-US" altLang="zh-TW" b="0" i="1" smtClean="0">
+                        <a:latin typeface="Cambria Math" panose="02040503050406030204" pitchFamily="18" charset="0"/>
+                      </a:rPr>
+                      <m:t>+</m:t>
+                    </m:r>
+                    <m:sSup>
+                      <m:sSupPr>
+                        <m:ctrlPr>
+                          <a:rPr kumimoji="1" lang="en-US" altLang="zh-TW" b="0" i="1" smtClean="0">
+                            <a:latin typeface="Cambria Math" panose="02040503050406030204" pitchFamily="18" charset="0"/>
+                          </a:rPr>
+                        </m:ctrlPr>
+                      </m:sSupPr>
+                      <m:e>
+                        <m:r>
+                          <a:rPr kumimoji="1" lang="en-US" altLang="zh-TW" b="0" i="1" smtClean="0">
+                            <a:latin typeface="Cambria Math" panose="02040503050406030204" pitchFamily="18" charset="0"/>
+                          </a:rPr>
+                          <m:t>11</m:t>
+                        </m:r>
+                      </m:e>
+                      <m:sup>
+                        <m:r>
+                          <a:rPr kumimoji="1" lang="en-US" altLang="zh-TW" b="0" i="1" smtClean="0">
+                            <a:latin typeface="Cambria Math" panose="02040503050406030204" pitchFamily="18" charset="0"/>
+                          </a:rPr>
+                          <m:t>2</m:t>
+                        </m:r>
+                      </m:sup>
+                    </m:sSup>
+                    <m:r>
+                      <a:rPr kumimoji="1" lang="zh-TW" altLang="en-US" b="0" i="1" smtClean="0">
+                        <a:latin typeface="Cambria Math" panose="02040503050406030204" pitchFamily="18" charset="0"/>
+                      </a:rPr>
+                      <m:t>  </m:t>
+                    </m:r>
+                    <m:r>
+                      <a:rPr kumimoji="1" lang="en-US" altLang="zh-TW" b="0" i="1" smtClean="0">
+                        <a:latin typeface="Cambria Math" panose="02040503050406030204" pitchFamily="18" charset="0"/>
+                      </a:rPr>
+                      <m:t>𝑚𝑜𝑑</m:t>
+                    </m:r>
+                    <m:r>
+                      <a:rPr kumimoji="1" lang="zh-TW" altLang="en-US" b="0" i="1" smtClean="0">
+                        <a:latin typeface="Cambria Math" panose="02040503050406030204" pitchFamily="18" charset="0"/>
+                      </a:rPr>
+                      <m:t> </m:t>
+                    </m:r>
+                    <m:r>
+                      <a:rPr lang="en-US" altLang="zh-TW" i="1">
+                        <a:latin typeface="Cambria Math" panose="02040503050406030204" pitchFamily="18" charset="0"/>
+                      </a:rPr>
+                      <m:t>31=1</m:t>
+                    </m:r>
+                    <m:r>
+                      <a:rPr lang="en-US" altLang="zh-TW" b="0" i="1" smtClean="0">
+                        <a:latin typeface="Cambria Math" panose="02040503050406030204" pitchFamily="18" charset="0"/>
+                      </a:rPr>
+                      <m:t>⇒</m:t>
+                    </m:r>
+                    <m:r>
+                      <m:rPr>
+                        <m:nor/>
+                      </m:rPr>
+                      <a:rPr lang="en-US" altLang="zh-TW" dirty="0"/>
+                      <m:t>2</m:t>
+                    </m:r>
+                    <m:r>
+                      <m:rPr>
+                        <m:nor/>
+                      </m:rPr>
+                      <a:rPr lang="zh-TW" altLang="en-US" b="0" i="0" dirty="0" smtClean="0"/>
+                      <m:t> </m:t>
+                    </m:r>
+                    <m:r>
+                      <m:rPr>
+                        <m:nor/>
+                      </m:rPr>
+                      <a:rPr lang="en-US" altLang="zh-TW" dirty="0"/>
+                      <m:t>+ </m:t>
+                    </m:r>
+                    <m:r>
+                      <m:rPr>
+                        <m:nor/>
+                      </m:rPr>
+                      <a:rPr lang="en-US" altLang="zh-TW" i="1" dirty="0"/>
+                      <m:t>i</m:t>
+                    </m:r>
+                    <m:r>
+                      <m:rPr>
+                        <m:nor/>
+                      </m:rPr>
+                      <a:rPr lang="en-US" altLang="zh-TW" dirty="0"/>
+                      <m:t>11 </m:t>
+                    </m:r>
+                    <m:r>
+                      <m:rPr>
+                        <m:nor/>
+                      </m:rPr>
+                      <a:rPr lang="en-US" altLang="zh-TW" dirty="0"/>
+                      <m:t>on</m:t>
+                    </m:r>
+                    <m:r>
+                      <m:rPr>
+                        <m:nor/>
+                      </m:rPr>
+                      <a:rPr lang="en-US" altLang="zh-TW" dirty="0"/>
+                      <m:t> </m:t>
+                    </m:r>
+                    <m:r>
+                      <m:rPr>
+                        <m:nor/>
+                      </m:rPr>
+                      <a:rPr lang="en-US" altLang="zh-TW" dirty="0"/>
+                      <m:t>the</m:t>
+                    </m:r>
+                    <m:r>
+                      <m:rPr>
+                        <m:nor/>
+                      </m:rPr>
+                      <a:rPr lang="en-US" altLang="zh-TW" dirty="0"/>
+                      <m:t> </m:t>
+                    </m:r>
+                    <m:r>
+                      <m:rPr>
+                        <m:nor/>
+                      </m:rPr>
+                      <a:rPr lang="en-US" altLang="zh-TW" dirty="0"/>
+                      <m:t>unit</m:t>
+                    </m:r>
+                    <m:r>
+                      <m:rPr>
+                        <m:nor/>
+                      </m:rPr>
+                      <a:rPr lang="en-US" altLang="zh-TW" dirty="0"/>
+                      <m:t> </m:t>
+                    </m:r>
+                    <m:r>
+                      <m:rPr>
+                        <m:nor/>
+                      </m:rPr>
+                      <a:rPr lang="en-US" altLang="zh-TW" dirty="0"/>
+                      <m:t>circle</m:t>
+                    </m:r>
+                    <m:r>
+                      <m:rPr>
+                        <m:nor/>
+                      </m:rPr>
+                      <a:rPr lang="en-US" altLang="zh-TW" dirty="0"/>
+                      <m:t> </m:t>
+                    </m:r>
+                    <m:r>
+                      <m:rPr>
+                        <m:nor/>
+                      </m:rPr>
+                      <a:rPr lang="en-US" altLang="zh-TW" dirty="0"/>
+                      <m:t>when</m:t>
+                    </m:r>
+                    <m:r>
+                      <m:rPr>
+                        <m:nor/>
+                      </m:rPr>
+                      <a:rPr lang="en-US" altLang="zh-TW" dirty="0"/>
+                      <m:t> </m:t>
+                    </m:r>
+                    <m:r>
+                      <m:rPr>
+                        <m:nor/>
+                      </m:rPr>
+                      <a:rPr lang="en-US" altLang="zh-TW" i="1" dirty="0"/>
+                      <m:t>M</m:t>
+                    </m:r>
+                    <m:r>
+                      <m:rPr>
+                        <m:nor/>
+                      </m:rPr>
+                      <a:rPr lang="en-US" altLang="zh-TW" dirty="0"/>
+                      <m:t> = 31</m:t>
+                    </m:r>
+                  </m:oMath>
+                </a14:m>
+                <a:endParaRPr kumimoji="1" lang="en-US" altLang="zh-TW" dirty="0"/>
+              </a:p>
+              <a:p>
+                <a:pPr lvl="1"/>
+                <a14:m>
+                  <m:oMathPara xmlns:m="http://schemas.openxmlformats.org/officeDocument/2006/math">
+                    <m:oMathParaPr>
+                      <m:jc m:val="left"/>
+                    </m:oMathParaPr>
+                    <m:oMath xmlns:m="http://schemas.openxmlformats.org/officeDocument/2006/math">
+                      <m:sSup>
+                        <m:sSupPr>
+                          <m:ctrlPr>
+                            <a:rPr lang="en-US" altLang="zh-TW" i="1">
+                              <a:latin typeface="Cambria Math" panose="02040503050406030204" pitchFamily="18" charset="0"/>
+                            </a:rPr>
+                          </m:ctrlPr>
+                        </m:sSupPr>
+                        <m:e>
+                          <m:r>
+                            <a:rPr lang="en-US" altLang="zh-TW" i="1">
+                              <a:latin typeface="Cambria Math" panose="02040503050406030204" pitchFamily="18" charset="0"/>
+                            </a:rPr>
+                            <m:t>5</m:t>
+                          </m:r>
+                        </m:e>
+                        <m:sup>
+                          <m:r>
+                            <a:rPr lang="en-US" altLang="zh-TW" i="1">
+                              <a:latin typeface="Cambria Math" panose="02040503050406030204" pitchFamily="18" charset="0"/>
+                            </a:rPr>
+                            <m:t>2</m:t>
+                          </m:r>
+                        </m:sup>
+                      </m:sSup>
+                      <m:r>
+                        <a:rPr lang="en-US" altLang="zh-TW" i="1">
+                          <a:latin typeface="Cambria Math" panose="02040503050406030204" pitchFamily="18" charset="0"/>
+                        </a:rPr>
+                        <m:t>+</m:t>
+                      </m:r>
+                      <m:sSup>
+                        <m:sSupPr>
+                          <m:ctrlPr>
+                            <a:rPr lang="en-US" altLang="zh-TW" i="1">
+                              <a:latin typeface="Cambria Math" panose="02040503050406030204" pitchFamily="18" charset="0"/>
+                            </a:rPr>
+                          </m:ctrlPr>
+                        </m:sSupPr>
+                        <m:e>
+                          <m:r>
+                            <a:rPr lang="en-US" altLang="zh-TW" i="1">
+                              <a:latin typeface="Cambria Math" panose="02040503050406030204" pitchFamily="18" charset="0"/>
+                            </a:rPr>
+                            <m:t>10</m:t>
+                          </m:r>
+                        </m:e>
+                        <m:sup>
+                          <m:r>
+                            <a:rPr lang="en-US" altLang="zh-TW" i="1">
+                              <a:latin typeface="Cambria Math" panose="02040503050406030204" pitchFamily="18" charset="0"/>
+                            </a:rPr>
+                            <m:t>2</m:t>
+                          </m:r>
+                        </m:sup>
+                      </m:sSup>
+                      <m:r>
+                        <a:rPr lang="zh-TW" altLang="en-US" i="1">
+                          <a:latin typeface="Cambria Math" panose="02040503050406030204" pitchFamily="18" charset="0"/>
+                        </a:rPr>
+                        <m:t>  </m:t>
+                      </m:r>
+                      <m:r>
+                        <a:rPr lang="en-US" altLang="zh-TW" i="1">
+                          <a:latin typeface="Cambria Math" panose="02040503050406030204" pitchFamily="18" charset="0"/>
+                        </a:rPr>
+                        <m:t>𝑚𝑜𝑑</m:t>
+                      </m:r>
+                      <m:r>
+                        <a:rPr lang="zh-TW" altLang="en-US" i="1">
+                          <a:latin typeface="Cambria Math" panose="02040503050406030204" pitchFamily="18" charset="0"/>
+                        </a:rPr>
+                        <m:t> </m:t>
+                      </m:r>
+                      <m:r>
+                        <a:rPr lang="en-US" altLang="zh-TW" i="1">
+                          <a:latin typeface="Cambria Math" panose="02040503050406030204" pitchFamily="18" charset="0"/>
+                        </a:rPr>
+                        <m:t>31=1</m:t>
+                      </m:r>
+                      <m:r>
+                        <a:rPr lang="en-US" altLang="zh-TW" i="1">
+                          <a:latin typeface="Cambria Math" panose="02040503050406030204" pitchFamily="18" charset="0"/>
+                        </a:rPr>
+                        <m:t>⇒</m:t>
+                      </m:r>
+                      <m:r>
+                        <m:rPr>
+                          <m:nor/>
+                        </m:rPr>
+                        <a:rPr lang="en-US" altLang="zh-TW" dirty="0"/>
+                        <m:t>5</m:t>
+                      </m:r>
+                      <m:r>
+                        <m:rPr>
+                          <m:nor/>
+                        </m:rPr>
+                        <a:rPr lang="zh-TW" altLang="en-US" dirty="0"/>
+                        <m:t> </m:t>
+                      </m:r>
+                      <m:r>
+                        <m:rPr>
+                          <m:nor/>
+                        </m:rPr>
+                        <a:rPr lang="en-US" altLang="zh-TW" dirty="0"/>
+                        <m:t>+</m:t>
+                      </m:r>
+                      <m:r>
+                        <m:rPr>
+                          <m:nor/>
+                        </m:rPr>
+                        <a:rPr lang="zh-TW" altLang="en-US" dirty="0"/>
+                        <m:t> </m:t>
+                      </m:r>
+                      <m:r>
+                        <m:rPr>
+                          <m:nor/>
+                        </m:rPr>
+                        <a:rPr lang="en-US" altLang="zh-TW" i="1" dirty="0"/>
+                        <m:t>i</m:t>
+                      </m:r>
+                      <m:r>
+                        <m:rPr>
+                          <m:nor/>
+                        </m:rPr>
+                        <a:rPr lang="en-US" altLang="zh-TW" dirty="0"/>
+                        <m:t>10</m:t>
+                      </m:r>
+                      <m:r>
+                        <m:rPr>
+                          <m:nor/>
+                        </m:rPr>
+                        <a:rPr lang="zh-TW" altLang="en-US" dirty="0"/>
+                        <m:t> </m:t>
+                      </m:r>
+                      <m:r>
+                        <m:rPr>
+                          <m:nor/>
+                        </m:rPr>
+                        <a:rPr lang="en-US" altLang="zh-TW" dirty="0"/>
+                        <m:t>on</m:t>
+                      </m:r>
+                      <m:r>
+                        <m:rPr>
+                          <m:nor/>
+                        </m:rPr>
+                        <a:rPr lang="en-US" altLang="zh-TW" dirty="0"/>
+                        <m:t> </m:t>
+                      </m:r>
+                      <m:r>
+                        <m:rPr>
+                          <m:nor/>
+                        </m:rPr>
+                        <a:rPr lang="en-US" altLang="zh-TW" dirty="0"/>
+                        <m:t>the</m:t>
+                      </m:r>
+                      <m:r>
+                        <m:rPr>
+                          <m:nor/>
+                        </m:rPr>
+                        <a:rPr lang="en-US" altLang="zh-TW" dirty="0"/>
+                        <m:t> </m:t>
+                      </m:r>
+                      <m:r>
+                        <m:rPr>
+                          <m:nor/>
+                        </m:rPr>
+                        <a:rPr lang="en-US" altLang="zh-TW" dirty="0"/>
+                        <m:t>unit</m:t>
+                      </m:r>
+                      <m:r>
+                        <m:rPr>
+                          <m:nor/>
+                        </m:rPr>
+                        <a:rPr lang="en-US" altLang="zh-TW" dirty="0"/>
+                        <m:t> </m:t>
+                      </m:r>
+                      <m:r>
+                        <m:rPr>
+                          <m:nor/>
+                        </m:rPr>
+                        <a:rPr lang="en-US" altLang="zh-TW" dirty="0"/>
+                        <m:t>circle</m:t>
+                      </m:r>
+                      <m:r>
+                        <m:rPr>
+                          <m:nor/>
+                        </m:rPr>
+                        <a:rPr lang="en-US" altLang="zh-TW" dirty="0"/>
+                        <m:t> </m:t>
+                      </m:r>
+                      <m:r>
+                        <m:rPr>
+                          <m:nor/>
+                        </m:rPr>
+                        <a:rPr lang="en-US" altLang="zh-TW" dirty="0"/>
+                        <m:t>when</m:t>
+                      </m:r>
+                      <m:r>
+                        <m:rPr>
+                          <m:nor/>
+                        </m:rPr>
+                        <a:rPr lang="en-US" altLang="zh-TW" dirty="0"/>
+                        <m:t> </m:t>
+                      </m:r>
+                      <m:r>
+                        <m:rPr>
+                          <m:nor/>
+                        </m:rPr>
+                        <a:rPr lang="en-US" altLang="zh-TW" i="1" dirty="0"/>
+                        <m:t>M</m:t>
+                      </m:r>
+                      <m:r>
+                        <m:rPr>
+                          <m:nor/>
+                        </m:rPr>
+                        <a:rPr lang="en-US" altLang="zh-TW" dirty="0"/>
+                        <m:t> = 31</m:t>
+                      </m:r>
+                    </m:oMath>
+                  </m:oMathPara>
+                </a14:m>
+                <a:endParaRPr lang="en-US" altLang="zh-TW" dirty="0"/>
+              </a:p>
+              <a:p>
+                <a:pPr marL="457200" indent="-457200">
+                  <a:buFontTx/>
+                  <a:buAutoNum type="alphaLcParenBoth"/>
+                </a:pPr>
+                <a14:m>
+                  <m:oMath xmlns:m="http://schemas.openxmlformats.org/officeDocument/2006/math">
+                    <m:d>
+                      <m:dPr>
+                        <m:ctrlPr>
+                          <a:rPr lang="en-US" altLang="zh-TW" i="1">
+                            <a:latin typeface="Cambria Math" panose="02040503050406030204" pitchFamily="18" charset="0"/>
+                          </a:rPr>
+                        </m:ctrlPr>
+                      </m:dPr>
+                      <m:e>
+                        <m:r>
+                          <a:rPr lang="en-US" altLang="zh-TW" i="1">
+                            <a:latin typeface="Cambria Math" panose="02040503050406030204" pitchFamily="18" charset="0"/>
+                          </a:rPr>
+                          <m:t>2+ </m:t>
+                        </m:r>
+                        <m:r>
+                          <a:rPr lang="en-US" altLang="zh-TW" i="1">
+                            <a:latin typeface="Cambria Math" panose="02040503050406030204" pitchFamily="18" charset="0"/>
+                          </a:rPr>
+                          <m:t>𝑖</m:t>
+                        </m:r>
+                        <m:r>
+                          <a:rPr lang="en-US" altLang="zh-TW" i="1">
+                            <a:latin typeface="Cambria Math" panose="02040503050406030204" pitchFamily="18" charset="0"/>
+                          </a:rPr>
+                          <m:t>11</m:t>
+                        </m:r>
+                      </m:e>
+                    </m:d>
+                    <m:d>
+                      <m:dPr>
+                        <m:ctrlPr>
+                          <a:rPr lang="en-US" altLang="zh-TW" i="1">
+                            <a:latin typeface="Cambria Math" panose="02040503050406030204" pitchFamily="18" charset="0"/>
+                          </a:rPr>
+                        </m:ctrlPr>
+                      </m:dPr>
+                      <m:e>
+                        <m:r>
+                          <a:rPr lang="en-US" altLang="zh-TW" i="1">
+                            <a:latin typeface="Cambria Math" panose="02040503050406030204" pitchFamily="18" charset="0"/>
+                          </a:rPr>
+                          <m:t>5+</m:t>
+                        </m:r>
+                        <m:r>
+                          <a:rPr lang="en-US" altLang="zh-TW" i="1">
+                            <a:latin typeface="Cambria Math" panose="02040503050406030204" pitchFamily="18" charset="0"/>
+                          </a:rPr>
+                          <m:t>𝑖</m:t>
+                        </m:r>
+                        <m:r>
+                          <a:rPr lang="en-US" altLang="zh-TW" i="1">
+                            <a:latin typeface="Cambria Math" panose="02040503050406030204" pitchFamily="18" charset="0"/>
+                          </a:rPr>
+                          <m:t>10</m:t>
+                        </m:r>
+                      </m:e>
+                    </m:d>
+                    <m:r>
+                      <a:rPr lang="en-US" altLang="zh-TW" i="1">
+                        <a:latin typeface="Cambria Math" panose="02040503050406030204" pitchFamily="18" charset="0"/>
+                      </a:rPr>
+                      <m:t>=10+</m:t>
+                    </m:r>
+                    <m:r>
+                      <a:rPr lang="en-US" altLang="zh-TW" i="1">
+                        <a:latin typeface="Cambria Math" panose="02040503050406030204" pitchFamily="18" charset="0"/>
+                      </a:rPr>
+                      <m:t>𝑖</m:t>
+                    </m:r>
+                    <m:r>
+                      <a:rPr lang="en-US" altLang="zh-TW" i="1">
+                        <a:latin typeface="Cambria Math" panose="02040503050406030204" pitchFamily="18" charset="0"/>
+                      </a:rPr>
+                      <m:t>20+</m:t>
+                    </m:r>
+                    <m:r>
+                      <a:rPr lang="en-US" altLang="zh-TW" i="1">
+                        <a:latin typeface="Cambria Math" panose="02040503050406030204" pitchFamily="18" charset="0"/>
+                      </a:rPr>
+                      <m:t>𝑖</m:t>
+                    </m:r>
+                    <m:r>
+                      <a:rPr lang="en-US" altLang="zh-TW" i="1">
+                        <a:latin typeface="Cambria Math" panose="02040503050406030204" pitchFamily="18" charset="0"/>
+                      </a:rPr>
+                      <m:t>55−110=−100+</m:t>
+                    </m:r>
+                    <m:r>
+                      <a:rPr lang="en-US" altLang="zh-TW" i="1">
+                        <a:latin typeface="Cambria Math" panose="02040503050406030204" pitchFamily="18" charset="0"/>
+                      </a:rPr>
+                      <m:t>𝑖</m:t>
+                    </m:r>
+                    <m:r>
+                      <a:rPr lang="en-US" altLang="zh-TW" i="1">
+                        <a:latin typeface="Cambria Math" panose="02040503050406030204" pitchFamily="18" charset="0"/>
+                      </a:rPr>
+                      <m:t>75</m:t>
+                    </m:r>
+                  </m:oMath>
+                </a14:m>
+                <a:endParaRPr lang="en-US" altLang="zh-TW" dirty="0"/>
+              </a:p>
+              <a:p>
+                <a:pPr lvl="1"/>
+                <a14:m>
+                  <m:oMathPara xmlns:m="http://schemas.openxmlformats.org/officeDocument/2006/math">
+                    <m:oMathParaPr>
+                      <m:jc m:val="left"/>
+                    </m:oMathParaPr>
+                    <m:oMath xmlns:m="http://schemas.openxmlformats.org/officeDocument/2006/math">
+                      <m:sSup>
+                        <m:sSupPr>
+                          <m:ctrlPr>
+                            <a:rPr lang="en-US" altLang="zh-TW" i="1">
+                              <a:latin typeface="Cambria Math" panose="02040503050406030204" pitchFamily="18" charset="0"/>
+                            </a:rPr>
+                          </m:ctrlPr>
+                        </m:sSupPr>
+                        <m:e>
+                          <m:r>
+                            <a:rPr lang="en-US" altLang="zh-TW" i="1">
+                              <a:latin typeface="Cambria Math" panose="02040503050406030204" pitchFamily="18" charset="0"/>
+                            </a:rPr>
+                            <m:t>−100</m:t>
+                          </m:r>
+                        </m:e>
+                        <m:sup>
+                          <m:r>
+                            <a:rPr lang="en-US" altLang="zh-TW" i="1">
+                              <a:latin typeface="Cambria Math" panose="02040503050406030204" pitchFamily="18" charset="0"/>
+                            </a:rPr>
+                            <m:t>2</m:t>
+                          </m:r>
+                        </m:sup>
+                      </m:sSup>
+                      <m:r>
+                        <a:rPr lang="en-US" altLang="zh-TW" i="1">
+                          <a:latin typeface="Cambria Math" panose="02040503050406030204" pitchFamily="18" charset="0"/>
+                        </a:rPr>
+                        <m:t>+</m:t>
+                      </m:r>
+                      <m:sSup>
+                        <m:sSupPr>
+                          <m:ctrlPr>
+                            <a:rPr lang="en-US" altLang="zh-TW" i="1">
+                              <a:latin typeface="Cambria Math" panose="02040503050406030204" pitchFamily="18" charset="0"/>
+                            </a:rPr>
+                          </m:ctrlPr>
+                        </m:sSupPr>
+                        <m:e>
+                          <m:r>
+                            <a:rPr lang="en-US" altLang="zh-TW" i="1">
+                              <a:latin typeface="Cambria Math" panose="02040503050406030204" pitchFamily="18" charset="0"/>
+                            </a:rPr>
+                            <m:t>75</m:t>
+                          </m:r>
+                        </m:e>
+                        <m:sup>
+                          <m:r>
+                            <a:rPr lang="en-US" altLang="zh-TW" i="1">
+                              <a:latin typeface="Cambria Math" panose="02040503050406030204" pitchFamily="18" charset="0"/>
+                            </a:rPr>
+                            <m:t>2</m:t>
+                          </m:r>
+                        </m:sup>
+                      </m:sSup>
+                      <m:r>
+                        <a:rPr lang="zh-TW" altLang="en-US" i="1">
+                          <a:latin typeface="Cambria Math" panose="02040503050406030204" pitchFamily="18" charset="0"/>
+                        </a:rPr>
+                        <m:t>  </m:t>
+                      </m:r>
+                      <m:r>
+                        <a:rPr lang="en-US" altLang="zh-TW" i="1">
+                          <a:latin typeface="Cambria Math" panose="02040503050406030204" pitchFamily="18" charset="0"/>
+                        </a:rPr>
+                        <m:t>𝑚𝑜𝑑</m:t>
+                      </m:r>
+                      <m:r>
+                        <a:rPr lang="zh-TW" altLang="en-US" i="1">
+                          <a:latin typeface="Cambria Math" panose="02040503050406030204" pitchFamily="18" charset="0"/>
+                        </a:rPr>
+                        <m:t> </m:t>
+                      </m:r>
+                      <m:r>
+                        <a:rPr lang="en-US" altLang="zh-TW" i="1">
+                          <a:latin typeface="Cambria Math" panose="02040503050406030204" pitchFamily="18" charset="0"/>
+                        </a:rPr>
+                        <m:t>31=1</m:t>
+                      </m:r>
+                      <m:r>
+                        <a:rPr lang="en-US" altLang="zh-TW" i="1">
+                          <a:latin typeface="Cambria Math" panose="02040503050406030204" pitchFamily="18" charset="0"/>
+                        </a:rPr>
+                        <m:t>⇒</m:t>
+                      </m:r>
+                      <m:r>
+                        <m:rPr>
+                          <m:nor/>
+                        </m:rPr>
+                        <a:rPr lang="en-US" altLang="zh-TW" dirty="0"/>
+                        <m:t>(2+ </m:t>
+                      </m:r>
+                      <m:r>
+                        <m:rPr>
+                          <m:nor/>
+                        </m:rPr>
+                        <a:rPr lang="en-US" altLang="zh-TW" i="1" dirty="0"/>
+                        <m:t>i</m:t>
+                      </m:r>
+                      <m:r>
+                        <m:rPr>
+                          <m:nor/>
+                        </m:rPr>
+                        <a:rPr lang="en-US" altLang="zh-TW" dirty="0"/>
+                        <m:t>11)(5+</m:t>
+                      </m:r>
+                      <m:r>
+                        <m:rPr>
+                          <m:nor/>
+                        </m:rPr>
+                        <a:rPr lang="en-US" altLang="zh-TW" i="1" dirty="0"/>
+                        <m:t>i</m:t>
+                      </m:r>
+                      <m:r>
+                        <m:rPr>
+                          <m:nor/>
+                        </m:rPr>
+                        <a:rPr lang="en-US" altLang="zh-TW" dirty="0"/>
+                        <m:t>10)</m:t>
+                      </m:r>
+                      <m:r>
+                        <m:rPr>
+                          <m:nor/>
+                        </m:rPr>
+                        <a:rPr lang="zh-TW" altLang="en-US" dirty="0"/>
+                        <m:t> </m:t>
+                      </m:r>
+                      <m:r>
+                        <m:rPr>
+                          <m:nor/>
+                        </m:rPr>
+                        <a:rPr lang="en-US" altLang="zh-TW" dirty="0"/>
+                        <m:t>on</m:t>
+                      </m:r>
+                      <m:r>
+                        <m:rPr>
+                          <m:nor/>
+                        </m:rPr>
+                        <a:rPr lang="en-US" altLang="zh-TW" dirty="0"/>
+                        <m:t> </m:t>
+                      </m:r>
+                      <m:r>
+                        <m:rPr>
+                          <m:nor/>
+                        </m:rPr>
+                        <a:rPr lang="en-US" altLang="zh-TW" dirty="0"/>
+                        <m:t>the</m:t>
+                      </m:r>
+                      <m:r>
+                        <m:rPr>
+                          <m:nor/>
+                        </m:rPr>
+                        <a:rPr lang="en-US" altLang="zh-TW" dirty="0"/>
+                        <m:t> </m:t>
+                      </m:r>
+                      <m:r>
+                        <m:rPr>
+                          <m:nor/>
+                        </m:rPr>
+                        <a:rPr lang="en-US" altLang="zh-TW" dirty="0"/>
+                        <m:t>unit</m:t>
+                      </m:r>
+                      <m:r>
+                        <m:rPr>
+                          <m:nor/>
+                        </m:rPr>
+                        <a:rPr lang="en-US" altLang="zh-TW" dirty="0"/>
+                        <m:t> </m:t>
+                      </m:r>
+                      <m:r>
+                        <m:rPr>
+                          <m:nor/>
+                        </m:rPr>
+                        <a:rPr lang="en-US" altLang="zh-TW" dirty="0"/>
+                        <m:t>circle</m:t>
+                      </m:r>
+                      <m:r>
+                        <m:rPr>
+                          <m:nor/>
+                        </m:rPr>
+                        <a:rPr lang="en-US" altLang="zh-TW" dirty="0"/>
+                        <m:t> </m:t>
+                      </m:r>
+                      <m:r>
+                        <m:rPr>
+                          <m:nor/>
+                        </m:rPr>
+                        <a:rPr lang="en-US" altLang="zh-TW" dirty="0"/>
+                        <m:t>when</m:t>
+                      </m:r>
+                      <m:r>
+                        <m:rPr>
+                          <m:nor/>
+                        </m:rPr>
+                        <a:rPr lang="en-US" altLang="zh-TW" dirty="0"/>
+                        <m:t> </m:t>
+                      </m:r>
+                      <m:r>
+                        <m:rPr>
+                          <m:nor/>
+                        </m:rPr>
+                        <a:rPr lang="en-US" altLang="zh-TW" i="1" dirty="0"/>
+                        <m:t>M</m:t>
+                      </m:r>
+                      <m:r>
+                        <m:rPr>
+                          <m:nor/>
+                        </m:rPr>
+                        <a:rPr lang="en-US" altLang="zh-TW" dirty="0"/>
+                        <m:t> = 31</m:t>
+                      </m:r>
+                    </m:oMath>
+                  </m:oMathPara>
+                </a14:m>
+                <a:endParaRPr lang="en-US" altLang="zh-TW" dirty="0"/>
+              </a:p>
+              <a:p>
+                <a:pPr marL="457200" indent="-457200">
+                  <a:buFontTx/>
+                  <a:buAutoNum type="alphaLcParenBoth"/>
+                </a:pPr>
+                <a14:m>
+                  <m:oMath xmlns:m="http://schemas.openxmlformats.org/officeDocument/2006/math">
+                    <m:sSup>
+                      <m:sSupPr>
+                        <m:ctrlPr>
+                          <a:rPr kumimoji="1" lang="en-US" altLang="zh-TW" sz="1800" i="1" smtClean="0">
+                            <a:latin typeface="Cambria Math" panose="02040503050406030204" pitchFamily="18" charset="0"/>
+                          </a:rPr>
+                        </m:ctrlPr>
+                      </m:sSupPr>
+                      <m:e>
+                        <m:r>
+                          <a:rPr kumimoji="1" lang="en-US" altLang="zh-TW" sz="1800" b="0" i="1" smtClean="0">
+                            <a:latin typeface="Cambria Math" panose="02040503050406030204" pitchFamily="18" charset="0"/>
+                          </a:rPr>
+                          <m:t>10</m:t>
+                        </m:r>
+                      </m:e>
+                      <m:sup>
+                        <m:r>
+                          <a:rPr kumimoji="1" lang="en-US" altLang="zh-TW" sz="1800" b="0" i="1" smtClean="0">
+                            <a:latin typeface="Cambria Math" panose="02040503050406030204" pitchFamily="18" charset="0"/>
+                          </a:rPr>
+                          <m:t>2</m:t>
+                        </m:r>
+                      </m:sup>
+                    </m:sSup>
+                    <m:r>
+                      <a:rPr kumimoji="1" lang="en-US" altLang="zh-TW" sz="1800" b="0" i="1" smtClean="0">
+                        <a:latin typeface="Cambria Math" panose="02040503050406030204" pitchFamily="18" charset="0"/>
+                      </a:rPr>
+                      <m:t>+</m:t>
+                    </m:r>
+                    <m:sSup>
+                      <m:sSupPr>
+                        <m:ctrlPr>
+                          <a:rPr kumimoji="1" lang="en-US" altLang="zh-TW" sz="1800" b="0" i="1" smtClean="0">
+                            <a:latin typeface="Cambria Math" panose="02040503050406030204" pitchFamily="18" charset="0"/>
+                          </a:rPr>
+                        </m:ctrlPr>
+                      </m:sSupPr>
+                      <m:e>
+                        <m:r>
+                          <a:rPr kumimoji="1" lang="en-US" altLang="zh-TW" sz="1800" b="0" i="1" smtClean="0">
+                            <a:latin typeface="Cambria Math" panose="02040503050406030204" pitchFamily="18" charset="0"/>
+                          </a:rPr>
+                          <m:t>1</m:t>
+                        </m:r>
+                      </m:e>
+                      <m:sup>
+                        <m:r>
+                          <a:rPr kumimoji="1" lang="en-US" altLang="zh-TW" sz="1800" b="0" i="1" smtClean="0">
+                            <a:latin typeface="Cambria Math" panose="02040503050406030204" pitchFamily="18" charset="0"/>
+                          </a:rPr>
+                          <m:t>2</m:t>
+                        </m:r>
+                      </m:sup>
+                    </m:sSup>
+                    <m:r>
+                      <a:rPr kumimoji="1" lang="zh-TW" altLang="en-US" sz="1800" b="0" i="1" smtClean="0">
+                        <a:latin typeface="Cambria Math" panose="02040503050406030204" pitchFamily="18" charset="0"/>
+                      </a:rPr>
+                      <m:t> </m:t>
+                    </m:r>
+                    <m:r>
+                      <a:rPr kumimoji="1" lang="en-US" altLang="zh-TW" sz="1800" b="0" i="1" smtClean="0">
+                        <a:latin typeface="Cambria Math" panose="02040503050406030204" pitchFamily="18" charset="0"/>
+                      </a:rPr>
+                      <m:t>𝑚𝑜𝑑</m:t>
+                    </m:r>
+                    <m:r>
+                      <a:rPr kumimoji="1" lang="zh-TW" altLang="en-US" sz="1800" b="0" i="1" smtClean="0">
+                        <a:latin typeface="Cambria Math" panose="02040503050406030204" pitchFamily="18" charset="0"/>
+                      </a:rPr>
+                      <m:t> </m:t>
+                    </m:r>
+                    <m:r>
+                      <a:rPr kumimoji="1" lang="en-US" altLang="zh-TW" sz="1800" b="0" i="1" smtClean="0">
+                        <a:latin typeface="Cambria Math" panose="02040503050406030204" pitchFamily="18" charset="0"/>
+                      </a:rPr>
+                      <m:t>31=8,</m:t>
+                    </m:r>
+                    <m:sSup>
+                      <m:sSupPr>
+                        <m:ctrlPr>
+                          <a:rPr lang="en-US" altLang="zh-TW" sz="1800" i="1">
+                            <a:latin typeface="Cambria Math" panose="02040503050406030204" pitchFamily="18" charset="0"/>
+                          </a:rPr>
+                        </m:ctrlPr>
+                      </m:sSupPr>
+                      <m:e>
+                        <m:r>
+                          <a:rPr lang="en-US" altLang="zh-TW" sz="1800" i="1">
+                            <a:latin typeface="Cambria Math" panose="02040503050406030204" pitchFamily="18" charset="0"/>
+                          </a:rPr>
+                          <m:t>10</m:t>
+                        </m:r>
+                      </m:e>
+                      <m:sup>
+                        <m:r>
+                          <a:rPr lang="en-US" altLang="zh-TW" sz="1800" i="1">
+                            <a:latin typeface="Cambria Math" panose="02040503050406030204" pitchFamily="18" charset="0"/>
+                          </a:rPr>
+                          <m:t>2</m:t>
+                        </m:r>
+                      </m:sup>
+                    </m:sSup>
+                    <m:r>
+                      <a:rPr lang="en-US" altLang="zh-TW" sz="1800" i="1">
+                        <a:latin typeface="Cambria Math" panose="02040503050406030204" pitchFamily="18" charset="0"/>
+                      </a:rPr>
+                      <m:t>+</m:t>
+                    </m:r>
+                    <m:sSup>
+                      <m:sSupPr>
+                        <m:ctrlPr>
+                          <a:rPr lang="en-US" altLang="zh-TW" sz="1800" i="1">
+                            <a:latin typeface="Cambria Math" panose="02040503050406030204" pitchFamily="18" charset="0"/>
+                          </a:rPr>
+                        </m:ctrlPr>
+                      </m:sSupPr>
+                      <m:e>
+                        <m:r>
+                          <a:rPr lang="en-US" altLang="zh-TW" sz="1800" b="0" i="1" smtClean="0">
+                            <a:latin typeface="Cambria Math" panose="02040503050406030204" pitchFamily="18" charset="0"/>
+                          </a:rPr>
+                          <m:t>2</m:t>
+                        </m:r>
+                      </m:e>
+                      <m:sup>
+                        <m:r>
+                          <a:rPr lang="en-US" altLang="zh-TW" sz="1800" i="1">
+                            <a:latin typeface="Cambria Math" panose="02040503050406030204" pitchFamily="18" charset="0"/>
+                          </a:rPr>
+                          <m:t>2</m:t>
+                        </m:r>
+                      </m:sup>
+                    </m:sSup>
+                    <m:r>
+                      <a:rPr lang="zh-TW" altLang="en-US" sz="1800" i="1">
+                        <a:latin typeface="Cambria Math" panose="02040503050406030204" pitchFamily="18" charset="0"/>
+                      </a:rPr>
+                      <m:t> </m:t>
+                    </m:r>
+                    <m:r>
+                      <a:rPr lang="en-US" altLang="zh-TW" sz="1800" i="1">
+                        <a:latin typeface="Cambria Math" panose="02040503050406030204" pitchFamily="18" charset="0"/>
+                      </a:rPr>
+                      <m:t>𝑚𝑜𝑑</m:t>
+                    </m:r>
+                    <m:r>
+                      <a:rPr lang="zh-TW" altLang="en-US" sz="1800" i="1">
+                        <a:latin typeface="Cambria Math" panose="02040503050406030204" pitchFamily="18" charset="0"/>
+                      </a:rPr>
+                      <m:t> </m:t>
+                    </m:r>
+                    <m:r>
+                      <a:rPr lang="en-US" altLang="zh-TW" sz="1800" i="1">
+                        <a:latin typeface="Cambria Math" panose="02040503050406030204" pitchFamily="18" charset="0"/>
+                      </a:rPr>
+                      <m:t>31=</m:t>
+                    </m:r>
+                    <m:r>
+                      <a:rPr lang="en-US" altLang="zh-TW" sz="1800" b="0" i="1" smtClean="0">
+                        <a:latin typeface="Cambria Math" panose="02040503050406030204" pitchFamily="18" charset="0"/>
+                      </a:rPr>
+                      <m:t>11,</m:t>
+                    </m:r>
+                    <m:sSup>
+                      <m:sSupPr>
+                        <m:ctrlPr>
+                          <a:rPr lang="en-US" altLang="zh-TW" sz="1800" i="1">
+                            <a:latin typeface="Cambria Math" panose="02040503050406030204" pitchFamily="18" charset="0"/>
+                          </a:rPr>
+                        </m:ctrlPr>
+                      </m:sSupPr>
+                      <m:e>
+                        <m:r>
+                          <a:rPr lang="en-US" altLang="zh-TW" sz="1800" i="1">
+                            <a:latin typeface="Cambria Math" panose="02040503050406030204" pitchFamily="18" charset="0"/>
+                          </a:rPr>
+                          <m:t>10</m:t>
+                        </m:r>
+                      </m:e>
+                      <m:sup>
+                        <m:r>
+                          <a:rPr lang="en-US" altLang="zh-TW" sz="1800" i="1">
+                            <a:latin typeface="Cambria Math" panose="02040503050406030204" pitchFamily="18" charset="0"/>
+                          </a:rPr>
+                          <m:t>2</m:t>
+                        </m:r>
+                      </m:sup>
+                    </m:sSup>
+                    <m:r>
+                      <a:rPr lang="en-US" altLang="zh-TW" sz="1800" i="1">
+                        <a:latin typeface="Cambria Math" panose="02040503050406030204" pitchFamily="18" charset="0"/>
+                      </a:rPr>
+                      <m:t>+</m:t>
+                    </m:r>
+                    <m:sSup>
+                      <m:sSupPr>
+                        <m:ctrlPr>
+                          <a:rPr lang="en-US" altLang="zh-TW" sz="1800" i="1">
+                            <a:latin typeface="Cambria Math" panose="02040503050406030204" pitchFamily="18" charset="0"/>
+                          </a:rPr>
+                        </m:ctrlPr>
+                      </m:sSupPr>
+                      <m:e>
+                        <m:r>
+                          <a:rPr lang="en-US" altLang="zh-TW" sz="1800" b="0" i="1" smtClean="0">
+                            <a:latin typeface="Cambria Math" panose="02040503050406030204" pitchFamily="18" charset="0"/>
+                          </a:rPr>
+                          <m:t>3</m:t>
+                        </m:r>
+                      </m:e>
+                      <m:sup>
+                        <m:r>
+                          <a:rPr lang="en-US" altLang="zh-TW" sz="1800" i="1">
+                            <a:latin typeface="Cambria Math" panose="02040503050406030204" pitchFamily="18" charset="0"/>
+                          </a:rPr>
+                          <m:t>2</m:t>
+                        </m:r>
+                      </m:sup>
+                    </m:sSup>
+                    <m:r>
+                      <a:rPr lang="zh-TW" altLang="en-US" sz="1800" i="1">
+                        <a:latin typeface="Cambria Math" panose="02040503050406030204" pitchFamily="18" charset="0"/>
+                      </a:rPr>
+                      <m:t> </m:t>
+                    </m:r>
+                    <m:r>
+                      <a:rPr lang="en-US" altLang="zh-TW" sz="1800" i="1">
+                        <a:latin typeface="Cambria Math" panose="02040503050406030204" pitchFamily="18" charset="0"/>
+                      </a:rPr>
+                      <m:t>𝑚𝑜𝑑</m:t>
+                    </m:r>
+                    <m:r>
+                      <a:rPr lang="zh-TW" altLang="en-US" sz="1800" i="1">
+                        <a:latin typeface="Cambria Math" panose="02040503050406030204" pitchFamily="18" charset="0"/>
+                      </a:rPr>
+                      <m:t> </m:t>
+                    </m:r>
+                    <m:r>
+                      <a:rPr lang="en-US" altLang="zh-TW" sz="1800" i="1">
+                        <a:latin typeface="Cambria Math" panose="02040503050406030204" pitchFamily="18" charset="0"/>
+                      </a:rPr>
+                      <m:t>31=</m:t>
+                    </m:r>
+                    <m:r>
+                      <a:rPr lang="en-US" altLang="zh-TW" sz="1800" b="0" i="1" smtClean="0">
+                        <a:latin typeface="Cambria Math" panose="02040503050406030204" pitchFamily="18" charset="0"/>
+                      </a:rPr>
+                      <m:t>16,</m:t>
+                    </m:r>
+                  </m:oMath>
+                </a14:m>
+                <a:endParaRPr lang="en-US" altLang="zh-TW" sz="1800" b="0" dirty="0"/>
+              </a:p>
+              <a:p>
+                <a:pPr lvl="1"/>
+                <a14:m>
+                  <m:oMathPara xmlns:m="http://schemas.openxmlformats.org/officeDocument/2006/math">
+                    <m:oMathParaPr>
+                      <m:jc m:val="centerGroup"/>
+                    </m:oMathParaPr>
+                    <m:oMath xmlns:m="http://schemas.openxmlformats.org/officeDocument/2006/math">
+                      <m:sSup>
+                        <m:sSupPr>
+                          <m:ctrlPr>
+                            <a:rPr kumimoji="1" lang="en-US" altLang="zh-TW" sz="1800" i="1" smtClean="0">
+                              <a:latin typeface="Cambria Math" panose="02040503050406030204" pitchFamily="18" charset="0"/>
+                            </a:rPr>
+                          </m:ctrlPr>
+                        </m:sSupPr>
+                        <m:e>
+                          <m:r>
+                            <a:rPr kumimoji="1" lang="en-US" altLang="zh-TW" sz="1800" b="0" i="1" smtClean="0">
+                              <a:latin typeface="Cambria Math" panose="02040503050406030204" pitchFamily="18" charset="0"/>
+                            </a:rPr>
+                            <m:t>10</m:t>
+                          </m:r>
+                        </m:e>
+                        <m:sup>
+                          <m:r>
+                            <a:rPr kumimoji="1" lang="en-US" altLang="zh-TW" sz="1800" b="0" i="1" smtClean="0">
+                              <a:latin typeface="Cambria Math" panose="02040503050406030204" pitchFamily="18" charset="0"/>
+                            </a:rPr>
+                            <m:t>2</m:t>
+                          </m:r>
+                        </m:sup>
+                      </m:sSup>
+                      <m:r>
+                        <a:rPr kumimoji="1" lang="en-US" altLang="zh-TW" sz="1800" b="0" i="1" smtClean="0">
+                          <a:latin typeface="Cambria Math" panose="02040503050406030204" pitchFamily="18" charset="0"/>
+                        </a:rPr>
+                        <m:t>+</m:t>
+                      </m:r>
+                      <m:sSup>
+                        <m:sSupPr>
+                          <m:ctrlPr>
+                            <a:rPr kumimoji="1" lang="en-US" altLang="zh-TW" sz="1800" b="0" i="1" smtClean="0">
+                              <a:latin typeface="Cambria Math" panose="02040503050406030204" pitchFamily="18" charset="0"/>
+                            </a:rPr>
+                          </m:ctrlPr>
+                        </m:sSupPr>
+                        <m:e>
+                          <m:r>
+                            <a:rPr kumimoji="1" lang="en-US" altLang="zh-TW" sz="1800" b="0" i="1" smtClean="0">
+                              <a:latin typeface="Cambria Math" panose="02040503050406030204" pitchFamily="18" charset="0"/>
+                            </a:rPr>
+                            <m:t>4</m:t>
+                          </m:r>
+                        </m:e>
+                        <m:sup>
+                          <m:r>
+                            <a:rPr kumimoji="1" lang="en-US" altLang="zh-TW" sz="1800" b="0" i="1" smtClean="0">
+                              <a:latin typeface="Cambria Math" panose="02040503050406030204" pitchFamily="18" charset="0"/>
+                            </a:rPr>
+                            <m:t>2</m:t>
+                          </m:r>
+                        </m:sup>
+                      </m:sSup>
+                      <m:r>
+                        <a:rPr kumimoji="1" lang="zh-TW" altLang="en-US" sz="1800" b="0" i="1" smtClean="0">
+                          <a:latin typeface="Cambria Math" panose="02040503050406030204" pitchFamily="18" charset="0"/>
+                        </a:rPr>
+                        <m:t> </m:t>
+                      </m:r>
+                      <m:r>
+                        <a:rPr kumimoji="1" lang="en-US" altLang="zh-TW" sz="1800" b="0" i="1" smtClean="0">
+                          <a:latin typeface="Cambria Math" panose="02040503050406030204" pitchFamily="18" charset="0"/>
+                        </a:rPr>
+                        <m:t>𝑚𝑜𝑑</m:t>
+                      </m:r>
+                      <m:r>
+                        <a:rPr kumimoji="1" lang="zh-TW" altLang="en-US" sz="1800" b="0" i="1" smtClean="0">
+                          <a:latin typeface="Cambria Math" panose="02040503050406030204" pitchFamily="18" charset="0"/>
+                        </a:rPr>
+                        <m:t> </m:t>
+                      </m:r>
+                      <m:r>
+                        <a:rPr kumimoji="1" lang="en-US" altLang="zh-TW" sz="1800" b="0" i="1" smtClean="0">
+                          <a:latin typeface="Cambria Math" panose="02040503050406030204" pitchFamily="18" charset="0"/>
+                        </a:rPr>
+                        <m:t>31=</m:t>
+                      </m:r>
+                      <m:r>
+                        <a:rPr kumimoji="1" lang="en-US" altLang="zh-TW" sz="1800" b="0" i="1" smtClean="0">
+                          <a:latin typeface="Cambria Math" panose="02040503050406030204" pitchFamily="18" charset="0"/>
+                        </a:rPr>
+                        <m:t>23</m:t>
+                      </m:r>
+                      <m:r>
+                        <a:rPr kumimoji="1" lang="en-US" altLang="zh-TW" sz="1800" b="0" i="1" smtClean="0">
+                          <a:latin typeface="Cambria Math" panose="02040503050406030204" pitchFamily="18" charset="0"/>
+                        </a:rPr>
+                        <m:t>,</m:t>
+                      </m:r>
+                      <m:sSup>
+                        <m:sSupPr>
+                          <m:ctrlPr>
+                            <a:rPr lang="en-US" altLang="zh-TW" sz="1800" i="1">
+                              <a:latin typeface="Cambria Math" panose="02040503050406030204" pitchFamily="18" charset="0"/>
+                            </a:rPr>
+                          </m:ctrlPr>
+                        </m:sSupPr>
+                        <m:e>
+                          <m:r>
+                            <a:rPr lang="en-US" altLang="zh-TW" sz="1800" i="1">
+                              <a:latin typeface="Cambria Math" panose="02040503050406030204" pitchFamily="18" charset="0"/>
+                            </a:rPr>
+                            <m:t>10</m:t>
+                          </m:r>
+                        </m:e>
+                        <m:sup>
+                          <m:r>
+                            <a:rPr lang="en-US" altLang="zh-TW" sz="1800" i="1">
+                              <a:latin typeface="Cambria Math" panose="02040503050406030204" pitchFamily="18" charset="0"/>
+                            </a:rPr>
+                            <m:t>2</m:t>
+                          </m:r>
+                        </m:sup>
+                      </m:sSup>
+                      <m:r>
+                        <a:rPr lang="en-US" altLang="zh-TW" sz="1800" i="1">
+                          <a:latin typeface="Cambria Math" panose="02040503050406030204" pitchFamily="18" charset="0"/>
+                        </a:rPr>
+                        <m:t>+</m:t>
+                      </m:r>
+                      <m:sSup>
+                        <m:sSupPr>
+                          <m:ctrlPr>
+                            <a:rPr lang="en-US" altLang="zh-TW" sz="1800" i="1">
+                              <a:latin typeface="Cambria Math" panose="02040503050406030204" pitchFamily="18" charset="0"/>
+                            </a:rPr>
+                          </m:ctrlPr>
+                        </m:sSupPr>
+                        <m:e>
+                          <m:r>
+                            <a:rPr lang="en-US" altLang="zh-TW" sz="1800" b="0" i="1" smtClean="0">
+                              <a:latin typeface="Cambria Math" panose="02040503050406030204" pitchFamily="18" charset="0"/>
+                            </a:rPr>
+                            <m:t>5</m:t>
+                          </m:r>
+                        </m:e>
+                        <m:sup>
+                          <m:r>
+                            <a:rPr lang="en-US" altLang="zh-TW" sz="1800" i="1">
+                              <a:latin typeface="Cambria Math" panose="02040503050406030204" pitchFamily="18" charset="0"/>
+                            </a:rPr>
+                            <m:t>2</m:t>
+                          </m:r>
+                        </m:sup>
+                      </m:sSup>
+                      <m:r>
+                        <a:rPr lang="zh-TW" altLang="en-US" sz="1800" i="1">
+                          <a:latin typeface="Cambria Math" panose="02040503050406030204" pitchFamily="18" charset="0"/>
+                        </a:rPr>
+                        <m:t> </m:t>
+                      </m:r>
+                      <m:r>
+                        <a:rPr lang="en-US" altLang="zh-TW" sz="1800" i="1">
+                          <a:latin typeface="Cambria Math" panose="02040503050406030204" pitchFamily="18" charset="0"/>
+                        </a:rPr>
+                        <m:t>𝑚𝑜𝑑</m:t>
+                      </m:r>
+                      <m:r>
+                        <a:rPr lang="zh-TW" altLang="en-US" sz="1800" i="1">
+                          <a:latin typeface="Cambria Math" panose="02040503050406030204" pitchFamily="18" charset="0"/>
+                        </a:rPr>
+                        <m:t> </m:t>
+                      </m:r>
+                      <m:r>
+                        <a:rPr lang="en-US" altLang="zh-TW" sz="1800" i="1">
+                          <a:latin typeface="Cambria Math" panose="02040503050406030204" pitchFamily="18" charset="0"/>
+                        </a:rPr>
+                        <m:t>31=</m:t>
+                      </m:r>
+                      <m:r>
+                        <a:rPr lang="en-US" altLang="zh-TW" sz="1800" b="0" i="1" smtClean="0">
+                          <a:latin typeface="Cambria Math" panose="02040503050406030204" pitchFamily="18" charset="0"/>
+                        </a:rPr>
+                        <m:t>1,</m:t>
+                      </m:r>
+                      <m:sSup>
+                        <m:sSupPr>
+                          <m:ctrlPr>
+                            <a:rPr lang="en-US" altLang="zh-TW" sz="1800" i="1">
+                              <a:latin typeface="Cambria Math" panose="02040503050406030204" pitchFamily="18" charset="0"/>
+                            </a:rPr>
+                          </m:ctrlPr>
+                        </m:sSupPr>
+                        <m:e>
+                          <m:r>
+                            <a:rPr lang="en-US" altLang="zh-TW" sz="1800" i="1">
+                              <a:latin typeface="Cambria Math" panose="02040503050406030204" pitchFamily="18" charset="0"/>
+                            </a:rPr>
+                            <m:t>10</m:t>
+                          </m:r>
+                        </m:e>
+                        <m:sup>
+                          <m:r>
+                            <a:rPr lang="en-US" altLang="zh-TW" sz="1800" i="1">
+                              <a:latin typeface="Cambria Math" panose="02040503050406030204" pitchFamily="18" charset="0"/>
+                            </a:rPr>
+                            <m:t>2</m:t>
+                          </m:r>
+                        </m:sup>
+                      </m:sSup>
+                      <m:r>
+                        <a:rPr lang="en-US" altLang="zh-TW" sz="1800" i="1">
+                          <a:latin typeface="Cambria Math" panose="02040503050406030204" pitchFamily="18" charset="0"/>
+                        </a:rPr>
+                        <m:t>+</m:t>
+                      </m:r>
+                      <m:sSup>
+                        <m:sSupPr>
+                          <m:ctrlPr>
+                            <a:rPr lang="en-US" altLang="zh-TW" sz="1800" i="1">
+                              <a:latin typeface="Cambria Math" panose="02040503050406030204" pitchFamily="18" charset="0"/>
+                            </a:rPr>
+                          </m:ctrlPr>
+                        </m:sSupPr>
+                        <m:e>
+                          <m:r>
+                            <a:rPr lang="en-US" altLang="zh-TW" sz="1800" b="0" i="1" smtClean="0">
+                              <a:latin typeface="Cambria Math" panose="02040503050406030204" pitchFamily="18" charset="0"/>
+                            </a:rPr>
+                            <m:t>6</m:t>
+                          </m:r>
+                        </m:e>
+                        <m:sup>
+                          <m:r>
+                            <a:rPr lang="en-US" altLang="zh-TW" sz="1800" i="1">
+                              <a:latin typeface="Cambria Math" panose="02040503050406030204" pitchFamily="18" charset="0"/>
+                            </a:rPr>
+                            <m:t>2</m:t>
+                          </m:r>
+                        </m:sup>
+                      </m:sSup>
+                      <m:r>
+                        <a:rPr lang="zh-TW" altLang="en-US" sz="1800" i="1">
+                          <a:latin typeface="Cambria Math" panose="02040503050406030204" pitchFamily="18" charset="0"/>
+                        </a:rPr>
+                        <m:t> </m:t>
+                      </m:r>
+                      <m:r>
+                        <a:rPr lang="en-US" altLang="zh-TW" sz="1800" i="1">
+                          <a:latin typeface="Cambria Math" panose="02040503050406030204" pitchFamily="18" charset="0"/>
+                        </a:rPr>
+                        <m:t>𝑚𝑜𝑑</m:t>
+                      </m:r>
+                      <m:r>
+                        <a:rPr lang="zh-TW" altLang="en-US" sz="1800" i="1">
+                          <a:latin typeface="Cambria Math" panose="02040503050406030204" pitchFamily="18" charset="0"/>
+                        </a:rPr>
+                        <m:t> </m:t>
+                      </m:r>
+                      <m:r>
+                        <a:rPr lang="en-US" altLang="zh-TW" sz="1800" i="1">
+                          <a:latin typeface="Cambria Math" panose="02040503050406030204" pitchFamily="18" charset="0"/>
+                        </a:rPr>
+                        <m:t>31=</m:t>
+                      </m:r>
+                      <m:r>
+                        <a:rPr lang="en-US" altLang="zh-TW" sz="1800" b="0" i="1" smtClean="0">
+                          <a:latin typeface="Cambria Math" panose="02040503050406030204" pitchFamily="18" charset="0"/>
+                        </a:rPr>
+                        <m:t>1</m:t>
+                      </m:r>
+                      <m:r>
+                        <a:rPr lang="en-US" altLang="zh-TW" sz="1800" b="0" i="1" smtClean="0">
+                          <a:latin typeface="Cambria Math" panose="02040503050406030204" pitchFamily="18" charset="0"/>
+                        </a:rPr>
+                        <m:t>2</m:t>
+                      </m:r>
+                      <m:r>
+                        <a:rPr lang="en-US" altLang="zh-TW" sz="1800" b="0" i="1" smtClean="0">
+                          <a:latin typeface="Cambria Math" panose="02040503050406030204" pitchFamily="18" charset="0"/>
+                        </a:rPr>
+                        <m:t>,</m:t>
+                      </m:r>
+                    </m:oMath>
+                  </m:oMathPara>
+                </a14:m>
+                <a:endParaRPr lang="en-US" altLang="zh-TW" sz="1800" b="0" dirty="0"/>
+              </a:p>
+              <a:p>
+                <a:pPr lvl="1"/>
+                <a14:m>
+                  <m:oMathPara xmlns:m="http://schemas.openxmlformats.org/officeDocument/2006/math">
+                    <m:oMathParaPr>
+                      <m:jc m:val="centerGroup"/>
+                    </m:oMathParaPr>
+                    <m:oMath xmlns:m="http://schemas.openxmlformats.org/officeDocument/2006/math">
+                      <m:sSup>
+                        <m:sSupPr>
+                          <m:ctrlPr>
+                            <a:rPr kumimoji="1" lang="en-US" altLang="zh-TW" sz="1800" i="1" smtClean="0">
+                              <a:latin typeface="Cambria Math" panose="02040503050406030204" pitchFamily="18" charset="0"/>
+                            </a:rPr>
+                          </m:ctrlPr>
+                        </m:sSupPr>
+                        <m:e>
+                          <m:r>
+                            <a:rPr kumimoji="1" lang="en-US" altLang="zh-TW" sz="1800" b="0" i="1" smtClean="0">
+                              <a:latin typeface="Cambria Math" panose="02040503050406030204" pitchFamily="18" charset="0"/>
+                            </a:rPr>
+                            <m:t>10</m:t>
+                          </m:r>
+                        </m:e>
+                        <m:sup>
+                          <m:r>
+                            <a:rPr kumimoji="1" lang="en-US" altLang="zh-TW" sz="1800" b="0" i="1" smtClean="0">
+                              <a:latin typeface="Cambria Math" panose="02040503050406030204" pitchFamily="18" charset="0"/>
+                            </a:rPr>
+                            <m:t>2</m:t>
+                          </m:r>
+                        </m:sup>
+                      </m:sSup>
+                      <m:r>
+                        <a:rPr kumimoji="1" lang="en-US" altLang="zh-TW" sz="1800" b="0" i="1" smtClean="0">
+                          <a:latin typeface="Cambria Math" panose="02040503050406030204" pitchFamily="18" charset="0"/>
+                        </a:rPr>
+                        <m:t>+</m:t>
+                      </m:r>
+                      <m:sSup>
+                        <m:sSupPr>
+                          <m:ctrlPr>
+                            <a:rPr kumimoji="1" lang="en-US" altLang="zh-TW" sz="1800" b="0" i="1" smtClean="0">
+                              <a:latin typeface="Cambria Math" panose="02040503050406030204" pitchFamily="18" charset="0"/>
+                            </a:rPr>
+                          </m:ctrlPr>
+                        </m:sSupPr>
+                        <m:e>
+                          <m:r>
+                            <a:rPr kumimoji="1" lang="en-US" altLang="zh-TW" sz="1800" b="0" i="1" smtClean="0">
+                              <a:latin typeface="Cambria Math" panose="02040503050406030204" pitchFamily="18" charset="0"/>
+                            </a:rPr>
+                            <m:t>7</m:t>
+                          </m:r>
+                        </m:e>
+                        <m:sup>
+                          <m:r>
+                            <a:rPr kumimoji="1" lang="en-US" altLang="zh-TW" sz="1800" b="0" i="1" smtClean="0">
+                              <a:latin typeface="Cambria Math" panose="02040503050406030204" pitchFamily="18" charset="0"/>
+                            </a:rPr>
+                            <m:t>2</m:t>
+                          </m:r>
+                        </m:sup>
+                      </m:sSup>
+                      <m:r>
+                        <a:rPr kumimoji="1" lang="zh-TW" altLang="en-US" sz="1800" b="0" i="1" smtClean="0">
+                          <a:latin typeface="Cambria Math" panose="02040503050406030204" pitchFamily="18" charset="0"/>
+                        </a:rPr>
+                        <m:t> </m:t>
+                      </m:r>
+                      <m:r>
+                        <a:rPr kumimoji="1" lang="en-US" altLang="zh-TW" sz="1800" b="0" i="1" smtClean="0">
+                          <a:latin typeface="Cambria Math" panose="02040503050406030204" pitchFamily="18" charset="0"/>
+                        </a:rPr>
+                        <m:t>𝑚𝑜𝑑</m:t>
+                      </m:r>
+                      <m:r>
+                        <a:rPr kumimoji="1" lang="zh-TW" altLang="en-US" sz="1800" b="0" i="1" smtClean="0">
+                          <a:latin typeface="Cambria Math" panose="02040503050406030204" pitchFamily="18" charset="0"/>
+                        </a:rPr>
+                        <m:t> </m:t>
+                      </m:r>
+                      <m:r>
+                        <a:rPr kumimoji="1" lang="en-US" altLang="zh-TW" sz="1800" b="0" i="1" smtClean="0">
+                          <a:latin typeface="Cambria Math" panose="02040503050406030204" pitchFamily="18" charset="0"/>
+                        </a:rPr>
+                        <m:t>31=2</m:t>
+                      </m:r>
+                      <m:r>
+                        <a:rPr kumimoji="1" lang="en-US" altLang="zh-TW" sz="1800" b="0" i="1" smtClean="0">
+                          <a:latin typeface="Cambria Math" panose="02040503050406030204" pitchFamily="18" charset="0"/>
+                        </a:rPr>
+                        <m:t>5</m:t>
+                      </m:r>
+                      <m:r>
+                        <a:rPr kumimoji="1" lang="en-US" altLang="zh-TW" sz="1800" b="0" i="1" smtClean="0">
+                          <a:latin typeface="Cambria Math" panose="02040503050406030204" pitchFamily="18" charset="0"/>
+                        </a:rPr>
+                        <m:t>,</m:t>
+                      </m:r>
+                      <m:sSup>
+                        <m:sSupPr>
+                          <m:ctrlPr>
+                            <a:rPr lang="en-US" altLang="zh-TW" sz="1800" i="1">
+                              <a:latin typeface="Cambria Math" panose="02040503050406030204" pitchFamily="18" charset="0"/>
+                            </a:rPr>
+                          </m:ctrlPr>
+                        </m:sSupPr>
+                        <m:e>
+                          <m:r>
+                            <a:rPr lang="en-US" altLang="zh-TW" sz="1800" i="1">
+                              <a:latin typeface="Cambria Math" panose="02040503050406030204" pitchFamily="18" charset="0"/>
+                            </a:rPr>
+                            <m:t>10</m:t>
+                          </m:r>
+                        </m:e>
+                        <m:sup>
+                          <m:r>
+                            <a:rPr lang="en-US" altLang="zh-TW" sz="1800" i="1">
+                              <a:latin typeface="Cambria Math" panose="02040503050406030204" pitchFamily="18" charset="0"/>
+                            </a:rPr>
+                            <m:t>2</m:t>
+                          </m:r>
+                        </m:sup>
+                      </m:sSup>
+                      <m:r>
+                        <a:rPr lang="en-US" altLang="zh-TW" sz="1800" i="1">
+                          <a:latin typeface="Cambria Math" panose="02040503050406030204" pitchFamily="18" charset="0"/>
+                        </a:rPr>
+                        <m:t>+</m:t>
+                      </m:r>
+                      <m:sSup>
+                        <m:sSupPr>
+                          <m:ctrlPr>
+                            <a:rPr lang="en-US" altLang="zh-TW" sz="1800" i="1">
+                              <a:latin typeface="Cambria Math" panose="02040503050406030204" pitchFamily="18" charset="0"/>
+                            </a:rPr>
+                          </m:ctrlPr>
+                        </m:sSupPr>
+                        <m:e>
+                          <m:r>
+                            <a:rPr lang="en-US" altLang="zh-TW" sz="1800" b="0" i="1" smtClean="0">
+                              <a:latin typeface="Cambria Math" panose="02040503050406030204" pitchFamily="18" charset="0"/>
+                            </a:rPr>
+                            <m:t>8</m:t>
+                          </m:r>
+                        </m:e>
+                        <m:sup>
+                          <m:r>
+                            <a:rPr lang="en-US" altLang="zh-TW" sz="1800" i="1">
+                              <a:latin typeface="Cambria Math" panose="02040503050406030204" pitchFamily="18" charset="0"/>
+                            </a:rPr>
+                            <m:t>2</m:t>
+                          </m:r>
+                        </m:sup>
+                      </m:sSup>
+                      <m:r>
+                        <a:rPr lang="zh-TW" altLang="en-US" sz="1800" i="1">
+                          <a:latin typeface="Cambria Math" panose="02040503050406030204" pitchFamily="18" charset="0"/>
+                        </a:rPr>
+                        <m:t> </m:t>
+                      </m:r>
+                      <m:r>
+                        <a:rPr lang="en-US" altLang="zh-TW" sz="1800" i="1">
+                          <a:latin typeface="Cambria Math" panose="02040503050406030204" pitchFamily="18" charset="0"/>
+                        </a:rPr>
+                        <m:t>𝑚𝑜𝑑</m:t>
+                      </m:r>
+                      <m:r>
+                        <a:rPr lang="zh-TW" altLang="en-US" sz="1800" i="1">
+                          <a:latin typeface="Cambria Math" panose="02040503050406030204" pitchFamily="18" charset="0"/>
+                        </a:rPr>
+                        <m:t> </m:t>
+                      </m:r>
+                      <m:r>
+                        <a:rPr lang="en-US" altLang="zh-TW" sz="1800" i="1">
+                          <a:latin typeface="Cambria Math" panose="02040503050406030204" pitchFamily="18" charset="0"/>
+                        </a:rPr>
+                        <m:t>31=</m:t>
+                      </m:r>
+                      <m:r>
+                        <a:rPr lang="en-US" altLang="zh-TW" sz="1800" b="0" i="1" smtClean="0">
+                          <a:latin typeface="Cambria Math" panose="02040503050406030204" pitchFamily="18" charset="0"/>
+                        </a:rPr>
+                        <m:t>9</m:t>
+                      </m:r>
+                      <m:r>
+                        <a:rPr lang="en-US" altLang="zh-TW" sz="1800" b="0" i="1" smtClean="0">
+                          <a:latin typeface="Cambria Math" panose="02040503050406030204" pitchFamily="18" charset="0"/>
+                        </a:rPr>
+                        <m:t>,</m:t>
+                      </m:r>
+                      <m:sSup>
+                        <m:sSupPr>
+                          <m:ctrlPr>
+                            <a:rPr lang="en-US" altLang="zh-TW" sz="1800" i="1">
+                              <a:latin typeface="Cambria Math" panose="02040503050406030204" pitchFamily="18" charset="0"/>
+                            </a:rPr>
+                          </m:ctrlPr>
+                        </m:sSupPr>
+                        <m:e>
+                          <m:r>
+                            <a:rPr lang="en-US" altLang="zh-TW" sz="1800" i="1">
+                              <a:latin typeface="Cambria Math" panose="02040503050406030204" pitchFamily="18" charset="0"/>
+                            </a:rPr>
+                            <m:t>10</m:t>
+                          </m:r>
+                        </m:e>
+                        <m:sup>
+                          <m:r>
+                            <a:rPr lang="en-US" altLang="zh-TW" sz="1800" i="1">
+                              <a:latin typeface="Cambria Math" panose="02040503050406030204" pitchFamily="18" charset="0"/>
+                            </a:rPr>
+                            <m:t>2</m:t>
+                          </m:r>
+                        </m:sup>
+                      </m:sSup>
+                      <m:r>
+                        <a:rPr lang="en-US" altLang="zh-TW" sz="1800" i="1">
+                          <a:latin typeface="Cambria Math" panose="02040503050406030204" pitchFamily="18" charset="0"/>
+                        </a:rPr>
+                        <m:t>+</m:t>
+                      </m:r>
+                      <m:sSup>
+                        <m:sSupPr>
+                          <m:ctrlPr>
+                            <a:rPr lang="en-US" altLang="zh-TW" sz="1800" i="1">
+                              <a:latin typeface="Cambria Math" panose="02040503050406030204" pitchFamily="18" charset="0"/>
+                            </a:rPr>
+                          </m:ctrlPr>
+                        </m:sSupPr>
+                        <m:e>
+                          <m:r>
+                            <a:rPr lang="en-US" altLang="zh-TW" sz="1800" b="0" i="1" smtClean="0">
+                              <a:latin typeface="Cambria Math" panose="02040503050406030204" pitchFamily="18" charset="0"/>
+                            </a:rPr>
+                            <m:t>9</m:t>
+                          </m:r>
+                        </m:e>
+                        <m:sup>
+                          <m:r>
+                            <a:rPr lang="en-US" altLang="zh-TW" sz="1800" i="1">
+                              <a:latin typeface="Cambria Math" panose="02040503050406030204" pitchFamily="18" charset="0"/>
+                            </a:rPr>
+                            <m:t>2</m:t>
+                          </m:r>
+                        </m:sup>
+                      </m:sSup>
+                      <m:r>
+                        <a:rPr lang="zh-TW" altLang="en-US" sz="1800" i="1">
+                          <a:latin typeface="Cambria Math" panose="02040503050406030204" pitchFamily="18" charset="0"/>
+                        </a:rPr>
+                        <m:t> </m:t>
+                      </m:r>
+                      <m:r>
+                        <a:rPr lang="en-US" altLang="zh-TW" sz="1800" i="1">
+                          <a:latin typeface="Cambria Math" panose="02040503050406030204" pitchFamily="18" charset="0"/>
+                        </a:rPr>
+                        <m:t>𝑚𝑜𝑑</m:t>
+                      </m:r>
+                      <m:r>
+                        <a:rPr lang="zh-TW" altLang="en-US" sz="1800" i="1">
+                          <a:latin typeface="Cambria Math" panose="02040503050406030204" pitchFamily="18" charset="0"/>
+                        </a:rPr>
+                        <m:t> </m:t>
+                      </m:r>
+                      <m:r>
+                        <a:rPr lang="en-US" altLang="zh-TW" sz="1800" i="1">
+                          <a:latin typeface="Cambria Math" panose="02040503050406030204" pitchFamily="18" charset="0"/>
+                        </a:rPr>
+                        <m:t>31=</m:t>
+                      </m:r>
+                      <m:r>
+                        <a:rPr lang="en-US" altLang="zh-TW" sz="1800" b="0" i="1" smtClean="0">
+                          <a:latin typeface="Cambria Math" panose="02040503050406030204" pitchFamily="18" charset="0"/>
+                        </a:rPr>
+                        <m:t>26</m:t>
+                      </m:r>
+                      <m:r>
+                        <a:rPr lang="en-US" altLang="zh-TW" sz="1800" b="0" i="1" smtClean="0">
+                          <a:latin typeface="Cambria Math" panose="02040503050406030204" pitchFamily="18" charset="0"/>
+                        </a:rPr>
+                        <m:t>,</m:t>
+                      </m:r>
+                    </m:oMath>
+                  </m:oMathPara>
+                </a14:m>
+                <a:endParaRPr lang="en-US" altLang="zh-TW" sz="1800" b="0" dirty="0"/>
+              </a:p>
+              <a:p>
+                <a:pPr lvl="1"/>
+                <a14:m>
+                  <m:oMathPara xmlns:m="http://schemas.openxmlformats.org/officeDocument/2006/math">
+                    <m:oMathParaPr>
+                      <m:jc m:val="centerGroup"/>
+                    </m:oMathParaPr>
+                    <m:oMath xmlns:m="http://schemas.openxmlformats.org/officeDocument/2006/math">
+                      <m:sSup>
+                        <m:sSupPr>
+                          <m:ctrlPr>
+                            <a:rPr kumimoji="1" lang="en-US" altLang="zh-TW" sz="1800" i="1" smtClean="0">
+                              <a:latin typeface="Cambria Math" panose="02040503050406030204" pitchFamily="18" charset="0"/>
+                            </a:rPr>
+                          </m:ctrlPr>
+                        </m:sSupPr>
+                        <m:e>
+                          <m:r>
+                            <a:rPr kumimoji="1" lang="en-US" altLang="zh-TW" sz="1800" b="0" i="1" smtClean="0">
+                              <a:latin typeface="Cambria Math" panose="02040503050406030204" pitchFamily="18" charset="0"/>
+                            </a:rPr>
+                            <m:t>10</m:t>
+                          </m:r>
+                        </m:e>
+                        <m:sup>
+                          <m:r>
+                            <a:rPr kumimoji="1" lang="en-US" altLang="zh-TW" sz="1800" b="0" i="1" smtClean="0">
+                              <a:latin typeface="Cambria Math" panose="02040503050406030204" pitchFamily="18" charset="0"/>
+                            </a:rPr>
+                            <m:t>2</m:t>
+                          </m:r>
+                        </m:sup>
+                      </m:sSup>
+                      <m:r>
+                        <a:rPr kumimoji="1" lang="en-US" altLang="zh-TW" sz="1800" b="0" i="1" smtClean="0">
+                          <a:latin typeface="Cambria Math" panose="02040503050406030204" pitchFamily="18" charset="0"/>
+                        </a:rPr>
+                        <m:t>+</m:t>
+                      </m:r>
+                      <m:r>
+                        <a:rPr kumimoji="1" lang="en-US" altLang="zh-TW" sz="1800" b="0" i="1" smtClean="0">
+                          <a:latin typeface="Cambria Math" panose="02040503050406030204" pitchFamily="18" charset="0"/>
+                        </a:rPr>
+                        <m:t>10</m:t>
+                      </m:r>
+                      <m:r>
+                        <a:rPr kumimoji="1" lang="zh-TW" altLang="en-US" sz="1800" b="0" i="1" smtClean="0">
+                          <a:latin typeface="Cambria Math" panose="02040503050406030204" pitchFamily="18" charset="0"/>
+                        </a:rPr>
+                        <m:t> </m:t>
+                      </m:r>
+                      <m:r>
+                        <a:rPr kumimoji="1" lang="en-US" altLang="zh-TW" sz="1800" b="0" i="1" smtClean="0">
+                          <a:latin typeface="Cambria Math" panose="02040503050406030204" pitchFamily="18" charset="0"/>
+                        </a:rPr>
+                        <m:t>𝑚𝑜𝑑</m:t>
+                      </m:r>
+                      <m:r>
+                        <a:rPr kumimoji="1" lang="zh-TW" altLang="en-US" sz="1800" b="0" i="1" smtClean="0">
+                          <a:latin typeface="Cambria Math" panose="02040503050406030204" pitchFamily="18" charset="0"/>
+                        </a:rPr>
+                        <m:t> </m:t>
+                      </m:r>
+                      <m:r>
+                        <a:rPr kumimoji="1" lang="en-US" altLang="zh-TW" sz="1800" b="0" i="1" smtClean="0">
+                          <a:latin typeface="Cambria Math" panose="02040503050406030204" pitchFamily="18" charset="0"/>
+                        </a:rPr>
+                        <m:t>31=</m:t>
+                      </m:r>
+                      <m:r>
+                        <a:rPr kumimoji="1" lang="en-US" altLang="zh-TW" sz="1800" b="0" i="1" smtClean="0">
+                          <a:latin typeface="Cambria Math" panose="02040503050406030204" pitchFamily="18" charset="0"/>
+                        </a:rPr>
+                        <m:t>14</m:t>
+                      </m:r>
+                      <m:r>
+                        <a:rPr kumimoji="1" lang="en-US" altLang="zh-TW" sz="1800" b="0" i="1" smtClean="0">
+                          <a:latin typeface="Cambria Math" panose="02040503050406030204" pitchFamily="18" charset="0"/>
+                        </a:rPr>
+                        <m:t>,</m:t>
+                      </m:r>
+                      <m:sSup>
+                        <m:sSupPr>
+                          <m:ctrlPr>
+                            <a:rPr lang="en-US" altLang="zh-TW" sz="1800" i="1">
+                              <a:latin typeface="Cambria Math" panose="02040503050406030204" pitchFamily="18" charset="0"/>
+                            </a:rPr>
+                          </m:ctrlPr>
+                        </m:sSupPr>
+                        <m:e>
+                          <m:r>
+                            <a:rPr lang="en-US" altLang="zh-TW" sz="1800" i="1">
+                              <a:latin typeface="Cambria Math" panose="02040503050406030204" pitchFamily="18" charset="0"/>
+                            </a:rPr>
+                            <m:t>1</m:t>
+                          </m:r>
+                          <m:r>
+                            <a:rPr lang="en-US" altLang="zh-TW" sz="1800" b="0" i="1" smtClean="0">
+                              <a:latin typeface="Cambria Math" panose="02040503050406030204" pitchFamily="18" charset="0"/>
+                            </a:rPr>
+                            <m:t>1</m:t>
+                          </m:r>
+                        </m:e>
+                        <m:sup>
+                          <m:r>
+                            <a:rPr lang="en-US" altLang="zh-TW" sz="1800" i="1">
+                              <a:latin typeface="Cambria Math" panose="02040503050406030204" pitchFamily="18" charset="0"/>
+                            </a:rPr>
+                            <m:t>2</m:t>
+                          </m:r>
+                        </m:sup>
+                      </m:sSup>
+                      <m:r>
+                        <a:rPr lang="en-US" altLang="zh-TW" sz="1800" i="1">
+                          <a:latin typeface="Cambria Math" panose="02040503050406030204" pitchFamily="18" charset="0"/>
+                        </a:rPr>
+                        <m:t>+</m:t>
+                      </m:r>
+                      <m:sSup>
+                        <m:sSupPr>
+                          <m:ctrlPr>
+                            <a:rPr lang="en-US" altLang="zh-TW" sz="1800" i="1">
+                              <a:latin typeface="Cambria Math" panose="02040503050406030204" pitchFamily="18" charset="0"/>
+                            </a:rPr>
+                          </m:ctrlPr>
+                        </m:sSupPr>
+                        <m:e>
+                          <m:r>
+                            <a:rPr lang="en-US" altLang="zh-TW" sz="1800" b="0" i="1" smtClean="0">
+                              <a:latin typeface="Cambria Math" panose="02040503050406030204" pitchFamily="18" charset="0"/>
+                            </a:rPr>
+                            <m:t>5</m:t>
+                          </m:r>
+                        </m:e>
+                        <m:sup>
+                          <m:r>
+                            <a:rPr lang="en-US" altLang="zh-TW" sz="1800" i="1">
+                              <a:latin typeface="Cambria Math" panose="02040503050406030204" pitchFamily="18" charset="0"/>
+                            </a:rPr>
+                            <m:t>2</m:t>
+                          </m:r>
+                        </m:sup>
+                      </m:sSup>
+                      <m:r>
+                        <a:rPr lang="zh-TW" altLang="en-US" sz="1800" i="1">
+                          <a:latin typeface="Cambria Math" panose="02040503050406030204" pitchFamily="18" charset="0"/>
+                        </a:rPr>
+                        <m:t> </m:t>
+                      </m:r>
+                      <m:r>
+                        <a:rPr lang="en-US" altLang="zh-TW" sz="1800" i="1">
+                          <a:latin typeface="Cambria Math" panose="02040503050406030204" pitchFamily="18" charset="0"/>
+                        </a:rPr>
+                        <m:t>𝑚𝑜𝑑</m:t>
+                      </m:r>
+                      <m:r>
+                        <a:rPr lang="zh-TW" altLang="en-US" sz="1800" i="1">
+                          <a:latin typeface="Cambria Math" panose="02040503050406030204" pitchFamily="18" charset="0"/>
+                        </a:rPr>
+                        <m:t> </m:t>
+                      </m:r>
+                      <m:r>
+                        <a:rPr lang="en-US" altLang="zh-TW" sz="1800" i="1">
+                          <a:latin typeface="Cambria Math" panose="02040503050406030204" pitchFamily="18" charset="0"/>
+                        </a:rPr>
+                        <m:t>31=</m:t>
+                      </m:r>
+                      <m:r>
+                        <a:rPr lang="en-US" altLang="zh-TW" sz="1800" b="0" i="1" smtClean="0">
+                          <a:latin typeface="Cambria Math" panose="02040503050406030204" pitchFamily="18" charset="0"/>
+                        </a:rPr>
+                        <m:t>4</m:t>
+                      </m:r>
+                      <m:r>
+                        <a:rPr lang="en-US" altLang="zh-TW" sz="1800" b="0" i="1" smtClean="0">
+                          <a:latin typeface="Cambria Math" panose="02040503050406030204" pitchFamily="18" charset="0"/>
+                        </a:rPr>
+                        <m:t>,</m:t>
+                      </m:r>
+                      <m:sSup>
+                        <m:sSupPr>
+                          <m:ctrlPr>
+                            <a:rPr lang="en-US" altLang="zh-TW" sz="1800" i="1">
+                              <a:latin typeface="Cambria Math" panose="02040503050406030204" pitchFamily="18" charset="0"/>
+                            </a:rPr>
+                          </m:ctrlPr>
+                        </m:sSupPr>
+                        <m:e>
+                          <m:r>
+                            <a:rPr lang="en-US" altLang="zh-TW" sz="1800" i="1">
+                              <a:latin typeface="Cambria Math" panose="02040503050406030204" pitchFamily="18" charset="0"/>
+                            </a:rPr>
+                            <m:t>10</m:t>
+                          </m:r>
+                        </m:e>
+                        <m:sup>
+                          <m:r>
+                            <a:rPr lang="en-US" altLang="zh-TW" sz="1800" i="1">
+                              <a:latin typeface="Cambria Math" panose="02040503050406030204" pitchFamily="18" charset="0"/>
+                            </a:rPr>
+                            <m:t>2</m:t>
+                          </m:r>
+                        </m:sup>
+                      </m:sSup>
+                      <m:r>
+                        <a:rPr lang="en-US" altLang="zh-TW" sz="1800" i="1">
+                          <a:latin typeface="Cambria Math" panose="02040503050406030204" pitchFamily="18" charset="0"/>
+                        </a:rPr>
+                        <m:t>+</m:t>
+                      </m:r>
+                      <m:sSup>
+                        <m:sSupPr>
+                          <m:ctrlPr>
+                            <a:rPr lang="en-US" altLang="zh-TW" sz="1800" i="1">
+                              <a:latin typeface="Cambria Math" panose="02040503050406030204" pitchFamily="18" charset="0"/>
+                            </a:rPr>
+                          </m:ctrlPr>
+                        </m:sSupPr>
+                        <m:e>
+                          <m:r>
+                            <a:rPr lang="en-US" altLang="zh-TW" sz="1800" b="0" i="1" smtClean="0">
+                              <a:latin typeface="Cambria Math" panose="02040503050406030204" pitchFamily="18" charset="0"/>
+                            </a:rPr>
+                            <m:t>12</m:t>
+                          </m:r>
+                        </m:e>
+                        <m:sup>
+                          <m:r>
+                            <a:rPr lang="en-US" altLang="zh-TW" sz="1800" i="1">
+                              <a:latin typeface="Cambria Math" panose="02040503050406030204" pitchFamily="18" charset="0"/>
+                            </a:rPr>
+                            <m:t>2</m:t>
+                          </m:r>
+                        </m:sup>
+                      </m:sSup>
+                      <m:r>
+                        <a:rPr lang="zh-TW" altLang="en-US" sz="1800" i="1">
+                          <a:latin typeface="Cambria Math" panose="02040503050406030204" pitchFamily="18" charset="0"/>
+                        </a:rPr>
+                        <m:t> </m:t>
+                      </m:r>
+                      <m:r>
+                        <a:rPr lang="en-US" altLang="zh-TW" sz="1800" i="1">
+                          <a:latin typeface="Cambria Math" panose="02040503050406030204" pitchFamily="18" charset="0"/>
+                        </a:rPr>
+                        <m:t>𝑚𝑜𝑑</m:t>
+                      </m:r>
+                      <m:r>
+                        <a:rPr lang="zh-TW" altLang="en-US" sz="1800" i="1">
+                          <a:latin typeface="Cambria Math" panose="02040503050406030204" pitchFamily="18" charset="0"/>
+                        </a:rPr>
+                        <m:t> </m:t>
+                      </m:r>
+                      <m:r>
+                        <a:rPr lang="en-US" altLang="zh-TW" sz="1800" i="1">
+                          <a:latin typeface="Cambria Math" panose="02040503050406030204" pitchFamily="18" charset="0"/>
+                        </a:rPr>
+                        <m:t>31=</m:t>
+                      </m:r>
+                      <m:r>
+                        <a:rPr lang="en-US" altLang="zh-TW" sz="1800" b="0" i="1" smtClean="0">
+                          <a:latin typeface="Cambria Math" panose="02040503050406030204" pitchFamily="18" charset="0"/>
+                        </a:rPr>
+                        <m:t>27</m:t>
+                      </m:r>
+                      <m:r>
+                        <a:rPr lang="en-US" altLang="zh-TW" sz="1800" b="0" i="1" smtClean="0">
+                          <a:latin typeface="Cambria Math" panose="02040503050406030204" pitchFamily="18" charset="0"/>
+                        </a:rPr>
+                        <m:t>,</m:t>
+                      </m:r>
+                    </m:oMath>
+                  </m:oMathPara>
+                </a14:m>
+                <a:endParaRPr lang="en-US" altLang="zh-TW" sz="1800" b="0" dirty="0"/>
+              </a:p>
+              <a:p>
+                <a:pPr lvl="1"/>
+                <a14:m>
+                  <m:oMathPara xmlns:m="http://schemas.openxmlformats.org/officeDocument/2006/math">
+                    <m:oMathParaPr>
+                      <m:jc m:val="centerGroup"/>
+                    </m:oMathParaPr>
+                    <m:oMath xmlns:m="http://schemas.openxmlformats.org/officeDocument/2006/math">
+                      <m:sSup>
+                        <m:sSupPr>
+                          <m:ctrlPr>
+                            <a:rPr kumimoji="1" lang="en-US" altLang="zh-TW" sz="1800" i="1" smtClean="0">
+                              <a:latin typeface="Cambria Math" panose="02040503050406030204" pitchFamily="18" charset="0"/>
+                            </a:rPr>
+                          </m:ctrlPr>
+                        </m:sSupPr>
+                        <m:e>
+                          <m:r>
+                            <a:rPr kumimoji="1" lang="en-US" altLang="zh-TW" sz="1800" b="0" i="1" smtClean="0">
+                              <a:latin typeface="Cambria Math" panose="02040503050406030204" pitchFamily="18" charset="0"/>
+                            </a:rPr>
+                            <m:t>10</m:t>
+                          </m:r>
+                        </m:e>
+                        <m:sup>
+                          <m:r>
+                            <a:rPr kumimoji="1" lang="en-US" altLang="zh-TW" sz="1800" b="0" i="1" smtClean="0">
+                              <a:latin typeface="Cambria Math" panose="02040503050406030204" pitchFamily="18" charset="0"/>
+                            </a:rPr>
+                            <m:t>2</m:t>
+                          </m:r>
+                        </m:sup>
+                      </m:sSup>
+                      <m:r>
+                        <a:rPr kumimoji="1" lang="en-US" altLang="zh-TW" sz="1800" b="0" i="1" smtClean="0">
+                          <a:latin typeface="Cambria Math" panose="02040503050406030204" pitchFamily="18" charset="0"/>
+                        </a:rPr>
+                        <m:t>+</m:t>
+                      </m:r>
+                      <m:sSup>
+                        <m:sSupPr>
+                          <m:ctrlPr>
+                            <a:rPr kumimoji="1" lang="en-US" altLang="zh-TW" sz="1800" b="0" i="1" smtClean="0">
+                              <a:latin typeface="Cambria Math" panose="02040503050406030204" pitchFamily="18" charset="0"/>
+                            </a:rPr>
+                          </m:ctrlPr>
+                        </m:sSupPr>
+                        <m:e>
+                          <m:r>
+                            <a:rPr kumimoji="1" lang="en-US" altLang="zh-TW" sz="1800" b="0" i="1" smtClean="0">
+                              <a:latin typeface="Cambria Math" panose="02040503050406030204" pitchFamily="18" charset="0"/>
+                            </a:rPr>
+                            <m:t>13</m:t>
+                          </m:r>
+                        </m:e>
+                        <m:sup>
+                          <m:r>
+                            <a:rPr kumimoji="1" lang="en-US" altLang="zh-TW" sz="1800" b="0" i="1" smtClean="0">
+                              <a:latin typeface="Cambria Math" panose="02040503050406030204" pitchFamily="18" charset="0"/>
+                            </a:rPr>
+                            <m:t>2</m:t>
+                          </m:r>
+                        </m:sup>
+                      </m:sSup>
+                      <m:r>
+                        <a:rPr kumimoji="1" lang="zh-TW" altLang="en-US" sz="1800" b="0" i="1" smtClean="0">
+                          <a:latin typeface="Cambria Math" panose="02040503050406030204" pitchFamily="18" charset="0"/>
+                        </a:rPr>
+                        <m:t> </m:t>
+                      </m:r>
+                      <m:r>
+                        <a:rPr kumimoji="1" lang="en-US" altLang="zh-TW" sz="1800" b="0" i="1" smtClean="0">
+                          <a:latin typeface="Cambria Math" panose="02040503050406030204" pitchFamily="18" charset="0"/>
+                        </a:rPr>
+                        <m:t>𝑚𝑜𝑑</m:t>
+                      </m:r>
+                      <m:r>
+                        <a:rPr kumimoji="1" lang="zh-TW" altLang="en-US" sz="1800" b="0" i="1" smtClean="0">
+                          <a:latin typeface="Cambria Math" panose="02040503050406030204" pitchFamily="18" charset="0"/>
+                        </a:rPr>
+                        <m:t> </m:t>
+                      </m:r>
+                      <m:r>
+                        <a:rPr kumimoji="1" lang="en-US" altLang="zh-TW" sz="1800" b="0" i="1" smtClean="0">
+                          <a:latin typeface="Cambria Math" panose="02040503050406030204" pitchFamily="18" charset="0"/>
+                        </a:rPr>
+                        <m:t>31=2</m:t>
+                      </m:r>
+                      <m:r>
+                        <a:rPr kumimoji="1" lang="en-US" altLang="zh-TW" sz="1800" b="0" i="1" smtClean="0">
+                          <a:latin typeface="Cambria Math" panose="02040503050406030204" pitchFamily="18" charset="0"/>
+                        </a:rPr>
+                        <m:t>1</m:t>
+                      </m:r>
+                      <m:r>
+                        <a:rPr kumimoji="1" lang="en-US" altLang="zh-TW" sz="1800" b="0" i="1" smtClean="0">
+                          <a:latin typeface="Cambria Math" panose="02040503050406030204" pitchFamily="18" charset="0"/>
+                        </a:rPr>
+                        <m:t>,</m:t>
+                      </m:r>
+                      <m:sSup>
+                        <m:sSupPr>
+                          <m:ctrlPr>
+                            <a:rPr lang="en-US" altLang="zh-TW" sz="1800" i="1">
+                              <a:latin typeface="Cambria Math" panose="02040503050406030204" pitchFamily="18" charset="0"/>
+                            </a:rPr>
+                          </m:ctrlPr>
+                        </m:sSupPr>
+                        <m:e>
+                          <m:r>
+                            <a:rPr lang="en-US" altLang="zh-TW" sz="1800" i="1">
+                              <a:latin typeface="Cambria Math" panose="02040503050406030204" pitchFamily="18" charset="0"/>
+                            </a:rPr>
+                            <m:t>10</m:t>
+                          </m:r>
+                        </m:e>
+                        <m:sup>
+                          <m:r>
+                            <a:rPr lang="en-US" altLang="zh-TW" sz="1800" i="1">
+                              <a:latin typeface="Cambria Math" panose="02040503050406030204" pitchFamily="18" charset="0"/>
+                            </a:rPr>
+                            <m:t>2</m:t>
+                          </m:r>
+                        </m:sup>
+                      </m:sSup>
+                      <m:r>
+                        <a:rPr lang="en-US" altLang="zh-TW" sz="1800" i="1">
+                          <a:latin typeface="Cambria Math" panose="02040503050406030204" pitchFamily="18" charset="0"/>
+                        </a:rPr>
+                        <m:t>+</m:t>
+                      </m:r>
+                      <m:sSup>
+                        <m:sSupPr>
+                          <m:ctrlPr>
+                            <a:rPr lang="en-US" altLang="zh-TW" sz="1800" i="1">
+                              <a:latin typeface="Cambria Math" panose="02040503050406030204" pitchFamily="18" charset="0"/>
+                            </a:rPr>
+                          </m:ctrlPr>
+                        </m:sSupPr>
+                        <m:e>
+                          <m:r>
+                            <a:rPr lang="en-US" altLang="zh-TW" sz="1800" b="0" i="1" smtClean="0">
+                              <a:latin typeface="Cambria Math" panose="02040503050406030204" pitchFamily="18" charset="0"/>
+                            </a:rPr>
+                            <m:t>14</m:t>
+                          </m:r>
+                        </m:e>
+                        <m:sup>
+                          <m:r>
+                            <a:rPr lang="en-US" altLang="zh-TW" sz="1800" i="1">
+                              <a:latin typeface="Cambria Math" panose="02040503050406030204" pitchFamily="18" charset="0"/>
+                            </a:rPr>
+                            <m:t>2</m:t>
+                          </m:r>
+                        </m:sup>
+                      </m:sSup>
+                      <m:r>
+                        <a:rPr lang="zh-TW" altLang="en-US" sz="1800" i="1">
+                          <a:latin typeface="Cambria Math" panose="02040503050406030204" pitchFamily="18" charset="0"/>
+                        </a:rPr>
+                        <m:t> </m:t>
+                      </m:r>
+                      <m:r>
+                        <a:rPr lang="en-US" altLang="zh-TW" sz="1800" i="1">
+                          <a:latin typeface="Cambria Math" panose="02040503050406030204" pitchFamily="18" charset="0"/>
+                        </a:rPr>
+                        <m:t>𝑚𝑜𝑑</m:t>
+                      </m:r>
+                      <m:r>
+                        <a:rPr lang="zh-TW" altLang="en-US" sz="1800" i="1">
+                          <a:latin typeface="Cambria Math" panose="02040503050406030204" pitchFamily="18" charset="0"/>
+                        </a:rPr>
+                        <m:t> </m:t>
+                      </m:r>
+                      <m:r>
+                        <a:rPr lang="en-US" altLang="zh-TW" sz="1800" i="1">
+                          <a:latin typeface="Cambria Math" panose="02040503050406030204" pitchFamily="18" charset="0"/>
+                        </a:rPr>
+                        <m:t>31=</m:t>
+                      </m:r>
+                      <m:r>
+                        <a:rPr lang="en-US" altLang="zh-TW" sz="1800" b="0" i="1" smtClean="0">
+                          <a:latin typeface="Cambria Math" panose="02040503050406030204" pitchFamily="18" charset="0"/>
+                        </a:rPr>
+                        <m:t>1</m:t>
+                      </m:r>
+                      <m:r>
+                        <a:rPr lang="en-US" altLang="zh-TW" sz="1800" b="0" i="1" smtClean="0">
+                          <a:latin typeface="Cambria Math" panose="02040503050406030204" pitchFamily="18" charset="0"/>
+                        </a:rPr>
+                        <m:t>7</m:t>
+                      </m:r>
+                      <m:r>
+                        <a:rPr lang="en-US" altLang="zh-TW" sz="1800" b="0" i="1" smtClean="0">
+                          <a:latin typeface="Cambria Math" panose="02040503050406030204" pitchFamily="18" charset="0"/>
+                        </a:rPr>
+                        <m:t>,</m:t>
+                      </m:r>
+                      <m:sSup>
+                        <m:sSupPr>
+                          <m:ctrlPr>
+                            <a:rPr lang="en-US" altLang="zh-TW" sz="1800" i="1">
+                              <a:latin typeface="Cambria Math" panose="02040503050406030204" pitchFamily="18" charset="0"/>
+                            </a:rPr>
+                          </m:ctrlPr>
+                        </m:sSupPr>
+                        <m:e>
+                          <m:r>
+                            <a:rPr lang="en-US" altLang="zh-TW" sz="1800" i="1">
+                              <a:latin typeface="Cambria Math" panose="02040503050406030204" pitchFamily="18" charset="0"/>
+                            </a:rPr>
+                            <m:t>10</m:t>
+                          </m:r>
+                        </m:e>
+                        <m:sup>
+                          <m:r>
+                            <a:rPr lang="en-US" altLang="zh-TW" sz="1800" i="1">
+                              <a:latin typeface="Cambria Math" panose="02040503050406030204" pitchFamily="18" charset="0"/>
+                            </a:rPr>
+                            <m:t>2</m:t>
+                          </m:r>
+                        </m:sup>
+                      </m:sSup>
+                      <m:r>
+                        <a:rPr lang="en-US" altLang="zh-TW" sz="1800" i="1">
+                          <a:latin typeface="Cambria Math" panose="02040503050406030204" pitchFamily="18" charset="0"/>
+                        </a:rPr>
+                        <m:t>+</m:t>
+                      </m:r>
+                      <m:sSup>
+                        <m:sSupPr>
+                          <m:ctrlPr>
+                            <a:rPr lang="en-US" altLang="zh-TW" sz="1800" i="1">
+                              <a:latin typeface="Cambria Math" panose="02040503050406030204" pitchFamily="18" charset="0"/>
+                            </a:rPr>
+                          </m:ctrlPr>
+                        </m:sSupPr>
+                        <m:e>
+                          <m:r>
+                            <a:rPr lang="en-US" altLang="zh-TW" sz="1800" b="0" i="1" smtClean="0">
+                              <a:latin typeface="Cambria Math" panose="02040503050406030204" pitchFamily="18" charset="0"/>
+                            </a:rPr>
+                            <m:t>15</m:t>
+                          </m:r>
+                        </m:e>
+                        <m:sup>
+                          <m:r>
+                            <a:rPr lang="en-US" altLang="zh-TW" sz="1800" i="1">
+                              <a:latin typeface="Cambria Math" panose="02040503050406030204" pitchFamily="18" charset="0"/>
+                            </a:rPr>
+                            <m:t>2</m:t>
+                          </m:r>
+                        </m:sup>
+                      </m:sSup>
+                      <m:r>
+                        <a:rPr lang="zh-TW" altLang="en-US" sz="1800" i="1">
+                          <a:latin typeface="Cambria Math" panose="02040503050406030204" pitchFamily="18" charset="0"/>
+                        </a:rPr>
+                        <m:t> </m:t>
+                      </m:r>
+                      <m:r>
+                        <a:rPr lang="en-US" altLang="zh-TW" sz="1800" i="1">
+                          <a:latin typeface="Cambria Math" panose="02040503050406030204" pitchFamily="18" charset="0"/>
+                        </a:rPr>
+                        <m:t>𝑚𝑜𝑑</m:t>
+                      </m:r>
+                      <m:r>
+                        <a:rPr lang="zh-TW" altLang="en-US" sz="1800" i="1">
+                          <a:latin typeface="Cambria Math" panose="02040503050406030204" pitchFamily="18" charset="0"/>
+                        </a:rPr>
+                        <m:t> </m:t>
+                      </m:r>
+                      <m:r>
+                        <a:rPr lang="en-US" altLang="zh-TW" sz="1800" i="1">
+                          <a:latin typeface="Cambria Math" panose="02040503050406030204" pitchFamily="18" charset="0"/>
+                        </a:rPr>
+                        <m:t>31=</m:t>
+                      </m:r>
+                      <m:r>
+                        <a:rPr lang="en-US" altLang="zh-TW" sz="1800" b="0" i="1" smtClean="0">
+                          <a:latin typeface="Cambria Math" panose="02040503050406030204" pitchFamily="18" charset="0"/>
+                        </a:rPr>
+                        <m:t>1</m:t>
+                      </m:r>
+                      <m:r>
+                        <a:rPr lang="en-US" altLang="zh-TW" sz="1800" b="0" i="1" smtClean="0">
+                          <a:latin typeface="Cambria Math" panose="02040503050406030204" pitchFamily="18" charset="0"/>
+                        </a:rPr>
+                        <m:t>5</m:t>
+                      </m:r>
+                      <m:r>
+                        <a:rPr lang="en-US" altLang="zh-TW" sz="1800" b="0" i="1" smtClean="0">
+                          <a:latin typeface="Cambria Math" panose="02040503050406030204" pitchFamily="18" charset="0"/>
+                        </a:rPr>
+                        <m:t>,</m:t>
+                      </m:r>
+                    </m:oMath>
+                  </m:oMathPara>
+                </a14:m>
+                <a:endParaRPr lang="en-US" altLang="zh-TW" sz="1800" b="0" dirty="0"/>
+              </a:p>
+              <a:p>
+                <a:pPr lvl="1"/>
+                <a14:m>
+                  <m:oMathPara xmlns:m="http://schemas.openxmlformats.org/officeDocument/2006/math">
+                    <m:oMathParaPr>
+                      <m:jc m:val="centerGroup"/>
+                    </m:oMathParaPr>
+                    <m:oMath xmlns:m="http://schemas.openxmlformats.org/officeDocument/2006/math">
+                      <m:sSup>
+                        <m:sSupPr>
+                          <m:ctrlPr>
+                            <a:rPr kumimoji="1" lang="en-US" altLang="zh-TW" sz="1800" i="1" smtClean="0">
+                              <a:latin typeface="Cambria Math" panose="02040503050406030204" pitchFamily="18" charset="0"/>
+                            </a:rPr>
+                          </m:ctrlPr>
+                        </m:sSupPr>
+                        <m:e>
+                          <m:r>
+                            <a:rPr kumimoji="1" lang="en-US" altLang="zh-TW" sz="1800" b="0" i="1" smtClean="0">
+                              <a:latin typeface="Cambria Math" panose="02040503050406030204" pitchFamily="18" charset="0"/>
+                            </a:rPr>
+                            <m:t>10</m:t>
+                          </m:r>
+                        </m:e>
+                        <m:sup>
+                          <m:r>
+                            <a:rPr kumimoji="1" lang="en-US" altLang="zh-TW" sz="1800" b="0" i="1" smtClean="0">
+                              <a:latin typeface="Cambria Math" panose="02040503050406030204" pitchFamily="18" charset="0"/>
+                            </a:rPr>
+                            <m:t>2</m:t>
+                          </m:r>
+                        </m:sup>
+                      </m:sSup>
+                      <m:r>
+                        <a:rPr kumimoji="1" lang="en-US" altLang="zh-TW" sz="1800" b="0" i="1" smtClean="0">
+                          <a:latin typeface="Cambria Math" panose="02040503050406030204" pitchFamily="18" charset="0"/>
+                        </a:rPr>
+                        <m:t>+</m:t>
+                      </m:r>
+                      <m:sSup>
+                        <m:sSupPr>
+                          <m:ctrlPr>
+                            <a:rPr kumimoji="1" lang="en-US" altLang="zh-TW" sz="1800" b="0" i="1" smtClean="0">
+                              <a:latin typeface="Cambria Math" panose="02040503050406030204" pitchFamily="18" charset="0"/>
+                            </a:rPr>
+                          </m:ctrlPr>
+                        </m:sSupPr>
+                        <m:e>
+                          <m:r>
+                            <a:rPr kumimoji="1" lang="en-US" altLang="zh-TW" sz="1800" b="0" i="1" smtClean="0">
+                              <a:latin typeface="Cambria Math" panose="02040503050406030204" pitchFamily="18" charset="0"/>
+                            </a:rPr>
+                            <m:t>16</m:t>
+                          </m:r>
+                        </m:e>
+                        <m:sup>
+                          <m:r>
+                            <a:rPr kumimoji="1" lang="en-US" altLang="zh-TW" sz="1800" b="0" i="1" smtClean="0">
+                              <a:latin typeface="Cambria Math" panose="02040503050406030204" pitchFamily="18" charset="0"/>
+                            </a:rPr>
+                            <m:t>2</m:t>
+                          </m:r>
+                        </m:sup>
+                      </m:sSup>
+                      <m:r>
+                        <a:rPr kumimoji="1" lang="zh-TW" altLang="en-US" sz="1800" b="0" i="1" smtClean="0">
+                          <a:latin typeface="Cambria Math" panose="02040503050406030204" pitchFamily="18" charset="0"/>
+                        </a:rPr>
+                        <m:t> </m:t>
+                      </m:r>
+                      <m:r>
+                        <a:rPr kumimoji="1" lang="en-US" altLang="zh-TW" sz="1800" b="0" i="1" smtClean="0">
+                          <a:latin typeface="Cambria Math" panose="02040503050406030204" pitchFamily="18" charset="0"/>
+                        </a:rPr>
+                        <m:t>𝑚𝑜𝑑</m:t>
+                      </m:r>
+                      <m:r>
+                        <a:rPr kumimoji="1" lang="zh-TW" altLang="en-US" sz="1800" b="0" i="1" smtClean="0">
+                          <a:latin typeface="Cambria Math" panose="02040503050406030204" pitchFamily="18" charset="0"/>
+                        </a:rPr>
+                        <m:t> </m:t>
+                      </m:r>
+                      <m:r>
+                        <a:rPr kumimoji="1" lang="en-US" altLang="zh-TW" sz="1800" b="0" i="1" smtClean="0">
+                          <a:latin typeface="Cambria Math" panose="02040503050406030204" pitchFamily="18" charset="0"/>
+                        </a:rPr>
+                        <m:t>31=</m:t>
+                      </m:r>
+                      <m:r>
+                        <a:rPr kumimoji="1" lang="en-US" altLang="zh-TW" sz="1800" b="0" i="1" smtClean="0">
+                          <a:latin typeface="Cambria Math" panose="02040503050406030204" pitchFamily="18" charset="0"/>
+                        </a:rPr>
+                        <m:t>15</m:t>
+                      </m:r>
+                      <m:r>
+                        <a:rPr kumimoji="1" lang="en-US" altLang="zh-TW" sz="1800" b="0" i="1" smtClean="0">
+                          <a:latin typeface="Cambria Math" panose="02040503050406030204" pitchFamily="18" charset="0"/>
+                        </a:rPr>
+                        <m:t>,</m:t>
+                      </m:r>
+                      <m:sSup>
+                        <m:sSupPr>
+                          <m:ctrlPr>
+                            <a:rPr lang="en-US" altLang="zh-TW" sz="1800" i="1">
+                              <a:latin typeface="Cambria Math" panose="02040503050406030204" pitchFamily="18" charset="0"/>
+                            </a:rPr>
+                          </m:ctrlPr>
+                        </m:sSupPr>
+                        <m:e>
+                          <m:r>
+                            <a:rPr lang="en-US" altLang="zh-TW" sz="1800" i="1">
+                              <a:latin typeface="Cambria Math" panose="02040503050406030204" pitchFamily="18" charset="0"/>
+                            </a:rPr>
+                            <m:t>10</m:t>
+                          </m:r>
+                        </m:e>
+                        <m:sup>
+                          <m:r>
+                            <a:rPr lang="en-US" altLang="zh-TW" sz="1800" i="1">
+                              <a:latin typeface="Cambria Math" panose="02040503050406030204" pitchFamily="18" charset="0"/>
+                            </a:rPr>
+                            <m:t>2</m:t>
+                          </m:r>
+                        </m:sup>
+                      </m:sSup>
+                      <m:r>
+                        <a:rPr lang="en-US" altLang="zh-TW" sz="1800" i="1">
+                          <a:latin typeface="Cambria Math" panose="02040503050406030204" pitchFamily="18" charset="0"/>
+                        </a:rPr>
+                        <m:t>+</m:t>
+                      </m:r>
+                      <m:sSup>
+                        <m:sSupPr>
+                          <m:ctrlPr>
+                            <a:rPr lang="en-US" altLang="zh-TW" sz="1800" i="1">
+                              <a:latin typeface="Cambria Math" panose="02040503050406030204" pitchFamily="18" charset="0"/>
+                            </a:rPr>
+                          </m:ctrlPr>
+                        </m:sSupPr>
+                        <m:e>
+                          <m:r>
+                            <a:rPr lang="en-US" altLang="zh-TW" sz="1800" b="0" i="1" smtClean="0">
+                              <a:latin typeface="Cambria Math" panose="02040503050406030204" pitchFamily="18" charset="0"/>
+                            </a:rPr>
+                            <m:t>17</m:t>
+                          </m:r>
+                        </m:e>
+                        <m:sup>
+                          <m:r>
+                            <a:rPr lang="en-US" altLang="zh-TW" sz="1800" i="1">
+                              <a:latin typeface="Cambria Math" panose="02040503050406030204" pitchFamily="18" charset="0"/>
+                            </a:rPr>
+                            <m:t>2</m:t>
+                          </m:r>
+                        </m:sup>
+                      </m:sSup>
+                      <m:r>
+                        <a:rPr lang="zh-TW" altLang="en-US" sz="1800" i="1">
+                          <a:latin typeface="Cambria Math" panose="02040503050406030204" pitchFamily="18" charset="0"/>
+                        </a:rPr>
+                        <m:t> </m:t>
+                      </m:r>
+                      <m:r>
+                        <a:rPr lang="en-US" altLang="zh-TW" sz="1800" i="1">
+                          <a:latin typeface="Cambria Math" panose="02040503050406030204" pitchFamily="18" charset="0"/>
+                        </a:rPr>
+                        <m:t>𝑚𝑜𝑑</m:t>
+                      </m:r>
+                      <m:r>
+                        <a:rPr lang="zh-TW" altLang="en-US" sz="1800" i="1">
+                          <a:latin typeface="Cambria Math" panose="02040503050406030204" pitchFamily="18" charset="0"/>
+                        </a:rPr>
+                        <m:t> </m:t>
+                      </m:r>
+                      <m:r>
+                        <a:rPr lang="en-US" altLang="zh-TW" sz="1800" i="1">
+                          <a:latin typeface="Cambria Math" panose="02040503050406030204" pitchFamily="18" charset="0"/>
+                        </a:rPr>
+                        <m:t>31=</m:t>
+                      </m:r>
+                      <m:r>
+                        <a:rPr lang="en-US" altLang="zh-TW" sz="1800" b="0" i="1" smtClean="0">
+                          <a:latin typeface="Cambria Math" panose="02040503050406030204" pitchFamily="18" charset="0"/>
+                        </a:rPr>
+                        <m:t>1</m:t>
+                      </m:r>
+                      <m:r>
+                        <a:rPr lang="en-US" altLang="zh-TW" sz="1800" b="0" i="1" smtClean="0">
+                          <a:latin typeface="Cambria Math" panose="02040503050406030204" pitchFamily="18" charset="0"/>
+                        </a:rPr>
+                        <m:t>7</m:t>
+                      </m:r>
+                      <m:r>
+                        <a:rPr lang="en-US" altLang="zh-TW" sz="1800" b="0" i="1" smtClean="0">
+                          <a:latin typeface="Cambria Math" panose="02040503050406030204" pitchFamily="18" charset="0"/>
+                        </a:rPr>
+                        <m:t>,</m:t>
+                      </m:r>
+                      <m:sSup>
+                        <m:sSupPr>
+                          <m:ctrlPr>
+                            <a:rPr lang="en-US" altLang="zh-TW" sz="1800" i="1">
+                              <a:latin typeface="Cambria Math" panose="02040503050406030204" pitchFamily="18" charset="0"/>
+                            </a:rPr>
+                          </m:ctrlPr>
+                        </m:sSupPr>
+                        <m:e>
+                          <m:r>
+                            <a:rPr lang="en-US" altLang="zh-TW" sz="1800" i="1">
+                              <a:latin typeface="Cambria Math" panose="02040503050406030204" pitchFamily="18" charset="0"/>
+                            </a:rPr>
+                            <m:t>10</m:t>
+                          </m:r>
+                        </m:e>
+                        <m:sup>
+                          <m:r>
+                            <a:rPr lang="en-US" altLang="zh-TW" sz="1800" i="1">
+                              <a:latin typeface="Cambria Math" panose="02040503050406030204" pitchFamily="18" charset="0"/>
+                            </a:rPr>
+                            <m:t>2</m:t>
+                          </m:r>
+                        </m:sup>
+                      </m:sSup>
+                      <m:r>
+                        <a:rPr lang="en-US" altLang="zh-TW" sz="1800" i="1">
+                          <a:latin typeface="Cambria Math" panose="02040503050406030204" pitchFamily="18" charset="0"/>
+                        </a:rPr>
+                        <m:t>+</m:t>
+                      </m:r>
+                      <m:sSup>
+                        <m:sSupPr>
+                          <m:ctrlPr>
+                            <a:rPr lang="en-US" altLang="zh-TW" sz="1800" i="1">
+                              <a:latin typeface="Cambria Math" panose="02040503050406030204" pitchFamily="18" charset="0"/>
+                            </a:rPr>
+                          </m:ctrlPr>
+                        </m:sSupPr>
+                        <m:e>
+                          <m:r>
+                            <a:rPr lang="en-US" altLang="zh-TW" sz="1800" b="0" i="1" smtClean="0">
+                              <a:latin typeface="Cambria Math" panose="02040503050406030204" pitchFamily="18" charset="0"/>
+                            </a:rPr>
+                            <m:t>18</m:t>
+                          </m:r>
+                        </m:e>
+                        <m:sup>
+                          <m:r>
+                            <a:rPr lang="en-US" altLang="zh-TW" sz="1800" i="1">
+                              <a:latin typeface="Cambria Math" panose="02040503050406030204" pitchFamily="18" charset="0"/>
+                            </a:rPr>
+                            <m:t>2</m:t>
+                          </m:r>
+                        </m:sup>
+                      </m:sSup>
+                      <m:r>
+                        <a:rPr lang="zh-TW" altLang="en-US" sz="1800" i="1">
+                          <a:latin typeface="Cambria Math" panose="02040503050406030204" pitchFamily="18" charset="0"/>
+                        </a:rPr>
+                        <m:t> </m:t>
+                      </m:r>
+                      <m:r>
+                        <a:rPr lang="en-US" altLang="zh-TW" sz="1800" i="1">
+                          <a:latin typeface="Cambria Math" panose="02040503050406030204" pitchFamily="18" charset="0"/>
+                        </a:rPr>
+                        <m:t>𝑚𝑜𝑑</m:t>
+                      </m:r>
+                      <m:r>
+                        <a:rPr lang="zh-TW" altLang="en-US" sz="1800" i="1">
+                          <a:latin typeface="Cambria Math" panose="02040503050406030204" pitchFamily="18" charset="0"/>
+                        </a:rPr>
+                        <m:t> </m:t>
+                      </m:r>
+                      <m:r>
+                        <a:rPr lang="en-US" altLang="zh-TW" sz="1800" i="1">
+                          <a:latin typeface="Cambria Math" panose="02040503050406030204" pitchFamily="18" charset="0"/>
+                        </a:rPr>
+                        <m:t>31=</m:t>
+                      </m:r>
+                      <m:r>
+                        <a:rPr lang="en-US" altLang="zh-TW" sz="1800" b="0" i="1" smtClean="0">
+                          <a:latin typeface="Cambria Math" panose="02040503050406030204" pitchFamily="18" charset="0"/>
+                        </a:rPr>
+                        <m:t>2</m:t>
+                      </m:r>
+                      <m:r>
+                        <a:rPr lang="en-US" altLang="zh-TW" sz="1800" b="0" i="1" smtClean="0">
+                          <a:latin typeface="Cambria Math" panose="02040503050406030204" pitchFamily="18" charset="0"/>
+                        </a:rPr>
+                        <m:t>1</m:t>
+                      </m:r>
+                      <m:r>
+                        <a:rPr lang="en-US" altLang="zh-TW" sz="1800" b="0" i="1" smtClean="0">
+                          <a:latin typeface="Cambria Math" panose="02040503050406030204" pitchFamily="18" charset="0"/>
+                        </a:rPr>
+                        <m:t>,</m:t>
+                      </m:r>
+                    </m:oMath>
+                  </m:oMathPara>
+                </a14:m>
+                <a:endParaRPr lang="en-US" altLang="zh-TW" sz="1800" b="0"/>
+              </a:p>
+              <a:p>
+                <a:pPr lvl="1"/>
+                <a:endParaRPr lang="en-US" altLang="zh-TW" sz="1800" b="0" dirty="0"/>
+              </a:p>
+              <a:p>
+                <a:pPr lvl="1"/>
+                <a:endParaRPr lang="en-US" altLang="zh-TW" sz="1800" b="0" dirty="0"/>
+              </a:p>
+              <a:p>
+                <a:pPr lvl="1"/>
+                <a:endParaRPr lang="en-US" altLang="zh-TW" b="0" dirty="0"/>
+              </a:p>
+              <a:p>
+                <a:pPr lvl="1"/>
+                <a:endParaRPr lang="en-US" altLang="zh-TW" b="0" dirty="0"/>
+              </a:p>
+              <a:p>
+                <a:pPr marL="914400" lvl="1" indent="-457200">
+                  <a:buFontTx/>
+                  <a:buAutoNum type="alphaLcParenBoth"/>
+                </a:pPr>
+                <a:endParaRPr kumimoji="1" lang="en-US" altLang="zh-TW" dirty="0"/>
+              </a:p>
+              <a:p>
+                <a:pPr lvl="1"/>
+                <a:endParaRPr kumimoji="1" lang="en-US" altLang="zh-TW" dirty="0"/>
+              </a:p>
+              <a:p>
+                <a:pPr marL="457200" indent="-457200">
+                  <a:buAutoNum type="alphaLcParenBoth"/>
+                </a:pPr>
+                <a:endParaRPr kumimoji="1" lang="en-US" altLang="zh-TW" dirty="0"/>
+              </a:p>
+            </p:txBody>
+          </p:sp>
+        </mc:Choice>
+        <mc:Fallback>
+          <p:sp>
+            <p:nvSpPr>
+              <p:cNvPr id="2" name="文字方塊 1">
+                <a:extLst>
+                  <a:ext uri="{FF2B5EF4-FFF2-40B4-BE49-F238E27FC236}">
+                    <a16:creationId xmlns:a16="http://schemas.microsoft.com/office/drawing/2014/main" id="{B912855F-0592-C20D-25AA-AE5E0F88A456}"/>
+                  </a:ext>
+                </a:extLst>
+              </p:cNvPr>
+              <p:cNvSpPr txBox="1">
+                <a:spLocks noRot="1" noChangeAspect="1" noMove="1" noResize="1" noEditPoints="1" noAdjustHandles="1" noChangeArrowheads="1" noChangeShapeType="1" noTextEdit="1"/>
+              </p:cNvSpPr>
+              <p:nvPr/>
+            </p:nvSpPr>
+            <p:spPr>
+              <a:xfrm>
+                <a:off x="359532" y="2924944"/>
+                <a:ext cx="8424936" cy="5385192"/>
+              </a:xfrm>
+              <a:prstGeom prst="rect">
+                <a:avLst/>
+              </a:prstGeom>
+              <a:blipFill>
+                <a:blip r:embed="rId3"/>
+                <a:stretch>
+                  <a:fillRect l="-452" t="-235"/>
+                </a:stretch>
+              </a:blipFill>
+            </p:spPr>
+            <p:txBody>
+              <a:bodyPr/>
+              <a:lstStyle/>
+              <a:p>
+                <a:r>
+                  <a:rPr lang="zh-TW" altLang="en-US">
+                    <a:noFill/>
+                  </a:rPr>
+                  <a:t> </a:t>
+                </a:r>
+              </a:p>
+            </p:txBody>
+          </p:sp>
+        </mc:Fallback>
+      </mc:AlternateContent>
     </p:spTree>
     <p:extLst>
       <p:ext uri="{BB962C8B-B14F-4D97-AF65-F5344CB8AC3E}">
         <p14:creationId xmlns:p14="http://schemas.microsoft.com/office/powerpoint/2010/main" val="3977122438"/>
+      </p:ext>
+    </p:extLst>
+  </p:cSld>
+  <p:clrMapOvr>
+    <a:masterClrMapping/>
+  </p:clrMapOvr>
+</p:sld>
+</file>
+
+<file path=ppt/slides/slide8.xml><?xml version="1.0" encoding="utf-8"?>
+<p:sld xmlns:a="http://schemas.openxmlformats.org/drawingml/2006/main" xmlns:r="http://schemas.openxmlformats.org/officeDocument/2006/relationships" xmlns:p="http://schemas.openxmlformats.org/presentationml/2006/main">
+  <p:cSld>
+    <p:spTree>
+      <p:nvGrpSpPr>
+        <p:cNvPr id="1" name=""/>
+        <p:cNvGrpSpPr/>
+        <p:nvPr/>
+      </p:nvGrpSpPr>
+      <p:grpSpPr>
+        <a:xfrm>
+          <a:off x="0" y="0"/>
+          <a:ext cx="0" cy="0"/>
+          <a:chOff x="0" y="0"/>
+          <a:chExt cx="0" cy="0"/>
+        </a:xfrm>
+      </p:grpSpPr>
+      <p:sp>
+        <p:nvSpPr>
+          <p:cNvPr id="13" name="Text Box 31">
+            <a:extLst>
+              <a:ext uri="{FF2B5EF4-FFF2-40B4-BE49-F238E27FC236}">
+                <a16:creationId xmlns:a16="http://schemas.microsoft.com/office/drawing/2014/main" id="{7CADF26B-D3C7-44B9-AB9C-40BFF9FF20C9}"/>
+              </a:ext>
+            </a:extLst>
+          </p:cNvPr>
+          <p:cNvSpPr txBox="1">
+            <a:spLocks noChangeArrowheads="1"/>
+          </p:cNvSpPr>
+          <p:nvPr/>
+        </p:nvSpPr>
+        <p:spPr bwMode="auto">
+          <a:xfrm>
+            <a:off x="338502" y="260648"/>
+            <a:ext cx="8466995" cy="798745"/>
+          </a:xfrm>
+          <a:prstGeom prst="rect">
+            <a:avLst/>
+          </a:prstGeom>
+          <a:solidFill>
+            <a:schemeClr val="bg1">
+              <a:lumMod val="75000"/>
+            </a:schemeClr>
+          </a:solidFill>
+          <a:ln w="9525">
+            <a:noFill/>
+            <a:miter lim="800000"/>
+            <a:headEnd/>
+            <a:tailEnd/>
+          </a:ln>
+        </p:spPr>
+        <p:txBody>
+          <a:bodyPr wrap="square">
+            <a:spAutoFit/>
+          </a:bodyPr>
+          <a:lstStyle/>
+          <a:p>
+            <a:pPr algn="just">
+              <a:lnSpc>
+                <a:spcPct val="120000"/>
+              </a:lnSpc>
+              <a:spcBef>
+                <a:spcPts val="0"/>
+              </a:spcBef>
+            </a:pPr>
+            <a:r>
+              <a:rPr lang="en-US" altLang="zh-TW" dirty="0"/>
+              <a:t>(Extra): Answer the questions according to your student ID number.</a:t>
+            </a:r>
+          </a:p>
+          <a:p>
+            <a:pPr algn="just">
+              <a:lnSpc>
+                <a:spcPct val="120000"/>
+              </a:lnSpc>
+              <a:spcBef>
+                <a:spcPts val="0"/>
+              </a:spcBef>
+            </a:pPr>
+            <a:r>
+              <a:rPr lang="en-US" altLang="zh-TW" dirty="0"/>
+              <a:t>            (ended with (1, 6), (2, 7), (3, 8), (4, 9))  </a:t>
+            </a:r>
+          </a:p>
+        </p:txBody>
+      </p:sp>
+      <mc:AlternateContent xmlns:mc="http://schemas.openxmlformats.org/markup-compatibility/2006">
+        <mc:Choice xmlns:a14="http://schemas.microsoft.com/office/drawing/2010/main" Requires="a14">
+          <p:sp>
+            <p:nvSpPr>
+              <p:cNvPr id="2" name="文字方塊 1">
+                <a:extLst>
+                  <a:ext uri="{FF2B5EF4-FFF2-40B4-BE49-F238E27FC236}">
+                    <a16:creationId xmlns:a16="http://schemas.microsoft.com/office/drawing/2014/main" id="{146587A7-B605-922E-2AC7-B0E038FA2DDD}"/>
+                  </a:ext>
+                </a:extLst>
+              </p:cNvPr>
+              <p:cNvSpPr txBox="1"/>
+              <p:nvPr/>
+            </p:nvSpPr>
+            <p:spPr>
+              <a:xfrm>
+                <a:off x="338501" y="1268760"/>
+                <a:ext cx="8466995" cy="2246769"/>
+              </a:xfrm>
+              <a:prstGeom prst="rect">
+                <a:avLst/>
+              </a:prstGeom>
+              <a:noFill/>
+            </p:spPr>
+            <p:txBody>
+              <a:bodyPr wrap="square" rtlCol="0">
+                <a:spAutoFit/>
+              </a:bodyPr>
+              <a:lstStyle/>
+              <a:p>
+                <a:pPr/>
+                <a14:m>
+                  <m:oMathPara xmlns:m="http://schemas.openxmlformats.org/officeDocument/2006/math">
+                    <m:oMathParaPr>
+                      <m:jc m:val="left"/>
+                    </m:oMathParaPr>
+                    <m:oMath xmlns:m="http://schemas.openxmlformats.org/officeDocument/2006/math">
+                      <m:r>
+                        <a:rPr kumimoji="1" lang="en-US" altLang="zh-TW" b="0" i="1" smtClean="0">
+                          <a:latin typeface="Cambria Math" panose="02040503050406030204" pitchFamily="18" charset="0"/>
+                        </a:rPr>
+                        <m:t>𝑄</m:t>
+                      </m:r>
+                      <m:r>
+                        <a:rPr kumimoji="1" lang="en-US" altLang="zh-TW" b="0" i="1" smtClean="0">
+                          <a:latin typeface="Cambria Math" panose="02040503050406030204" pitchFamily="18" charset="0"/>
+                        </a:rPr>
+                        <m:t>:3306∗225</m:t>
+                      </m:r>
+                      <m:r>
+                        <a:rPr kumimoji="1" lang="zh-TW" altLang="en-US" b="0" i="1" smtClean="0">
+                          <a:latin typeface="Cambria Math" panose="02040503050406030204" pitchFamily="18" charset="0"/>
+                          <a:ea typeface="Cambria Math" panose="02040503050406030204" pitchFamily="18" charset="0"/>
+                        </a:rPr>
+                        <m:t> </m:t>
+                      </m:r>
+                      <m:r>
+                        <a:rPr kumimoji="1" lang="en-US" altLang="zh-TW" b="0" i="1" smtClean="0">
+                          <a:latin typeface="Cambria Math" panose="02040503050406030204" pitchFamily="18" charset="0"/>
+                          <a:ea typeface="Cambria Math" panose="02040503050406030204" pitchFamily="18" charset="0"/>
+                        </a:rPr>
+                        <m:t>𝑚𝑜𝑑</m:t>
+                      </m:r>
+                      <m:r>
+                        <a:rPr kumimoji="1" lang="zh-TW" altLang="en-US" b="0" i="1" smtClean="0">
+                          <a:latin typeface="Cambria Math" panose="02040503050406030204" pitchFamily="18" charset="0"/>
+                          <a:ea typeface="Cambria Math" panose="02040503050406030204" pitchFamily="18" charset="0"/>
+                        </a:rPr>
+                        <m:t> </m:t>
+                      </m:r>
+                      <m:r>
+                        <a:rPr kumimoji="1" lang="en-US" altLang="zh-TW" b="0" i="1" smtClean="0">
+                          <a:latin typeface="Cambria Math" panose="02040503050406030204" pitchFamily="18" charset="0"/>
+                          <a:ea typeface="Cambria Math" panose="02040503050406030204" pitchFamily="18" charset="0"/>
+                        </a:rPr>
+                        <m:t>11=</m:t>
+                      </m:r>
+                      <m:r>
+                        <a:rPr kumimoji="1" lang="zh-TW" altLang="en-US" b="0" i="1" smtClean="0">
+                          <a:latin typeface="Cambria Math" panose="02040503050406030204" pitchFamily="18" charset="0"/>
+                          <a:ea typeface="Cambria Math" panose="02040503050406030204" pitchFamily="18" charset="0"/>
+                        </a:rPr>
+                        <m:t> </m:t>
+                      </m:r>
+                      <m:r>
+                        <a:rPr kumimoji="1" lang="en-US" altLang="zh-TW" b="0" i="1" smtClean="0">
+                          <a:latin typeface="Cambria Math" panose="02040503050406030204" pitchFamily="18" charset="0"/>
+                          <a:ea typeface="Cambria Math" panose="02040503050406030204" pitchFamily="18" charset="0"/>
+                        </a:rPr>
+                        <m:t>?</m:t>
+                      </m:r>
+                    </m:oMath>
+                  </m:oMathPara>
+                </a14:m>
+                <a:endParaRPr kumimoji="1" lang="en-US" altLang="zh-TW" dirty="0"/>
+              </a:p>
+              <a:p>
+                <a:pPr/>
+                <a:endParaRPr lang="en-US" altLang="zh-TW" dirty="0"/>
+              </a:p>
+              <a:p>
+                <a:pPr/>
+                <a:r>
+                  <a:rPr lang="en-US" altLang="zh-TW" dirty="0"/>
+                  <a:t>a</a:t>
+                </a:r>
+                <a:r>
+                  <a:rPr lang="zh-TW" altLang="en-US" dirty="0"/>
+                  <a:t> </a:t>
+                </a:r>
+                <a:r>
+                  <a:rPr lang="en-US" altLang="zh-TW" dirty="0"/>
+                  <a:t>x</a:t>
+                </a:r>
+                <a:r>
+                  <a:rPr lang="zh-TW" altLang="en-US" dirty="0"/>
+                  <a:t> </a:t>
+                </a:r>
+                <a:r>
+                  <a:rPr lang="en-US" altLang="zh-TW" dirty="0"/>
+                  <a:t>b</a:t>
+                </a:r>
+                <a:r>
+                  <a:rPr lang="zh-TW" altLang="en-US" dirty="0"/>
+                  <a:t> </a:t>
+                </a:r>
+                <a:r>
+                  <a:rPr lang="en-US" altLang="zh-TW" dirty="0"/>
+                  <a:t>(</a:t>
+                </a:r>
+                <a:r>
+                  <a:rPr lang="en-US" altLang="zh-TW" dirty="0" err="1"/>
+                  <a:t>modM</a:t>
+                </a:r>
+                <a:r>
+                  <a:rPr lang="en-US" altLang="zh-TW" dirty="0"/>
+                  <a:t>)</a:t>
+                </a:r>
+                <a:r>
+                  <a:rPr lang="zh-TW" altLang="en-US" dirty="0"/>
+                  <a:t> </a:t>
+                </a:r>
+                <a:r>
+                  <a:rPr lang="en-US" altLang="zh-TW" dirty="0"/>
+                  <a:t>={a(</a:t>
+                </a:r>
+                <a:r>
+                  <a:rPr lang="en-US" altLang="zh-TW" dirty="0" err="1"/>
+                  <a:t>modM</a:t>
+                </a:r>
+                <a:r>
+                  <a:rPr lang="en-US" altLang="zh-TW" dirty="0"/>
+                  <a:t>)</a:t>
+                </a:r>
+                <a:r>
+                  <a:rPr lang="zh-TW" altLang="en-US" dirty="0"/>
+                  <a:t> </a:t>
+                </a:r>
+                <a:r>
+                  <a:rPr lang="en-US" altLang="zh-TW" dirty="0"/>
+                  <a:t>x</a:t>
+                </a:r>
+                <a:r>
+                  <a:rPr lang="zh-TW" altLang="en-US" dirty="0"/>
+                  <a:t> </a:t>
+                </a:r>
+                <a:r>
+                  <a:rPr lang="en-US" altLang="zh-TW" dirty="0"/>
+                  <a:t>b(</a:t>
+                </a:r>
+                <a:r>
+                  <a:rPr lang="en-US" altLang="zh-TW" dirty="0" err="1"/>
+                  <a:t>modM</a:t>
+                </a:r>
+                <a:r>
+                  <a:rPr lang="en-US" altLang="zh-TW" dirty="0"/>
+                  <a:t>)} (</a:t>
+                </a:r>
+                <a:r>
+                  <a:rPr lang="en-US" altLang="zh-TW" dirty="0" err="1"/>
+                  <a:t>modM</a:t>
+                </a:r>
+                <a:r>
+                  <a:rPr lang="en-US" altLang="zh-TW" dirty="0"/>
+                  <a:t>) </a:t>
+                </a:r>
+              </a:p>
+              <a:p>
+                <a:pPr/>
+                <a:r>
+                  <a:rPr lang="en-US" altLang="zh-TW" dirty="0"/>
+                  <a:t>3306</a:t>
+                </a:r>
+                <a:r>
+                  <a:rPr lang="zh-TW" altLang="en-US" dirty="0"/>
+                  <a:t> </a:t>
+                </a:r>
+                <a:r>
+                  <a:rPr lang="en-US" altLang="zh-TW" dirty="0"/>
+                  <a:t>mod</a:t>
+                </a:r>
+                <a:r>
+                  <a:rPr lang="zh-TW" altLang="en-US" dirty="0"/>
+                  <a:t> </a:t>
+                </a:r>
+                <a:r>
+                  <a:rPr lang="en-US" altLang="zh-TW" dirty="0"/>
+                  <a:t>11</a:t>
+                </a:r>
+                <a:r>
+                  <a:rPr lang="zh-TW" altLang="en-US" dirty="0"/>
+                  <a:t> </a:t>
+                </a:r>
+                <a:r>
+                  <a:rPr lang="en-US" altLang="zh-TW" dirty="0"/>
+                  <a:t>=</a:t>
+                </a:r>
+                <a:r>
+                  <a:rPr lang="zh-TW" altLang="en-US" dirty="0"/>
+                  <a:t> </a:t>
+                </a:r>
+                <a:r>
+                  <a:rPr lang="en-US" altLang="zh-TW" dirty="0"/>
+                  <a:t>6</a:t>
+                </a:r>
+              </a:p>
+              <a:p>
+                <a:pPr/>
+                <a:r>
+                  <a:rPr lang="en-US" altLang="zh-TW" dirty="0"/>
+                  <a:t>225</a:t>
+                </a:r>
+                <a:r>
+                  <a:rPr lang="zh-TW" altLang="en-US" dirty="0"/>
+                  <a:t> </a:t>
+                </a:r>
+                <a:r>
+                  <a:rPr lang="en-US" altLang="zh-TW" dirty="0"/>
+                  <a:t>mod</a:t>
+                </a:r>
+                <a:r>
+                  <a:rPr lang="zh-TW" altLang="en-US" dirty="0"/>
+                  <a:t> </a:t>
+                </a:r>
+                <a:r>
+                  <a:rPr lang="en-US" altLang="zh-TW" dirty="0"/>
+                  <a:t>11</a:t>
+                </a:r>
+                <a:r>
+                  <a:rPr lang="zh-TW" altLang="en-US" dirty="0"/>
+                  <a:t> </a:t>
+                </a:r>
+                <a:r>
+                  <a:rPr lang="en-US" altLang="zh-TW" dirty="0"/>
+                  <a:t>=</a:t>
+                </a:r>
+                <a:r>
+                  <a:rPr lang="zh-TW" altLang="en-US" dirty="0"/>
+                  <a:t> </a:t>
+                </a:r>
+                <a:r>
+                  <a:rPr lang="en-US" altLang="zh-TW" dirty="0"/>
+                  <a:t>5</a:t>
+                </a:r>
+              </a:p>
+              <a:p>
+                <a:pPr/>
+                <a:r>
+                  <a:rPr lang="en-US" altLang="zh-TW" dirty="0"/>
+                  <a:t>6</a:t>
+                </a:r>
+                <a:r>
+                  <a:rPr lang="zh-TW" altLang="en-US" dirty="0"/>
+                  <a:t> </a:t>
+                </a:r>
+                <a:r>
+                  <a:rPr lang="en-US" altLang="zh-TW" dirty="0"/>
+                  <a:t>x</a:t>
+                </a:r>
+                <a:r>
+                  <a:rPr lang="zh-TW" altLang="en-US" dirty="0"/>
+                  <a:t> </a:t>
+                </a:r>
+                <a:r>
+                  <a:rPr lang="en-US" altLang="zh-TW" dirty="0"/>
+                  <a:t>5</a:t>
+                </a:r>
+                <a:r>
+                  <a:rPr lang="zh-TW" altLang="en-US" dirty="0"/>
+                  <a:t> </a:t>
+                </a:r>
+                <a:r>
+                  <a:rPr lang="en-US" altLang="zh-TW" dirty="0"/>
+                  <a:t>mod</a:t>
+                </a:r>
+                <a:r>
+                  <a:rPr lang="zh-TW" altLang="en-US" dirty="0"/>
+                  <a:t> </a:t>
+                </a:r>
+                <a:r>
+                  <a:rPr lang="en-US" altLang="zh-TW" dirty="0"/>
+                  <a:t>11</a:t>
+                </a:r>
+                <a:r>
+                  <a:rPr lang="zh-TW" altLang="en-US" dirty="0"/>
+                  <a:t> </a:t>
+                </a:r>
+                <a:r>
+                  <a:rPr lang="en-US" altLang="zh-TW" dirty="0"/>
+                  <a:t>=</a:t>
+                </a:r>
+                <a:r>
+                  <a:rPr lang="zh-TW" altLang="en-US" dirty="0"/>
+                  <a:t> </a:t>
+                </a:r>
+                <a:r>
+                  <a:rPr lang="en-US" altLang="zh-TW" dirty="0"/>
+                  <a:t>8</a:t>
+                </a:r>
+              </a:p>
+              <a:p>
+                <a:pPr/>
+                <a14:m>
+                  <m:oMath xmlns:m="http://schemas.openxmlformats.org/officeDocument/2006/math">
+                    <m:r>
+                      <a:rPr kumimoji="1" lang="en-US" altLang="zh-TW" b="0" i="1" smtClean="0">
+                        <a:latin typeface="Cambria Math" panose="02040503050406030204" pitchFamily="18" charset="0"/>
+                      </a:rPr>
+                      <m:t>⇒3306</m:t>
+                    </m:r>
+                    <m:r>
+                      <a:rPr kumimoji="1" lang="en-US" altLang="zh-TW" b="0" i="1" smtClean="0">
+                        <a:latin typeface="Cambria Math" panose="02040503050406030204" pitchFamily="18" charset="0"/>
+                        <a:ea typeface="Cambria Math" panose="02040503050406030204" pitchFamily="18" charset="0"/>
+                      </a:rPr>
+                      <m:t>∗225</m:t>
+                    </m:r>
+                    <m:r>
+                      <a:rPr kumimoji="1" lang="zh-TW" altLang="en-US" b="0" i="1" smtClean="0">
+                        <a:latin typeface="Cambria Math" panose="02040503050406030204" pitchFamily="18" charset="0"/>
+                        <a:ea typeface="Cambria Math" panose="02040503050406030204" pitchFamily="18" charset="0"/>
+                      </a:rPr>
+                      <m:t> </m:t>
+                    </m:r>
+                    <m:r>
+                      <a:rPr kumimoji="1" lang="en-US" altLang="zh-TW" b="0" i="1" smtClean="0">
+                        <a:latin typeface="Cambria Math" panose="02040503050406030204" pitchFamily="18" charset="0"/>
+                        <a:ea typeface="Cambria Math" panose="02040503050406030204" pitchFamily="18" charset="0"/>
+                      </a:rPr>
+                      <m:t>𝑚𝑜𝑑</m:t>
+                    </m:r>
+                    <m:r>
+                      <a:rPr kumimoji="1" lang="zh-TW" altLang="en-US" b="0" i="1" smtClean="0">
+                        <a:latin typeface="Cambria Math" panose="02040503050406030204" pitchFamily="18" charset="0"/>
+                        <a:ea typeface="Cambria Math" panose="02040503050406030204" pitchFamily="18" charset="0"/>
+                      </a:rPr>
+                      <m:t> </m:t>
+                    </m:r>
+                    <m:r>
+                      <a:rPr kumimoji="1" lang="en-US" altLang="zh-TW" b="0" i="1" smtClean="0">
+                        <a:latin typeface="Cambria Math" panose="02040503050406030204" pitchFamily="18" charset="0"/>
+                        <a:ea typeface="Cambria Math" panose="02040503050406030204" pitchFamily="18" charset="0"/>
+                      </a:rPr>
+                      <m:t>11</m:t>
+                    </m:r>
+                    <m:r>
+                      <a:rPr kumimoji="1" lang="en-US" altLang="zh-TW" b="0" i="1" smtClean="0">
+                        <a:latin typeface="Cambria Math" panose="02040503050406030204" pitchFamily="18" charset="0"/>
+                        <a:ea typeface="Cambria Math" panose="02040503050406030204" pitchFamily="18" charset="0"/>
+                      </a:rPr>
+                      <m:t>=8</m:t>
+                    </m:r>
+                  </m:oMath>
+                </a14:m>
+                <a:r>
+                  <a:rPr lang="zh-TW" altLang="en-US" dirty="0"/>
+                  <a:t> </a:t>
+                </a:r>
+                <a:endParaRPr kumimoji="1" lang="zh-TW" altLang="en-US" dirty="0"/>
+              </a:p>
+            </p:txBody>
+          </p:sp>
+        </mc:Choice>
+        <mc:Fallback>
+          <p:sp>
+            <p:nvSpPr>
+              <p:cNvPr id="2" name="文字方塊 1">
+                <a:extLst>
+                  <a:ext uri="{FF2B5EF4-FFF2-40B4-BE49-F238E27FC236}">
+                    <a16:creationId xmlns:a16="http://schemas.microsoft.com/office/drawing/2014/main" id="{146587A7-B605-922E-2AC7-B0E038FA2DDD}"/>
+                  </a:ext>
+                </a:extLst>
+              </p:cNvPr>
+              <p:cNvSpPr txBox="1">
+                <a:spLocks noRot="1" noChangeAspect="1" noMove="1" noResize="1" noEditPoints="1" noAdjustHandles="1" noChangeArrowheads="1" noChangeShapeType="1" noTextEdit="1"/>
+              </p:cNvSpPr>
+              <p:nvPr/>
+            </p:nvSpPr>
+            <p:spPr>
+              <a:xfrm>
+                <a:off x="338501" y="1268760"/>
+                <a:ext cx="8466995" cy="2246769"/>
+              </a:xfrm>
+              <a:prstGeom prst="rect">
+                <a:avLst/>
+              </a:prstGeom>
+              <a:blipFill>
+                <a:blip r:embed="rId3"/>
+                <a:stretch>
+                  <a:fillRect l="-749" b="-2809"/>
+                </a:stretch>
+              </a:blipFill>
+            </p:spPr>
+            <p:txBody>
+              <a:bodyPr/>
+              <a:lstStyle/>
+              <a:p>
+                <a:r>
+                  <a:rPr lang="zh-TW" altLang="en-US">
+                    <a:noFill/>
+                  </a:rPr>
+                  <a:t> </a:t>
+                </a:r>
+              </a:p>
+            </p:txBody>
+          </p:sp>
+        </mc:Fallback>
+      </mc:AlternateContent>
+    </p:spTree>
+    <p:extLst>
+      <p:ext uri="{BB962C8B-B14F-4D97-AF65-F5344CB8AC3E}">
+        <p14:creationId xmlns:p14="http://schemas.microsoft.com/office/powerpoint/2010/main" val="1488852901"/>
       </p:ext>
     </p:extLst>
   </p:cSld>

--- a/HW5/r10943181_HW5.pptx
+++ b/HW5/r10943181_HW5.pptx
@@ -5,17 +5,18 @@
     <p:sldMasterId id="2147483648" r:id="rId1"/>
   </p:sldMasterIdLst>
   <p:notesMasterIdLst>
-    <p:notesMasterId r:id="rId10"/>
+    <p:notesMasterId r:id="rId11"/>
   </p:notesMasterIdLst>
   <p:sldIdLst>
     <p:sldId id="260" r:id="rId2"/>
     <p:sldId id="263" r:id="rId3"/>
     <p:sldId id="265" r:id="rId4"/>
     <p:sldId id="266" r:id="rId5"/>
-    <p:sldId id="267" r:id="rId6"/>
-    <p:sldId id="268" r:id="rId7"/>
-    <p:sldId id="262" r:id="rId8"/>
-    <p:sldId id="269" r:id="rId9"/>
+    <p:sldId id="270" r:id="rId6"/>
+    <p:sldId id="267" r:id="rId7"/>
+    <p:sldId id="268" r:id="rId8"/>
+    <p:sldId id="262" r:id="rId9"/>
+    <p:sldId id="269" r:id="rId10"/>
   </p:sldIdLst>
   <p:sldSz cx="9144000" cy="6858000" type="screen4x3"/>
   <p:notesSz cx="6858000" cy="9144000"/>
@@ -670,7 +671,7 @@
     </p:spTree>
     <p:extLst>
       <p:ext uri="{BB962C8B-B14F-4D97-AF65-F5344CB8AC3E}">
-        <p14:creationId xmlns:p14="http://schemas.microsoft.com/office/powerpoint/2010/main" val="1727401089"/>
+        <p14:creationId xmlns:p14="http://schemas.microsoft.com/office/powerpoint/2010/main" val="1491672552"/>
       </p:ext>
     </p:extLst>
   </p:cSld>
@@ -754,7 +755,7 @@
     </p:spTree>
     <p:extLst>
       <p:ext uri="{BB962C8B-B14F-4D97-AF65-F5344CB8AC3E}">
-        <p14:creationId xmlns:p14="http://schemas.microsoft.com/office/powerpoint/2010/main" val="269752799"/>
+        <p14:creationId xmlns:p14="http://schemas.microsoft.com/office/powerpoint/2010/main" val="1727401089"/>
       </p:ext>
     </p:extLst>
   </p:cSld>
@@ -838,7 +839,7 @@
     </p:spTree>
     <p:extLst>
       <p:ext uri="{BB962C8B-B14F-4D97-AF65-F5344CB8AC3E}">
-        <p14:creationId xmlns:p14="http://schemas.microsoft.com/office/powerpoint/2010/main" val="2453404070"/>
+        <p14:creationId xmlns:p14="http://schemas.microsoft.com/office/powerpoint/2010/main" val="269752799"/>
       </p:ext>
     </p:extLst>
   </p:cSld>
@@ -914,6 +915,90 @@
             <a:fld id="{6581D01B-5AEB-45CA-98AA-FF97CC97CD34}" type="slidenum">
               <a:rPr lang="zh-TW" altLang="en-US" smtClean="0"/>
               <a:t>8</a:t>
+            </a:fld>
+            <a:endParaRPr lang="zh-TW" altLang="en-US"/>
+          </a:p>
+        </p:txBody>
+      </p:sp>
+    </p:spTree>
+    <p:extLst>
+      <p:ext uri="{BB962C8B-B14F-4D97-AF65-F5344CB8AC3E}">
+        <p14:creationId xmlns:p14="http://schemas.microsoft.com/office/powerpoint/2010/main" val="2453404070"/>
+      </p:ext>
+    </p:extLst>
+  </p:cSld>
+  <p:clrMapOvr>
+    <a:masterClrMapping/>
+  </p:clrMapOvr>
+</p:notes>
+</file>
+
+<file path=ppt/notesSlides/notesSlide6.xml><?xml version="1.0" encoding="utf-8"?>
+<p:notes xmlns:a="http://schemas.openxmlformats.org/drawingml/2006/main" xmlns:r="http://schemas.openxmlformats.org/officeDocument/2006/relationships" xmlns:p="http://schemas.openxmlformats.org/presentationml/2006/main">
+  <p:cSld>
+    <p:spTree>
+      <p:nvGrpSpPr>
+        <p:cNvPr id="1" name=""/>
+        <p:cNvGrpSpPr/>
+        <p:nvPr/>
+      </p:nvGrpSpPr>
+      <p:grpSpPr>
+        <a:xfrm>
+          <a:off x="0" y="0"/>
+          <a:ext cx="0" cy="0"/>
+          <a:chOff x="0" y="0"/>
+          <a:chExt cx="0" cy="0"/>
+        </a:xfrm>
+      </p:grpSpPr>
+      <p:sp>
+        <p:nvSpPr>
+          <p:cNvPr id="2" name="投影片影像版面配置區 1"/>
+          <p:cNvSpPr>
+            <a:spLocks noGrp="1" noRot="1" noChangeAspect="1"/>
+          </p:cNvSpPr>
+          <p:nvPr>
+            <p:ph type="sldImg"/>
+          </p:nvPr>
+        </p:nvSpPr>
+        <p:spPr/>
+      </p:sp>
+      <p:sp>
+        <p:nvSpPr>
+          <p:cNvPr id="3" name="備忘稿版面配置區 2"/>
+          <p:cNvSpPr>
+            <a:spLocks noGrp="1"/>
+          </p:cNvSpPr>
+          <p:nvPr>
+            <p:ph type="body" idx="1"/>
+          </p:nvPr>
+        </p:nvSpPr>
+        <p:spPr/>
+        <p:txBody>
+          <a:bodyPr/>
+          <a:lstStyle/>
+          <a:p>
+            <a:endParaRPr lang="zh-TW" altLang="en-US" dirty="0"/>
+          </a:p>
+        </p:txBody>
+      </p:sp>
+      <p:sp>
+        <p:nvSpPr>
+          <p:cNvPr id="4" name="投影片編號版面配置區 3"/>
+          <p:cNvSpPr>
+            <a:spLocks noGrp="1"/>
+          </p:cNvSpPr>
+          <p:nvPr>
+            <p:ph type="sldNum" sz="quarter" idx="5"/>
+          </p:nvPr>
+        </p:nvSpPr>
+        <p:spPr/>
+        <p:txBody>
+          <a:bodyPr/>
+          <a:lstStyle/>
+          <a:p>
+            <a:fld id="{6581D01B-5AEB-45CA-98AA-FF97CC97CD34}" type="slidenum">
+              <a:rPr lang="zh-TW" altLang="en-US" smtClean="0"/>
+              <a:t>9</a:t>
             </a:fld>
             <a:endParaRPr lang="zh-TW" altLang="en-US"/>
           </a:p>
@@ -7459,25 +7544,13 @@
             </a:r>
           </a:p>
           <a:p>
+            <a:pPr marL="285750" indent="-285750">
+              <a:buFont typeface="Symbol" pitchFamily="2" charset="2"/>
+              <a:buChar char="Þ"/>
+            </a:pPr>
             <a:r>
               <a:rPr lang="en-US" altLang="zh-TW" sz="1400" dirty="0"/>
-              <a:t>=&gt;</a:t>
-            </a:r>
-            <a:r>
-              <a:rPr lang="zh-TW" altLang="en-US" sz="1400" dirty="0"/>
-              <a:t> </a:t>
-            </a:r>
-            <a:r>
-              <a:rPr lang="en-US" altLang="zh-TW" sz="1400" dirty="0"/>
-              <a:t>[1</a:t>
-            </a:r>
-            <a:r>
-              <a:rPr lang="zh-TW" altLang="en-US" sz="1400" dirty="0"/>
-              <a:t> </a:t>
-            </a:r>
-            <a:r>
-              <a:rPr lang="en-US" altLang="zh-TW" sz="1400" dirty="0"/>
-              <a:t>-1]</a:t>
+              <a:t>[1 -1 1 3 1 3 1 -1 3 1 -1 1 -1 1 3 1 1 3 1 -1 1 -1 1 3 -1 1 3 1 3 1 -1 1 1 -1 -3 -1 -3 -1 1 -1 -1 -3 -1 1 -1 1 -1 -3] </a:t>
             </a:r>
           </a:p>
         </p:txBody>
@@ -7496,6 +7569,1972 @@
 </file>
 
 <file path=ppt/slides/slide5.xml><?xml version="1.0" encoding="utf-8"?>
+<p:sld xmlns:a="http://schemas.openxmlformats.org/drawingml/2006/main" xmlns:r="http://schemas.openxmlformats.org/officeDocument/2006/relationships" xmlns:p="http://schemas.openxmlformats.org/presentationml/2006/main">
+  <p:cSld>
+    <p:spTree>
+      <p:nvGrpSpPr>
+        <p:cNvPr id="1" name=""/>
+        <p:cNvGrpSpPr/>
+        <p:nvPr/>
+      </p:nvGrpSpPr>
+      <p:grpSpPr>
+        <a:xfrm>
+          <a:off x="0" y="0"/>
+          <a:ext cx="0" cy="0"/>
+          <a:chOff x="0" y="0"/>
+          <a:chExt cx="0" cy="0"/>
+        </a:xfrm>
+      </p:grpSpPr>
+      <p:sp>
+        <p:nvSpPr>
+          <p:cNvPr id="11" name="矩形 10"/>
+          <p:cNvSpPr/>
+          <p:nvPr/>
+        </p:nvSpPr>
+        <p:spPr>
+          <a:xfrm>
+            <a:off x="359532" y="260648"/>
+            <a:ext cx="8424936" cy="1815882"/>
+          </a:xfrm>
+          <a:prstGeom prst="rect">
+            <a:avLst/>
+          </a:prstGeom>
+          <a:solidFill>
+            <a:schemeClr val="bg1">
+              <a:lumMod val="75000"/>
+            </a:schemeClr>
+          </a:solidFill>
+        </p:spPr>
+        <p:txBody>
+          <a:bodyPr wrap="square">
+            <a:spAutoFit/>
+          </a:bodyPr>
+          <a:lstStyle/>
+          <a:p>
+            <a:pPr algn="just">
+              <a:lnSpc>
+                <a:spcPct val="110000"/>
+              </a:lnSpc>
+              <a:spcBef>
+                <a:spcPct val="10000"/>
+              </a:spcBef>
+            </a:pPr>
+            <a:r>
+              <a:rPr lang="en-US" altLang="zh-TW" dirty="0"/>
+              <a:t>(6) (a) What is the results of CDMA if there are three data [1 1 0], [0 1 1], [1 0 1]</a:t>
+            </a:r>
+            <a:br>
+              <a:rPr lang="en-US" altLang="zh-TW" dirty="0"/>
+            </a:br>
+            <a:r>
+              <a:rPr lang="en-US" altLang="zh-TW" dirty="0"/>
+              <a:t>           and these three data are modulated by the 1</a:t>
+            </a:r>
+            <a:r>
+              <a:rPr lang="en-US" altLang="zh-TW" baseline="30000" dirty="0"/>
+              <a:t>st</a:t>
+            </a:r>
+            <a:r>
+              <a:rPr lang="en-US" altLang="zh-TW" dirty="0"/>
+              <a:t>, 6</a:t>
+            </a:r>
+            <a:r>
+              <a:rPr lang="en-US" altLang="zh-TW" baseline="30000" dirty="0"/>
+              <a:t>th</a:t>
+            </a:r>
+            <a:r>
+              <a:rPr lang="en-US" altLang="zh-TW" dirty="0"/>
+              <a:t>, and 12</a:t>
+            </a:r>
+            <a:r>
+              <a:rPr lang="en-US" altLang="zh-TW" baseline="30000" dirty="0"/>
+              <a:t>th</a:t>
+            </a:r>
+            <a:r>
+              <a:rPr lang="en-US" altLang="zh-TW" dirty="0"/>
+              <a:t> rows of  the </a:t>
+            </a:r>
+            <a:br>
+              <a:rPr lang="en-US" altLang="zh-TW" dirty="0"/>
+            </a:br>
+            <a:r>
+              <a:rPr lang="en-US" altLang="zh-TW" dirty="0"/>
+              <a:t>           16-point Walsh transform? (The beginning row is the 1</a:t>
+            </a:r>
+            <a:r>
+              <a:rPr lang="en-US" altLang="zh-TW" baseline="30000" dirty="0"/>
+              <a:t>st</a:t>
+            </a:r>
+            <a:r>
+              <a:rPr lang="en-US" altLang="zh-TW" dirty="0"/>
+              <a:t> row). </a:t>
+            </a:r>
+          </a:p>
+          <a:p>
+            <a:pPr algn="just">
+              <a:lnSpc>
+                <a:spcPct val="110000"/>
+              </a:lnSpc>
+              <a:spcBef>
+                <a:spcPct val="10000"/>
+              </a:spcBef>
+            </a:pPr>
+            <a:r>
+              <a:rPr lang="en-US" altLang="zh-TW" dirty="0"/>
+              <a:t>      (b) In (a), if the 8</a:t>
+            </a:r>
+            <a:r>
+              <a:rPr lang="en-US" altLang="zh-TW" baseline="30000" dirty="0"/>
+              <a:t>th</a:t>
+            </a:r>
+            <a:r>
+              <a:rPr lang="en-US" altLang="zh-TW" dirty="0"/>
+              <a:t> and the 15</a:t>
+            </a:r>
+            <a:r>
+              <a:rPr lang="en-US" altLang="zh-TW" baseline="30000" dirty="0"/>
+              <a:t>th</a:t>
+            </a:r>
+            <a:r>
+              <a:rPr lang="en-US" altLang="zh-TW" dirty="0"/>
+              <a:t> entries of the CDMA results are missed, can</a:t>
+            </a:r>
+            <a:br>
+              <a:rPr lang="en-US" altLang="zh-TW" dirty="0"/>
+            </a:br>
+            <a:r>
+              <a:rPr lang="en-US" altLang="zh-TW" dirty="0"/>
+              <a:t>             we recover the original data? Why?                                            (5 scores)                         </a:t>
+            </a:r>
+          </a:p>
+        </p:txBody>
+      </p:sp>
+      <p:sp>
+        <p:nvSpPr>
+          <p:cNvPr id="2" name="矩形 1">
+            <a:extLst>
+              <a:ext uri="{FF2B5EF4-FFF2-40B4-BE49-F238E27FC236}">
+                <a16:creationId xmlns:a16="http://schemas.microsoft.com/office/drawing/2014/main" id="{B7B2B2EB-F969-41B3-A8C6-B9C613C9132D}"/>
+              </a:ext>
+            </a:extLst>
+          </p:cNvPr>
+          <p:cNvSpPr/>
+          <p:nvPr/>
+        </p:nvSpPr>
+        <p:spPr>
+          <a:xfrm>
+            <a:off x="7524328" y="968534"/>
+            <a:ext cx="1378904" cy="400110"/>
+          </a:xfrm>
+          <a:prstGeom prst="rect">
+            <a:avLst/>
+          </a:prstGeom>
+        </p:spPr>
+        <p:txBody>
+          <a:bodyPr wrap="none">
+            <a:spAutoFit/>
+          </a:bodyPr>
+          <a:lstStyle/>
+          <a:p>
+            <a:r>
+              <a:rPr lang="en-US" altLang="zh-TW" dirty="0"/>
+              <a:t>(10 scores) </a:t>
+            </a:r>
+            <a:endParaRPr lang="zh-TW" altLang="en-US" dirty="0"/>
+          </a:p>
+        </p:txBody>
+      </p:sp>
+      <mc:AlternateContent xmlns:mc="http://schemas.openxmlformats.org/markup-compatibility/2006">
+        <mc:Choice xmlns:a14="http://schemas.microsoft.com/office/drawing/2010/main" Requires="a14">
+          <p:sp>
+            <p:nvSpPr>
+              <p:cNvPr id="4" name="文字方塊 3">
+                <a:extLst>
+                  <a:ext uri="{FF2B5EF4-FFF2-40B4-BE49-F238E27FC236}">
+                    <a16:creationId xmlns:a16="http://schemas.microsoft.com/office/drawing/2014/main" id="{BBEEED4A-7879-82EA-9DC4-A18103E70D93}"/>
+                  </a:ext>
+                </a:extLst>
+              </p:cNvPr>
+              <p:cNvSpPr txBox="1"/>
+              <p:nvPr/>
+            </p:nvSpPr>
+            <p:spPr>
+              <a:xfrm>
+                <a:off x="359532" y="2230418"/>
+                <a:ext cx="8424936" cy="3689664"/>
+              </a:xfrm>
+              <a:prstGeom prst="rect">
+                <a:avLst/>
+              </a:prstGeom>
+              <a:noFill/>
+            </p:spPr>
+            <p:txBody>
+              <a:bodyPr wrap="square" rtlCol="0">
+                <a:spAutoFit/>
+              </a:bodyPr>
+              <a:lstStyle/>
+              <a:p>
+                <a:r>
+                  <a:rPr lang="en-US" altLang="zh-TW" dirty="0"/>
+                  <a:t>1</a:t>
+                </a:r>
+                <a:r>
+                  <a:rPr lang="en-US" altLang="zh-TW" baseline="30000" dirty="0"/>
+                  <a:t>st</a:t>
+                </a:r>
+                <a:r>
+                  <a:rPr lang="en-US" altLang="zh-TW" dirty="0"/>
+                  <a:t> =</a:t>
+                </a:r>
+                <a:r>
+                  <a:rPr lang="zh-TW" altLang="en-US" dirty="0"/>
+                  <a:t> </a:t>
+                </a:r>
+                <a:r>
+                  <a:rPr lang="en-US" altLang="zh-TW" dirty="0"/>
+                  <a:t>[1</a:t>
+                </a:r>
+                <a:r>
+                  <a:rPr lang="zh-TW" altLang="en-US" dirty="0"/>
+                  <a:t> </a:t>
+                </a:r>
+                <a:r>
+                  <a:rPr lang="en-US" altLang="zh-TW" dirty="0"/>
+                  <a:t>1</a:t>
+                </a:r>
+                <a:r>
+                  <a:rPr lang="zh-TW" altLang="en-US" dirty="0"/>
+                  <a:t> </a:t>
+                </a:r>
+                <a:r>
+                  <a:rPr lang="en-US" altLang="zh-TW" dirty="0"/>
+                  <a:t>1</a:t>
+                </a:r>
+                <a:r>
+                  <a:rPr lang="zh-TW" altLang="en-US" dirty="0"/>
+                  <a:t> </a:t>
+                </a:r>
+                <a:r>
+                  <a:rPr lang="en-US" altLang="zh-TW" dirty="0"/>
+                  <a:t>1</a:t>
+                </a:r>
+                <a:r>
+                  <a:rPr lang="zh-TW" altLang="en-US" dirty="0"/>
+                  <a:t> </a:t>
+                </a:r>
+                <a:r>
+                  <a:rPr lang="en-US" altLang="zh-TW" dirty="0"/>
+                  <a:t>1</a:t>
+                </a:r>
+                <a:r>
+                  <a:rPr lang="zh-TW" altLang="en-US" dirty="0"/>
+                  <a:t> </a:t>
+                </a:r>
+                <a:r>
+                  <a:rPr lang="en-US" altLang="zh-TW" dirty="0"/>
+                  <a:t>1</a:t>
+                </a:r>
+                <a:r>
+                  <a:rPr lang="zh-TW" altLang="en-US" dirty="0"/>
+                  <a:t> </a:t>
+                </a:r>
+                <a:r>
+                  <a:rPr lang="en-US" altLang="zh-TW" dirty="0"/>
+                  <a:t>1</a:t>
+                </a:r>
+                <a:r>
+                  <a:rPr lang="zh-TW" altLang="en-US" dirty="0"/>
+                  <a:t> </a:t>
+                </a:r>
+                <a:r>
+                  <a:rPr lang="en-US" altLang="zh-TW" dirty="0"/>
+                  <a:t>1</a:t>
+                </a:r>
+                <a:r>
+                  <a:rPr lang="zh-TW" altLang="en-US" dirty="0"/>
+                  <a:t> </a:t>
+                </a:r>
+                <a:r>
+                  <a:rPr lang="en-US" altLang="zh-TW" dirty="0"/>
+                  <a:t>1</a:t>
+                </a:r>
+                <a:r>
+                  <a:rPr lang="zh-TW" altLang="en-US" dirty="0"/>
+                  <a:t> </a:t>
+                </a:r>
+                <a:r>
+                  <a:rPr lang="en-US" altLang="zh-TW" dirty="0"/>
+                  <a:t>1</a:t>
+                </a:r>
+                <a:r>
+                  <a:rPr lang="zh-TW" altLang="en-US" dirty="0"/>
+                  <a:t> </a:t>
+                </a:r>
+                <a:r>
+                  <a:rPr lang="en-US" altLang="zh-TW" dirty="0"/>
+                  <a:t>1</a:t>
+                </a:r>
+                <a:r>
+                  <a:rPr lang="zh-TW" altLang="en-US" dirty="0"/>
+                  <a:t> </a:t>
+                </a:r>
+                <a:r>
+                  <a:rPr lang="en-US" altLang="zh-TW" dirty="0"/>
+                  <a:t>1</a:t>
+                </a:r>
+                <a:r>
+                  <a:rPr lang="zh-TW" altLang="en-US" dirty="0"/>
+                  <a:t> </a:t>
+                </a:r>
+                <a:r>
+                  <a:rPr lang="en-US" altLang="zh-TW" dirty="0"/>
+                  <a:t>1</a:t>
+                </a:r>
+                <a:r>
+                  <a:rPr lang="zh-TW" altLang="en-US" dirty="0"/>
+                  <a:t> </a:t>
+                </a:r>
+                <a:r>
+                  <a:rPr lang="en-US" altLang="zh-TW" dirty="0"/>
+                  <a:t>1</a:t>
+                </a:r>
+                <a:r>
+                  <a:rPr lang="zh-TW" altLang="en-US" dirty="0"/>
+                  <a:t> </a:t>
+                </a:r>
+                <a:r>
+                  <a:rPr lang="en-US" altLang="zh-TW" dirty="0"/>
+                  <a:t>1</a:t>
+                </a:r>
+                <a:r>
+                  <a:rPr lang="zh-TW" altLang="en-US" dirty="0"/>
+                  <a:t> </a:t>
+                </a:r>
+                <a:r>
+                  <a:rPr lang="en-US" altLang="zh-TW" dirty="0"/>
+                  <a:t>1],</a:t>
+                </a:r>
+                <a:r>
+                  <a:rPr lang="zh-TW" altLang="en-US" dirty="0"/>
+                  <a:t> </a:t>
+                </a:r>
+                <a:r>
+                  <a:rPr lang="en-US" altLang="zh-TW" dirty="0"/>
+                  <a:t>6</a:t>
+                </a:r>
+                <a:r>
+                  <a:rPr lang="en-US" altLang="zh-TW" baseline="30000" dirty="0"/>
+                  <a:t>th</a:t>
+                </a:r>
+                <a:r>
+                  <a:rPr lang="en-US" altLang="zh-TW" dirty="0"/>
+                  <a:t> =</a:t>
+                </a:r>
+                <a:r>
+                  <a:rPr lang="zh-TW" altLang="en-US" dirty="0"/>
+                  <a:t> </a:t>
+                </a:r>
+                <a:r>
+                  <a:rPr lang="en-US" altLang="zh-TW" dirty="0"/>
+                  <a:t>[1</a:t>
+                </a:r>
+                <a:r>
+                  <a:rPr lang="zh-TW" altLang="en-US" dirty="0"/>
+                  <a:t> </a:t>
+                </a:r>
+                <a:r>
+                  <a:rPr lang="en-US" altLang="zh-TW" dirty="0"/>
+                  <a:t>1</a:t>
+                </a:r>
+                <a:r>
+                  <a:rPr lang="zh-TW" altLang="en-US" dirty="0"/>
+                  <a:t> </a:t>
+                </a:r>
+                <a:r>
+                  <a:rPr lang="en-US" altLang="zh-TW" dirty="0"/>
+                  <a:t>-1</a:t>
+                </a:r>
+                <a:r>
+                  <a:rPr lang="zh-TW" altLang="en-US" dirty="0"/>
+                  <a:t> </a:t>
+                </a:r>
+                <a:r>
+                  <a:rPr lang="en-US" altLang="zh-TW" dirty="0"/>
+                  <a:t>-1</a:t>
+                </a:r>
+                <a:r>
+                  <a:rPr lang="zh-TW" altLang="en-US" dirty="0"/>
+                  <a:t> </a:t>
+                </a:r>
+                <a:r>
+                  <a:rPr lang="en-US" altLang="zh-TW" dirty="0"/>
+                  <a:t>-1</a:t>
+                </a:r>
+                <a:r>
+                  <a:rPr lang="zh-TW" altLang="en-US" dirty="0"/>
+                  <a:t> </a:t>
+                </a:r>
+                <a:r>
+                  <a:rPr lang="en-US" altLang="zh-TW" dirty="0"/>
+                  <a:t>-1</a:t>
+                </a:r>
+                <a:r>
+                  <a:rPr lang="zh-TW" altLang="en-US" dirty="0"/>
+                  <a:t> </a:t>
+                </a:r>
+                <a:r>
+                  <a:rPr lang="en-US" altLang="zh-TW" dirty="0"/>
+                  <a:t>1</a:t>
+                </a:r>
+                <a:r>
+                  <a:rPr lang="zh-TW" altLang="en-US" dirty="0"/>
+                  <a:t> </a:t>
+                </a:r>
+                <a:r>
+                  <a:rPr lang="en-US" altLang="zh-TW" dirty="0"/>
+                  <a:t>1</a:t>
+                </a:r>
+                <a:r>
+                  <a:rPr lang="zh-TW" altLang="en-US" dirty="0"/>
+                  <a:t> </a:t>
+                </a:r>
+                <a:r>
+                  <a:rPr lang="en-US" altLang="zh-TW" dirty="0"/>
+                  <a:t>-1</a:t>
+                </a:r>
+                <a:r>
+                  <a:rPr lang="zh-TW" altLang="en-US" dirty="0"/>
+                  <a:t> </a:t>
+                </a:r>
+                <a:r>
+                  <a:rPr lang="en-US" altLang="zh-TW" dirty="0"/>
+                  <a:t>-1</a:t>
+                </a:r>
+                <a:r>
+                  <a:rPr lang="zh-TW" altLang="en-US" dirty="0"/>
+                  <a:t> </a:t>
+                </a:r>
+                <a:r>
+                  <a:rPr lang="en-US" altLang="zh-TW" dirty="0"/>
+                  <a:t>1</a:t>
+                </a:r>
+                <a:r>
+                  <a:rPr lang="zh-TW" altLang="en-US" dirty="0"/>
+                  <a:t> </a:t>
+                </a:r>
+                <a:r>
+                  <a:rPr lang="en-US" altLang="zh-TW" dirty="0"/>
+                  <a:t>1</a:t>
+                </a:r>
+                <a:r>
+                  <a:rPr lang="zh-TW" altLang="en-US" dirty="0"/>
+                  <a:t> </a:t>
+                </a:r>
+                <a:r>
+                  <a:rPr lang="en-US" altLang="zh-TW" dirty="0"/>
+                  <a:t>1</a:t>
+                </a:r>
+                <a:r>
+                  <a:rPr lang="zh-TW" altLang="en-US" dirty="0"/>
+                  <a:t> </a:t>
+                </a:r>
+                <a:r>
+                  <a:rPr lang="en-US" altLang="zh-TW" dirty="0"/>
+                  <a:t>1</a:t>
+                </a:r>
+                <a:r>
+                  <a:rPr lang="zh-TW" altLang="en-US" dirty="0"/>
+                  <a:t> </a:t>
+                </a:r>
+                <a:r>
+                  <a:rPr lang="en-US" altLang="zh-TW" dirty="0"/>
+                  <a:t>-1</a:t>
+                </a:r>
+                <a:r>
+                  <a:rPr lang="zh-TW" altLang="en-US" dirty="0"/>
+                  <a:t> </a:t>
+                </a:r>
+                <a:r>
+                  <a:rPr lang="en-US" altLang="zh-TW" dirty="0"/>
+                  <a:t>-1],</a:t>
+                </a:r>
+                <a:r>
+                  <a:rPr lang="zh-TW" altLang="en-US" dirty="0"/>
+                  <a:t> </a:t>
+                </a:r>
+                <a:r>
+                  <a:rPr lang="en-US" altLang="zh-TW" dirty="0"/>
+                  <a:t>12</a:t>
+                </a:r>
+                <a:r>
+                  <a:rPr lang="en-US" altLang="zh-TW" baseline="30000" dirty="0"/>
+                  <a:t>th</a:t>
+                </a:r>
+                <a:r>
+                  <a:rPr lang="en-US" altLang="zh-TW" dirty="0"/>
+                  <a:t> =</a:t>
+                </a:r>
+                <a:r>
+                  <a:rPr lang="zh-TW" altLang="en-US" dirty="0"/>
+                  <a:t> </a:t>
+                </a:r>
+                <a:r>
+                  <a:rPr lang="en-US" altLang="zh-TW" dirty="0"/>
+                  <a:t>[1</a:t>
+                </a:r>
+                <a:r>
+                  <a:rPr lang="zh-TW" altLang="en-US" dirty="0"/>
+                  <a:t> </a:t>
+                </a:r>
+                <a:r>
+                  <a:rPr lang="en-US" altLang="zh-TW" dirty="0"/>
+                  <a:t>-1</a:t>
+                </a:r>
+                <a:r>
+                  <a:rPr lang="zh-TW" altLang="en-US" dirty="0"/>
+                  <a:t> </a:t>
+                </a:r>
+                <a:r>
+                  <a:rPr lang="en-US" altLang="zh-TW" dirty="0"/>
+                  <a:t>-1</a:t>
+                </a:r>
+                <a:r>
+                  <a:rPr lang="zh-TW" altLang="en-US" dirty="0"/>
+                  <a:t> </a:t>
+                </a:r>
+                <a:r>
+                  <a:rPr lang="en-US" altLang="zh-TW" dirty="0"/>
+                  <a:t>1</a:t>
+                </a:r>
+                <a:r>
+                  <a:rPr lang="zh-TW" altLang="en-US" dirty="0"/>
+                  <a:t> </a:t>
+                </a:r>
+                <a:r>
+                  <a:rPr lang="en-US" altLang="zh-TW" dirty="0"/>
+                  <a:t>-1</a:t>
+                </a:r>
+                <a:r>
+                  <a:rPr lang="zh-TW" altLang="en-US" dirty="0"/>
+                  <a:t> </a:t>
+                </a:r>
+                <a:r>
+                  <a:rPr lang="en-US" altLang="zh-TW" dirty="0"/>
+                  <a:t>1</a:t>
+                </a:r>
+                <a:r>
+                  <a:rPr lang="zh-TW" altLang="en-US" dirty="0"/>
+                  <a:t> </a:t>
+                </a:r>
+                <a:r>
+                  <a:rPr lang="en-US" altLang="zh-TW" dirty="0"/>
+                  <a:t>1</a:t>
+                </a:r>
+                <a:r>
+                  <a:rPr lang="zh-TW" altLang="en-US" dirty="0"/>
+                  <a:t> </a:t>
+                </a:r>
+                <a:r>
+                  <a:rPr lang="en-US" altLang="zh-TW" dirty="0"/>
+                  <a:t>-1</a:t>
+                </a:r>
+                <a:r>
+                  <a:rPr lang="zh-TW" altLang="en-US" dirty="0"/>
+                  <a:t> </a:t>
+                </a:r>
+                <a:r>
+                  <a:rPr lang="en-US" altLang="zh-TW" dirty="0"/>
+                  <a:t>1</a:t>
+                </a:r>
+                <a:r>
+                  <a:rPr lang="zh-TW" altLang="en-US" dirty="0"/>
+                  <a:t> </a:t>
+                </a:r>
+                <a:r>
+                  <a:rPr lang="en-US" altLang="zh-TW" dirty="0"/>
+                  <a:t>-1</a:t>
+                </a:r>
+                <a:r>
+                  <a:rPr lang="zh-TW" altLang="en-US" dirty="0"/>
+                  <a:t> </a:t>
+                </a:r>
+                <a:r>
+                  <a:rPr lang="en-US" altLang="zh-TW" dirty="0"/>
+                  <a:t>-1</a:t>
+                </a:r>
+                <a:r>
+                  <a:rPr lang="zh-TW" altLang="en-US" dirty="0"/>
+                  <a:t> </a:t>
+                </a:r>
+                <a:r>
+                  <a:rPr lang="en-US" altLang="zh-TW" dirty="0"/>
+                  <a:t>1</a:t>
+                </a:r>
+                <a:r>
+                  <a:rPr lang="zh-TW" altLang="en-US" dirty="0"/>
+                  <a:t> </a:t>
+                </a:r>
+                <a:r>
+                  <a:rPr lang="en-US" altLang="zh-TW" dirty="0"/>
+                  <a:t>-1</a:t>
+                </a:r>
+                <a:r>
+                  <a:rPr lang="zh-TW" altLang="en-US" dirty="0"/>
+                  <a:t> </a:t>
+                </a:r>
+                <a:r>
+                  <a:rPr lang="en-US" altLang="zh-TW" dirty="0"/>
+                  <a:t>1</a:t>
+                </a:r>
+                <a:r>
+                  <a:rPr lang="zh-TW" altLang="en-US" dirty="0"/>
+                  <a:t> </a:t>
+                </a:r>
+                <a:r>
+                  <a:rPr lang="en-US" altLang="zh-TW" dirty="0"/>
+                  <a:t>1</a:t>
+                </a:r>
+                <a:r>
+                  <a:rPr lang="zh-TW" altLang="en-US" dirty="0"/>
+                  <a:t> </a:t>
+                </a:r>
+                <a:r>
+                  <a:rPr lang="en-US" altLang="zh-TW" dirty="0"/>
+                  <a:t>-1]</a:t>
+                </a:r>
+              </a:p>
+              <a:p>
+                <a:pPr marL="285750" indent="-285750">
+                  <a:buFont typeface="Symbol" pitchFamily="2" charset="2"/>
+                  <a:buChar char="Þ"/>
+                </a:pPr>
+                <a:r>
+                  <a:rPr lang="en-US" altLang="zh-TW" sz="1400" dirty="0"/>
+                  <a:t>[1 -1 1 3 1 3 1 -1 3 1 -1 1 -1 1 3 1 1 3 1 -1 1 -1 1 3 -1 1 3 1 3 1 -1 1 1 -1 -3 -1 -3 -1 1 -1 -1 -3 -1 1 -1 1 -1 -3] </a:t>
+                </a:r>
+              </a:p>
+              <a:p>
+                <a:r>
+                  <a:rPr lang="en-US" altLang="zh-TW" dirty="0"/>
+                  <a:t>(b)</a:t>
+                </a:r>
+                <a:endParaRPr lang="en-US" altLang="zh-TW" sz="1800" dirty="0"/>
+              </a:p>
+              <a:p>
+                <a:pPr marL="285750" indent="-285750">
+                  <a:buFont typeface="Symbol" pitchFamily="2" charset="2"/>
+                  <a:buChar char="Þ"/>
+                </a:pPr>
+                <a:r>
+                  <a:rPr lang="en-US" altLang="zh-TW" sz="1400" dirty="0"/>
+                  <a:t>[1 -1 1 3 1 3 1 0 3 1 -1 1 -1 1 0 1 1 3 1 -1 1 -1 1 3 -1 1 3 1 3 1 -1 1 1 -1 -3 -1 -3 -1 1 -1 -1 -3 -1 1 -1 1 -1 -3]</a:t>
+                </a:r>
+              </a:p>
+              <a:p>
+                <a:pPr/>
+                <a14:m>
+                  <m:oMathPara xmlns:m="http://schemas.openxmlformats.org/officeDocument/2006/math">
+                    <m:oMathParaPr>
+                      <m:jc m:val="left"/>
+                    </m:oMathParaPr>
+                    <m:oMath xmlns:m="http://schemas.openxmlformats.org/officeDocument/2006/math">
+                      <m:f>
+                        <m:fPr>
+                          <m:ctrlPr>
+                            <a:rPr lang="en-US" altLang="zh-TW" sz="1400" i="1" smtClean="0">
+                              <a:latin typeface="Cambria Math" panose="02040503050406030204" pitchFamily="18" charset="0"/>
+                            </a:rPr>
+                          </m:ctrlPr>
+                        </m:fPr>
+                        <m:num>
+                          <m:r>
+                            <a:rPr lang="en-US" altLang="zh-TW" sz="1400" b="0" i="1" smtClean="0">
+                              <a:latin typeface="Cambria Math" panose="02040503050406030204" pitchFamily="18" charset="0"/>
+                            </a:rPr>
+                            <m:t>&lt;</m:t>
+                          </m:r>
+                          <m:sSub>
+                            <m:sSubPr>
+                              <m:ctrlPr>
+                                <a:rPr lang="en-US" altLang="zh-TW" sz="1400" b="0" i="1" smtClean="0">
+                                  <a:latin typeface="Cambria Math" panose="02040503050406030204" pitchFamily="18" charset="0"/>
+                                </a:rPr>
+                              </m:ctrlPr>
+                            </m:sSubPr>
+                            <m:e>
+                              <m:r>
+                                <a:rPr lang="en-US" altLang="zh-TW" sz="1400" b="0" i="1" smtClean="0">
+                                  <a:latin typeface="Cambria Math" panose="02040503050406030204" pitchFamily="18" charset="0"/>
+                                </a:rPr>
+                                <m:t>𝑦</m:t>
+                              </m:r>
+                            </m:e>
+                            <m:sub>
+                              <m:r>
+                                <a:rPr lang="en-US" altLang="zh-TW" sz="1400" b="0" i="1" smtClean="0">
+                                  <a:latin typeface="Cambria Math" panose="02040503050406030204" pitchFamily="18" charset="0"/>
+                                </a:rPr>
+                                <m:t>1</m:t>
+                              </m:r>
+                            </m:sub>
+                          </m:sSub>
+                          <m:r>
+                            <a:rPr lang="en-US" altLang="zh-TW" sz="1400" b="0" i="1" smtClean="0">
+                              <a:latin typeface="Cambria Math" panose="02040503050406030204" pitchFamily="18" charset="0"/>
+                            </a:rPr>
+                            <m:t>, </m:t>
+                          </m:r>
+                          <m:r>
+                            <a:rPr lang="zh-TW" altLang="en-US" sz="1400" b="0" i="1" smtClean="0">
+                              <a:latin typeface="Cambria Math" panose="02040503050406030204" pitchFamily="18" charset="0"/>
+                            </a:rPr>
+                            <m:t> </m:t>
+                          </m:r>
+                          <m:sSup>
+                            <m:sSupPr>
+                              <m:ctrlPr>
+                                <a:rPr lang="en-US" altLang="zh-TW" sz="1400" b="0" i="1" smtClean="0">
+                                  <a:latin typeface="Cambria Math" panose="02040503050406030204" pitchFamily="18" charset="0"/>
+                                </a:rPr>
+                              </m:ctrlPr>
+                            </m:sSupPr>
+                            <m:e>
+                              <m:r>
+                                <a:rPr lang="en-US" altLang="zh-TW" sz="1400" b="0" i="1" smtClean="0">
+                                  <a:latin typeface="Cambria Math" panose="02040503050406030204" pitchFamily="18" charset="0"/>
+                                </a:rPr>
+                                <m:t>1</m:t>
+                              </m:r>
+                            </m:e>
+                            <m:sup>
+                              <m:r>
+                                <a:rPr lang="en-US" altLang="zh-TW" sz="1400" b="0" i="1" smtClean="0">
+                                  <a:latin typeface="Cambria Math" panose="02040503050406030204" pitchFamily="18" charset="0"/>
+                                </a:rPr>
+                                <m:t>𝑠𝑡</m:t>
+                              </m:r>
+                            </m:sup>
+                          </m:sSup>
+                          <m:r>
+                            <a:rPr lang="en-US" altLang="zh-TW" sz="1400" b="0" i="1" smtClean="0">
+                              <a:latin typeface="Cambria Math" panose="02040503050406030204" pitchFamily="18" charset="0"/>
+                            </a:rPr>
+                            <m:t>&gt;</m:t>
+                          </m:r>
+                        </m:num>
+                        <m:den>
+                          <m:r>
+                            <a:rPr lang="en-US" altLang="zh-TW" sz="1400" b="0" i="1" smtClean="0">
+                              <a:latin typeface="Cambria Math" panose="02040503050406030204" pitchFamily="18" charset="0"/>
+                            </a:rPr>
+                            <m:t>16</m:t>
+                          </m:r>
+                        </m:den>
+                      </m:f>
+                      <m:r>
+                        <a:rPr lang="en-US" altLang="zh-TW" sz="1400" i="1">
+                          <a:latin typeface="Cambria Math" panose="02040503050406030204" pitchFamily="18" charset="0"/>
+                        </a:rPr>
+                        <m:t>=0.8750</m:t>
+                      </m:r>
+                      <m:r>
+                        <a:rPr lang="en-US" altLang="zh-TW" sz="1400" b="0" i="1" smtClean="0">
+                          <a:latin typeface="Cambria Math" panose="02040503050406030204" pitchFamily="18" charset="0"/>
+                        </a:rPr>
+                        <m:t>&gt;0⇒1,</m:t>
+                      </m:r>
+                      <m:f>
+                        <m:fPr>
+                          <m:ctrlPr>
+                            <a:rPr lang="en-US" altLang="zh-TW" sz="1400" i="1">
+                              <a:latin typeface="Cambria Math" panose="02040503050406030204" pitchFamily="18" charset="0"/>
+                            </a:rPr>
+                          </m:ctrlPr>
+                        </m:fPr>
+                        <m:num>
+                          <m:r>
+                            <a:rPr lang="en-US" altLang="zh-TW" sz="1400" i="1">
+                              <a:latin typeface="Cambria Math" panose="02040503050406030204" pitchFamily="18" charset="0"/>
+                            </a:rPr>
+                            <m:t>&lt;</m:t>
+                          </m:r>
+                          <m:sSub>
+                            <m:sSubPr>
+                              <m:ctrlPr>
+                                <a:rPr lang="en-US" altLang="zh-TW" sz="1400" i="1">
+                                  <a:latin typeface="Cambria Math" panose="02040503050406030204" pitchFamily="18" charset="0"/>
+                                </a:rPr>
+                              </m:ctrlPr>
+                            </m:sSubPr>
+                            <m:e>
+                              <m:r>
+                                <a:rPr lang="en-US" altLang="zh-TW" sz="1400" i="1">
+                                  <a:latin typeface="Cambria Math" panose="02040503050406030204" pitchFamily="18" charset="0"/>
+                                </a:rPr>
+                                <m:t>𝑦</m:t>
+                              </m:r>
+                            </m:e>
+                            <m:sub>
+                              <m:r>
+                                <a:rPr lang="en-US" altLang="zh-TW" sz="1400" b="0" i="1" smtClean="0">
+                                  <a:latin typeface="Cambria Math" panose="02040503050406030204" pitchFamily="18" charset="0"/>
+                                </a:rPr>
+                                <m:t>2</m:t>
+                              </m:r>
+                            </m:sub>
+                          </m:sSub>
+                          <m:r>
+                            <a:rPr lang="en-US" altLang="zh-TW" sz="1400" i="1">
+                              <a:latin typeface="Cambria Math" panose="02040503050406030204" pitchFamily="18" charset="0"/>
+                            </a:rPr>
+                            <m:t>, </m:t>
+                          </m:r>
+                          <m:r>
+                            <a:rPr lang="zh-TW" altLang="en-US" sz="1400" i="1">
+                              <a:latin typeface="Cambria Math" panose="02040503050406030204" pitchFamily="18" charset="0"/>
+                            </a:rPr>
+                            <m:t> </m:t>
+                          </m:r>
+                          <m:sSup>
+                            <m:sSupPr>
+                              <m:ctrlPr>
+                                <a:rPr lang="en-US" altLang="zh-TW" sz="1400" i="1">
+                                  <a:latin typeface="Cambria Math" panose="02040503050406030204" pitchFamily="18" charset="0"/>
+                                </a:rPr>
+                              </m:ctrlPr>
+                            </m:sSupPr>
+                            <m:e>
+                              <m:r>
+                                <a:rPr lang="en-US" altLang="zh-TW" sz="1400" i="1">
+                                  <a:latin typeface="Cambria Math" panose="02040503050406030204" pitchFamily="18" charset="0"/>
+                                </a:rPr>
+                                <m:t>1</m:t>
+                              </m:r>
+                            </m:e>
+                            <m:sup>
+                              <m:r>
+                                <a:rPr lang="en-US" altLang="zh-TW" sz="1400" i="1">
+                                  <a:latin typeface="Cambria Math" panose="02040503050406030204" pitchFamily="18" charset="0"/>
+                                </a:rPr>
+                                <m:t>𝑠𝑡</m:t>
+                              </m:r>
+                            </m:sup>
+                          </m:sSup>
+                          <m:r>
+                            <a:rPr lang="en-US" altLang="zh-TW" sz="1400" i="1">
+                              <a:latin typeface="Cambria Math" panose="02040503050406030204" pitchFamily="18" charset="0"/>
+                            </a:rPr>
+                            <m:t>&gt;</m:t>
+                          </m:r>
+                        </m:num>
+                        <m:den>
+                          <m:r>
+                            <a:rPr lang="en-US" altLang="zh-TW" sz="1400" i="1">
+                              <a:latin typeface="Cambria Math" panose="02040503050406030204" pitchFamily="18" charset="0"/>
+                            </a:rPr>
+                            <m:t>16</m:t>
+                          </m:r>
+                        </m:den>
+                      </m:f>
+                      <m:r>
+                        <a:rPr lang="en-US" altLang="zh-TW" sz="1400" i="1">
+                          <a:latin typeface="Cambria Math" panose="02040503050406030204" pitchFamily="18" charset="0"/>
+                        </a:rPr>
+                        <m:t>=</m:t>
+                      </m:r>
+                      <m:r>
+                        <a:rPr lang="en-US" altLang="zh-TW" sz="1400" b="0" i="1" smtClean="0">
+                          <a:latin typeface="Cambria Math" panose="02040503050406030204" pitchFamily="18" charset="0"/>
+                        </a:rPr>
+                        <m:t>1</m:t>
+                      </m:r>
+                      <m:r>
+                        <a:rPr lang="en-US" altLang="zh-TW" sz="1400" i="1">
+                          <a:latin typeface="Cambria Math" panose="02040503050406030204" pitchFamily="18" charset="0"/>
+                        </a:rPr>
+                        <m:t>&gt;0⇒1</m:t>
+                      </m:r>
+                      <m:r>
+                        <a:rPr lang="en-US" altLang="zh-TW" sz="1400" b="0" i="1" smtClean="0">
+                          <a:latin typeface="Cambria Math" panose="02040503050406030204" pitchFamily="18" charset="0"/>
+                        </a:rPr>
+                        <m:t>,</m:t>
+                      </m:r>
+                      <m:f>
+                        <m:fPr>
+                          <m:ctrlPr>
+                            <a:rPr lang="en-US" altLang="zh-TW" sz="1400" i="1">
+                              <a:latin typeface="Cambria Math" panose="02040503050406030204" pitchFamily="18" charset="0"/>
+                            </a:rPr>
+                          </m:ctrlPr>
+                        </m:fPr>
+                        <m:num>
+                          <m:r>
+                            <a:rPr lang="en-US" altLang="zh-TW" sz="1400" i="1">
+                              <a:latin typeface="Cambria Math" panose="02040503050406030204" pitchFamily="18" charset="0"/>
+                            </a:rPr>
+                            <m:t>&lt;</m:t>
+                          </m:r>
+                          <m:sSub>
+                            <m:sSubPr>
+                              <m:ctrlPr>
+                                <a:rPr lang="en-US" altLang="zh-TW" sz="1400" i="1">
+                                  <a:latin typeface="Cambria Math" panose="02040503050406030204" pitchFamily="18" charset="0"/>
+                                </a:rPr>
+                              </m:ctrlPr>
+                            </m:sSubPr>
+                            <m:e>
+                              <m:r>
+                                <a:rPr lang="en-US" altLang="zh-TW" sz="1400" i="1">
+                                  <a:latin typeface="Cambria Math" panose="02040503050406030204" pitchFamily="18" charset="0"/>
+                                </a:rPr>
+                                <m:t>𝑦</m:t>
+                              </m:r>
+                            </m:e>
+                            <m:sub>
+                              <m:r>
+                                <a:rPr lang="en-US" altLang="zh-TW" sz="1400" b="0" i="1" smtClean="0">
+                                  <a:latin typeface="Cambria Math" panose="02040503050406030204" pitchFamily="18" charset="0"/>
+                                </a:rPr>
+                                <m:t>3</m:t>
+                              </m:r>
+                            </m:sub>
+                          </m:sSub>
+                          <m:r>
+                            <a:rPr lang="en-US" altLang="zh-TW" sz="1400" i="1">
+                              <a:latin typeface="Cambria Math" panose="02040503050406030204" pitchFamily="18" charset="0"/>
+                            </a:rPr>
+                            <m:t>, </m:t>
+                          </m:r>
+                          <m:r>
+                            <a:rPr lang="zh-TW" altLang="en-US" sz="1400" i="1">
+                              <a:latin typeface="Cambria Math" panose="02040503050406030204" pitchFamily="18" charset="0"/>
+                            </a:rPr>
+                            <m:t> </m:t>
+                          </m:r>
+                          <m:sSup>
+                            <m:sSupPr>
+                              <m:ctrlPr>
+                                <a:rPr lang="en-US" altLang="zh-TW" sz="1400" i="1">
+                                  <a:latin typeface="Cambria Math" panose="02040503050406030204" pitchFamily="18" charset="0"/>
+                                </a:rPr>
+                              </m:ctrlPr>
+                            </m:sSupPr>
+                            <m:e>
+                              <m:r>
+                                <a:rPr lang="en-US" altLang="zh-TW" sz="1400" i="1">
+                                  <a:latin typeface="Cambria Math" panose="02040503050406030204" pitchFamily="18" charset="0"/>
+                                </a:rPr>
+                                <m:t>1</m:t>
+                              </m:r>
+                            </m:e>
+                            <m:sup>
+                              <m:r>
+                                <a:rPr lang="en-US" altLang="zh-TW" sz="1400" i="1">
+                                  <a:latin typeface="Cambria Math" panose="02040503050406030204" pitchFamily="18" charset="0"/>
+                                </a:rPr>
+                                <m:t>𝑠𝑡</m:t>
+                              </m:r>
+                            </m:sup>
+                          </m:sSup>
+                          <m:r>
+                            <a:rPr lang="en-US" altLang="zh-TW" sz="1400" i="1">
+                              <a:latin typeface="Cambria Math" panose="02040503050406030204" pitchFamily="18" charset="0"/>
+                            </a:rPr>
+                            <m:t>&gt;</m:t>
+                          </m:r>
+                        </m:num>
+                        <m:den>
+                          <m:r>
+                            <a:rPr lang="en-US" altLang="zh-TW" sz="1400" i="1">
+                              <a:latin typeface="Cambria Math" panose="02040503050406030204" pitchFamily="18" charset="0"/>
+                            </a:rPr>
+                            <m:t>16</m:t>
+                          </m:r>
+                        </m:den>
+                      </m:f>
+                      <m:r>
+                        <a:rPr lang="en-US" altLang="zh-TW" sz="1400" i="1">
+                          <a:latin typeface="Cambria Math" panose="02040503050406030204" pitchFamily="18" charset="0"/>
+                        </a:rPr>
+                        <m:t>=</m:t>
+                      </m:r>
+                      <m:r>
+                        <a:rPr lang="en-US" altLang="zh-TW" sz="1400" b="0" i="1" smtClean="0">
+                          <a:latin typeface="Cambria Math" panose="02040503050406030204" pitchFamily="18" charset="0"/>
+                        </a:rPr>
+                        <m:t>−1&lt;</m:t>
+                      </m:r>
+                      <m:r>
+                        <a:rPr lang="en-US" altLang="zh-TW" sz="1400" i="1">
+                          <a:latin typeface="Cambria Math" panose="02040503050406030204" pitchFamily="18" charset="0"/>
+                        </a:rPr>
+                        <m:t>0⇒</m:t>
+                      </m:r>
+                      <m:r>
+                        <a:rPr lang="en-US" altLang="zh-TW" sz="1400" b="0" i="1" smtClean="0">
+                          <a:latin typeface="Cambria Math" panose="02040503050406030204" pitchFamily="18" charset="0"/>
+                        </a:rPr>
+                        <m:t>−</m:t>
+                      </m:r>
+                      <m:r>
+                        <a:rPr lang="en-US" altLang="zh-TW" sz="1400" i="1">
+                          <a:latin typeface="Cambria Math" panose="02040503050406030204" pitchFamily="18" charset="0"/>
+                        </a:rPr>
+                        <m:t>1</m:t>
+                      </m:r>
+                    </m:oMath>
+                  </m:oMathPara>
+                </a14:m>
+                <a:endParaRPr lang="en-US" altLang="zh-TW" sz="1400" dirty="0"/>
+              </a:p>
+              <a:p>
+                <a:pPr/>
+                <a14:m>
+                  <m:oMathPara xmlns:m="http://schemas.openxmlformats.org/officeDocument/2006/math">
+                    <m:oMathParaPr>
+                      <m:jc m:val="left"/>
+                    </m:oMathParaPr>
+                    <m:oMath xmlns:m="http://schemas.openxmlformats.org/officeDocument/2006/math">
+                      <m:r>
+                        <a:rPr lang="en-US" altLang="zh-TW" sz="1400" b="0" i="1" smtClean="0">
+                          <a:latin typeface="Cambria Math" panose="02040503050406030204" pitchFamily="18" charset="0"/>
+                        </a:rPr>
+                        <m:t>⇒</m:t>
+                      </m:r>
+                      <m:d>
+                        <m:dPr>
+                          <m:begChr m:val="["/>
+                          <m:endChr m:val="]"/>
+                          <m:ctrlPr>
+                            <a:rPr lang="en-US" altLang="zh-TW" sz="1400" b="0" i="1" smtClean="0">
+                              <a:latin typeface="Cambria Math" panose="02040503050406030204" pitchFamily="18" charset="0"/>
+                            </a:rPr>
+                          </m:ctrlPr>
+                        </m:dPr>
+                        <m:e>
+                          <m:r>
+                            <a:rPr lang="en-US" altLang="zh-TW" sz="1400" b="0" i="1" smtClean="0">
+                              <a:latin typeface="Cambria Math" panose="02040503050406030204" pitchFamily="18" charset="0"/>
+                            </a:rPr>
+                            <m:t>1</m:t>
+                          </m:r>
+                          <m:r>
+                            <a:rPr lang="zh-TW" altLang="en-US" sz="1400" b="0" i="1" smtClean="0">
+                              <a:latin typeface="Cambria Math" panose="02040503050406030204" pitchFamily="18" charset="0"/>
+                            </a:rPr>
+                            <m:t> </m:t>
+                          </m:r>
+                          <m:r>
+                            <a:rPr lang="en-US" altLang="zh-TW" sz="1400" b="0" i="1" smtClean="0">
+                              <a:latin typeface="Cambria Math" panose="02040503050406030204" pitchFamily="18" charset="0"/>
+                            </a:rPr>
+                            <m:t>1</m:t>
+                          </m:r>
+                          <m:r>
+                            <a:rPr lang="zh-TW" altLang="en-US" sz="1400" b="0" i="1" smtClean="0">
+                              <a:latin typeface="Cambria Math" panose="02040503050406030204" pitchFamily="18" charset="0"/>
+                            </a:rPr>
+                            <m:t> </m:t>
+                          </m:r>
+                          <m:r>
+                            <a:rPr lang="en-US" altLang="zh-TW" sz="1400" b="0" i="1" smtClean="0">
+                              <a:latin typeface="Cambria Math" panose="02040503050406030204" pitchFamily="18" charset="0"/>
+                            </a:rPr>
+                            <m:t>0</m:t>
+                          </m:r>
+                        </m:e>
+                      </m:d>
+                    </m:oMath>
+                  </m:oMathPara>
+                </a14:m>
+                <a:endParaRPr lang="en-US" altLang="zh-TW" sz="1400" b="0" dirty="0"/>
+              </a:p>
+              <a:p>
+                <a:pPr/>
+                <a14:m>
+                  <m:oMathPara xmlns:m="http://schemas.openxmlformats.org/officeDocument/2006/math">
+                    <m:oMathParaPr>
+                      <m:jc m:val="left"/>
+                    </m:oMathParaPr>
+                    <m:oMath xmlns:m="http://schemas.openxmlformats.org/officeDocument/2006/math">
+                      <m:f>
+                        <m:fPr>
+                          <m:ctrlPr>
+                            <a:rPr lang="en-US" altLang="zh-TW" sz="1400" i="1" smtClean="0">
+                              <a:latin typeface="Cambria Math" panose="02040503050406030204" pitchFamily="18" charset="0"/>
+                            </a:rPr>
+                          </m:ctrlPr>
+                        </m:fPr>
+                        <m:num>
+                          <m:r>
+                            <a:rPr lang="en-US" altLang="zh-TW" sz="1400" b="0" i="1" smtClean="0">
+                              <a:latin typeface="Cambria Math" panose="02040503050406030204" pitchFamily="18" charset="0"/>
+                            </a:rPr>
+                            <m:t>&lt;</m:t>
+                          </m:r>
+                          <m:sSub>
+                            <m:sSubPr>
+                              <m:ctrlPr>
+                                <a:rPr lang="en-US" altLang="zh-TW" sz="1400" b="0" i="1" smtClean="0">
+                                  <a:latin typeface="Cambria Math" panose="02040503050406030204" pitchFamily="18" charset="0"/>
+                                </a:rPr>
+                              </m:ctrlPr>
+                            </m:sSubPr>
+                            <m:e>
+                              <m:r>
+                                <a:rPr lang="en-US" altLang="zh-TW" sz="1400" b="0" i="1" smtClean="0">
+                                  <a:latin typeface="Cambria Math" panose="02040503050406030204" pitchFamily="18" charset="0"/>
+                                </a:rPr>
+                                <m:t>𝑦</m:t>
+                              </m:r>
+                            </m:e>
+                            <m:sub>
+                              <m:r>
+                                <a:rPr lang="en-US" altLang="zh-TW" sz="1400" b="0" i="1" smtClean="0">
+                                  <a:latin typeface="Cambria Math" panose="02040503050406030204" pitchFamily="18" charset="0"/>
+                                </a:rPr>
+                                <m:t>1</m:t>
+                              </m:r>
+                            </m:sub>
+                          </m:sSub>
+                          <m:r>
+                            <a:rPr lang="en-US" altLang="zh-TW" sz="1400" b="0" i="1" smtClean="0">
+                              <a:latin typeface="Cambria Math" panose="02040503050406030204" pitchFamily="18" charset="0"/>
+                            </a:rPr>
+                            <m:t>, </m:t>
+                          </m:r>
+                          <m:r>
+                            <a:rPr lang="zh-TW" altLang="en-US" sz="1400" b="0" i="1" smtClean="0">
+                              <a:latin typeface="Cambria Math" panose="02040503050406030204" pitchFamily="18" charset="0"/>
+                            </a:rPr>
+                            <m:t> </m:t>
+                          </m:r>
+                          <m:sSup>
+                            <m:sSupPr>
+                              <m:ctrlPr>
+                                <a:rPr lang="en-US" altLang="zh-TW" sz="1400" b="0" i="1" smtClean="0">
+                                  <a:latin typeface="Cambria Math" panose="02040503050406030204" pitchFamily="18" charset="0"/>
+                                </a:rPr>
+                              </m:ctrlPr>
+                            </m:sSupPr>
+                            <m:e>
+                              <m:r>
+                                <a:rPr lang="en-US" altLang="zh-TW" sz="1400" b="0" i="1" smtClean="0">
+                                  <a:latin typeface="Cambria Math" panose="02040503050406030204" pitchFamily="18" charset="0"/>
+                                </a:rPr>
+                                <m:t>6</m:t>
+                              </m:r>
+                            </m:e>
+                            <m:sup>
+                              <m:r>
+                                <a:rPr lang="en-US" altLang="zh-TW" sz="1400" b="0" i="1" smtClean="0">
+                                  <a:latin typeface="Cambria Math" panose="02040503050406030204" pitchFamily="18" charset="0"/>
+                                </a:rPr>
+                                <m:t>𝑠𝑡</m:t>
+                              </m:r>
+                            </m:sup>
+                          </m:sSup>
+                          <m:r>
+                            <a:rPr lang="en-US" altLang="zh-TW" sz="1400" b="0" i="1" smtClean="0">
+                              <a:latin typeface="Cambria Math" panose="02040503050406030204" pitchFamily="18" charset="0"/>
+                            </a:rPr>
+                            <m:t>&gt;</m:t>
+                          </m:r>
+                        </m:num>
+                        <m:den>
+                          <m:r>
+                            <a:rPr lang="en-US" altLang="zh-TW" sz="1400" b="0" i="1" smtClean="0">
+                              <a:latin typeface="Cambria Math" panose="02040503050406030204" pitchFamily="18" charset="0"/>
+                            </a:rPr>
+                            <m:t>16</m:t>
+                          </m:r>
+                        </m:den>
+                      </m:f>
+                      <m:r>
+                        <a:rPr lang="en-US" altLang="zh-TW" sz="1400" i="1">
+                          <a:latin typeface="Cambria Math" panose="02040503050406030204" pitchFamily="18" charset="0"/>
+                        </a:rPr>
+                        <m:t>=</m:t>
+                      </m:r>
+                      <m:r>
+                        <a:rPr lang="en-US" altLang="zh-TW" sz="1400" i="1">
+                          <a:latin typeface="Cambria Math" panose="02040503050406030204" pitchFamily="18" charset="0"/>
+                        </a:rPr>
+                        <m:t>-0.7500</m:t>
+                      </m:r>
+                      <m:r>
+                        <a:rPr lang="en-US" altLang="zh-TW" sz="1400" b="0" i="1" smtClean="0">
+                          <a:latin typeface="Cambria Math" panose="02040503050406030204" pitchFamily="18" charset="0"/>
+                        </a:rPr>
+                        <m:t>&lt;</m:t>
+                      </m:r>
+                      <m:r>
+                        <a:rPr lang="en-US" altLang="zh-TW" sz="1400" b="0" i="1" smtClean="0">
+                          <a:latin typeface="Cambria Math" panose="02040503050406030204" pitchFamily="18" charset="0"/>
+                        </a:rPr>
+                        <m:t>0⇒</m:t>
+                      </m:r>
+                      <m:r>
+                        <a:rPr lang="en-US" altLang="zh-TW" sz="1400" b="0" i="1" smtClean="0">
+                          <a:latin typeface="Cambria Math" panose="02040503050406030204" pitchFamily="18" charset="0"/>
+                        </a:rPr>
+                        <m:t>−</m:t>
+                      </m:r>
+                      <m:r>
+                        <a:rPr lang="en-US" altLang="zh-TW" sz="1400" b="0" i="1" smtClean="0">
+                          <a:latin typeface="Cambria Math" panose="02040503050406030204" pitchFamily="18" charset="0"/>
+                        </a:rPr>
+                        <m:t>1,</m:t>
+                      </m:r>
+                      <m:f>
+                        <m:fPr>
+                          <m:ctrlPr>
+                            <a:rPr lang="en-US" altLang="zh-TW" sz="1400" i="1">
+                              <a:latin typeface="Cambria Math" panose="02040503050406030204" pitchFamily="18" charset="0"/>
+                            </a:rPr>
+                          </m:ctrlPr>
+                        </m:fPr>
+                        <m:num>
+                          <m:r>
+                            <a:rPr lang="en-US" altLang="zh-TW" sz="1400" i="1">
+                              <a:latin typeface="Cambria Math" panose="02040503050406030204" pitchFamily="18" charset="0"/>
+                            </a:rPr>
+                            <m:t>&lt;</m:t>
+                          </m:r>
+                          <m:sSub>
+                            <m:sSubPr>
+                              <m:ctrlPr>
+                                <a:rPr lang="en-US" altLang="zh-TW" sz="1400" i="1">
+                                  <a:latin typeface="Cambria Math" panose="02040503050406030204" pitchFamily="18" charset="0"/>
+                                </a:rPr>
+                              </m:ctrlPr>
+                            </m:sSubPr>
+                            <m:e>
+                              <m:r>
+                                <a:rPr lang="en-US" altLang="zh-TW" sz="1400" i="1">
+                                  <a:latin typeface="Cambria Math" panose="02040503050406030204" pitchFamily="18" charset="0"/>
+                                </a:rPr>
+                                <m:t>𝑦</m:t>
+                              </m:r>
+                            </m:e>
+                            <m:sub>
+                              <m:r>
+                                <a:rPr lang="en-US" altLang="zh-TW" sz="1400" b="0" i="1" smtClean="0">
+                                  <a:latin typeface="Cambria Math" panose="02040503050406030204" pitchFamily="18" charset="0"/>
+                                </a:rPr>
+                                <m:t>2</m:t>
+                              </m:r>
+                            </m:sub>
+                          </m:sSub>
+                          <m:r>
+                            <a:rPr lang="en-US" altLang="zh-TW" sz="1400" i="1">
+                              <a:latin typeface="Cambria Math" panose="02040503050406030204" pitchFamily="18" charset="0"/>
+                            </a:rPr>
+                            <m:t>, </m:t>
+                          </m:r>
+                          <m:r>
+                            <a:rPr lang="zh-TW" altLang="en-US" sz="1400" i="1">
+                              <a:latin typeface="Cambria Math" panose="02040503050406030204" pitchFamily="18" charset="0"/>
+                            </a:rPr>
+                            <m:t> </m:t>
+                          </m:r>
+                          <m:sSup>
+                            <m:sSupPr>
+                              <m:ctrlPr>
+                                <a:rPr lang="en-US" altLang="zh-TW" sz="1400" i="1">
+                                  <a:latin typeface="Cambria Math" panose="02040503050406030204" pitchFamily="18" charset="0"/>
+                                </a:rPr>
+                              </m:ctrlPr>
+                            </m:sSupPr>
+                            <m:e>
+                              <m:r>
+                                <a:rPr lang="en-US" altLang="zh-TW" sz="1400" b="0" i="1" smtClean="0">
+                                  <a:latin typeface="Cambria Math" panose="02040503050406030204" pitchFamily="18" charset="0"/>
+                                </a:rPr>
+                                <m:t>6</m:t>
+                              </m:r>
+                            </m:e>
+                            <m:sup>
+                              <m:r>
+                                <a:rPr lang="en-US" altLang="zh-TW" sz="1400" i="1">
+                                  <a:latin typeface="Cambria Math" panose="02040503050406030204" pitchFamily="18" charset="0"/>
+                                </a:rPr>
+                                <m:t>𝑠𝑡</m:t>
+                              </m:r>
+                            </m:sup>
+                          </m:sSup>
+                          <m:r>
+                            <a:rPr lang="en-US" altLang="zh-TW" sz="1400" i="1">
+                              <a:latin typeface="Cambria Math" panose="02040503050406030204" pitchFamily="18" charset="0"/>
+                            </a:rPr>
+                            <m:t>&gt;</m:t>
+                          </m:r>
+                        </m:num>
+                        <m:den>
+                          <m:r>
+                            <a:rPr lang="en-US" altLang="zh-TW" sz="1400" i="1">
+                              <a:latin typeface="Cambria Math" panose="02040503050406030204" pitchFamily="18" charset="0"/>
+                            </a:rPr>
+                            <m:t>16</m:t>
+                          </m:r>
+                        </m:den>
+                      </m:f>
+                      <m:r>
+                        <a:rPr lang="en-US" altLang="zh-TW" sz="1400" i="1">
+                          <a:latin typeface="Cambria Math" panose="02040503050406030204" pitchFamily="18" charset="0"/>
+                        </a:rPr>
+                        <m:t>=</m:t>
+                      </m:r>
+                      <m:r>
+                        <a:rPr lang="en-US" altLang="zh-TW" sz="1400" b="0" i="1" smtClean="0">
+                          <a:latin typeface="Cambria Math" panose="02040503050406030204" pitchFamily="18" charset="0"/>
+                        </a:rPr>
+                        <m:t>1</m:t>
+                      </m:r>
+                      <m:r>
+                        <a:rPr lang="en-US" altLang="zh-TW" sz="1400" i="1">
+                          <a:latin typeface="Cambria Math" panose="02040503050406030204" pitchFamily="18" charset="0"/>
+                        </a:rPr>
+                        <m:t>&gt;0⇒1</m:t>
+                      </m:r>
+                      <m:r>
+                        <a:rPr lang="en-US" altLang="zh-TW" sz="1400" b="0" i="1" smtClean="0">
+                          <a:latin typeface="Cambria Math" panose="02040503050406030204" pitchFamily="18" charset="0"/>
+                        </a:rPr>
+                        <m:t>,</m:t>
+                      </m:r>
+                      <m:f>
+                        <m:fPr>
+                          <m:ctrlPr>
+                            <a:rPr lang="en-US" altLang="zh-TW" sz="1400" i="1">
+                              <a:latin typeface="Cambria Math" panose="02040503050406030204" pitchFamily="18" charset="0"/>
+                            </a:rPr>
+                          </m:ctrlPr>
+                        </m:fPr>
+                        <m:num>
+                          <m:r>
+                            <a:rPr lang="en-US" altLang="zh-TW" sz="1400" i="1">
+                              <a:latin typeface="Cambria Math" panose="02040503050406030204" pitchFamily="18" charset="0"/>
+                            </a:rPr>
+                            <m:t>&lt;</m:t>
+                          </m:r>
+                          <m:sSub>
+                            <m:sSubPr>
+                              <m:ctrlPr>
+                                <a:rPr lang="en-US" altLang="zh-TW" sz="1400" i="1">
+                                  <a:latin typeface="Cambria Math" panose="02040503050406030204" pitchFamily="18" charset="0"/>
+                                </a:rPr>
+                              </m:ctrlPr>
+                            </m:sSubPr>
+                            <m:e>
+                              <m:r>
+                                <a:rPr lang="en-US" altLang="zh-TW" sz="1400" i="1">
+                                  <a:latin typeface="Cambria Math" panose="02040503050406030204" pitchFamily="18" charset="0"/>
+                                </a:rPr>
+                                <m:t>𝑦</m:t>
+                              </m:r>
+                            </m:e>
+                            <m:sub>
+                              <m:r>
+                                <a:rPr lang="en-US" altLang="zh-TW" sz="1400" b="0" i="1" smtClean="0">
+                                  <a:latin typeface="Cambria Math" panose="02040503050406030204" pitchFamily="18" charset="0"/>
+                                </a:rPr>
+                                <m:t>3</m:t>
+                              </m:r>
+                            </m:sub>
+                          </m:sSub>
+                          <m:r>
+                            <a:rPr lang="en-US" altLang="zh-TW" sz="1400" i="1">
+                              <a:latin typeface="Cambria Math" panose="02040503050406030204" pitchFamily="18" charset="0"/>
+                            </a:rPr>
+                            <m:t>, </m:t>
+                          </m:r>
+                          <m:r>
+                            <a:rPr lang="zh-TW" altLang="en-US" sz="1400" i="1">
+                              <a:latin typeface="Cambria Math" panose="02040503050406030204" pitchFamily="18" charset="0"/>
+                            </a:rPr>
+                            <m:t> </m:t>
+                          </m:r>
+                          <m:sSup>
+                            <m:sSupPr>
+                              <m:ctrlPr>
+                                <a:rPr lang="en-US" altLang="zh-TW" sz="1400" i="1">
+                                  <a:latin typeface="Cambria Math" panose="02040503050406030204" pitchFamily="18" charset="0"/>
+                                </a:rPr>
+                              </m:ctrlPr>
+                            </m:sSupPr>
+                            <m:e>
+                              <m:r>
+                                <a:rPr lang="en-US" altLang="zh-TW" sz="1400" b="0" i="1" smtClean="0">
+                                  <a:latin typeface="Cambria Math" panose="02040503050406030204" pitchFamily="18" charset="0"/>
+                                </a:rPr>
+                                <m:t>6</m:t>
+                              </m:r>
+                            </m:e>
+                            <m:sup>
+                              <m:r>
+                                <a:rPr lang="en-US" altLang="zh-TW" sz="1400" i="1">
+                                  <a:latin typeface="Cambria Math" panose="02040503050406030204" pitchFamily="18" charset="0"/>
+                                </a:rPr>
+                                <m:t>𝑠𝑡</m:t>
+                              </m:r>
+                            </m:sup>
+                          </m:sSup>
+                          <m:r>
+                            <a:rPr lang="en-US" altLang="zh-TW" sz="1400" i="1">
+                              <a:latin typeface="Cambria Math" panose="02040503050406030204" pitchFamily="18" charset="0"/>
+                            </a:rPr>
+                            <m:t>&gt;</m:t>
+                          </m:r>
+                        </m:num>
+                        <m:den>
+                          <m:r>
+                            <a:rPr lang="en-US" altLang="zh-TW" sz="1400" i="1">
+                              <a:latin typeface="Cambria Math" panose="02040503050406030204" pitchFamily="18" charset="0"/>
+                            </a:rPr>
+                            <m:t>16</m:t>
+                          </m:r>
+                        </m:den>
+                      </m:f>
+                      <m:r>
+                        <a:rPr lang="en-US" altLang="zh-TW" sz="1400" i="1">
+                          <a:latin typeface="Cambria Math" panose="02040503050406030204" pitchFamily="18" charset="0"/>
+                        </a:rPr>
+                        <m:t>=</m:t>
+                      </m:r>
+                      <m:r>
+                        <a:rPr lang="en-US" altLang="zh-TW" sz="1400" b="0" i="1" smtClean="0">
+                          <a:latin typeface="Cambria Math" panose="02040503050406030204" pitchFamily="18" charset="0"/>
+                        </a:rPr>
+                        <m:t>1</m:t>
+                      </m:r>
+                      <m:r>
+                        <a:rPr lang="en-US" altLang="zh-TW" sz="1400" b="0" i="1" smtClean="0">
+                          <a:latin typeface="Cambria Math" panose="02040503050406030204" pitchFamily="18" charset="0"/>
+                        </a:rPr>
+                        <m:t>&gt;</m:t>
+                      </m:r>
+                      <m:r>
+                        <a:rPr lang="en-US" altLang="zh-TW" sz="1400" i="1">
+                          <a:latin typeface="Cambria Math" panose="02040503050406030204" pitchFamily="18" charset="0"/>
+                        </a:rPr>
+                        <m:t>0⇒1</m:t>
+                      </m:r>
+                    </m:oMath>
+                  </m:oMathPara>
+                </a14:m>
+                <a:endParaRPr lang="en-US" altLang="zh-TW" sz="1400" dirty="0"/>
+              </a:p>
+              <a:p>
+                <a:pPr marL="285750" indent="-285750">
+                  <a:buFont typeface="Symbol" pitchFamily="2" charset="2"/>
+                  <a:buChar char="Þ"/>
+                </a:pPr>
+                <a:r>
+                  <a:rPr lang="en-US" altLang="zh-TW" sz="1400" dirty="0"/>
+                  <a:t>[0</a:t>
+                </a:r>
+                <a:r>
+                  <a:rPr lang="zh-TW" altLang="en-US" sz="1400" dirty="0"/>
+                  <a:t> </a:t>
+                </a:r>
+                <a:r>
+                  <a:rPr lang="en-US" altLang="zh-TW" sz="1400" dirty="0"/>
+                  <a:t>1</a:t>
+                </a:r>
+                <a:r>
+                  <a:rPr lang="zh-TW" altLang="en-US" sz="1400" dirty="0"/>
+                  <a:t> </a:t>
+                </a:r>
+                <a:r>
+                  <a:rPr lang="en-US" altLang="zh-TW" sz="1400" dirty="0"/>
+                  <a:t>1]</a:t>
+                </a:r>
+              </a:p>
+              <a:p>
+                <a:pPr/>
+                <a14:m>
+                  <m:oMathPara xmlns:m="http://schemas.openxmlformats.org/officeDocument/2006/math">
+                    <m:oMathParaPr>
+                      <m:jc m:val="left"/>
+                    </m:oMathParaPr>
+                    <m:oMath xmlns:m="http://schemas.openxmlformats.org/officeDocument/2006/math">
+                      <m:f>
+                        <m:fPr>
+                          <m:ctrlPr>
+                            <a:rPr lang="en-US" altLang="zh-TW" sz="1400" i="1" smtClean="0">
+                              <a:latin typeface="Cambria Math" panose="02040503050406030204" pitchFamily="18" charset="0"/>
+                            </a:rPr>
+                          </m:ctrlPr>
+                        </m:fPr>
+                        <m:num>
+                          <m:r>
+                            <a:rPr lang="en-US" altLang="zh-TW" sz="1400" b="0" i="1" smtClean="0">
+                              <a:latin typeface="Cambria Math" panose="02040503050406030204" pitchFamily="18" charset="0"/>
+                            </a:rPr>
+                            <m:t>&lt;</m:t>
+                          </m:r>
+                          <m:sSub>
+                            <m:sSubPr>
+                              <m:ctrlPr>
+                                <a:rPr lang="en-US" altLang="zh-TW" sz="1400" b="0" i="1" smtClean="0">
+                                  <a:latin typeface="Cambria Math" panose="02040503050406030204" pitchFamily="18" charset="0"/>
+                                </a:rPr>
+                              </m:ctrlPr>
+                            </m:sSubPr>
+                            <m:e>
+                              <m:r>
+                                <a:rPr lang="en-US" altLang="zh-TW" sz="1400" b="0" i="1" smtClean="0">
+                                  <a:latin typeface="Cambria Math" panose="02040503050406030204" pitchFamily="18" charset="0"/>
+                                </a:rPr>
+                                <m:t>𝑦</m:t>
+                              </m:r>
+                            </m:e>
+                            <m:sub>
+                              <m:r>
+                                <a:rPr lang="en-US" altLang="zh-TW" sz="1400" b="0" i="1" smtClean="0">
+                                  <a:latin typeface="Cambria Math" panose="02040503050406030204" pitchFamily="18" charset="0"/>
+                                </a:rPr>
+                                <m:t>1</m:t>
+                              </m:r>
+                            </m:sub>
+                          </m:sSub>
+                          <m:r>
+                            <a:rPr lang="en-US" altLang="zh-TW" sz="1400" b="0" i="1" smtClean="0">
+                              <a:latin typeface="Cambria Math" panose="02040503050406030204" pitchFamily="18" charset="0"/>
+                            </a:rPr>
+                            <m:t>, </m:t>
+                          </m:r>
+                          <m:r>
+                            <a:rPr lang="zh-TW" altLang="en-US" sz="1400" b="0" i="1" smtClean="0">
+                              <a:latin typeface="Cambria Math" panose="02040503050406030204" pitchFamily="18" charset="0"/>
+                            </a:rPr>
+                            <m:t> </m:t>
+                          </m:r>
+                          <m:sSup>
+                            <m:sSupPr>
+                              <m:ctrlPr>
+                                <a:rPr lang="en-US" altLang="zh-TW" sz="1400" b="0" i="1" smtClean="0">
+                                  <a:latin typeface="Cambria Math" panose="02040503050406030204" pitchFamily="18" charset="0"/>
+                                </a:rPr>
+                              </m:ctrlPr>
+                            </m:sSupPr>
+                            <m:e>
+                              <m:r>
+                                <a:rPr lang="en-US" altLang="zh-TW" sz="1400" b="0" i="1" smtClean="0">
+                                  <a:latin typeface="Cambria Math" panose="02040503050406030204" pitchFamily="18" charset="0"/>
+                                </a:rPr>
+                                <m:t>12</m:t>
+                              </m:r>
+                            </m:e>
+                            <m:sup>
+                              <m:r>
+                                <a:rPr lang="en-US" altLang="zh-TW" sz="1400" b="0" i="1" smtClean="0">
+                                  <a:latin typeface="Cambria Math" panose="02040503050406030204" pitchFamily="18" charset="0"/>
+                                </a:rPr>
+                                <m:t>𝑠𝑡</m:t>
+                              </m:r>
+                            </m:sup>
+                          </m:sSup>
+                          <m:r>
+                            <a:rPr lang="en-US" altLang="zh-TW" sz="1400" b="0" i="1" smtClean="0">
+                              <a:latin typeface="Cambria Math" panose="02040503050406030204" pitchFamily="18" charset="0"/>
+                            </a:rPr>
+                            <m:t>&gt;</m:t>
+                          </m:r>
+                        </m:num>
+                        <m:den>
+                          <m:r>
+                            <a:rPr lang="en-US" altLang="zh-TW" sz="1400" b="0" i="1" smtClean="0">
+                              <a:latin typeface="Cambria Math" panose="02040503050406030204" pitchFamily="18" charset="0"/>
+                            </a:rPr>
+                            <m:t>16</m:t>
+                          </m:r>
+                        </m:den>
+                      </m:f>
+                      <m:r>
+                        <a:rPr lang="en-US" altLang="zh-TW" sz="1400" i="1">
+                          <a:latin typeface="Cambria Math" panose="02040503050406030204" pitchFamily="18" charset="0"/>
+                        </a:rPr>
+                        <m:t>=0.7500</m:t>
+                      </m:r>
+                      <m:r>
+                        <a:rPr lang="en-US" altLang="zh-TW" sz="1400" b="0" i="1" smtClean="0">
+                          <a:latin typeface="Cambria Math" panose="02040503050406030204" pitchFamily="18" charset="0"/>
+                        </a:rPr>
+                        <m:t>&gt;</m:t>
+                      </m:r>
+                      <m:r>
+                        <a:rPr lang="en-US" altLang="zh-TW" sz="1400" b="0" i="1" smtClean="0">
+                          <a:latin typeface="Cambria Math" panose="02040503050406030204" pitchFamily="18" charset="0"/>
+                        </a:rPr>
+                        <m:t>0⇒1,</m:t>
+                      </m:r>
+                      <m:f>
+                        <m:fPr>
+                          <m:ctrlPr>
+                            <a:rPr lang="en-US" altLang="zh-TW" sz="1400" i="1">
+                              <a:latin typeface="Cambria Math" panose="02040503050406030204" pitchFamily="18" charset="0"/>
+                            </a:rPr>
+                          </m:ctrlPr>
+                        </m:fPr>
+                        <m:num>
+                          <m:r>
+                            <a:rPr lang="en-US" altLang="zh-TW" sz="1400" i="1">
+                              <a:latin typeface="Cambria Math" panose="02040503050406030204" pitchFamily="18" charset="0"/>
+                            </a:rPr>
+                            <m:t>&lt;</m:t>
+                          </m:r>
+                          <m:sSub>
+                            <m:sSubPr>
+                              <m:ctrlPr>
+                                <a:rPr lang="en-US" altLang="zh-TW" sz="1400" i="1">
+                                  <a:latin typeface="Cambria Math" panose="02040503050406030204" pitchFamily="18" charset="0"/>
+                                </a:rPr>
+                              </m:ctrlPr>
+                            </m:sSubPr>
+                            <m:e>
+                              <m:r>
+                                <a:rPr lang="en-US" altLang="zh-TW" sz="1400" i="1">
+                                  <a:latin typeface="Cambria Math" panose="02040503050406030204" pitchFamily="18" charset="0"/>
+                                </a:rPr>
+                                <m:t>𝑦</m:t>
+                              </m:r>
+                            </m:e>
+                            <m:sub>
+                              <m:r>
+                                <a:rPr lang="en-US" altLang="zh-TW" sz="1400" b="0" i="1" smtClean="0">
+                                  <a:latin typeface="Cambria Math" panose="02040503050406030204" pitchFamily="18" charset="0"/>
+                                </a:rPr>
+                                <m:t>2</m:t>
+                              </m:r>
+                            </m:sub>
+                          </m:sSub>
+                          <m:r>
+                            <a:rPr lang="en-US" altLang="zh-TW" sz="1400" i="1">
+                              <a:latin typeface="Cambria Math" panose="02040503050406030204" pitchFamily="18" charset="0"/>
+                            </a:rPr>
+                            <m:t>, </m:t>
+                          </m:r>
+                          <m:r>
+                            <a:rPr lang="zh-TW" altLang="en-US" sz="1400" i="1">
+                              <a:latin typeface="Cambria Math" panose="02040503050406030204" pitchFamily="18" charset="0"/>
+                            </a:rPr>
+                            <m:t> </m:t>
+                          </m:r>
+                          <m:sSup>
+                            <m:sSupPr>
+                              <m:ctrlPr>
+                                <a:rPr lang="en-US" altLang="zh-TW" sz="1400" i="1">
+                                  <a:latin typeface="Cambria Math" panose="02040503050406030204" pitchFamily="18" charset="0"/>
+                                </a:rPr>
+                              </m:ctrlPr>
+                            </m:sSupPr>
+                            <m:e>
+                              <m:r>
+                                <a:rPr lang="en-US" altLang="zh-TW" sz="1400" b="0" i="1" smtClean="0">
+                                  <a:latin typeface="Cambria Math" panose="02040503050406030204" pitchFamily="18" charset="0"/>
+                                </a:rPr>
+                                <m:t>12</m:t>
+                              </m:r>
+                            </m:e>
+                            <m:sup>
+                              <m:r>
+                                <a:rPr lang="en-US" altLang="zh-TW" sz="1400" i="1">
+                                  <a:latin typeface="Cambria Math" panose="02040503050406030204" pitchFamily="18" charset="0"/>
+                                </a:rPr>
+                                <m:t>𝑠𝑡</m:t>
+                              </m:r>
+                            </m:sup>
+                          </m:sSup>
+                          <m:r>
+                            <a:rPr lang="en-US" altLang="zh-TW" sz="1400" i="1">
+                              <a:latin typeface="Cambria Math" panose="02040503050406030204" pitchFamily="18" charset="0"/>
+                            </a:rPr>
+                            <m:t>&gt;</m:t>
+                          </m:r>
+                        </m:num>
+                        <m:den>
+                          <m:r>
+                            <a:rPr lang="en-US" altLang="zh-TW" sz="1400" i="1">
+                              <a:latin typeface="Cambria Math" panose="02040503050406030204" pitchFamily="18" charset="0"/>
+                            </a:rPr>
+                            <m:t>16</m:t>
+                          </m:r>
+                        </m:den>
+                      </m:f>
+                      <m:r>
+                        <a:rPr lang="en-US" altLang="zh-TW" sz="1400" i="1">
+                          <a:latin typeface="Cambria Math" panose="02040503050406030204" pitchFamily="18" charset="0"/>
+                        </a:rPr>
+                        <m:t>=</m:t>
+                      </m:r>
+                      <m:r>
+                        <a:rPr lang="en-US" altLang="zh-TW" sz="1400" b="0" i="1" smtClean="0">
+                          <a:latin typeface="Cambria Math" panose="02040503050406030204" pitchFamily="18" charset="0"/>
+                        </a:rPr>
+                        <m:t>−</m:t>
+                      </m:r>
+                      <m:r>
+                        <a:rPr lang="en-US" altLang="zh-TW" sz="1400" b="0" i="1" smtClean="0">
+                          <a:latin typeface="Cambria Math" panose="02040503050406030204" pitchFamily="18" charset="0"/>
+                        </a:rPr>
+                        <m:t>1</m:t>
+                      </m:r>
+                      <m:r>
+                        <a:rPr lang="en-US" altLang="zh-TW" sz="1400" b="0" i="1" smtClean="0">
+                          <a:latin typeface="Cambria Math" panose="02040503050406030204" pitchFamily="18" charset="0"/>
+                        </a:rPr>
+                        <m:t>&lt;</m:t>
+                      </m:r>
+                      <m:r>
+                        <a:rPr lang="en-US" altLang="zh-TW" sz="1400" i="1">
+                          <a:latin typeface="Cambria Math" panose="02040503050406030204" pitchFamily="18" charset="0"/>
+                        </a:rPr>
+                        <m:t>0⇒</m:t>
+                      </m:r>
+                      <m:r>
+                        <a:rPr lang="en-US" altLang="zh-TW" sz="1400" b="0" i="1" smtClean="0">
+                          <a:latin typeface="Cambria Math" panose="02040503050406030204" pitchFamily="18" charset="0"/>
+                        </a:rPr>
+                        <m:t>−</m:t>
+                      </m:r>
+                      <m:r>
+                        <a:rPr lang="en-US" altLang="zh-TW" sz="1400" i="1">
+                          <a:latin typeface="Cambria Math" panose="02040503050406030204" pitchFamily="18" charset="0"/>
+                        </a:rPr>
+                        <m:t>1</m:t>
+                      </m:r>
+                      <m:r>
+                        <a:rPr lang="en-US" altLang="zh-TW" sz="1400" b="0" i="1" smtClean="0">
+                          <a:latin typeface="Cambria Math" panose="02040503050406030204" pitchFamily="18" charset="0"/>
+                        </a:rPr>
+                        <m:t>,</m:t>
+                      </m:r>
+                      <m:f>
+                        <m:fPr>
+                          <m:ctrlPr>
+                            <a:rPr lang="en-US" altLang="zh-TW" sz="1400" i="1">
+                              <a:latin typeface="Cambria Math" panose="02040503050406030204" pitchFamily="18" charset="0"/>
+                            </a:rPr>
+                          </m:ctrlPr>
+                        </m:fPr>
+                        <m:num>
+                          <m:r>
+                            <a:rPr lang="en-US" altLang="zh-TW" sz="1400" i="1">
+                              <a:latin typeface="Cambria Math" panose="02040503050406030204" pitchFamily="18" charset="0"/>
+                            </a:rPr>
+                            <m:t>&lt;</m:t>
+                          </m:r>
+                          <m:sSub>
+                            <m:sSubPr>
+                              <m:ctrlPr>
+                                <a:rPr lang="en-US" altLang="zh-TW" sz="1400" i="1">
+                                  <a:latin typeface="Cambria Math" panose="02040503050406030204" pitchFamily="18" charset="0"/>
+                                </a:rPr>
+                              </m:ctrlPr>
+                            </m:sSubPr>
+                            <m:e>
+                              <m:r>
+                                <a:rPr lang="en-US" altLang="zh-TW" sz="1400" i="1">
+                                  <a:latin typeface="Cambria Math" panose="02040503050406030204" pitchFamily="18" charset="0"/>
+                                </a:rPr>
+                                <m:t>𝑦</m:t>
+                              </m:r>
+                            </m:e>
+                            <m:sub>
+                              <m:r>
+                                <a:rPr lang="en-US" altLang="zh-TW" sz="1400" b="0" i="1" smtClean="0">
+                                  <a:latin typeface="Cambria Math" panose="02040503050406030204" pitchFamily="18" charset="0"/>
+                                </a:rPr>
+                                <m:t>3</m:t>
+                              </m:r>
+                            </m:sub>
+                          </m:sSub>
+                          <m:r>
+                            <a:rPr lang="en-US" altLang="zh-TW" sz="1400" i="1">
+                              <a:latin typeface="Cambria Math" panose="02040503050406030204" pitchFamily="18" charset="0"/>
+                            </a:rPr>
+                            <m:t>, </m:t>
+                          </m:r>
+                          <m:r>
+                            <a:rPr lang="zh-TW" altLang="en-US" sz="1400" i="1">
+                              <a:latin typeface="Cambria Math" panose="02040503050406030204" pitchFamily="18" charset="0"/>
+                            </a:rPr>
+                            <m:t> </m:t>
+                          </m:r>
+                          <m:sSup>
+                            <m:sSupPr>
+                              <m:ctrlPr>
+                                <a:rPr lang="en-US" altLang="zh-TW" sz="1400" i="1">
+                                  <a:latin typeface="Cambria Math" panose="02040503050406030204" pitchFamily="18" charset="0"/>
+                                </a:rPr>
+                              </m:ctrlPr>
+                            </m:sSupPr>
+                            <m:e>
+                              <m:r>
+                                <a:rPr lang="en-US" altLang="zh-TW" sz="1400" b="0" i="1" smtClean="0">
+                                  <a:latin typeface="Cambria Math" panose="02040503050406030204" pitchFamily="18" charset="0"/>
+                                </a:rPr>
+                                <m:t>12</m:t>
+                              </m:r>
+                            </m:e>
+                            <m:sup>
+                              <m:r>
+                                <a:rPr lang="en-US" altLang="zh-TW" sz="1400" i="1">
+                                  <a:latin typeface="Cambria Math" panose="02040503050406030204" pitchFamily="18" charset="0"/>
+                                </a:rPr>
+                                <m:t>𝑠𝑡</m:t>
+                              </m:r>
+                            </m:sup>
+                          </m:sSup>
+                          <m:r>
+                            <a:rPr lang="en-US" altLang="zh-TW" sz="1400" i="1">
+                              <a:latin typeface="Cambria Math" panose="02040503050406030204" pitchFamily="18" charset="0"/>
+                            </a:rPr>
+                            <m:t>&gt;</m:t>
+                          </m:r>
+                        </m:num>
+                        <m:den>
+                          <m:r>
+                            <a:rPr lang="en-US" altLang="zh-TW" sz="1400" i="1">
+                              <a:latin typeface="Cambria Math" panose="02040503050406030204" pitchFamily="18" charset="0"/>
+                            </a:rPr>
+                            <m:t>16</m:t>
+                          </m:r>
+                        </m:den>
+                      </m:f>
+                      <m:r>
+                        <a:rPr lang="en-US" altLang="zh-TW" sz="1400" i="1">
+                          <a:latin typeface="Cambria Math" panose="02040503050406030204" pitchFamily="18" charset="0"/>
+                        </a:rPr>
+                        <m:t>=</m:t>
+                      </m:r>
+                      <m:r>
+                        <a:rPr lang="en-US" altLang="zh-TW" sz="1400" b="0" i="1" smtClean="0">
+                          <a:latin typeface="Cambria Math" panose="02040503050406030204" pitchFamily="18" charset="0"/>
+                        </a:rPr>
+                        <m:t>1&gt;</m:t>
+                      </m:r>
+                      <m:r>
+                        <a:rPr lang="en-US" altLang="zh-TW" sz="1400" i="1">
+                          <a:latin typeface="Cambria Math" panose="02040503050406030204" pitchFamily="18" charset="0"/>
+                        </a:rPr>
+                        <m:t>0⇒1</m:t>
+                      </m:r>
+                    </m:oMath>
+                  </m:oMathPara>
+                </a14:m>
+                <a:endParaRPr lang="en-US" altLang="zh-TW" sz="1400" dirty="0"/>
+              </a:p>
+              <a:p>
+                <a:pPr marL="285750" indent="-285750">
+                  <a:buFont typeface="Symbol" pitchFamily="2" charset="2"/>
+                  <a:buChar char="Þ"/>
+                </a:pPr>
+                <a:r>
+                  <a:rPr lang="en-US" altLang="zh-TW" sz="1400" dirty="0"/>
+                  <a:t>[1</a:t>
+                </a:r>
+                <a:r>
+                  <a:rPr lang="zh-TW" altLang="en-US" sz="1400" dirty="0"/>
+                  <a:t> </a:t>
+                </a:r>
+                <a:r>
+                  <a:rPr lang="en-US" altLang="zh-TW" sz="1400" dirty="0"/>
+                  <a:t>0</a:t>
+                </a:r>
+                <a:r>
+                  <a:rPr lang="zh-TW" altLang="en-US" sz="1400" dirty="0"/>
+                  <a:t> </a:t>
+                </a:r>
+                <a:r>
+                  <a:rPr lang="en-US" altLang="zh-TW" sz="1400" dirty="0"/>
+                  <a:t>1]</a:t>
+                </a:r>
+              </a:p>
+              <a:p>
+                <a:pPr marL="285750" indent="-285750" algn="ctr">
+                  <a:buFont typeface="Symbol" pitchFamily="2" charset="2"/>
+                  <a:buChar char="Þ"/>
+                </a:pPr>
+                <a:r>
+                  <a:rPr lang="en-US" altLang="zh-TW" dirty="0"/>
+                  <a:t>we</a:t>
+                </a:r>
+                <a:r>
+                  <a:rPr lang="zh-TW" altLang="en-US" dirty="0"/>
+                  <a:t> </a:t>
+                </a:r>
+                <a:r>
+                  <a:rPr lang="en-US" altLang="zh-TW" dirty="0"/>
+                  <a:t>can recover the original data</a:t>
+                </a:r>
+                <a:endParaRPr lang="en-US" altLang="zh-TW" sz="1400" dirty="0"/>
+              </a:p>
+            </p:txBody>
+          </p:sp>
+        </mc:Choice>
+        <mc:Fallback>
+          <p:sp>
+            <p:nvSpPr>
+              <p:cNvPr id="4" name="文字方塊 3">
+                <a:extLst>
+                  <a:ext uri="{FF2B5EF4-FFF2-40B4-BE49-F238E27FC236}">
+                    <a16:creationId xmlns:a16="http://schemas.microsoft.com/office/drawing/2014/main" id="{BBEEED4A-7879-82EA-9DC4-A18103E70D93}"/>
+                  </a:ext>
+                </a:extLst>
+              </p:cNvPr>
+              <p:cNvSpPr txBox="1">
+                <a:spLocks noRot="1" noChangeAspect="1" noMove="1" noResize="1" noEditPoints="1" noAdjustHandles="1" noChangeArrowheads="1" noChangeShapeType="1" noTextEdit="1"/>
+              </p:cNvSpPr>
+              <p:nvPr/>
+            </p:nvSpPr>
+            <p:spPr>
+              <a:xfrm>
+                <a:off x="359532" y="2230418"/>
+                <a:ext cx="8424936" cy="3689664"/>
+              </a:xfrm>
+              <a:prstGeom prst="rect">
+                <a:avLst/>
+              </a:prstGeom>
+              <a:blipFill>
+                <a:blip r:embed="rId3"/>
+                <a:stretch>
+                  <a:fillRect l="-753" t="-1027" r="-452" b="-2055"/>
+                </a:stretch>
+              </a:blipFill>
+            </p:spPr>
+            <p:txBody>
+              <a:bodyPr/>
+              <a:lstStyle/>
+              <a:p>
+                <a:r>
+                  <a:rPr lang="zh-TW" altLang="en-US">
+                    <a:noFill/>
+                  </a:rPr>
+                  <a:t> </a:t>
+                </a:r>
+              </a:p>
+            </p:txBody>
+          </p:sp>
+        </mc:Fallback>
+      </mc:AlternateContent>
+    </p:spTree>
+    <p:extLst>
+      <p:ext uri="{BB962C8B-B14F-4D97-AF65-F5344CB8AC3E}">
+        <p14:creationId xmlns:p14="http://schemas.microsoft.com/office/powerpoint/2010/main" val="616015430"/>
+      </p:ext>
+    </p:extLst>
+  </p:cSld>
+  <p:clrMapOvr>
+    <a:masterClrMapping/>
+  </p:clrMapOvr>
+</p:sld>
+</file>
+
+<file path=ppt/slides/slide6.xml><?xml version="1.0" encoding="utf-8"?>
 <p:sld xmlns:a="http://schemas.openxmlformats.org/drawingml/2006/main" xmlns:r="http://schemas.openxmlformats.org/officeDocument/2006/relationships" xmlns:p="http://schemas.openxmlformats.org/presentationml/2006/main">
   <p:cSld>
     <p:spTree>
@@ -8823,7 +10862,7 @@
 </p:sld>
 </file>
 
-<file path=ppt/slides/slide6.xml><?xml version="1.0" encoding="utf-8"?>
+<file path=ppt/slides/slide7.xml><?xml version="1.0" encoding="utf-8"?>
 <p:sld xmlns:a="http://schemas.openxmlformats.org/drawingml/2006/main" xmlns:r="http://schemas.openxmlformats.org/officeDocument/2006/relationships" xmlns:p="http://schemas.openxmlformats.org/presentationml/2006/main">
   <p:cSld>
     <p:spTree>
@@ -9092,7 +11131,7 @@
 </p:sld>
 </file>
 
-<file path=ppt/slides/slide7.xml><?xml version="1.0" encoding="utf-8"?>
+<file path=ppt/slides/slide8.xml><?xml version="1.0" encoding="utf-8"?>
 <p:sld xmlns:a="http://schemas.openxmlformats.org/drawingml/2006/main" xmlns:r="http://schemas.openxmlformats.org/officeDocument/2006/relationships" xmlns:p="http://schemas.openxmlformats.org/presentationml/2006/main">
   <p:cSld>
     <p:spTree>
@@ -9379,7 +11418,7 @@
             <p:spPr>
               <a:xfrm>
                 <a:off x="359532" y="2924944"/>
-                <a:ext cx="8424936" cy="5385192"/>
+                <a:ext cx="8424936" cy="4011739"/>
               </a:xfrm>
               <a:prstGeom prst="rect">
                 <a:avLst/>
@@ -11293,11 +13332,32 @@
                 <a:endParaRPr lang="en-US" altLang="zh-TW" sz="1800" b="0" dirty="0"/>
               </a:p>
               <a:p>
+                <a:pPr lvl="1" algn="ctr"/>
+                <a:r>
+                  <a:rPr lang="en-US" altLang="zh-TW" sz="1400" dirty="0"/>
+                  <a:t>.</a:t>
+                </a:r>
+              </a:p>
+              <a:p>
+                <a:pPr lvl="1" algn="ctr"/>
+                <a:r>
+                  <a:rPr lang="en-US" altLang="zh-TW" sz="1400" b="0" dirty="0"/>
+                  <a:t>.</a:t>
+                </a:r>
+              </a:p>
+              <a:p>
+                <a:pPr lvl="1" algn="ctr"/>
+                <a:r>
+                  <a:rPr lang="en-US" altLang="zh-TW" sz="1400" dirty="0"/>
+                  <a:t>.</a:t>
+                </a:r>
+              </a:p>
+              <a:p>
                 <a:pPr lvl="1"/>
                 <a14:m>
                   <m:oMathPara xmlns:m="http://schemas.openxmlformats.org/officeDocument/2006/math">
                     <m:oMathParaPr>
-                      <m:jc m:val="centerGroup"/>
+                      <m:jc m:val="left"/>
                     </m:oMathParaPr>
                     <m:oMath xmlns:m="http://schemas.openxmlformats.org/officeDocument/2006/math">
                       <m:sSup>
@@ -11344,7 +13404,7 @@
                             <a:rPr kumimoji="1" lang="en-US" altLang="zh-TW" sz="1800" b="0" i="1" smtClean="0">
                               <a:latin typeface="Cambria Math" panose="02040503050406030204" pitchFamily="18" charset="0"/>
                             </a:rPr>
-                            <m:t>13</m:t>
+                            <m:t>25</m:t>
                           </m:r>
                         </m:e>
                         <m:sup>
@@ -11378,13 +13438,13 @@
                         <a:rPr kumimoji="1" lang="en-US" altLang="zh-TW" sz="1800" b="0" i="1" smtClean="0">
                           <a:latin typeface="Cambria Math" panose="02040503050406030204" pitchFamily="18" charset="0"/>
                         </a:rPr>
-                        <m:t>31=2</m:t>
+                        <m:t>31=</m:t>
                       </m:r>
                       <m:r>
                         <a:rPr kumimoji="1" lang="en-US" altLang="zh-TW" sz="1800" b="0" i="1" smtClean="0">
                           <a:latin typeface="Cambria Math" panose="02040503050406030204" pitchFamily="18" charset="0"/>
                         </a:rPr>
-                        <m:t>1</m:t>
+                        <m:t>12</m:t>
                       </m:r>
                       <m:r>
                         <a:rPr kumimoji="1" lang="en-US" altLang="zh-TW" sz="1800" b="0" i="1" smtClean="0">
@@ -11436,7 +13496,7 @@
                             <a:rPr lang="en-US" altLang="zh-TW" sz="1800" b="0" i="1" smtClean="0">
                               <a:latin typeface="Cambria Math" panose="02040503050406030204" pitchFamily="18" charset="0"/>
                             </a:rPr>
-                            <m:t>14</m:t>
+                            <m:t>26</m:t>
                           </m:r>
                         </m:e>
                         <m:sup>
@@ -11476,19 +13536,7 @@
                         <a:rPr lang="en-US" altLang="zh-TW" sz="1800" b="0" i="1" smtClean="0">
                           <a:latin typeface="Cambria Math" panose="02040503050406030204" pitchFamily="18" charset="0"/>
                         </a:rPr>
-                        <m:t>1</m:t>
-                      </m:r>
-                      <m:r>
-                        <a:rPr lang="en-US" altLang="zh-TW" sz="1800" b="0" i="1" smtClean="0">
-                          <a:latin typeface="Cambria Math" panose="02040503050406030204" pitchFamily="18" charset="0"/>
-                        </a:rPr>
-                        <m:t>7</m:t>
-                      </m:r>
-                      <m:r>
-                        <a:rPr lang="en-US" altLang="zh-TW" sz="1800" b="0" i="1" smtClean="0">
-                          <a:latin typeface="Cambria Math" panose="02040503050406030204" pitchFamily="18" charset="0"/>
-                        </a:rPr>
-                        <m:t>,</m:t>
+                        <m:t>1,</m:t>
                       </m:r>
                       <m:sSup>
                         <m:sSupPr>
@@ -11534,7 +13582,7 @@
                             <a:rPr lang="en-US" altLang="zh-TW" sz="1800" b="0" i="1" smtClean="0">
                               <a:latin typeface="Cambria Math" panose="02040503050406030204" pitchFamily="18" charset="0"/>
                             </a:rPr>
-                            <m:t>15</m:t>
+                            <m:t>27</m:t>
                           </m:r>
                         </m:e>
                         <m:sup>
@@ -11574,13 +13622,7 @@
                         <a:rPr lang="en-US" altLang="zh-TW" sz="1800" b="0" i="1" smtClean="0">
                           <a:latin typeface="Cambria Math" panose="02040503050406030204" pitchFamily="18" charset="0"/>
                         </a:rPr>
-                        <m:t>1</m:t>
-                      </m:r>
-                      <m:r>
-                        <a:rPr lang="en-US" altLang="zh-TW" sz="1800" b="0" i="1" smtClean="0">
-                          <a:latin typeface="Cambria Math" panose="02040503050406030204" pitchFamily="18" charset="0"/>
-                        </a:rPr>
-                        <m:t>5</m:t>
+                        <m:t>23</m:t>
                       </m:r>
                       <m:r>
                         <a:rPr lang="en-US" altLang="zh-TW" sz="1800" b="0" i="1" smtClean="0">
@@ -11591,341 +13633,41 @@
                     </m:oMath>
                   </m:oMathPara>
                 </a14:m>
-                <a:endParaRPr lang="en-US" altLang="zh-TW" sz="1800" b="0" dirty="0"/>
+                <a:endParaRPr lang="en-US" altLang="zh-TW" sz="1400" b="0" dirty="0"/>
               </a:p>
               <a:p>
-                <a:pPr lvl="1"/>
-                <a14:m>
-                  <m:oMathPara xmlns:m="http://schemas.openxmlformats.org/officeDocument/2006/math">
-                    <m:oMathParaPr>
-                      <m:jc m:val="centerGroup"/>
-                    </m:oMathParaPr>
-                    <m:oMath xmlns:m="http://schemas.openxmlformats.org/officeDocument/2006/math">
-                      <m:sSup>
-                        <m:sSupPr>
-                          <m:ctrlPr>
-                            <a:rPr kumimoji="1" lang="en-US" altLang="zh-TW" sz="1800" i="1" smtClean="0">
-                              <a:latin typeface="Cambria Math" panose="02040503050406030204" pitchFamily="18" charset="0"/>
-                            </a:rPr>
-                          </m:ctrlPr>
-                        </m:sSupPr>
-                        <m:e>
-                          <m:r>
-                            <a:rPr kumimoji="1" lang="en-US" altLang="zh-TW" sz="1800" b="0" i="1" smtClean="0">
-                              <a:latin typeface="Cambria Math" panose="02040503050406030204" pitchFamily="18" charset="0"/>
-                            </a:rPr>
-                            <m:t>10</m:t>
-                          </m:r>
-                        </m:e>
-                        <m:sup>
-                          <m:r>
-                            <a:rPr kumimoji="1" lang="en-US" altLang="zh-TW" sz="1800" b="0" i="1" smtClean="0">
-                              <a:latin typeface="Cambria Math" panose="02040503050406030204" pitchFamily="18" charset="0"/>
-                            </a:rPr>
-                            <m:t>2</m:t>
-                          </m:r>
-                        </m:sup>
-                      </m:sSup>
-                      <m:r>
-                        <a:rPr kumimoji="1" lang="en-US" altLang="zh-TW" sz="1800" b="0" i="1" smtClean="0">
-                          <a:latin typeface="Cambria Math" panose="02040503050406030204" pitchFamily="18" charset="0"/>
-                        </a:rPr>
-                        <m:t>+</m:t>
-                      </m:r>
-                      <m:sSup>
-                        <m:sSupPr>
-                          <m:ctrlPr>
-                            <a:rPr kumimoji="1" lang="en-US" altLang="zh-TW" sz="1800" b="0" i="1" smtClean="0">
-                              <a:latin typeface="Cambria Math" panose="02040503050406030204" pitchFamily="18" charset="0"/>
-                            </a:rPr>
-                          </m:ctrlPr>
-                        </m:sSupPr>
-                        <m:e>
-                          <m:r>
-                            <a:rPr kumimoji="1" lang="en-US" altLang="zh-TW" sz="1800" b="0" i="1" smtClean="0">
-                              <a:latin typeface="Cambria Math" panose="02040503050406030204" pitchFamily="18" charset="0"/>
-                            </a:rPr>
-                            <m:t>16</m:t>
-                          </m:r>
-                        </m:e>
-                        <m:sup>
-                          <m:r>
-                            <a:rPr kumimoji="1" lang="en-US" altLang="zh-TW" sz="1800" b="0" i="1" smtClean="0">
-                              <a:latin typeface="Cambria Math" panose="02040503050406030204" pitchFamily="18" charset="0"/>
-                            </a:rPr>
-                            <m:t>2</m:t>
-                          </m:r>
-                        </m:sup>
-                      </m:sSup>
-                      <m:r>
-                        <a:rPr kumimoji="1" lang="zh-TW" altLang="en-US" sz="1800" b="0" i="1" smtClean="0">
-                          <a:latin typeface="Cambria Math" panose="02040503050406030204" pitchFamily="18" charset="0"/>
-                        </a:rPr>
-                        <m:t> </m:t>
-                      </m:r>
-                      <m:r>
-                        <a:rPr kumimoji="1" lang="en-US" altLang="zh-TW" sz="1800" b="0" i="1" smtClean="0">
-                          <a:latin typeface="Cambria Math" panose="02040503050406030204" pitchFamily="18" charset="0"/>
-                        </a:rPr>
-                        <m:t>𝑚𝑜𝑑</m:t>
-                      </m:r>
-                      <m:r>
-                        <a:rPr kumimoji="1" lang="zh-TW" altLang="en-US" sz="1800" b="0" i="1" smtClean="0">
-                          <a:latin typeface="Cambria Math" panose="02040503050406030204" pitchFamily="18" charset="0"/>
-                        </a:rPr>
-                        <m:t> </m:t>
-                      </m:r>
-                      <m:r>
-                        <a:rPr kumimoji="1" lang="en-US" altLang="zh-TW" sz="1800" b="0" i="1" smtClean="0">
-                          <a:latin typeface="Cambria Math" panose="02040503050406030204" pitchFamily="18" charset="0"/>
-                        </a:rPr>
-                        <m:t>31=</m:t>
-                      </m:r>
-                      <m:r>
-                        <a:rPr kumimoji="1" lang="en-US" altLang="zh-TW" sz="1800" b="0" i="1" smtClean="0">
-                          <a:latin typeface="Cambria Math" panose="02040503050406030204" pitchFamily="18" charset="0"/>
-                        </a:rPr>
-                        <m:t>15</m:t>
-                      </m:r>
-                      <m:r>
-                        <a:rPr kumimoji="1" lang="en-US" altLang="zh-TW" sz="1800" b="0" i="1" smtClean="0">
-                          <a:latin typeface="Cambria Math" panose="02040503050406030204" pitchFamily="18" charset="0"/>
-                        </a:rPr>
-                        <m:t>,</m:t>
-                      </m:r>
-                      <m:sSup>
-                        <m:sSupPr>
-                          <m:ctrlPr>
-                            <a:rPr lang="en-US" altLang="zh-TW" sz="1800" i="1">
-                              <a:latin typeface="Cambria Math" panose="02040503050406030204" pitchFamily="18" charset="0"/>
-                            </a:rPr>
-                          </m:ctrlPr>
-                        </m:sSupPr>
-                        <m:e>
-                          <m:r>
-                            <a:rPr lang="en-US" altLang="zh-TW" sz="1800" i="1">
-                              <a:latin typeface="Cambria Math" panose="02040503050406030204" pitchFamily="18" charset="0"/>
-                            </a:rPr>
-                            <m:t>10</m:t>
-                          </m:r>
-                        </m:e>
-                        <m:sup>
-                          <m:r>
-                            <a:rPr lang="en-US" altLang="zh-TW" sz="1800" i="1">
-                              <a:latin typeface="Cambria Math" panose="02040503050406030204" pitchFamily="18" charset="0"/>
-                            </a:rPr>
-                            <m:t>2</m:t>
-                          </m:r>
-                        </m:sup>
-                      </m:sSup>
-                      <m:r>
-                        <a:rPr lang="en-US" altLang="zh-TW" sz="1800" i="1">
-                          <a:latin typeface="Cambria Math" panose="02040503050406030204" pitchFamily="18" charset="0"/>
-                        </a:rPr>
-                        <m:t>+</m:t>
-                      </m:r>
-                      <m:sSup>
-                        <m:sSupPr>
-                          <m:ctrlPr>
-                            <a:rPr lang="en-US" altLang="zh-TW" sz="1800" i="1">
-                              <a:latin typeface="Cambria Math" panose="02040503050406030204" pitchFamily="18" charset="0"/>
-                            </a:rPr>
-                          </m:ctrlPr>
-                        </m:sSupPr>
-                        <m:e>
-                          <m:r>
-                            <a:rPr lang="en-US" altLang="zh-TW" sz="1800" b="0" i="1" smtClean="0">
-                              <a:latin typeface="Cambria Math" panose="02040503050406030204" pitchFamily="18" charset="0"/>
-                            </a:rPr>
-                            <m:t>17</m:t>
-                          </m:r>
-                        </m:e>
-                        <m:sup>
-                          <m:r>
-                            <a:rPr lang="en-US" altLang="zh-TW" sz="1800" i="1">
-                              <a:latin typeface="Cambria Math" panose="02040503050406030204" pitchFamily="18" charset="0"/>
-                            </a:rPr>
-                            <m:t>2</m:t>
-                          </m:r>
-                        </m:sup>
-                      </m:sSup>
-                      <m:r>
-                        <a:rPr lang="zh-TW" altLang="en-US" sz="1800" i="1">
-                          <a:latin typeface="Cambria Math" panose="02040503050406030204" pitchFamily="18" charset="0"/>
-                        </a:rPr>
-                        <m:t> </m:t>
-                      </m:r>
-                      <m:r>
-                        <a:rPr lang="en-US" altLang="zh-TW" sz="1800" i="1">
-                          <a:latin typeface="Cambria Math" panose="02040503050406030204" pitchFamily="18" charset="0"/>
-                        </a:rPr>
-                        <m:t>𝑚𝑜𝑑</m:t>
-                      </m:r>
-                      <m:r>
-                        <a:rPr lang="zh-TW" altLang="en-US" sz="1800" i="1">
-                          <a:latin typeface="Cambria Math" panose="02040503050406030204" pitchFamily="18" charset="0"/>
-                        </a:rPr>
-                        <m:t> </m:t>
-                      </m:r>
-                      <m:r>
-                        <a:rPr lang="en-US" altLang="zh-TW" sz="1800" i="1">
-                          <a:latin typeface="Cambria Math" panose="02040503050406030204" pitchFamily="18" charset="0"/>
-                        </a:rPr>
-                        <m:t>31=</m:t>
-                      </m:r>
-                      <m:r>
-                        <a:rPr lang="en-US" altLang="zh-TW" sz="1800" b="0" i="1" smtClean="0">
-                          <a:latin typeface="Cambria Math" panose="02040503050406030204" pitchFamily="18" charset="0"/>
-                        </a:rPr>
-                        <m:t>1</m:t>
-                      </m:r>
-                      <m:r>
-                        <a:rPr lang="en-US" altLang="zh-TW" sz="1800" b="0" i="1" smtClean="0">
-                          <a:latin typeface="Cambria Math" panose="02040503050406030204" pitchFamily="18" charset="0"/>
-                        </a:rPr>
-                        <m:t>7</m:t>
-                      </m:r>
-                      <m:r>
-                        <a:rPr lang="en-US" altLang="zh-TW" sz="1800" b="0" i="1" smtClean="0">
-                          <a:latin typeface="Cambria Math" panose="02040503050406030204" pitchFamily="18" charset="0"/>
-                        </a:rPr>
-                        <m:t>,</m:t>
-                      </m:r>
-                      <m:sSup>
-                        <m:sSupPr>
-                          <m:ctrlPr>
-                            <a:rPr lang="en-US" altLang="zh-TW" sz="1800" i="1">
-                              <a:latin typeface="Cambria Math" panose="02040503050406030204" pitchFamily="18" charset="0"/>
-                            </a:rPr>
-                          </m:ctrlPr>
-                        </m:sSupPr>
-                        <m:e>
-                          <m:r>
-                            <a:rPr lang="en-US" altLang="zh-TW" sz="1800" i="1">
-                              <a:latin typeface="Cambria Math" panose="02040503050406030204" pitchFamily="18" charset="0"/>
-                            </a:rPr>
-                            <m:t>10</m:t>
-                          </m:r>
-                        </m:e>
-                        <m:sup>
-                          <m:r>
-                            <a:rPr lang="en-US" altLang="zh-TW" sz="1800" i="1">
-                              <a:latin typeface="Cambria Math" panose="02040503050406030204" pitchFamily="18" charset="0"/>
-                            </a:rPr>
-                            <m:t>2</m:t>
-                          </m:r>
-                        </m:sup>
-                      </m:sSup>
-                      <m:r>
-                        <a:rPr lang="en-US" altLang="zh-TW" sz="1800" i="1">
-                          <a:latin typeface="Cambria Math" panose="02040503050406030204" pitchFamily="18" charset="0"/>
-                        </a:rPr>
-                        <m:t>+</m:t>
-                      </m:r>
-                      <m:sSup>
-                        <m:sSupPr>
-                          <m:ctrlPr>
-                            <a:rPr lang="en-US" altLang="zh-TW" sz="1800" i="1">
-                              <a:latin typeface="Cambria Math" panose="02040503050406030204" pitchFamily="18" charset="0"/>
-                            </a:rPr>
-                          </m:ctrlPr>
-                        </m:sSupPr>
-                        <m:e>
-                          <m:r>
-                            <a:rPr lang="en-US" altLang="zh-TW" sz="1800" b="0" i="1" smtClean="0">
-                              <a:latin typeface="Cambria Math" panose="02040503050406030204" pitchFamily="18" charset="0"/>
-                            </a:rPr>
-                            <m:t>18</m:t>
-                          </m:r>
-                        </m:e>
-                        <m:sup>
-                          <m:r>
-                            <a:rPr lang="en-US" altLang="zh-TW" sz="1800" i="1">
-                              <a:latin typeface="Cambria Math" panose="02040503050406030204" pitchFamily="18" charset="0"/>
-                            </a:rPr>
-                            <m:t>2</m:t>
-                          </m:r>
-                        </m:sup>
-                      </m:sSup>
-                      <m:r>
-                        <a:rPr lang="zh-TW" altLang="en-US" sz="1800" i="1">
-                          <a:latin typeface="Cambria Math" panose="02040503050406030204" pitchFamily="18" charset="0"/>
-                        </a:rPr>
-                        <m:t> </m:t>
-                      </m:r>
-                      <m:r>
-                        <a:rPr lang="en-US" altLang="zh-TW" sz="1800" i="1">
-                          <a:latin typeface="Cambria Math" panose="02040503050406030204" pitchFamily="18" charset="0"/>
-                        </a:rPr>
-                        <m:t>𝑚𝑜𝑑</m:t>
-                      </m:r>
-                      <m:r>
-                        <a:rPr lang="zh-TW" altLang="en-US" sz="1800" i="1">
-                          <a:latin typeface="Cambria Math" panose="02040503050406030204" pitchFamily="18" charset="0"/>
-                        </a:rPr>
-                        <m:t> </m:t>
-                      </m:r>
-                      <m:r>
-                        <a:rPr lang="en-US" altLang="zh-TW" sz="1800" i="1">
-                          <a:latin typeface="Cambria Math" panose="02040503050406030204" pitchFamily="18" charset="0"/>
-                        </a:rPr>
-                        <m:t>31=</m:t>
-                      </m:r>
-                      <m:r>
-                        <a:rPr lang="en-US" altLang="zh-TW" sz="1800" b="0" i="1" smtClean="0">
-                          <a:latin typeface="Cambria Math" panose="02040503050406030204" pitchFamily="18" charset="0"/>
-                        </a:rPr>
-                        <m:t>2</m:t>
-                      </m:r>
-                      <m:r>
-                        <a:rPr lang="en-US" altLang="zh-TW" sz="1800" b="0" i="1" smtClean="0">
-                          <a:latin typeface="Cambria Math" panose="02040503050406030204" pitchFamily="18" charset="0"/>
-                        </a:rPr>
-                        <m:t>1</m:t>
-                      </m:r>
-                      <m:r>
-                        <a:rPr lang="en-US" altLang="zh-TW" sz="1800" b="0" i="1" smtClean="0">
-                          <a:latin typeface="Cambria Math" panose="02040503050406030204" pitchFamily="18" charset="0"/>
-                        </a:rPr>
-                        <m:t>,</m:t>
-                      </m:r>
-                    </m:oMath>
-                  </m:oMathPara>
-                </a14:m>
-                <a:endParaRPr lang="en-US" altLang="zh-TW" sz="1800" b="0"/>
-              </a:p>
-              <a:p>
-                <a:pPr lvl="1"/>
-                <a:endParaRPr lang="en-US" altLang="zh-TW" sz="1800" b="0" dirty="0"/>
-              </a:p>
-              <a:p>
-                <a:pPr lvl="1"/>
-                <a:endParaRPr lang="en-US" altLang="zh-TW" sz="1800" b="0" dirty="0"/>
-              </a:p>
-              <a:p>
-                <a:pPr lvl="1"/>
-                <a:endParaRPr lang="en-US" altLang="zh-TW" b="0" dirty="0"/>
-              </a:p>
-              <a:p>
-                <a:pPr lvl="1"/>
-                <a:endParaRPr lang="en-US" altLang="zh-TW" b="0" dirty="0"/>
-              </a:p>
-              <a:p>
-                <a:pPr marL="914400" lvl="1" indent="-457200">
-                  <a:buFontTx/>
-                  <a:buAutoNum type="alphaLcParenBoth"/>
+                <a:pPr marL="742950" lvl="1" indent="-285750" algn="ctr">
+                  <a:buFont typeface="Symbol" pitchFamily="2" charset="2"/>
+                  <a:buChar char="Þ"/>
                 </a:pPr>
-                <a:endParaRPr kumimoji="1" lang="en-US" altLang="zh-TW" dirty="0"/>
-              </a:p>
-              <a:p>
-                <a:pPr lvl="1"/>
-                <a:endParaRPr kumimoji="1" lang="en-US" altLang="zh-TW" dirty="0"/>
-              </a:p>
-              <a:p>
-                <a:pPr marL="457200" indent="-457200">
-                  <a:buAutoNum type="alphaLcParenBoth"/>
-                </a:pPr>
-                <a:endParaRPr kumimoji="1" lang="en-US" altLang="zh-TW" dirty="0"/>
+                <a:r>
+                  <a:rPr lang="en-US" altLang="zh-TW" dirty="0"/>
+                  <a:t>b</a:t>
+                </a:r>
+                <a:r>
+                  <a:rPr lang="zh-TW" altLang="en-US" b="0" dirty="0"/>
+                  <a:t> </a:t>
+                </a:r>
+                <a:r>
+                  <a:rPr lang="en-US" altLang="zh-TW" b="0" dirty="0"/>
+                  <a:t>=</a:t>
+                </a:r>
+                <a:r>
+                  <a:rPr lang="zh-TW" altLang="en-US" b="0" dirty="0"/>
+                  <a:t> </a:t>
+                </a:r>
+                <a:r>
+                  <a:rPr lang="en-US" altLang="zh-TW" b="0" dirty="0"/>
+                  <a:t>5,</a:t>
+                </a:r>
+                <a:r>
+                  <a:rPr lang="zh-TW" altLang="en-US" b="0" dirty="0"/>
+                  <a:t> </a:t>
+                </a:r>
+                <a:r>
+                  <a:rPr lang="en-US" altLang="zh-TW" b="0" dirty="0"/>
+                  <a:t>26</a:t>
+                </a:r>
               </a:p>
             </p:txBody>
           </p:sp>
@@ -11948,7 +13690,7 @@
             <p:spPr>
               <a:xfrm>
                 <a:off x="359532" y="2924944"/>
-                <a:ext cx="8424936" cy="5385192"/>
+                <a:ext cx="8424936" cy="4011739"/>
               </a:xfrm>
               <a:prstGeom prst="rect">
                 <a:avLst/>
@@ -11956,7 +13698,7 @@
               <a:blipFill>
                 <a:blip r:embed="rId3"/>
                 <a:stretch>
-                  <a:fillRect l="-452" t="-235"/>
+                  <a:fillRect l="-452" t="-315" b="-946"/>
                 </a:stretch>
               </a:blipFill>
             </p:spPr>
@@ -11988,7 +13730,7 @@
 </p:sld>
 </file>
 
-<file path=ppt/slides/slide8.xml><?xml version="1.0" encoding="utf-8"?>
+<file path=ppt/slides/slide9.xml><?xml version="1.0" encoding="utf-8"?>
 <p:sld xmlns:a="http://schemas.openxmlformats.org/drawingml/2006/main" xmlns:r="http://schemas.openxmlformats.org/officeDocument/2006/relationships" xmlns:p="http://schemas.openxmlformats.org/presentationml/2006/main">
   <p:cSld>
     <p:spTree>
